--- a/10后期文档/需求变更评审.pptx
+++ b/10后期文档/需求变更评审.pptx
@@ -207,7 +207,7 @@
           <a:p>
             <a:fld id="{D2A48B96-639E-45A3-A0BA-2464DFDB1FAA}" type="datetimeFigureOut">
               <a:rPr lang="zh-CN" altLang="en-US" smtClean="0"/>
-              <a:t>2018/1/10</a:t>
+              <a:t>2018/1/11</a:t>
             </a:fld>
             <a:endParaRPr lang="zh-CN" altLang="en-US"/>
           </a:p>
@@ -2296,7 +2296,7 @@
           <a:p>
             <a:fld id="{D997B5FA-0921-464F-AAE1-844C04324D75}" type="datetimeFigureOut">
               <a:rPr lang="zh-CN" altLang="en-US" smtClean="0"/>
-              <a:t>2018/1/10</a:t>
+              <a:t>2018/1/11</a:t>
             </a:fld>
             <a:endParaRPr lang="zh-CN" altLang="en-US" dirty="0"/>
           </a:p>
@@ -2511,7 +2511,7 @@
           <a:p>
             <a:fld id="{760FBDFE-C587-4B4C-A407-44438C67B59E}" type="datetimeFigureOut">
               <a:rPr lang="zh-CN" altLang="en-US" smtClean="0"/>
-              <a:t>2018/1/10</a:t>
+              <a:t>2018/1/11</a:t>
             </a:fld>
             <a:endParaRPr lang="zh-CN" altLang="en-US"/>
           </a:p>
@@ -2729,7 +2729,7 @@
           <a:p>
             <a:fld id="{760FBDFE-C587-4B4C-A407-44438C67B59E}" type="datetimeFigureOut">
               <a:rPr lang="zh-CN" altLang="en-US" smtClean="0"/>
-              <a:t>2018/1/10</a:t>
+              <a:t>2018/1/11</a:t>
             </a:fld>
             <a:endParaRPr lang="zh-CN" altLang="en-US" dirty="0"/>
           </a:p>
@@ -3223,7 +3223,7 @@
           <a:p>
             <a:fld id="{760FBDFE-C587-4B4C-A407-44438C67B59E}" type="datetimeFigureOut">
               <a:rPr lang="zh-CN" altLang="en-US" smtClean="0"/>
-              <a:t>2018/1/10</a:t>
+              <a:t>2018/1/11</a:t>
             </a:fld>
             <a:endParaRPr lang="zh-CN" altLang="en-US"/>
           </a:p>
@@ -3458,7 +3458,7 @@
           <a:p>
             <a:fld id="{760FBDFE-C587-4B4C-A407-44438C67B59E}" type="datetimeFigureOut">
               <a:rPr lang="zh-CN" altLang="en-US" smtClean="0"/>
-              <a:t>2018/1/10</a:t>
+              <a:t>2018/1/11</a:t>
             </a:fld>
             <a:endParaRPr lang="zh-CN" altLang="en-US"/>
           </a:p>
@@ -3840,7 +3840,7 @@
           <a:p>
             <a:fld id="{760FBDFE-C587-4B4C-A407-44438C67B59E}" type="datetimeFigureOut">
               <a:rPr lang="zh-CN" altLang="en-US" smtClean="0"/>
-              <a:t>2018/1/10</a:t>
+              <a:t>2018/1/11</a:t>
             </a:fld>
             <a:endParaRPr lang="zh-CN" altLang="en-US"/>
           </a:p>
@@ -4185,7 +4185,7 @@
           <a:p>
             <a:fld id="{760FBDFE-C587-4B4C-A407-44438C67B59E}" type="datetimeFigureOut">
               <a:rPr lang="zh-CN" altLang="en-US" smtClean="0"/>
-              <a:t>2018/1/10</a:t>
+              <a:t>2018/1/11</a:t>
             </a:fld>
             <a:endParaRPr lang="zh-CN" altLang="en-US"/>
           </a:p>
@@ -4400,7 +4400,7 @@
           <a:p>
             <a:fld id="{760FBDFE-C587-4B4C-A407-44438C67B59E}" type="datetimeFigureOut">
               <a:rPr lang="zh-CN" altLang="en-US" smtClean="0"/>
-              <a:t>2018/1/10</a:t>
+              <a:t>2018/1/11</a:t>
             </a:fld>
             <a:endParaRPr lang="zh-CN" altLang="en-US"/>
           </a:p>
@@ -4651,7 +4651,7 @@
           <a:p>
             <a:fld id="{9EFD9D74-47D9-4702-A33C-335B63B48DBF}" type="datetimeFigureOut">
               <a:rPr lang="zh-CN" altLang="en-US" smtClean="0"/>
-              <a:t>2018/1/10</a:t>
+              <a:t>2018/1/11</a:t>
             </a:fld>
             <a:endParaRPr lang="zh-CN" altLang="en-US" dirty="0"/>
           </a:p>
@@ -4880,7 +4880,7 @@
           <a:p>
             <a:fld id="{760FBDFE-C587-4B4C-A407-44438C67B59E}" type="datetimeFigureOut">
               <a:rPr lang="zh-CN" altLang="en-US" smtClean="0"/>
-              <a:t>2018/1/10</a:t>
+              <a:t>2018/1/11</a:t>
             </a:fld>
             <a:endParaRPr lang="zh-CN" altLang="en-US"/>
           </a:p>
@@ -5096,7 +5096,7 @@
           <a:p>
             <a:fld id="{D997B5FA-0921-464F-AAE1-844C04324D75}" type="datetimeFigureOut">
               <a:rPr lang="zh-CN" altLang="en-US" smtClean="0"/>
-              <a:t>2018/1/10</a:t>
+              <a:t>2018/1/11</a:t>
             </a:fld>
             <a:endParaRPr lang="zh-CN" altLang="en-US" dirty="0"/>
           </a:p>
@@ -6749,11 +6749,7 @@
             </a:pPr>
             <a:r>
               <a:rPr lang="en-US" altLang="zh-CN" sz="6600" dirty="0" smtClean="0"/>
-              <a:t>3</a:t>
-            </a:r>
-            <a:r>
-              <a:rPr lang="en-US" altLang="zh-CN" sz="6600" dirty="0" smtClean="0"/>
-              <a:t> CCB</a:t>
+              <a:t>3 CCB</a:t>
             </a:r>
             <a:r>
               <a:rPr lang="zh-CN" altLang="en-US" sz="6600" dirty="0" smtClean="0"/>
@@ -7281,7 +7277,7 @@
       </p:sp>
       <p:pic>
         <p:nvPicPr>
-          <p:cNvPr id="3074" name="Picture 2"/>
+          <p:cNvPr id="1026" name="Picture 2"/>
           <p:cNvPicPr>
             <a:picLocks noChangeAspect="1" noChangeArrowheads="1"/>
           </p:cNvPicPr>
@@ -7302,8 +7298,8 @@
         </p:blipFill>
         <p:spPr bwMode="auto">
           <a:xfrm>
-            <a:off x="4907026" y="3710894"/>
-            <a:ext cx="6886575" cy="2524125"/>
+            <a:off x="1272767" y="3602856"/>
+            <a:ext cx="6858000" cy="1571625"/>
           </a:xfrm>
           <a:prstGeom prst="rect">
             <a:avLst/>
@@ -9701,11 +9697,7 @@
             </a:r>
             <a:r>
               <a:rPr lang="zh-CN" altLang="en-US" sz="6600" dirty="0" smtClean="0"/>
-              <a:t>组内</a:t>
-            </a:r>
-            <a:r>
-              <a:rPr lang="zh-CN" altLang="en-US" sz="6600" dirty="0" smtClean="0"/>
-              <a:t>评审</a:t>
+              <a:t>组内评审</a:t>
             </a:r>
             <a:endParaRPr lang="en-US" altLang="zh-CN" sz="6600" dirty="0" smtClean="0"/>
           </a:p>
@@ -13257,7 +13249,7 @@
   <a:extraClrSchemeLst/>
   <a:extLst>
     <a:ext uri="{05A4C25C-085E-4340-85A3-A5531E510DB2}">
-      <thm15:themeFamily xmlns="" xmlns:thm15="http://schemas.microsoft.com/office/thememl/2012/main" name="Office Theme" id="{62F939B6-93AF-4DB8-9C6B-D6C7DFDC589F}" vid="{4A3C46E8-61CC-4603-A589-7422A47A8E4A}"/>
+      <thm15:themeFamily xmlns:thm15="http://schemas.microsoft.com/office/thememl/2012/main" xmlns="" name="Office Theme" id="{62F939B6-93AF-4DB8-9C6B-D6C7DFDC589F}" vid="{4A3C46E8-61CC-4603-A589-7422A47A8E4A}"/>
     </a:ext>
   </a:extLst>
 </a:theme>
@@ -13518,7 +13510,7 @@
   <a:extraClrSchemeLst/>
   <a:extLst>
     <a:ext uri="{05A4C25C-085E-4340-85A3-A5531E510DB2}">
-      <thm15:themeFamily xmlns="" xmlns:thm15="http://schemas.microsoft.com/office/thememl/2012/main" name="Office Theme" id="{62F939B6-93AF-4DB8-9C6B-D6C7DFDC589F}" vid="{4A3C46E8-61CC-4603-A589-7422A47A8E4A}"/>
+      <thm15:themeFamily xmlns:thm15="http://schemas.microsoft.com/office/thememl/2012/main" xmlns="" name="Office Theme" id="{62F939B6-93AF-4DB8-9C6B-D6C7DFDC589F}" vid="{4A3C46E8-61CC-4603-A589-7422A47A8E4A}"/>
     </a:ext>
   </a:extLst>
 </a:theme>

--- a/10后期文档/需求变更评审.pptx
+++ b/10后期文档/需求变更评审.pptx
@@ -5,7 +5,7 @@
     <p:sldMasterId id="2147483648" r:id="rId1"/>
   </p:sldMasterIdLst>
   <p:notesMasterIdLst>
-    <p:notesMasterId r:id="rId18"/>
+    <p:notesMasterId r:id="rId20"/>
   </p:notesMasterIdLst>
   <p:sldIdLst>
     <p:sldId id="256" r:id="rId2"/>
@@ -21,9 +21,11 @@
     <p:sldId id="275" r:id="rId12"/>
     <p:sldId id="272" r:id="rId13"/>
     <p:sldId id="264" r:id="rId14"/>
-    <p:sldId id="276" r:id="rId15"/>
-    <p:sldId id="277" r:id="rId16"/>
-    <p:sldId id="265" r:id="rId17"/>
+    <p:sldId id="279" r:id="rId15"/>
+    <p:sldId id="276" r:id="rId16"/>
+    <p:sldId id="277" r:id="rId17"/>
+    <p:sldId id="265" r:id="rId18"/>
+    <p:sldId id="278" r:id="rId19"/>
   </p:sldIdLst>
   <p:sldSz cx="12192000" cy="6858000"/>
   <p:notesSz cx="6858000" cy="9144000"/>
@@ -934,51 +936,11 @@
           <a:bodyPr/>
           <a:lstStyle/>
           <a:p>
-            <a:pPr marL="0" marR="0" lvl="0" indent="0" algn="r" defTabSz="914400" eaLnBrk="0" fontAlgn="base" latinLnBrk="0" hangingPunct="0">
-              <a:lnSpc>
-                <a:spcPct val="100000"/>
-              </a:lnSpc>
-              <a:spcBef>
-                <a:spcPct val="0"/>
-              </a:spcBef>
-              <a:spcAft>
-                <a:spcPct val="0"/>
-              </a:spcAft>
-              <a:buClrTx/>
-              <a:buSzTx/>
-              <a:buFontTx/>
-              <a:buNone/>
-              <a:defRPr/>
-            </a:pPr>
-            <a:fld id="{39AD698A-D66C-4FA1-BBD8-F72AE9E6E751}" type="slidenum">
-              <a:rPr kumimoji="0" lang="zh-CN" altLang="en-US" sz="1200" b="0" i="0" u="none" strike="noStrike" kern="1200" cap="none" spc="0" normalizeH="0" baseline="0" noProof="0" smtClean="0">
-                <a:ln>
-                  <a:noFill/>
-                </a:ln>
-                <a:solidFill>
-                  <a:prstClr val="black"/>
-                </a:solidFill>
-                <a:effectLst/>
-                <a:uLnTx/>
-                <a:uFillTx/>
-                <a:latin typeface="Calibri" panose="020F0502020204030204" charset="0"/>
-                <a:ea typeface="微软雅黑" panose="020B0503020204020204" charset="-122"/>
-              </a:rPr>
+            <a:fld id="{F98589CD-A935-4D1C-B053-63800F7F5732}" type="slidenum">
+              <a:rPr lang="zh-CN" altLang="en-US" smtClean="0"/>
               <a:t>14</a:t>
             </a:fld>
-            <a:endParaRPr kumimoji="0" lang="zh-CN" altLang="en-US" sz="1200" b="0" i="0" u="none" strike="noStrike" kern="1200" cap="none" spc="0" normalizeH="0" baseline="0" noProof="0">
-              <a:ln>
-                <a:noFill/>
-              </a:ln>
-              <a:solidFill>
-                <a:prstClr val="black"/>
-              </a:solidFill>
-              <a:effectLst/>
-              <a:uLnTx/>
-              <a:uFillTx/>
-              <a:latin typeface="Calibri" panose="020F0502020204030204" charset="0"/>
-              <a:ea typeface="微软雅黑" panose="020B0503020204020204" charset="-122"/>
-            </a:endParaRPr>
+            <a:endParaRPr lang="zh-CN" altLang="en-US"/>
           </a:p>
         </p:txBody>
       </p:sp>
@@ -1053,11 +1015,51 @@
           <a:bodyPr/>
           <a:lstStyle/>
           <a:p>
-            <a:fld id="{F98589CD-A935-4D1C-B053-63800F7F5732}" type="slidenum">
-              <a:rPr lang="zh-CN" altLang="en-US" smtClean="0"/>
+            <a:pPr marL="0" marR="0" lvl="0" indent="0" algn="r" defTabSz="914400" eaLnBrk="0" fontAlgn="base" latinLnBrk="0" hangingPunct="0">
+              <a:lnSpc>
+                <a:spcPct val="100000"/>
+              </a:lnSpc>
+              <a:spcBef>
+                <a:spcPct val="0"/>
+              </a:spcBef>
+              <a:spcAft>
+                <a:spcPct val="0"/>
+              </a:spcAft>
+              <a:buClrTx/>
+              <a:buSzTx/>
+              <a:buFontTx/>
+              <a:buNone/>
+              <a:defRPr/>
+            </a:pPr>
+            <a:fld id="{39AD698A-D66C-4FA1-BBD8-F72AE9E6E751}" type="slidenum">
+              <a:rPr kumimoji="0" lang="zh-CN" altLang="en-US" sz="1200" b="0" i="0" u="none" strike="noStrike" kern="1200" cap="none" spc="0" normalizeH="0" baseline="0" noProof="0" smtClean="0">
+                <a:ln>
+                  <a:noFill/>
+                </a:ln>
+                <a:solidFill>
+                  <a:prstClr val="black"/>
+                </a:solidFill>
+                <a:effectLst/>
+                <a:uLnTx/>
+                <a:uFillTx/>
+                <a:latin typeface="Calibri" panose="020F0502020204030204" charset="0"/>
+                <a:ea typeface="微软雅黑" panose="020B0503020204020204" charset="-122"/>
+              </a:rPr>
               <a:t>15</a:t>
             </a:fld>
-            <a:endParaRPr lang="zh-CN" altLang="en-US"/>
+            <a:endParaRPr kumimoji="0" lang="zh-CN" altLang="en-US" sz="1200" b="0" i="0" u="none" strike="noStrike" kern="1200" cap="none" spc="0" normalizeH="0" baseline="0" noProof="0">
+              <a:ln>
+                <a:noFill/>
+              </a:ln>
+              <a:solidFill>
+                <a:prstClr val="black"/>
+              </a:solidFill>
+              <a:effectLst/>
+              <a:uLnTx/>
+              <a:uFillTx/>
+              <a:latin typeface="Calibri" panose="020F0502020204030204" charset="0"/>
+              <a:ea typeface="微软雅黑" panose="020B0503020204020204" charset="-122"/>
+            </a:endParaRPr>
           </a:p>
         </p:txBody>
       </p:sp>
@@ -1132,9 +1134,167 @@
           <a:bodyPr/>
           <a:lstStyle/>
           <a:p>
+            <a:fld id="{F98589CD-A935-4D1C-B053-63800F7F5732}" type="slidenum">
+              <a:rPr lang="zh-CN" altLang="en-US" smtClean="0"/>
+              <a:t>16</a:t>
+            </a:fld>
+            <a:endParaRPr lang="zh-CN" altLang="en-US"/>
+          </a:p>
+        </p:txBody>
+      </p:sp>
+    </p:spTree>
+  </p:cSld>
+  <p:clrMapOvr>
+    <a:masterClrMapping/>
+  </p:clrMapOvr>
+</p:notes>
+</file>
+
+<file path=ppt/notesSlides/notesSlide16.xml><?xml version="1.0" encoding="utf-8"?>
+<p:notes xmlns:a="http://schemas.openxmlformats.org/drawingml/2006/main" xmlns:r="http://schemas.openxmlformats.org/officeDocument/2006/relationships" xmlns:p="http://schemas.openxmlformats.org/presentationml/2006/main">
+  <p:cSld>
+    <p:spTree>
+      <p:nvGrpSpPr>
+        <p:cNvPr id="1" name=""/>
+        <p:cNvGrpSpPr/>
+        <p:nvPr/>
+      </p:nvGrpSpPr>
+      <p:grpSpPr>
+        <a:xfrm>
+          <a:off x="0" y="0"/>
+          <a:ext cx="0" cy="0"/>
+          <a:chOff x="0" y="0"/>
+          <a:chExt cx="0" cy="0"/>
+        </a:xfrm>
+      </p:grpSpPr>
+      <p:sp>
+        <p:nvSpPr>
+          <p:cNvPr id="2" name="幻灯片图像占位符 1"/>
+          <p:cNvSpPr>
+            <a:spLocks noGrp="1" noRot="1" noChangeAspect="1"/>
+          </p:cNvSpPr>
+          <p:nvPr>
+            <p:ph type="sldImg"/>
+          </p:nvPr>
+        </p:nvSpPr>
+        <p:spPr/>
+      </p:sp>
+      <p:sp>
+        <p:nvSpPr>
+          <p:cNvPr id="3" name="备注占位符 2"/>
+          <p:cNvSpPr>
+            <a:spLocks noGrp="1"/>
+          </p:cNvSpPr>
+          <p:nvPr>
+            <p:ph type="body" idx="1"/>
+          </p:nvPr>
+        </p:nvSpPr>
+        <p:spPr/>
+        <p:txBody>
+          <a:bodyPr/>
+          <a:lstStyle/>
+          <a:p>
+            <a:endParaRPr lang="zh-CN" altLang="en-US"/>
+          </a:p>
+        </p:txBody>
+      </p:sp>
+      <p:sp>
+        <p:nvSpPr>
+          <p:cNvPr id="4" name="灯片编号占位符 3"/>
+          <p:cNvSpPr>
+            <a:spLocks noGrp="1"/>
+          </p:cNvSpPr>
+          <p:nvPr>
+            <p:ph type="sldNum" sz="quarter" idx="10"/>
+          </p:nvPr>
+        </p:nvSpPr>
+        <p:spPr/>
+        <p:txBody>
+          <a:bodyPr/>
+          <a:lstStyle/>
+          <a:p>
             <a:fld id="{2D5025FE-99A5-44F1-A9DE-1B3C4FA360BA}" type="slidenum">
               <a:rPr lang="zh-CN" altLang="en-US" smtClean="0"/>
-              <a:t>16</a:t>
+              <a:t>17</a:t>
+            </a:fld>
+            <a:endParaRPr lang="zh-CN" altLang="en-US"/>
+          </a:p>
+        </p:txBody>
+      </p:sp>
+    </p:spTree>
+  </p:cSld>
+  <p:clrMapOvr>
+    <a:masterClrMapping/>
+  </p:clrMapOvr>
+</p:notes>
+</file>
+
+<file path=ppt/notesSlides/notesSlide17.xml><?xml version="1.0" encoding="utf-8"?>
+<p:notes xmlns:a="http://schemas.openxmlformats.org/drawingml/2006/main" xmlns:r="http://schemas.openxmlformats.org/officeDocument/2006/relationships" xmlns:p="http://schemas.openxmlformats.org/presentationml/2006/main">
+  <p:cSld>
+    <p:spTree>
+      <p:nvGrpSpPr>
+        <p:cNvPr id="1" name=""/>
+        <p:cNvGrpSpPr/>
+        <p:nvPr/>
+      </p:nvGrpSpPr>
+      <p:grpSpPr>
+        <a:xfrm>
+          <a:off x="0" y="0"/>
+          <a:ext cx="0" cy="0"/>
+          <a:chOff x="0" y="0"/>
+          <a:chExt cx="0" cy="0"/>
+        </a:xfrm>
+      </p:grpSpPr>
+      <p:sp>
+        <p:nvSpPr>
+          <p:cNvPr id="2" name="幻灯片图像占位符 1"/>
+          <p:cNvSpPr>
+            <a:spLocks noGrp="1" noRot="1" noChangeAspect="1"/>
+          </p:cNvSpPr>
+          <p:nvPr>
+            <p:ph type="sldImg"/>
+          </p:nvPr>
+        </p:nvSpPr>
+        <p:spPr/>
+      </p:sp>
+      <p:sp>
+        <p:nvSpPr>
+          <p:cNvPr id="3" name="备注占位符 2"/>
+          <p:cNvSpPr>
+            <a:spLocks noGrp="1"/>
+          </p:cNvSpPr>
+          <p:nvPr>
+            <p:ph type="body" idx="1"/>
+          </p:nvPr>
+        </p:nvSpPr>
+        <p:spPr/>
+        <p:txBody>
+          <a:bodyPr/>
+          <a:lstStyle/>
+          <a:p>
+            <a:endParaRPr lang="zh-CN" altLang="en-US"/>
+          </a:p>
+        </p:txBody>
+      </p:sp>
+      <p:sp>
+        <p:nvSpPr>
+          <p:cNvPr id="4" name="灯片编号占位符 3"/>
+          <p:cNvSpPr>
+            <a:spLocks noGrp="1"/>
+          </p:cNvSpPr>
+          <p:nvPr>
+            <p:ph type="sldNum" sz="quarter" idx="10"/>
+          </p:nvPr>
+        </p:nvSpPr>
+        <p:spPr/>
+        <p:txBody>
+          <a:bodyPr/>
+          <a:lstStyle/>
+          <a:p>
+            <a:fld id="{2D5025FE-99A5-44F1-A9DE-1B3C4FA360BA}" type="slidenum">
+              <a:rPr lang="zh-CN" altLang="en-US" smtClean="0"/>
+              <a:t>18</a:t>
             </a:fld>
             <a:endParaRPr lang="zh-CN" altLang="en-US"/>
           </a:p>
@@ -8005,6 +8165,390 @@
       </p:grpSpPr>
       <p:sp>
         <p:nvSpPr>
+          <p:cNvPr id="3" name="文本框 2"/>
+          <p:cNvSpPr txBox="1"/>
+          <p:nvPr>
+            <p:custDataLst>
+              <p:tags r:id="rId2"/>
+            </p:custDataLst>
+          </p:nvPr>
+        </p:nvSpPr>
+        <p:spPr>
+          <a:xfrm>
+            <a:off x="2628900" y="120761"/>
+            <a:ext cx="6934200" cy="755540"/>
+          </a:xfrm>
+          <a:prstGeom prst="rect">
+            <a:avLst/>
+          </a:prstGeom>
+          <a:noFill/>
+          <a:ln>
+            <a:noFill/>
+          </a:ln>
+          <a:extLst>
+            <a:ext uri="{909E8E84-426E-40DD-AFC4-6F175D3DCCD1}">
+              <a14:hiddenFill xmlns:a14="http://schemas.microsoft.com/office/drawing/2010/main">
+                <a:solidFill>
+                  <a:srgbClr val="FFFFFF"/>
+                </a:solidFill>
+              </a14:hiddenFill>
+            </a:ext>
+            <a:ext uri="{91240B29-F687-4F45-9708-019B960494DF}">
+              <a14:hiddenLine xmlns:a14="http://schemas.microsoft.com/office/drawing/2010/main" w="9525">
+                <a:solidFill>
+                  <a:srgbClr val="000000"/>
+                </a:solidFill>
+                <a:miter lim="800000"/>
+                <a:headEnd/>
+                <a:tailEnd/>
+              </a14:hiddenLine>
+            </a:ext>
+          </a:extLst>
+        </p:spPr>
+        <p:txBody>
+          <a:bodyPr vert="horz" wrap="square" lIns="91440" tIns="45720" rIns="91440" bIns="45720" numCol="1" anchor="ctr" anchorCtr="0" compatLnSpc="1">
+            <a:normAutofit fontScale="97500"/>
+          </a:bodyPr>
+          <a:lstStyle>
+            <a:defPPr>
+              <a:defRPr lang="zh-CN"/>
+            </a:defPPr>
+            <a:lvl1pPr eaLnBrk="1" hangingPunct="1">
+              <a:lnSpc>
+                <a:spcPct val="90000"/>
+              </a:lnSpc>
+              <a:buFontTx/>
+              <a:defRPr sz="5400">
+                <a:solidFill>
+                  <a:schemeClr val="accent1"/>
+                </a:solidFill>
+                <a:latin typeface="+mj-lt"/>
+                <a:ea typeface="+mj-ea"/>
+                <a:cs typeface="+mj-cs"/>
+              </a:defRPr>
+            </a:lvl1pPr>
+            <a:lvl2pPr>
+              <a:lnSpc>
+                <a:spcPct val="90000"/>
+              </a:lnSpc>
+              <a:defRPr sz="4400"/>
+            </a:lvl2pPr>
+            <a:lvl3pPr>
+              <a:lnSpc>
+                <a:spcPct val="90000"/>
+              </a:lnSpc>
+              <a:defRPr sz="4400"/>
+            </a:lvl3pPr>
+            <a:lvl4pPr>
+              <a:lnSpc>
+                <a:spcPct val="90000"/>
+              </a:lnSpc>
+              <a:defRPr sz="4400"/>
+            </a:lvl4pPr>
+            <a:lvl5pPr>
+              <a:lnSpc>
+                <a:spcPct val="90000"/>
+              </a:lnSpc>
+              <a:defRPr sz="4400"/>
+            </a:lvl5pPr>
+            <a:lvl6pPr marL="457200" fontAlgn="base">
+              <a:lnSpc>
+                <a:spcPct val="90000"/>
+              </a:lnSpc>
+              <a:spcBef>
+                <a:spcPct val="0"/>
+              </a:spcBef>
+              <a:spcAft>
+                <a:spcPct val="0"/>
+              </a:spcAft>
+              <a:defRPr sz="4400"/>
+            </a:lvl6pPr>
+            <a:lvl7pPr marL="914400" fontAlgn="base">
+              <a:lnSpc>
+                <a:spcPct val="90000"/>
+              </a:lnSpc>
+              <a:spcBef>
+                <a:spcPct val="0"/>
+              </a:spcBef>
+              <a:spcAft>
+                <a:spcPct val="0"/>
+              </a:spcAft>
+              <a:defRPr sz="4400"/>
+            </a:lvl7pPr>
+            <a:lvl8pPr marL="1371600" fontAlgn="base">
+              <a:lnSpc>
+                <a:spcPct val="90000"/>
+              </a:lnSpc>
+              <a:spcBef>
+                <a:spcPct val="0"/>
+              </a:spcBef>
+              <a:spcAft>
+                <a:spcPct val="0"/>
+              </a:spcAft>
+              <a:defRPr sz="4400"/>
+            </a:lvl8pPr>
+            <a:lvl9pPr marL="1828800" fontAlgn="base">
+              <a:lnSpc>
+                <a:spcPct val="90000"/>
+              </a:lnSpc>
+              <a:spcBef>
+                <a:spcPct val="0"/>
+              </a:spcBef>
+              <a:spcAft>
+                <a:spcPct val="0"/>
+              </a:spcAft>
+              <a:defRPr sz="4400"/>
+            </a:lvl9pPr>
+          </a:lstStyle>
+          <a:p>
+            <a:pPr algn="ctr"/>
+            <a:r>
+              <a:rPr lang="zh-CN" altLang="en-US" sz="4800" dirty="0" smtClean="0">
+                <a:solidFill>
+                  <a:schemeClr val="accent2">
+                    <a:lumMod val="50000"/>
+                  </a:schemeClr>
+                </a:solidFill>
+              </a:rPr>
+              <a:t>需求变更申请</a:t>
+            </a:r>
+            <a:endParaRPr lang="zh-CN" altLang="en-US" sz="4800" dirty="0">
+              <a:solidFill>
+                <a:schemeClr val="accent2">
+                  <a:lumMod val="50000"/>
+                </a:schemeClr>
+              </a:solidFill>
+            </a:endParaRPr>
+          </a:p>
+        </p:txBody>
+      </p:sp>
+      <p:pic>
+        <p:nvPicPr>
+          <p:cNvPr id="2050" name="Picture 2"/>
+          <p:cNvPicPr>
+            <a:picLocks noChangeAspect="1" noChangeArrowheads="1"/>
+          </p:cNvPicPr>
+          <p:nvPr/>
+        </p:nvPicPr>
+        <p:blipFill>
+          <a:blip r:embed="rId5">
+            <a:extLst>
+              <a:ext uri="{28A0092B-C50C-407E-A947-70E740481C1C}">
+                <a14:useLocalDpi xmlns:a14="http://schemas.microsoft.com/office/drawing/2010/main" val="0"/>
+              </a:ext>
+            </a:extLst>
+          </a:blip>
+          <a:srcRect/>
+          <a:stretch>
+            <a:fillRect/>
+          </a:stretch>
+        </p:blipFill>
+        <p:spPr bwMode="auto">
+          <a:xfrm>
+            <a:off x="357234" y="1188229"/>
+            <a:ext cx="5636159" cy="3926743"/>
+          </a:xfrm>
+          <a:prstGeom prst="rect">
+            <a:avLst/>
+          </a:prstGeom>
+          <a:noFill/>
+          <a:ln>
+            <a:noFill/>
+          </a:ln>
+          <a:effectLst/>
+          <a:extLst>
+            <a:ext uri="{909E8E84-426E-40DD-AFC4-6F175D3DCCD1}">
+              <a14:hiddenFill xmlns:a14="http://schemas.microsoft.com/office/drawing/2010/main">
+                <a:solidFill>
+                  <a:schemeClr val="accent1"/>
+                </a:solidFill>
+              </a14:hiddenFill>
+            </a:ext>
+            <a:ext uri="{91240B29-F687-4F45-9708-019B960494DF}">
+              <a14:hiddenLine xmlns:a14="http://schemas.microsoft.com/office/drawing/2010/main" w="9525">
+                <a:solidFill>
+                  <a:schemeClr val="tx1"/>
+                </a:solidFill>
+                <a:miter lim="800000"/>
+                <a:headEnd/>
+                <a:tailEnd/>
+              </a14:hiddenLine>
+            </a:ext>
+            <a:ext uri="{AF507438-7753-43E0-B8FC-AC1667EBCBE1}">
+              <a14:hiddenEffects xmlns:a14="http://schemas.microsoft.com/office/drawing/2010/main">
+                <a:effectLst>
+                  <a:outerShdw dist="35921" dir="2700000" algn="ctr" rotWithShape="0">
+                    <a:schemeClr val="bg2"/>
+                  </a:outerShdw>
+                </a:effectLst>
+              </a14:hiddenEffects>
+            </a:ext>
+          </a:extLst>
+        </p:spPr>
+      </p:pic>
+      <p:pic>
+        <p:nvPicPr>
+          <p:cNvPr id="2051" name="Picture 3"/>
+          <p:cNvPicPr>
+            <a:picLocks noChangeAspect="1" noChangeArrowheads="1"/>
+          </p:cNvPicPr>
+          <p:nvPr/>
+        </p:nvPicPr>
+        <p:blipFill>
+          <a:blip r:embed="rId6">
+            <a:extLst>
+              <a:ext uri="{28A0092B-C50C-407E-A947-70E740481C1C}">
+                <a14:useLocalDpi xmlns:a14="http://schemas.microsoft.com/office/drawing/2010/main" val="0"/>
+              </a:ext>
+            </a:extLst>
+          </a:blip>
+          <a:srcRect/>
+          <a:stretch>
+            <a:fillRect/>
+          </a:stretch>
+        </p:blipFill>
+        <p:spPr bwMode="auto">
+          <a:xfrm>
+            <a:off x="5241863" y="2030966"/>
+            <a:ext cx="4825592" cy="3273304"/>
+          </a:xfrm>
+          <a:prstGeom prst="rect">
+            <a:avLst/>
+          </a:prstGeom>
+          <a:noFill/>
+          <a:ln>
+            <a:noFill/>
+          </a:ln>
+          <a:effectLst/>
+          <a:extLst>
+            <a:ext uri="{909E8E84-426E-40DD-AFC4-6F175D3DCCD1}">
+              <a14:hiddenFill xmlns:a14="http://schemas.microsoft.com/office/drawing/2010/main">
+                <a:solidFill>
+                  <a:schemeClr val="accent1"/>
+                </a:solidFill>
+              </a14:hiddenFill>
+            </a:ext>
+            <a:ext uri="{91240B29-F687-4F45-9708-019B960494DF}">
+              <a14:hiddenLine xmlns:a14="http://schemas.microsoft.com/office/drawing/2010/main" w="9525">
+                <a:solidFill>
+                  <a:schemeClr val="tx1"/>
+                </a:solidFill>
+                <a:miter lim="800000"/>
+                <a:headEnd/>
+                <a:tailEnd/>
+              </a14:hiddenLine>
+            </a:ext>
+            <a:ext uri="{AF507438-7753-43E0-B8FC-AC1667EBCBE1}">
+              <a14:hiddenEffects xmlns:a14="http://schemas.microsoft.com/office/drawing/2010/main">
+                <a:effectLst>
+                  <a:outerShdw dist="35921" dir="2700000" algn="ctr" rotWithShape="0">
+                    <a:schemeClr val="bg2"/>
+                  </a:outerShdw>
+                </a:effectLst>
+              </a14:hiddenEffects>
+            </a:ext>
+          </a:extLst>
+        </p:spPr>
+      </p:pic>
+      <p:pic>
+        <p:nvPicPr>
+          <p:cNvPr id="2052" name="Picture 4"/>
+          <p:cNvPicPr>
+            <a:picLocks noChangeAspect="1" noChangeArrowheads="1"/>
+          </p:cNvPicPr>
+          <p:nvPr/>
+        </p:nvPicPr>
+        <p:blipFill>
+          <a:blip r:embed="rId7">
+            <a:extLst>
+              <a:ext uri="{28A0092B-C50C-407E-A947-70E740481C1C}">
+                <a14:useLocalDpi xmlns:a14="http://schemas.microsoft.com/office/drawing/2010/main" val="0"/>
+              </a:ext>
+            </a:extLst>
+          </a:blip>
+          <a:srcRect/>
+          <a:stretch>
+            <a:fillRect/>
+          </a:stretch>
+        </p:blipFill>
+        <p:spPr bwMode="auto">
+          <a:xfrm>
+            <a:off x="4912709" y="4980269"/>
+            <a:ext cx="5483900" cy="1232860"/>
+          </a:xfrm>
+          <a:prstGeom prst="rect">
+            <a:avLst/>
+          </a:prstGeom>
+          <a:noFill/>
+          <a:ln>
+            <a:noFill/>
+          </a:ln>
+          <a:effectLst/>
+          <a:extLst>
+            <a:ext uri="{909E8E84-426E-40DD-AFC4-6F175D3DCCD1}">
+              <a14:hiddenFill xmlns:a14="http://schemas.microsoft.com/office/drawing/2010/main">
+                <a:solidFill>
+                  <a:schemeClr val="accent1"/>
+                </a:solidFill>
+              </a14:hiddenFill>
+            </a:ext>
+            <a:ext uri="{91240B29-F687-4F45-9708-019B960494DF}">
+              <a14:hiddenLine xmlns:a14="http://schemas.microsoft.com/office/drawing/2010/main" w="9525">
+                <a:solidFill>
+                  <a:schemeClr val="tx1"/>
+                </a:solidFill>
+                <a:miter lim="800000"/>
+                <a:headEnd/>
+                <a:tailEnd/>
+              </a14:hiddenLine>
+            </a:ext>
+            <a:ext uri="{AF507438-7753-43E0-B8FC-AC1667EBCBE1}">
+              <a14:hiddenEffects xmlns:a14="http://schemas.microsoft.com/office/drawing/2010/main">
+                <a:effectLst>
+                  <a:outerShdw dist="35921" dir="2700000" algn="ctr" rotWithShape="0">
+                    <a:schemeClr val="bg2"/>
+                  </a:outerShdw>
+                </a:effectLst>
+              </a14:hiddenEffects>
+            </a:ext>
+          </a:extLst>
+        </p:spPr>
+      </p:pic>
+    </p:spTree>
+    <p:custDataLst>
+      <p:tags r:id="rId1"/>
+    </p:custDataLst>
+    <p:extLst>
+      <p:ext uri="{BB962C8B-B14F-4D97-AF65-F5344CB8AC3E}">
+        <p14:creationId xmlns:p14="http://schemas.microsoft.com/office/powerpoint/2010/main" val="3579151577"/>
+      </p:ext>
+    </p:extLst>
+  </p:cSld>
+  <p:clrMapOvr>
+    <a:masterClrMapping/>
+  </p:clrMapOvr>
+</p:sld>
+</file>
+
+<file path=ppt/slides/slide15.xml><?xml version="1.0" encoding="utf-8"?>
+<p:sld xmlns:a="http://schemas.openxmlformats.org/drawingml/2006/main" xmlns:r="http://schemas.openxmlformats.org/officeDocument/2006/relationships" xmlns:p="http://schemas.openxmlformats.org/presentationml/2006/main">
+  <p:cSld>
+    <p:spTree>
+      <p:nvGrpSpPr>
+        <p:cNvPr id="1" name=""/>
+        <p:cNvGrpSpPr/>
+        <p:nvPr/>
+      </p:nvGrpSpPr>
+      <p:grpSpPr>
+        <a:xfrm>
+          <a:off x="0" y="0"/>
+          <a:ext cx="0" cy="0"/>
+          <a:chOff x="0" y="0"/>
+          <a:chExt cx="0" cy="0"/>
+        </a:xfrm>
+      </p:grpSpPr>
+      <p:sp>
+        <p:nvSpPr>
           <p:cNvPr id="3" name="内容占位符 2"/>
           <p:cNvSpPr>
             <a:spLocks noGrp="1"/>
@@ -8098,7 +8642,7 @@
 </p:sld>
 </file>
 
-<file path=ppt/slides/slide15.xml><?xml version="1.0" encoding="utf-8"?>
+<file path=ppt/slides/slide16.xml><?xml version="1.0" encoding="utf-8"?>
 <p:sld xmlns:a="http://schemas.openxmlformats.org/drawingml/2006/main" xmlns:r="http://schemas.openxmlformats.org/officeDocument/2006/relationships" xmlns:p="http://schemas.openxmlformats.org/presentationml/2006/main">
   <p:cSld>
     <p:spTree>
@@ -9129,7 +9673,7 @@
 </p:sld>
 </file>
 
-<file path=ppt/slides/slide16.xml><?xml version="1.0" encoding="utf-8"?>
+<file path=ppt/slides/slide17.xml><?xml version="1.0" encoding="utf-8"?>
 <p:sld xmlns:a="http://schemas.openxmlformats.org/drawingml/2006/main" xmlns:r="http://schemas.openxmlformats.org/officeDocument/2006/relationships" xmlns:p="http://schemas.openxmlformats.org/presentationml/2006/main">
   <p:cSld>
     <p:spTree>
@@ -9195,7 +9739,7 @@
                   <a:schemeClr val="tx1"/>
                 </a:solidFill>
               </a:rPr>
-              <a:t>工作任务及评分</a:t>
+              <a:t>参考文献</a:t>
             </a:r>
             <a:endParaRPr lang="zh-CN" altLang="en-US" dirty="0">
               <a:solidFill>
@@ -9401,13 +9945,31 @@
               </a:lnSpc>
             </a:pPr>
             <a:r>
+              <a:rPr lang="en-US" altLang="zh-CN" dirty="0"/>
+              <a:t>《</a:t>
+            </a:r>
+            <a:r>
               <a:rPr lang="zh-CN" altLang="en-US" dirty="0" smtClean="0"/>
-              <a:t>蒋家俊：  任务审核及文档修改 </a:t>
+              <a:t>软件需求</a:t>
             </a:r>
             <a:r>
               <a:rPr lang="en-US" altLang="zh-CN" dirty="0" smtClean="0"/>
-              <a:t>9.0</a:t>
-            </a:r>
+              <a:t>》---</a:t>
+            </a:r>
+            <a:r>
+              <a:rPr lang="zh-CN" altLang="en-US" dirty="0" smtClean="0"/>
+              <a:t>清华大学出版社</a:t>
+            </a:r>
+            <a:endParaRPr lang="en-US" altLang="zh-CN" dirty="0" smtClean="0"/>
+          </a:p>
+          <a:p>
+            <a:pPr marL="0" indent="0" algn="just">
+              <a:lnSpc>
+                <a:spcPct val="120000"/>
+              </a:lnSpc>
+              <a:buNone/>
+            </a:pPr>
+            <a:endParaRPr lang="en-US" altLang="zh-CN" dirty="0" smtClean="0"/>
           </a:p>
           <a:p>
             <a:pPr algn="just">
@@ -9415,15 +9977,293 @@
                 <a:spcPct val="120000"/>
               </a:lnSpc>
             </a:pPr>
-            <a:r>
-              <a:rPr lang="zh-CN" altLang="en-US" dirty="0" smtClean="0"/>
-              <a:t>李捷：     需求变更工具使用 </a:t>
-            </a:r>
-            <a:r>
-              <a:rPr lang="en-US" altLang="zh-CN" dirty="0" smtClean="0"/>
-              <a:t>9.1</a:t>
-            </a:r>
-          </a:p>
+            <a:endParaRPr lang="en-US" altLang="zh-CN" dirty="0" smtClean="0"/>
+          </a:p>
+        </p:txBody>
+      </p:sp>
+    </p:spTree>
+    <p:custDataLst>
+      <p:tags r:id="rId1"/>
+    </p:custDataLst>
+  </p:cSld>
+  <p:clrMapOvr>
+    <a:masterClrMapping/>
+  </p:clrMapOvr>
+  <p:timing>
+    <p:tnLst>
+      <p:par>
+        <p:cTn id="1" dur="indefinite" restart="never" nodeType="tmRoot"/>
+      </p:par>
+    </p:tnLst>
+  </p:timing>
+</p:sld>
+</file>
+
+<file path=ppt/slides/slide18.xml><?xml version="1.0" encoding="utf-8"?>
+<p:sld xmlns:a="http://schemas.openxmlformats.org/drawingml/2006/main" xmlns:r="http://schemas.openxmlformats.org/officeDocument/2006/relationships" xmlns:p="http://schemas.openxmlformats.org/presentationml/2006/main">
+  <p:cSld>
+    <p:spTree>
+      <p:nvGrpSpPr>
+        <p:cNvPr id="1" name=""/>
+        <p:cNvGrpSpPr/>
+        <p:nvPr/>
+      </p:nvGrpSpPr>
+      <p:grpSpPr>
+        <a:xfrm>
+          <a:off x="0" y="0"/>
+          <a:ext cx="0" cy="0"/>
+          <a:chOff x="0" y="0"/>
+          <a:chExt cx="0" cy="0"/>
+        </a:xfrm>
+      </p:grpSpPr>
+      <p:sp>
+        <p:nvSpPr>
+          <p:cNvPr id="62" name="文本框 61"/>
+          <p:cNvSpPr txBox="1"/>
+          <p:nvPr>
+            <p:custDataLst>
+              <p:tags r:id="rId2"/>
+            </p:custDataLst>
+          </p:nvPr>
+        </p:nvSpPr>
+        <p:spPr>
+          <a:xfrm>
+            <a:off x="838200" y="526595"/>
+            <a:ext cx="8039100" cy="930275"/>
+          </a:xfrm>
+          <a:prstGeom prst="rect">
+            <a:avLst/>
+          </a:prstGeom>
+        </p:spPr>
+        <p:txBody>
+          <a:bodyPr vert="horz" lIns="90000" tIns="46800" rIns="90000" bIns="46800" rtlCol="0" anchor="ctr">
+            <a:normAutofit/>
+          </a:bodyPr>
+          <a:lstStyle>
+            <a:lvl1pPr>
+              <a:lnSpc>
+                <a:spcPct val="90000"/>
+              </a:lnSpc>
+              <a:spcBef>
+                <a:spcPct val="0"/>
+              </a:spcBef>
+              <a:buNone/>
+              <a:defRPr sz="3200">
+                <a:solidFill>
+                  <a:schemeClr val="bg1"/>
+                </a:solidFill>
+                <a:latin typeface="+mj-lt"/>
+                <a:ea typeface="+mj-ea"/>
+                <a:cs typeface="+mj-cs"/>
+              </a:defRPr>
+            </a:lvl1pPr>
+          </a:lstStyle>
+          <a:p>
+            <a:r>
+              <a:rPr lang="zh-CN" altLang="en-US" dirty="0" smtClean="0">
+                <a:solidFill>
+                  <a:schemeClr val="tx1"/>
+                </a:solidFill>
+              </a:rPr>
+              <a:t>工作任务及评分</a:t>
+            </a:r>
+            <a:endParaRPr lang="zh-CN" altLang="en-US" dirty="0">
+              <a:solidFill>
+                <a:schemeClr val="tx1"/>
+              </a:solidFill>
+            </a:endParaRPr>
+          </a:p>
+        </p:txBody>
+      </p:sp>
+      <p:sp>
+        <p:nvSpPr>
+          <p:cNvPr id="53" name="内容占位符 2"/>
+          <p:cNvSpPr txBox="1">
+            <a:spLocks/>
+          </p:cNvSpPr>
+          <p:nvPr>
+            <p:custDataLst>
+              <p:tags r:id="rId3"/>
+            </p:custDataLst>
+          </p:nvPr>
+        </p:nvSpPr>
+        <p:spPr>
+          <a:xfrm>
+            <a:off x="982638" y="1550535"/>
+            <a:ext cx="10371162" cy="4684484"/>
+          </a:xfrm>
+          <a:prstGeom prst="rect">
+            <a:avLst/>
+          </a:prstGeom>
+        </p:spPr>
+        <p:txBody>
+          <a:bodyPr>
+            <a:normAutofit/>
+          </a:bodyPr>
+          <a:lstStyle>
+            <a:lvl1pPr marL="228600" indent="-228600" algn="l" defTabSz="914400" rtl="0" eaLnBrk="1" latinLnBrk="0" hangingPunct="1">
+              <a:lnSpc>
+                <a:spcPct val="90000"/>
+              </a:lnSpc>
+              <a:spcBef>
+                <a:spcPts val="1000"/>
+              </a:spcBef>
+              <a:buFont typeface="Arial" panose="020B0604020202020204" pitchFamily="34" charset="0"/>
+              <a:buChar char="•"/>
+              <a:defRPr sz="2400" kern="1200">
+                <a:solidFill>
+                  <a:schemeClr val="tx1"/>
+                </a:solidFill>
+                <a:latin typeface="+mn-lt"/>
+                <a:ea typeface="+mn-ea"/>
+                <a:cs typeface="+mn-cs"/>
+              </a:defRPr>
+            </a:lvl1pPr>
+            <a:lvl2pPr marL="685800" indent="-228600" algn="l" defTabSz="914400" rtl="0" eaLnBrk="1" latinLnBrk="0" hangingPunct="1">
+              <a:lnSpc>
+                <a:spcPct val="90000"/>
+              </a:lnSpc>
+              <a:spcBef>
+                <a:spcPts val="500"/>
+              </a:spcBef>
+              <a:buFont typeface="Arial" panose="020B0604020202020204" pitchFamily="34" charset="0"/>
+              <a:buChar char="•"/>
+              <a:defRPr sz="2000" kern="1200">
+                <a:solidFill>
+                  <a:schemeClr val="tx1"/>
+                </a:solidFill>
+                <a:latin typeface="+mn-lt"/>
+                <a:ea typeface="+mn-ea"/>
+                <a:cs typeface="+mn-cs"/>
+              </a:defRPr>
+            </a:lvl2pPr>
+            <a:lvl3pPr marL="1143000" indent="-228600" algn="l" defTabSz="914400" rtl="0" eaLnBrk="1" latinLnBrk="0" hangingPunct="1">
+              <a:lnSpc>
+                <a:spcPct val="90000"/>
+              </a:lnSpc>
+              <a:spcBef>
+                <a:spcPts val="500"/>
+              </a:spcBef>
+              <a:buFont typeface="Arial" panose="020B0604020202020204" pitchFamily="34" charset="0"/>
+              <a:buChar char="•"/>
+              <a:defRPr sz="1800" kern="1200">
+                <a:solidFill>
+                  <a:schemeClr val="tx1"/>
+                </a:solidFill>
+                <a:latin typeface="+mn-lt"/>
+                <a:ea typeface="+mn-ea"/>
+                <a:cs typeface="+mn-cs"/>
+              </a:defRPr>
+            </a:lvl3pPr>
+            <a:lvl4pPr marL="1600200" indent="-228600" algn="l" defTabSz="914400" rtl="0" eaLnBrk="1" latinLnBrk="0" hangingPunct="1">
+              <a:lnSpc>
+                <a:spcPct val="90000"/>
+              </a:lnSpc>
+              <a:spcBef>
+                <a:spcPts val="500"/>
+              </a:spcBef>
+              <a:buFont typeface="Arial" panose="020B0604020202020204" pitchFamily="34" charset="0"/>
+              <a:buChar char="•"/>
+              <a:defRPr sz="1800" kern="1200">
+                <a:solidFill>
+                  <a:schemeClr val="tx1"/>
+                </a:solidFill>
+                <a:latin typeface="+mn-lt"/>
+                <a:ea typeface="+mn-ea"/>
+                <a:cs typeface="+mn-cs"/>
+              </a:defRPr>
+            </a:lvl4pPr>
+            <a:lvl5pPr marL="2057400" indent="-228600" algn="l" defTabSz="914400" rtl="0" eaLnBrk="1" latinLnBrk="0" hangingPunct="1">
+              <a:lnSpc>
+                <a:spcPct val="90000"/>
+              </a:lnSpc>
+              <a:spcBef>
+                <a:spcPts val="500"/>
+              </a:spcBef>
+              <a:buFont typeface="Arial" panose="020B0604020202020204" pitchFamily="34" charset="0"/>
+              <a:buChar char="•"/>
+              <a:defRPr sz="1800" kern="1200">
+                <a:solidFill>
+                  <a:schemeClr val="tx1"/>
+                </a:solidFill>
+                <a:latin typeface="+mn-lt"/>
+                <a:ea typeface="+mn-ea"/>
+                <a:cs typeface="+mn-cs"/>
+              </a:defRPr>
+            </a:lvl5pPr>
+            <a:lvl6pPr marL="2514600" indent="-228600" algn="l" defTabSz="914400" rtl="0" eaLnBrk="1" latinLnBrk="0" hangingPunct="1">
+              <a:lnSpc>
+                <a:spcPct val="90000"/>
+              </a:lnSpc>
+              <a:spcBef>
+                <a:spcPts val="500"/>
+              </a:spcBef>
+              <a:buFont typeface="Arial" panose="020B0604020202020204" pitchFamily="34" charset="0"/>
+              <a:buChar char="•"/>
+              <a:defRPr sz="1800" kern="1200">
+                <a:solidFill>
+                  <a:schemeClr val="tx1"/>
+                </a:solidFill>
+                <a:latin typeface="+mn-lt"/>
+                <a:ea typeface="+mn-ea"/>
+                <a:cs typeface="+mn-cs"/>
+              </a:defRPr>
+            </a:lvl6pPr>
+            <a:lvl7pPr marL="2971800" indent="-228600" algn="l" defTabSz="914400" rtl="0" eaLnBrk="1" latinLnBrk="0" hangingPunct="1">
+              <a:lnSpc>
+                <a:spcPct val="90000"/>
+              </a:lnSpc>
+              <a:spcBef>
+                <a:spcPts val="500"/>
+              </a:spcBef>
+              <a:buFont typeface="Arial" panose="020B0604020202020204" pitchFamily="34" charset="0"/>
+              <a:buChar char="•"/>
+              <a:defRPr sz="1800" kern="1200">
+                <a:solidFill>
+                  <a:schemeClr val="tx1"/>
+                </a:solidFill>
+                <a:latin typeface="+mn-lt"/>
+                <a:ea typeface="+mn-ea"/>
+                <a:cs typeface="+mn-cs"/>
+              </a:defRPr>
+            </a:lvl7pPr>
+            <a:lvl8pPr marL="3429000" indent="-228600" algn="l" defTabSz="914400" rtl="0" eaLnBrk="1" latinLnBrk="0" hangingPunct="1">
+              <a:lnSpc>
+                <a:spcPct val="90000"/>
+              </a:lnSpc>
+              <a:spcBef>
+                <a:spcPts val="500"/>
+              </a:spcBef>
+              <a:buFont typeface="Arial" panose="020B0604020202020204" pitchFamily="34" charset="0"/>
+              <a:buChar char="•"/>
+              <a:defRPr sz="1800" kern="1200">
+                <a:solidFill>
+                  <a:schemeClr val="tx1"/>
+                </a:solidFill>
+                <a:latin typeface="+mn-lt"/>
+                <a:ea typeface="+mn-ea"/>
+                <a:cs typeface="+mn-cs"/>
+              </a:defRPr>
+            </a:lvl8pPr>
+            <a:lvl9pPr marL="3886200" indent="-228600" algn="l" defTabSz="914400" rtl="0" eaLnBrk="1" latinLnBrk="0" hangingPunct="1">
+              <a:lnSpc>
+                <a:spcPct val="90000"/>
+              </a:lnSpc>
+              <a:spcBef>
+                <a:spcPts val="500"/>
+              </a:spcBef>
+              <a:buFont typeface="Arial" panose="020B0604020202020204" pitchFamily="34" charset="0"/>
+              <a:buChar char="•"/>
+              <a:defRPr sz="1800" kern="1200">
+                <a:solidFill>
+                  <a:schemeClr val="tx1"/>
+                </a:solidFill>
+                <a:latin typeface="+mn-lt"/>
+                <a:ea typeface="+mn-ea"/>
+                <a:cs typeface="+mn-cs"/>
+              </a:defRPr>
+            </a:lvl9pPr>
+          </a:lstStyle>
           <a:p>
             <a:pPr algn="just">
               <a:lnSpc>
@@ -9432,19 +10272,11 @@
             </a:pPr>
             <a:r>
               <a:rPr lang="zh-CN" altLang="en-US" dirty="0" smtClean="0"/>
-              <a:t>厉佩强：  </a:t>
+              <a:t>蒋家俊：  任务审核及文档修改 </a:t>
             </a:r>
             <a:r>
               <a:rPr lang="en-US" altLang="zh-CN" dirty="0" smtClean="0"/>
-              <a:t>PPT</a:t>
-            </a:r>
-            <a:r>
-              <a:rPr lang="zh-CN" altLang="en-US" dirty="0" smtClean="0"/>
-              <a:t>制作 </a:t>
-            </a:r>
-            <a:r>
-              <a:rPr lang="en-US" altLang="zh-CN" dirty="0" smtClean="0"/>
-              <a:t>8.9</a:t>
+              <a:t>9.0</a:t>
             </a:r>
           </a:p>
           <a:p>
@@ -9455,11 +10287,11 @@
             </a:pPr>
             <a:r>
               <a:rPr lang="zh-CN" altLang="en-US" dirty="0" smtClean="0"/>
-              <a:t>周盛：     任务整理，会议记录</a:t>
+              <a:t>李捷：     需求变更工具使用 </a:t>
             </a:r>
             <a:r>
               <a:rPr lang="en-US" altLang="zh-CN" dirty="0" smtClean="0"/>
-              <a:t>8.7</a:t>
+              <a:t>9.1</a:t>
             </a:r>
           </a:p>
           <a:p>
@@ -9470,6 +10302,44 @@
             </a:pPr>
             <a:r>
               <a:rPr lang="zh-CN" altLang="en-US" dirty="0" smtClean="0"/>
+              <a:t>厉佩强：  </a:t>
+            </a:r>
+            <a:r>
+              <a:rPr lang="en-US" altLang="zh-CN" dirty="0" smtClean="0"/>
+              <a:t>PPT</a:t>
+            </a:r>
+            <a:r>
+              <a:rPr lang="zh-CN" altLang="en-US" dirty="0" smtClean="0"/>
+              <a:t>制作 </a:t>
+            </a:r>
+            <a:r>
+              <a:rPr lang="en-US" altLang="zh-CN" dirty="0" smtClean="0"/>
+              <a:t>8.9</a:t>
+            </a:r>
+          </a:p>
+          <a:p>
+            <a:pPr algn="just">
+              <a:lnSpc>
+                <a:spcPct val="120000"/>
+              </a:lnSpc>
+            </a:pPr>
+            <a:r>
+              <a:rPr lang="zh-CN" altLang="en-US" dirty="0" smtClean="0"/>
+              <a:t>周盛：     任务整理，会议记录</a:t>
+            </a:r>
+            <a:r>
+              <a:rPr lang="en-US" altLang="zh-CN" dirty="0" smtClean="0"/>
+              <a:t>8.7</a:t>
+            </a:r>
+          </a:p>
+          <a:p>
+            <a:pPr algn="just">
+              <a:lnSpc>
+                <a:spcPct val="120000"/>
+              </a:lnSpc>
+            </a:pPr>
+            <a:r>
+              <a:rPr lang="zh-CN" altLang="en-US" dirty="0" smtClean="0"/>
               <a:t>朱秉：      用例更新 </a:t>
             </a:r>
             <a:r>
@@ -9484,6 +10354,11 @@
     <p:custDataLst>
       <p:tags r:id="rId1"/>
     </p:custDataLst>
+    <p:extLst>
+      <p:ext uri="{BB962C8B-B14F-4D97-AF65-F5344CB8AC3E}">
+        <p14:creationId xmlns:p14="http://schemas.microsoft.com/office/powerpoint/2010/main" val="1413305481"/>
+      </p:ext>
+    </p:extLst>
   </p:cSld>
   <p:clrMapOvr>
     <a:masterClrMapping/>
@@ -12760,19 +13635,20 @@
 
 <file path=ppt/tags/tag78.xml><?xml version="1.0" encoding="utf-8"?>
 <p:tagLst xmlns:a="http://schemas.openxmlformats.org/drawingml/2006/main" xmlns:r="http://schemas.openxmlformats.org/officeDocument/2006/relationships" xmlns:p="http://schemas.openxmlformats.org/presentationml/2006/main">
-  <p:tag name="KSO_WM_SLIDE_SIZE" val="817*369"/>
-  <p:tag name="KSO_WM_SLIDE_POSITION" val="77*122"/>
+  <p:tag name="KSO_WM_TAG_VERSION" val="1.0"/>
+  <p:tag name="KSO_WM_SLIDE_ITEM_CNT" val="4"/>
+  <p:tag name="KSO_WM_SLIDE_LAYOUT" val="a_l"/>
   <p:tag name="KSO_WM_SLIDE_LAYOUT_CNT" val="1_1"/>
-  <p:tag name="KSO_WM_SLIDE_LAYOUT" val="a_f"/>
+  <p:tag name="KSO_WM_SLIDE_TYPE" val="contents"/>
   <p:tag name="KSO_WM_BEAUTIFY_FLAG" val="#wm#"/>
-  <p:tag name="KSO_WM_SLIDE_TYPE" val="text"/>
-  <p:tag name="KSO_WM_SLIDE_ITEM_CNT" val="1"/>
-  <p:tag name="KSO_WM_TAG_VERSION" val="1.0"/>
-  <p:tag name="KSO_WM_COMBINE_RELATE_SLIDE_ID" val="background20180943_2"/>
+  <p:tag name="KSO_WM_SLIDE_POSITION" val="66*136"/>
+  <p:tag name="KSO_WM_SLIDE_SIZE" val="828*350"/>
+  <p:tag name="KSO_WM_COMBINE_RELATE_SLIDE_ID" val="custom20180888_9"/>
   <p:tag name="KSO_WM_TEMPLATE_CATEGORY" val="custom"/>
   <p:tag name="KSO_WM_TEMPLATE_INDEX" val="20181595"/>
-  <p:tag name="KSO_WM_SLIDE_ID" val="custom20181595_2"/>
-  <p:tag name="KSO_WM_SLIDE_INDEX" val="2"/>
+  <p:tag name="KSO_WM_SLIDE_ID" val="custom20181595_9"/>
+  <p:tag name="KSO_WM_SLIDE_INDEX" val="9"/>
+  <p:tag name="KSO_WM_DIAGRAM_GROUP_CODE" val="l1-1"/>
   <p:tag name="KSO_WM_TEMPLATE_SUBCATEGORY" val="combine"/>
 </p:tagLst>
 </file>
@@ -12783,16 +13659,20 @@
   <p:tag name="KSO_WM_TEMPLATE_INDEX" val="20181595"/>
   <p:tag name="KSO_WM_TAG_VERSION" val="1.0"/>
   <p:tag name="KSO_WM_BEAUTIFY_FLAG" val="#wm#"/>
-  <p:tag name="KSO_WM_UNIT_PRESET_TEXT_LEN" val="465"/>
-  <p:tag name="KSO_WM_UNIT_PRESET_TEXT_INDEX" val="5"/>
+  <p:tag name="KSO_WM_UNIT_TYPE" val="a"/>
+  <p:tag name="KSO_WM_UNIT_INDEX" val="1"/>
+  <p:tag name="KSO_WM_UNIT_LAYERLEVEL" val="1"/>
+  <p:tag name="KSO_WM_UNIT_ISCONTENTSTITLE" val="1"/>
+  <p:tag name="KSO_WM_UNIT_VALUE" val="12"/>
+  <p:tag name="KSO_WM_UNIT_HIGHLIGHT" val="0"/>
+  <p:tag name="KSO_WM_UNIT_COMPATIBLE" val="0"/>
   <p:tag name="KSO_WM_UNIT_CLEAR" val="0"/>
-  <p:tag name="KSO_WM_UNIT_COMPATIBLE" val="0"/>
-  <p:tag name="KSO_WM_UNIT_HIGHLIGHT" val="0"/>
-  <p:tag name="KSO_WM_UNIT_VALUE" val="616"/>
-  <p:tag name="KSO_WM_UNIT_LAYERLEVEL" val="1"/>
-  <p:tag name="KSO_WM_UNIT_INDEX" val="1"/>
-  <p:tag name="KSO_WM_UNIT_TYPE" val="f"/>
-  <p:tag name="KSO_WM_UNIT_ID" val="custom20181595_2*f*1"/>
+  <p:tag name="KSO_WM_DIAGRAM_GROUP_CODE" val="l1_1"/>
+  <p:tag name="KSO_WM_UNIT_ID" val="custom20181595_9*a*1"/>
+  <p:tag name="KSO_WM_UNIT_PRESET_TEXT" val="CONTENTS"/>
+  <p:tag name="KSO_WM_UNIT_TEXT_FILL_FORE_SCHEMECOLOR_INDEX" val="6"/>
+  <p:tag name="KSO_WM_UNIT_TEXT_FILL_TYPE" val="1"/>
+  <p:tag name="KSO_WM_UNIT_USESOURCEFORMAT_APPLY" val="1"/>
 </p:tagLst>
 </file>
 
@@ -12816,6 +13696,44 @@
 
 <file path=ppt/tags/tag80.xml><?xml version="1.0" encoding="utf-8"?>
 <p:tagLst xmlns:a="http://schemas.openxmlformats.org/drawingml/2006/main" xmlns:r="http://schemas.openxmlformats.org/officeDocument/2006/relationships" xmlns:p="http://schemas.openxmlformats.org/presentationml/2006/main">
+  <p:tag name="KSO_WM_SLIDE_SIZE" val="817*369"/>
+  <p:tag name="KSO_WM_SLIDE_POSITION" val="77*122"/>
+  <p:tag name="KSO_WM_SLIDE_LAYOUT_CNT" val="1_1"/>
+  <p:tag name="KSO_WM_SLIDE_LAYOUT" val="a_f"/>
+  <p:tag name="KSO_WM_BEAUTIFY_FLAG" val="#wm#"/>
+  <p:tag name="KSO_WM_SLIDE_TYPE" val="text"/>
+  <p:tag name="KSO_WM_SLIDE_ITEM_CNT" val="1"/>
+  <p:tag name="KSO_WM_TAG_VERSION" val="1.0"/>
+  <p:tag name="KSO_WM_COMBINE_RELATE_SLIDE_ID" val="background20180943_2"/>
+  <p:tag name="KSO_WM_TEMPLATE_CATEGORY" val="custom"/>
+  <p:tag name="KSO_WM_TEMPLATE_INDEX" val="20181595"/>
+  <p:tag name="KSO_WM_SLIDE_ID" val="custom20181595_2"/>
+  <p:tag name="KSO_WM_SLIDE_INDEX" val="2"/>
+  <p:tag name="KSO_WM_TEMPLATE_SUBCATEGORY" val="combine"/>
+</p:tagLst>
+</file>
+
+<file path=ppt/tags/tag81.xml><?xml version="1.0" encoding="utf-8"?>
+<p:tagLst xmlns:a="http://schemas.openxmlformats.org/drawingml/2006/main" xmlns:r="http://schemas.openxmlformats.org/officeDocument/2006/relationships" xmlns:p="http://schemas.openxmlformats.org/presentationml/2006/main">
+  <p:tag name="KSO_WM_TEMPLATE_CATEGORY" val="custom"/>
+  <p:tag name="KSO_WM_TEMPLATE_INDEX" val="20181595"/>
+  <p:tag name="KSO_WM_TAG_VERSION" val="1.0"/>
+  <p:tag name="KSO_WM_BEAUTIFY_FLAG" val="#wm#"/>
+  <p:tag name="KSO_WM_UNIT_PRESET_TEXT_LEN" val="465"/>
+  <p:tag name="KSO_WM_UNIT_PRESET_TEXT_INDEX" val="5"/>
+  <p:tag name="KSO_WM_UNIT_CLEAR" val="0"/>
+  <p:tag name="KSO_WM_UNIT_COMPATIBLE" val="0"/>
+  <p:tag name="KSO_WM_UNIT_HIGHLIGHT" val="0"/>
+  <p:tag name="KSO_WM_UNIT_VALUE" val="616"/>
+  <p:tag name="KSO_WM_UNIT_LAYERLEVEL" val="1"/>
+  <p:tag name="KSO_WM_UNIT_INDEX" val="1"/>
+  <p:tag name="KSO_WM_UNIT_TYPE" val="f"/>
+  <p:tag name="KSO_WM_UNIT_ID" val="custom20181595_2*f*1"/>
+</p:tagLst>
+</file>
+
+<file path=ppt/tags/tag82.xml><?xml version="1.0" encoding="utf-8"?>
+<p:tagLst xmlns:a="http://schemas.openxmlformats.org/drawingml/2006/main" xmlns:r="http://schemas.openxmlformats.org/officeDocument/2006/relationships" xmlns:p="http://schemas.openxmlformats.org/presentationml/2006/main">
   <p:tag name="KSO_WM_TEMPLATE_CATEGORY" val="custom"/>
   <p:tag name="KSO_WM_TEMPLATE_INDEX" val="20181595"/>
   <p:tag name="KSO_WM_TAG_VERSION" val="1.0"/>
@@ -12834,7 +13752,7 @@
 </p:tagLst>
 </file>
 
-<file path=ppt/tags/tag81.xml><?xml version="1.0" encoding="utf-8"?>
+<file path=ppt/tags/tag83.xml><?xml version="1.0" encoding="utf-8"?>
 <p:tagLst xmlns:a="http://schemas.openxmlformats.org/drawingml/2006/main" xmlns:r="http://schemas.openxmlformats.org/officeDocument/2006/relationships" xmlns:p="http://schemas.openxmlformats.org/presentationml/2006/main">
   <p:tag name="KSO_WM_TAG_VERSION" val="1.0"/>
   <p:tag name="KSO_WM_SLIDE_ITEM_CNT" val="4"/>
@@ -12854,7 +13772,7 @@
 </p:tagLst>
 </file>
 
-<file path=ppt/tags/tag82.xml><?xml version="1.0" encoding="utf-8"?>
+<file path=ppt/tags/tag84.xml><?xml version="1.0" encoding="utf-8"?>
 <p:tagLst xmlns:a="http://schemas.openxmlformats.org/drawingml/2006/main" xmlns:r="http://schemas.openxmlformats.org/officeDocument/2006/relationships" xmlns:p="http://schemas.openxmlformats.org/presentationml/2006/main">
   <p:tag name="KSO_WM_TEMPLATE_CATEGORY" val="custom"/>
   <p:tag name="KSO_WM_TEMPLATE_INDEX" val="20181595"/>
@@ -12877,7 +13795,7 @@
 </p:tagLst>
 </file>
 
-<file path=ppt/tags/tag83.xml><?xml version="1.0" encoding="utf-8"?>
+<file path=ppt/tags/tag85.xml><?xml version="1.0" encoding="utf-8"?>
 <p:tagLst xmlns:a="http://schemas.openxmlformats.org/drawingml/2006/main" xmlns:r="http://schemas.openxmlformats.org/officeDocument/2006/relationships" xmlns:p="http://schemas.openxmlformats.org/presentationml/2006/main">
   <p:tag name="KSO_WM_TEMPLATE_CATEGORY" val="custom"/>
   <p:tag name="KSO_WM_TEMPLATE_INDEX" val="20181595"/>
@@ -12900,7 +13818,7 @@
 </p:tagLst>
 </file>
 
-<file path=ppt/tags/tag84.xml><?xml version="1.0" encoding="utf-8"?>
+<file path=ppt/tags/tag86.xml><?xml version="1.0" encoding="utf-8"?>
 <p:tagLst xmlns:a="http://schemas.openxmlformats.org/drawingml/2006/main" xmlns:r="http://schemas.openxmlformats.org/officeDocument/2006/relationships" xmlns:p="http://schemas.openxmlformats.org/presentationml/2006/main">
   <p:tag name="KSO_WM_TEMPLATE_CATEGORY" val="custom"/>
   <p:tag name="KSO_WM_TEMPLATE_INDEX" val="20181595"/>
@@ -12919,7 +13837,7 @@
 </p:tagLst>
 </file>
 
-<file path=ppt/tags/tag85.xml><?xml version="1.0" encoding="utf-8"?>
+<file path=ppt/tags/tag87.xml><?xml version="1.0" encoding="utf-8"?>
 <p:tagLst xmlns:a="http://schemas.openxmlformats.org/drawingml/2006/main" xmlns:r="http://schemas.openxmlformats.org/officeDocument/2006/relationships" xmlns:p="http://schemas.openxmlformats.org/presentationml/2006/main">
   <p:tag name="KSO_WM_TAG_VERSION" val="1.0"/>
   <p:tag name="KSO_WM_SLIDE_ITEM_CNT" val="5"/>
@@ -12939,7 +13857,7 @@
 </p:tagLst>
 </file>
 
-<file path=ppt/tags/tag86.xml><?xml version="1.0" encoding="utf-8"?>
+<file path=ppt/tags/tag88.xml><?xml version="1.0" encoding="utf-8"?>
 <p:tagLst xmlns:a="http://schemas.openxmlformats.org/drawingml/2006/main" xmlns:r="http://schemas.openxmlformats.org/officeDocument/2006/relationships" xmlns:p="http://schemas.openxmlformats.org/presentationml/2006/main">
   <p:tag name="KSO_WM_TEMPLATE_CATEGORY" val="custom"/>
   <p:tag name="KSO_WM_TEMPLATE_INDEX" val="20181595"/>
@@ -12963,7 +13881,7 @@
 </p:tagLst>
 </file>
 
-<file path=ppt/tags/tag87.xml><?xml version="1.0" encoding="utf-8"?>
+<file path=ppt/tags/tag89.xml><?xml version="1.0" encoding="utf-8"?>
 <p:tagLst xmlns:a="http://schemas.openxmlformats.org/drawingml/2006/main" xmlns:r="http://schemas.openxmlformats.org/officeDocument/2006/relationships" xmlns:p="http://schemas.openxmlformats.org/presentationml/2006/main">
   <p:tag name="KSO_WM_TEMPLATE_CATEGORY" val="custom"/>
   <p:tag name="KSO_WM_TEMPLATE_INDEX" val="20181595"/>
@@ -12991,6 +13909,69 @@
   <p:tag name="KSO_WM_TEMPLATE_CATEGORY" val="custom"/>
   <p:tag name="KSO_WM_TEMPLATE_INDEX" val="20181595"/>
   <p:tag name="KSO_WM_UNIT_INDEX" val="2"/>
+</p:tagLst>
+</file>
+
+<file path=ppt/tags/tag90.xml><?xml version="1.0" encoding="utf-8"?>
+<p:tagLst xmlns:a="http://schemas.openxmlformats.org/drawingml/2006/main" xmlns:r="http://schemas.openxmlformats.org/officeDocument/2006/relationships" xmlns:p="http://schemas.openxmlformats.org/presentationml/2006/main">
+  <p:tag name="KSO_WM_TAG_VERSION" val="1.0"/>
+  <p:tag name="KSO_WM_SLIDE_ITEM_CNT" val="5"/>
+  <p:tag name="KSO_WM_SLIDE_LAYOUT" val="a_q"/>
+  <p:tag name="KSO_WM_SLIDE_LAYOUT_CNT" val="1_1"/>
+  <p:tag name="KSO_WM_SLIDE_TYPE" val="text"/>
+  <p:tag name="KSO_WM_BEAUTIFY_FLAG" val="#wm#"/>
+  <p:tag name="KSO_WM_SLIDE_POSITION" val="45*121"/>
+  <p:tag name="KSO_WM_SLIDE_SIZE" val="853*388"/>
+  <p:tag name="KSO_WM_COMBINE_RELATE_SLIDE_ID" val="diagram20170854_3"/>
+  <p:tag name="KSO_WM_TEMPLATE_CATEGORY" val="custom"/>
+  <p:tag name="KSO_WM_TEMPLATE_INDEX" val="20181595"/>
+  <p:tag name="KSO_WM_SLIDE_ID" val="custom20181595_15"/>
+  <p:tag name="KSO_WM_SLIDE_INDEX" val="15"/>
+  <p:tag name="KSO_WM_DIAGRAM_GROUP_CODE" val="q1-1"/>
+  <p:tag name="KSO_WM_TEMPLATE_SUBCATEGORY" val="combine"/>
+</p:tagLst>
+</file>
+
+<file path=ppt/tags/tag91.xml><?xml version="1.0" encoding="utf-8"?>
+<p:tagLst xmlns:a="http://schemas.openxmlformats.org/drawingml/2006/main" xmlns:r="http://schemas.openxmlformats.org/officeDocument/2006/relationships" xmlns:p="http://schemas.openxmlformats.org/presentationml/2006/main">
+  <p:tag name="KSO_WM_TEMPLATE_CATEGORY" val="custom"/>
+  <p:tag name="KSO_WM_TEMPLATE_INDEX" val="20181595"/>
+  <p:tag name="KSO_WM_TAG_VERSION" val="1.0"/>
+  <p:tag name="KSO_WM_BEAUTIFY_FLAG" val="#wm#"/>
+  <p:tag name="KSO_WM_UNIT_TYPE" val="a"/>
+  <p:tag name="KSO_WM_UNIT_INDEX" val="1"/>
+  <p:tag name="KSO_WM_UNIT_LAYERLEVEL" val="1"/>
+  <p:tag name="KSO_WM_UNIT_VALUE" val="44"/>
+  <p:tag name="KSO_WM_UNIT_ISCONTENTSTITLE" val="0"/>
+  <p:tag name="KSO_WM_UNIT_HIGHLIGHT" val="0"/>
+  <p:tag name="KSO_WM_UNIT_COMPATIBLE" val="0"/>
+  <p:tag name="KSO_WM_UNIT_CLEAR" val="0"/>
+  <p:tag name="KSO_WM_UNIT_PRESET_TEXT_INDEX" val="3"/>
+  <p:tag name="KSO_WM_UNIT_PRESET_TEXT_LEN" val="17"/>
+  <p:tag name="KSO_WM_DIAGRAM_GROUP_CODE" val="q1_1"/>
+  <p:tag name="KSO_WM_UNIT_ID" val="custom20181595_15*a*1"/>
+  <p:tag name="KSO_WM_UNIT_TEXT_FILL_FORE_SCHEMECOLOR_INDEX" val="13"/>
+  <p:tag name="KSO_WM_UNIT_TEXT_FILL_TYPE" val="1"/>
+  <p:tag name="KSO_WM_UNIT_USESOURCEFORMAT_APPLY" val="1"/>
+</p:tagLst>
+</file>
+
+<file path=ppt/tags/tag92.xml><?xml version="1.0" encoding="utf-8"?>
+<p:tagLst xmlns:a="http://schemas.openxmlformats.org/drawingml/2006/main" xmlns:r="http://schemas.openxmlformats.org/officeDocument/2006/relationships" xmlns:p="http://schemas.openxmlformats.org/presentationml/2006/main">
+  <p:tag name="KSO_WM_TEMPLATE_CATEGORY" val="custom"/>
+  <p:tag name="KSO_WM_TEMPLATE_INDEX" val="20181595"/>
+  <p:tag name="KSO_WM_TAG_VERSION" val="1.0"/>
+  <p:tag name="KSO_WM_BEAUTIFY_FLAG" val="#wm#"/>
+  <p:tag name="KSO_WM_UNIT_PRESET_TEXT_LEN" val="465"/>
+  <p:tag name="KSO_WM_UNIT_PRESET_TEXT_INDEX" val="5"/>
+  <p:tag name="KSO_WM_UNIT_CLEAR" val="0"/>
+  <p:tag name="KSO_WM_UNIT_COMPATIBLE" val="0"/>
+  <p:tag name="KSO_WM_UNIT_HIGHLIGHT" val="0"/>
+  <p:tag name="KSO_WM_UNIT_VALUE" val="616"/>
+  <p:tag name="KSO_WM_UNIT_LAYERLEVEL" val="1"/>
+  <p:tag name="KSO_WM_UNIT_INDEX" val="1"/>
+  <p:tag name="KSO_WM_UNIT_TYPE" val="f"/>
+  <p:tag name="KSO_WM_UNIT_ID" val="custom20181595_2*f*1"/>
 </p:tagLst>
 </file>
 
@@ -13249,7 +14230,7 @@
   <a:extraClrSchemeLst/>
   <a:extLst>
     <a:ext uri="{05A4C25C-085E-4340-85A3-A5531E510DB2}">
-      <thm15:themeFamily xmlns:thm15="http://schemas.microsoft.com/office/thememl/2012/main" xmlns="" name="Office Theme" id="{62F939B6-93AF-4DB8-9C6B-D6C7DFDC589F}" vid="{4A3C46E8-61CC-4603-A589-7422A47A8E4A}"/>
+      <thm15:themeFamily xmlns="" xmlns:thm15="http://schemas.microsoft.com/office/thememl/2012/main" name="Office Theme" id="{62F939B6-93AF-4DB8-9C6B-D6C7DFDC589F}" vid="{4A3C46E8-61CC-4603-A589-7422A47A8E4A}"/>
     </a:ext>
   </a:extLst>
 </a:theme>
@@ -13510,7 +14491,7 @@
   <a:extraClrSchemeLst/>
   <a:extLst>
     <a:ext uri="{05A4C25C-085E-4340-85A3-A5531E510DB2}">
-      <thm15:themeFamily xmlns:thm15="http://schemas.microsoft.com/office/thememl/2012/main" xmlns="" name="Office Theme" id="{62F939B6-93AF-4DB8-9C6B-D6C7DFDC589F}" vid="{4A3C46E8-61CC-4603-A589-7422A47A8E4A}"/>
+      <thm15:themeFamily xmlns="" xmlns:thm15="http://schemas.microsoft.com/office/thememl/2012/main" name="Office Theme" id="{62F939B6-93AF-4DB8-9C6B-D6C7DFDC589F}" vid="{4A3C46E8-61CC-4603-A589-7422A47A8E4A}"/>
     </a:ext>
   </a:extLst>
 </a:theme>

--- a/10后期文档/需求变更评审.pptx
+++ b/10后期文档/需求变更评审.pptx
@@ -5,7 +5,7 @@
     <p:sldMasterId id="2147483648" r:id="rId1"/>
   </p:sldMasterIdLst>
   <p:notesMasterIdLst>
-    <p:notesMasterId r:id="rId20"/>
+    <p:notesMasterId r:id="rId22"/>
   </p:notesMasterIdLst>
   <p:sldIdLst>
     <p:sldId id="256" r:id="rId2"/>
@@ -13,19 +13,21 @@
     <p:sldId id="273" r:id="rId4"/>
     <p:sldId id="259" r:id="rId5"/>
     <p:sldId id="261" r:id="rId6"/>
-    <p:sldId id="274" r:id="rId7"/>
-    <p:sldId id="263" r:id="rId8"/>
-    <p:sldId id="269" r:id="rId9"/>
-    <p:sldId id="271" r:id="rId10"/>
-    <p:sldId id="260" r:id="rId11"/>
-    <p:sldId id="275" r:id="rId12"/>
-    <p:sldId id="272" r:id="rId13"/>
-    <p:sldId id="264" r:id="rId14"/>
-    <p:sldId id="279" r:id="rId15"/>
-    <p:sldId id="276" r:id="rId16"/>
-    <p:sldId id="277" r:id="rId17"/>
-    <p:sldId id="265" r:id="rId18"/>
-    <p:sldId id="278" r:id="rId19"/>
+    <p:sldId id="280" r:id="rId7"/>
+    <p:sldId id="274" r:id="rId8"/>
+    <p:sldId id="263" r:id="rId9"/>
+    <p:sldId id="269" r:id="rId10"/>
+    <p:sldId id="282" r:id="rId11"/>
+    <p:sldId id="281" r:id="rId12"/>
+    <p:sldId id="260" r:id="rId13"/>
+    <p:sldId id="275" r:id="rId14"/>
+    <p:sldId id="272" r:id="rId15"/>
+    <p:sldId id="279" r:id="rId16"/>
+    <p:sldId id="264" r:id="rId17"/>
+    <p:sldId id="276" r:id="rId18"/>
+    <p:sldId id="277" r:id="rId19"/>
+    <p:sldId id="265" r:id="rId20"/>
+    <p:sldId id="278" r:id="rId21"/>
   </p:sldIdLst>
   <p:sldSz cx="12192000" cy="6858000"/>
   <p:notesSz cx="6858000" cy="9144000"/>
@@ -209,7 +211,7 @@
           <a:p>
             <a:fld id="{D2A48B96-639E-45A3-A0BA-2464DFDB1FAA}" type="datetimeFigureOut">
               <a:rPr lang="zh-CN" altLang="en-US" smtClean="0"/>
-              <a:t>2018/1/11</a:t>
+              <a:t>2018/1/13</a:t>
             </a:fld>
             <a:endParaRPr lang="zh-CN" altLang="en-US"/>
           </a:p>
@@ -659,6 +661,164 @@
           <a:bodyPr/>
           <a:lstStyle/>
           <a:p>
+            <a:fld id="{F98589CD-A935-4D1C-B053-63800F7F5732}" type="slidenum">
+              <a:rPr lang="zh-CN" altLang="en-US" smtClean="0"/>
+              <a:t>11</a:t>
+            </a:fld>
+            <a:endParaRPr lang="zh-CN" altLang="en-US"/>
+          </a:p>
+        </p:txBody>
+      </p:sp>
+    </p:spTree>
+  </p:cSld>
+  <p:clrMapOvr>
+    <a:masterClrMapping/>
+  </p:clrMapOvr>
+</p:notes>
+</file>
+
+<file path=ppt/notesSlides/notesSlide11.xml><?xml version="1.0" encoding="utf-8"?>
+<p:notes xmlns:a="http://schemas.openxmlformats.org/drawingml/2006/main" xmlns:r="http://schemas.openxmlformats.org/officeDocument/2006/relationships" xmlns:p="http://schemas.openxmlformats.org/presentationml/2006/main">
+  <p:cSld>
+    <p:spTree>
+      <p:nvGrpSpPr>
+        <p:cNvPr id="1" name=""/>
+        <p:cNvGrpSpPr/>
+        <p:nvPr/>
+      </p:nvGrpSpPr>
+      <p:grpSpPr>
+        <a:xfrm>
+          <a:off x="0" y="0"/>
+          <a:ext cx="0" cy="0"/>
+          <a:chOff x="0" y="0"/>
+          <a:chExt cx="0" cy="0"/>
+        </a:xfrm>
+      </p:grpSpPr>
+      <p:sp>
+        <p:nvSpPr>
+          <p:cNvPr id="2" name="幻灯片图像占位符 1"/>
+          <p:cNvSpPr>
+            <a:spLocks noGrp="1" noRot="1" noChangeAspect="1"/>
+          </p:cNvSpPr>
+          <p:nvPr>
+            <p:ph type="sldImg"/>
+          </p:nvPr>
+        </p:nvSpPr>
+        <p:spPr/>
+      </p:sp>
+      <p:sp>
+        <p:nvSpPr>
+          <p:cNvPr id="3" name="备注占位符 2"/>
+          <p:cNvSpPr>
+            <a:spLocks noGrp="1"/>
+          </p:cNvSpPr>
+          <p:nvPr>
+            <p:ph type="body" idx="1"/>
+          </p:nvPr>
+        </p:nvSpPr>
+        <p:spPr/>
+        <p:txBody>
+          <a:bodyPr/>
+          <a:lstStyle/>
+          <a:p>
+            <a:endParaRPr lang="zh-CN" altLang="en-US"/>
+          </a:p>
+        </p:txBody>
+      </p:sp>
+      <p:sp>
+        <p:nvSpPr>
+          <p:cNvPr id="4" name="灯片编号占位符 3"/>
+          <p:cNvSpPr>
+            <a:spLocks noGrp="1"/>
+          </p:cNvSpPr>
+          <p:nvPr>
+            <p:ph type="sldNum" sz="quarter" idx="10"/>
+          </p:nvPr>
+        </p:nvSpPr>
+        <p:spPr/>
+        <p:txBody>
+          <a:bodyPr/>
+          <a:lstStyle/>
+          <a:p>
+            <a:fld id="{F98589CD-A935-4D1C-B053-63800F7F5732}" type="slidenum">
+              <a:rPr lang="zh-CN" altLang="en-US" smtClean="0"/>
+              <a:t>12</a:t>
+            </a:fld>
+            <a:endParaRPr lang="zh-CN" altLang="en-US"/>
+          </a:p>
+        </p:txBody>
+      </p:sp>
+    </p:spTree>
+  </p:cSld>
+  <p:clrMapOvr>
+    <a:masterClrMapping/>
+  </p:clrMapOvr>
+</p:notes>
+</file>
+
+<file path=ppt/notesSlides/notesSlide12.xml><?xml version="1.0" encoding="utf-8"?>
+<p:notes xmlns:a="http://schemas.openxmlformats.org/drawingml/2006/main" xmlns:r="http://schemas.openxmlformats.org/officeDocument/2006/relationships" xmlns:p="http://schemas.openxmlformats.org/presentationml/2006/main">
+  <p:cSld>
+    <p:spTree>
+      <p:nvGrpSpPr>
+        <p:cNvPr id="1" name=""/>
+        <p:cNvGrpSpPr/>
+        <p:nvPr/>
+      </p:nvGrpSpPr>
+      <p:grpSpPr>
+        <a:xfrm>
+          <a:off x="0" y="0"/>
+          <a:ext cx="0" cy="0"/>
+          <a:chOff x="0" y="0"/>
+          <a:chExt cx="0" cy="0"/>
+        </a:xfrm>
+      </p:grpSpPr>
+      <p:sp>
+        <p:nvSpPr>
+          <p:cNvPr id="2" name="幻灯片图像占位符 1"/>
+          <p:cNvSpPr>
+            <a:spLocks noGrp="1" noRot="1" noChangeAspect="1"/>
+          </p:cNvSpPr>
+          <p:nvPr>
+            <p:ph type="sldImg"/>
+          </p:nvPr>
+        </p:nvSpPr>
+        <p:spPr/>
+      </p:sp>
+      <p:sp>
+        <p:nvSpPr>
+          <p:cNvPr id="3" name="备注占位符 2"/>
+          <p:cNvSpPr>
+            <a:spLocks noGrp="1"/>
+          </p:cNvSpPr>
+          <p:nvPr>
+            <p:ph type="body" idx="1"/>
+          </p:nvPr>
+        </p:nvSpPr>
+        <p:spPr/>
+        <p:txBody>
+          <a:bodyPr/>
+          <a:lstStyle/>
+          <a:p>
+            <a:endParaRPr lang="zh-CN" altLang="en-US"/>
+          </a:p>
+        </p:txBody>
+      </p:sp>
+      <p:sp>
+        <p:nvSpPr>
+          <p:cNvPr id="4" name="灯片编号占位符 3"/>
+          <p:cNvSpPr>
+            <a:spLocks noGrp="1"/>
+          </p:cNvSpPr>
+          <p:nvPr>
+            <p:ph type="sldNum" sz="quarter" idx="10"/>
+          </p:nvPr>
+        </p:nvSpPr>
+        <p:spPr/>
+        <p:txBody>
+          <a:bodyPr/>
+          <a:lstStyle/>
+          <a:p>
             <a:pPr marL="0" marR="0" lvl="0" indent="0" algn="r" defTabSz="914400" eaLnBrk="0" fontAlgn="base" latinLnBrk="0" hangingPunct="0">
               <a:lnSpc>
                 <a:spcPct val="100000"/>
@@ -689,7 +849,7 @@
                 <a:latin typeface="Calibri" panose="020F0502020204030204" charset="0"/>
                 <a:ea typeface="微软雅黑" panose="020B0503020204020204" charset="-122"/>
               </a:rPr>
-              <a:t>11</a:t>
+              <a:t>13</a:t>
             </a:fld>
             <a:endParaRPr kumimoji="0" lang="zh-CN" altLang="en-US" sz="1200" b="0" i="0" u="none" strike="noStrike" kern="1200" cap="none" spc="0" normalizeH="0" baseline="0" noProof="0">
               <a:ln>
@@ -704,164 +864,6 @@
               <a:latin typeface="Calibri" panose="020F0502020204030204" charset="0"/>
               <a:ea typeface="微软雅黑" panose="020B0503020204020204" charset="-122"/>
             </a:endParaRPr>
-          </a:p>
-        </p:txBody>
-      </p:sp>
-    </p:spTree>
-  </p:cSld>
-  <p:clrMapOvr>
-    <a:masterClrMapping/>
-  </p:clrMapOvr>
-</p:notes>
-</file>
-
-<file path=ppt/notesSlides/notesSlide11.xml><?xml version="1.0" encoding="utf-8"?>
-<p:notes xmlns:a="http://schemas.openxmlformats.org/drawingml/2006/main" xmlns:r="http://schemas.openxmlformats.org/officeDocument/2006/relationships" xmlns:p="http://schemas.openxmlformats.org/presentationml/2006/main">
-  <p:cSld>
-    <p:spTree>
-      <p:nvGrpSpPr>
-        <p:cNvPr id="1" name=""/>
-        <p:cNvGrpSpPr/>
-        <p:nvPr/>
-      </p:nvGrpSpPr>
-      <p:grpSpPr>
-        <a:xfrm>
-          <a:off x="0" y="0"/>
-          <a:ext cx="0" cy="0"/>
-          <a:chOff x="0" y="0"/>
-          <a:chExt cx="0" cy="0"/>
-        </a:xfrm>
-      </p:grpSpPr>
-      <p:sp>
-        <p:nvSpPr>
-          <p:cNvPr id="2" name="幻灯片图像占位符 1"/>
-          <p:cNvSpPr>
-            <a:spLocks noGrp="1" noRot="1" noChangeAspect="1"/>
-          </p:cNvSpPr>
-          <p:nvPr>
-            <p:ph type="sldImg"/>
-          </p:nvPr>
-        </p:nvSpPr>
-        <p:spPr/>
-      </p:sp>
-      <p:sp>
-        <p:nvSpPr>
-          <p:cNvPr id="3" name="备注占位符 2"/>
-          <p:cNvSpPr>
-            <a:spLocks noGrp="1"/>
-          </p:cNvSpPr>
-          <p:nvPr>
-            <p:ph type="body" idx="1"/>
-          </p:nvPr>
-        </p:nvSpPr>
-        <p:spPr/>
-        <p:txBody>
-          <a:bodyPr/>
-          <a:lstStyle/>
-          <a:p>
-            <a:endParaRPr lang="zh-CN" altLang="en-US"/>
-          </a:p>
-        </p:txBody>
-      </p:sp>
-      <p:sp>
-        <p:nvSpPr>
-          <p:cNvPr id="4" name="灯片编号占位符 3"/>
-          <p:cNvSpPr>
-            <a:spLocks noGrp="1"/>
-          </p:cNvSpPr>
-          <p:nvPr>
-            <p:ph type="sldNum" sz="quarter" idx="10"/>
-          </p:nvPr>
-        </p:nvSpPr>
-        <p:spPr/>
-        <p:txBody>
-          <a:bodyPr/>
-          <a:lstStyle/>
-          <a:p>
-            <a:fld id="{F98589CD-A935-4D1C-B053-63800F7F5732}" type="slidenum">
-              <a:rPr lang="zh-CN" altLang="en-US" smtClean="0"/>
-              <a:t>12</a:t>
-            </a:fld>
-            <a:endParaRPr lang="zh-CN" altLang="en-US"/>
-          </a:p>
-        </p:txBody>
-      </p:sp>
-    </p:spTree>
-  </p:cSld>
-  <p:clrMapOvr>
-    <a:masterClrMapping/>
-  </p:clrMapOvr>
-</p:notes>
-</file>
-
-<file path=ppt/notesSlides/notesSlide12.xml><?xml version="1.0" encoding="utf-8"?>
-<p:notes xmlns:a="http://schemas.openxmlformats.org/drawingml/2006/main" xmlns:r="http://schemas.openxmlformats.org/officeDocument/2006/relationships" xmlns:p="http://schemas.openxmlformats.org/presentationml/2006/main">
-  <p:cSld>
-    <p:spTree>
-      <p:nvGrpSpPr>
-        <p:cNvPr id="1" name=""/>
-        <p:cNvGrpSpPr/>
-        <p:nvPr/>
-      </p:nvGrpSpPr>
-      <p:grpSpPr>
-        <a:xfrm>
-          <a:off x="0" y="0"/>
-          <a:ext cx="0" cy="0"/>
-          <a:chOff x="0" y="0"/>
-          <a:chExt cx="0" cy="0"/>
-        </a:xfrm>
-      </p:grpSpPr>
-      <p:sp>
-        <p:nvSpPr>
-          <p:cNvPr id="2" name="幻灯片图像占位符 1"/>
-          <p:cNvSpPr>
-            <a:spLocks noGrp="1" noRot="1" noChangeAspect="1"/>
-          </p:cNvSpPr>
-          <p:nvPr>
-            <p:ph type="sldImg"/>
-          </p:nvPr>
-        </p:nvSpPr>
-        <p:spPr/>
-      </p:sp>
-      <p:sp>
-        <p:nvSpPr>
-          <p:cNvPr id="3" name="备注占位符 2"/>
-          <p:cNvSpPr>
-            <a:spLocks noGrp="1"/>
-          </p:cNvSpPr>
-          <p:nvPr>
-            <p:ph type="body" idx="1"/>
-          </p:nvPr>
-        </p:nvSpPr>
-        <p:spPr/>
-        <p:txBody>
-          <a:bodyPr/>
-          <a:lstStyle/>
-          <a:p>
-            <a:endParaRPr lang="zh-CN" altLang="en-US"/>
-          </a:p>
-        </p:txBody>
-      </p:sp>
-      <p:sp>
-        <p:nvSpPr>
-          <p:cNvPr id="4" name="灯片编号占位符 3"/>
-          <p:cNvSpPr>
-            <a:spLocks noGrp="1"/>
-          </p:cNvSpPr>
-          <p:nvPr>
-            <p:ph type="sldNum" sz="quarter" idx="10"/>
-          </p:nvPr>
-        </p:nvSpPr>
-        <p:spPr/>
-        <p:txBody>
-          <a:bodyPr/>
-          <a:lstStyle/>
-          <a:p>
-            <a:fld id="{F98589CD-A935-4D1C-B053-63800F7F5732}" type="slidenum">
-              <a:rPr lang="zh-CN" altLang="en-US" smtClean="0"/>
-              <a:t>13</a:t>
-            </a:fld>
-            <a:endParaRPr lang="zh-CN" altLang="en-US"/>
           </a:p>
         </p:txBody>
       </p:sp>
@@ -953,6 +955,164 @@
 </file>
 
 <file path=ppt/notesSlides/notesSlide14.xml><?xml version="1.0" encoding="utf-8"?>
+<p:notes xmlns:a="http://schemas.openxmlformats.org/drawingml/2006/main" xmlns:r="http://schemas.openxmlformats.org/officeDocument/2006/relationships" xmlns:p="http://schemas.openxmlformats.org/presentationml/2006/main">
+  <p:cSld>
+    <p:spTree>
+      <p:nvGrpSpPr>
+        <p:cNvPr id="1" name=""/>
+        <p:cNvGrpSpPr/>
+        <p:nvPr/>
+      </p:nvGrpSpPr>
+      <p:grpSpPr>
+        <a:xfrm>
+          <a:off x="0" y="0"/>
+          <a:ext cx="0" cy="0"/>
+          <a:chOff x="0" y="0"/>
+          <a:chExt cx="0" cy="0"/>
+        </a:xfrm>
+      </p:grpSpPr>
+      <p:sp>
+        <p:nvSpPr>
+          <p:cNvPr id="2" name="幻灯片图像占位符 1"/>
+          <p:cNvSpPr>
+            <a:spLocks noGrp="1" noRot="1" noChangeAspect="1"/>
+          </p:cNvSpPr>
+          <p:nvPr>
+            <p:ph type="sldImg"/>
+          </p:nvPr>
+        </p:nvSpPr>
+        <p:spPr/>
+      </p:sp>
+      <p:sp>
+        <p:nvSpPr>
+          <p:cNvPr id="3" name="备注占位符 2"/>
+          <p:cNvSpPr>
+            <a:spLocks noGrp="1"/>
+          </p:cNvSpPr>
+          <p:nvPr>
+            <p:ph type="body" idx="1"/>
+          </p:nvPr>
+        </p:nvSpPr>
+        <p:spPr/>
+        <p:txBody>
+          <a:bodyPr/>
+          <a:lstStyle/>
+          <a:p>
+            <a:endParaRPr lang="zh-CN" altLang="en-US"/>
+          </a:p>
+        </p:txBody>
+      </p:sp>
+      <p:sp>
+        <p:nvSpPr>
+          <p:cNvPr id="4" name="灯片编号占位符 3"/>
+          <p:cNvSpPr>
+            <a:spLocks noGrp="1"/>
+          </p:cNvSpPr>
+          <p:nvPr>
+            <p:ph type="sldNum" sz="quarter" idx="10"/>
+          </p:nvPr>
+        </p:nvSpPr>
+        <p:spPr/>
+        <p:txBody>
+          <a:bodyPr/>
+          <a:lstStyle/>
+          <a:p>
+            <a:fld id="{F98589CD-A935-4D1C-B053-63800F7F5732}" type="slidenum">
+              <a:rPr lang="zh-CN" altLang="en-US" smtClean="0"/>
+              <a:t>15</a:t>
+            </a:fld>
+            <a:endParaRPr lang="zh-CN" altLang="en-US"/>
+          </a:p>
+        </p:txBody>
+      </p:sp>
+    </p:spTree>
+  </p:cSld>
+  <p:clrMapOvr>
+    <a:masterClrMapping/>
+  </p:clrMapOvr>
+</p:notes>
+</file>
+
+<file path=ppt/notesSlides/notesSlide15.xml><?xml version="1.0" encoding="utf-8"?>
+<p:notes xmlns:a="http://schemas.openxmlformats.org/drawingml/2006/main" xmlns:r="http://schemas.openxmlformats.org/officeDocument/2006/relationships" xmlns:p="http://schemas.openxmlformats.org/presentationml/2006/main">
+  <p:cSld>
+    <p:spTree>
+      <p:nvGrpSpPr>
+        <p:cNvPr id="1" name=""/>
+        <p:cNvGrpSpPr/>
+        <p:nvPr/>
+      </p:nvGrpSpPr>
+      <p:grpSpPr>
+        <a:xfrm>
+          <a:off x="0" y="0"/>
+          <a:ext cx="0" cy="0"/>
+          <a:chOff x="0" y="0"/>
+          <a:chExt cx="0" cy="0"/>
+        </a:xfrm>
+      </p:grpSpPr>
+      <p:sp>
+        <p:nvSpPr>
+          <p:cNvPr id="2" name="幻灯片图像占位符 1"/>
+          <p:cNvSpPr>
+            <a:spLocks noGrp="1" noRot="1" noChangeAspect="1"/>
+          </p:cNvSpPr>
+          <p:nvPr>
+            <p:ph type="sldImg"/>
+          </p:nvPr>
+        </p:nvSpPr>
+        <p:spPr/>
+      </p:sp>
+      <p:sp>
+        <p:nvSpPr>
+          <p:cNvPr id="3" name="备注占位符 2"/>
+          <p:cNvSpPr>
+            <a:spLocks noGrp="1"/>
+          </p:cNvSpPr>
+          <p:nvPr>
+            <p:ph type="body" idx="1"/>
+          </p:nvPr>
+        </p:nvSpPr>
+        <p:spPr/>
+        <p:txBody>
+          <a:bodyPr/>
+          <a:lstStyle/>
+          <a:p>
+            <a:endParaRPr lang="zh-CN" altLang="en-US"/>
+          </a:p>
+        </p:txBody>
+      </p:sp>
+      <p:sp>
+        <p:nvSpPr>
+          <p:cNvPr id="4" name="灯片编号占位符 3"/>
+          <p:cNvSpPr>
+            <a:spLocks noGrp="1"/>
+          </p:cNvSpPr>
+          <p:nvPr>
+            <p:ph type="sldNum" sz="quarter" idx="10"/>
+          </p:nvPr>
+        </p:nvSpPr>
+        <p:spPr/>
+        <p:txBody>
+          <a:bodyPr/>
+          <a:lstStyle/>
+          <a:p>
+            <a:fld id="{F98589CD-A935-4D1C-B053-63800F7F5732}" type="slidenum">
+              <a:rPr lang="zh-CN" altLang="en-US" smtClean="0"/>
+              <a:t>16</a:t>
+            </a:fld>
+            <a:endParaRPr lang="zh-CN" altLang="en-US"/>
+          </a:p>
+        </p:txBody>
+      </p:sp>
+    </p:spTree>
+  </p:cSld>
+  <p:clrMapOvr>
+    <a:masterClrMapping/>
+  </p:clrMapOvr>
+</p:notes>
+</file>
+
+<file path=ppt/notesSlides/notesSlide16.xml><?xml version="1.0" encoding="utf-8"?>
 <p:notes xmlns:a="http://schemas.openxmlformats.org/drawingml/2006/main" xmlns:r="http://schemas.openxmlformats.org/officeDocument/2006/relationships" xmlns:p="http://schemas.openxmlformats.org/presentationml/2006/main">
   <p:cSld>
     <p:spTree>
@@ -1045,7 +1205,7 @@
                 <a:latin typeface="Calibri" panose="020F0502020204030204" charset="0"/>
                 <a:ea typeface="微软雅黑" panose="020B0503020204020204" charset="-122"/>
               </a:rPr>
-              <a:t>15</a:t>
+              <a:t>17</a:t>
             </a:fld>
             <a:endParaRPr kumimoji="0" lang="zh-CN" altLang="en-US" sz="1200" b="0" i="0" u="none" strike="noStrike" kern="1200" cap="none" spc="0" normalizeH="0" baseline="0" noProof="0">
               <a:ln>
@@ -1060,164 +1220,6 @@
               <a:latin typeface="Calibri" panose="020F0502020204030204" charset="0"/>
               <a:ea typeface="微软雅黑" panose="020B0503020204020204" charset="-122"/>
             </a:endParaRPr>
-          </a:p>
-        </p:txBody>
-      </p:sp>
-    </p:spTree>
-  </p:cSld>
-  <p:clrMapOvr>
-    <a:masterClrMapping/>
-  </p:clrMapOvr>
-</p:notes>
-</file>
-
-<file path=ppt/notesSlides/notesSlide15.xml><?xml version="1.0" encoding="utf-8"?>
-<p:notes xmlns:a="http://schemas.openxmlformats.org/drawingml/2006/main" xmlns:r="http://schemas.openxmlformats.org/officeDocument/2006/relationships" xmlns:p="http://schemas.openxmlformats.org/presentationml/2006/main">
-  <p:cSld>
-    <p:spTree>
-      <p:nvGrpSpPr>
-        <p:cNvPr id="1" name=""/>
-        <p:cNvGrpSpPr/>
-        <p:nvPr/>
-      </p:nvGrpSpPr>
-      <p:grpSpPr>
-        <a:xfrm>
-          <a:off x="0" y="0"/>
-          <a:ext cx="0" cy="0"/>
-          <a:chOff x="0" y="0"/>
-          <a:chExt cx="0" cy="0"/>
-        </a:xfrm>
-      </p:grpSpPr>
-      <p:sp>
-        <p:nvSpPr>
-          <p:cNvPr id="2" name="幻灯片图像占位符 1"/>
-          <p:cNvSpPr>
-            <a:spLocks noGrp="1" noRot="1" noChangeAspect="1"/>
-          </p:cNvSpPr>
-          <p:nvPr>
-            <p:ph type="sldImg"/>
-          </p:nvPr>
-        </p:nvSpPr>
-        <p:spPr/>
-      </p:sp>
-      <p:sp>
-        <p:nvSpPr>
-          <p:cNvPr id="3" name="备注占位符 2"/>
-          <p:cNvSpPr>
-            <a:spLocks noGrp="1"/>
-          </p:cNvSpPr>
-          <p:nvPr>
-            <p:ph type="body" idx="1"/>
-          </p:nvPr>
-        </p:nvSpPr>
-        <p:spPr/>
-        <p:txBody>
-          <a:bodyPr/>
-          <a:lstStyle/>
-          <a:p>
-            <a:endParaRPr lang="zh-CN" altLang="en-US"/>
-          </a:p>
-        </p:txBody>
-      </p:sp>
-      <p:sp>
-        <p:nvSpPr>
-          <p:cNvPr id="4" name="灯片编号占位符 3"/>
-          <p:cNvSpPr>
-            <a:spLocks noGrp="1"/>
-          </p:cNvSpPr>
-          <p:nvPr>
-            <p:ph type="sldNum" sz="quarter" idx="10"/>
-          </p:nvPr>
-        </p:nvSpPr>
-        <p:spPr/>
-        <p:txBody>
-          <a:bodyPr/>
-          <a:lstStyle/>
-          <a:p>
-            <a:fld id="{F98589CD-A935-4D1C-B053-63800F7F5732}" type="slidenum">
-              <a:rPr lang="zh-CN" altLang="en-US" smtClean="0"/>
-              <a:t>16</a:t>
-            </a:fld>
-            <a:endParaRPr lang="zh-CN" altLang="en-US"/>
-          </a:p>
-        </p:txBody>
-      </p:sp>
-    </p:spTree>
-  </p:cSld>
-  <p:clrMapOvr>
-    <a:masterClrMapping/>
-  </p:clrMapOvr>
-</p:notes>
-</file>
-
-<file path=ppt/notesSlides/notesSlide16.xml><?xml version="1.0" encoding="utf-8"?>
-<p:notes xmlns:a="http://schemas.openxmlformats.org/drawingml/2006/main" xmlns:r="http://schemas.openxmlformats.org/officeDocument/2006/relationships" xmlns:p="http://schemas.openxmlformats.org/presentationml/2006/main">
-  <p:cSld>
-    <p:spTree>
-      <p:nvGrpSpPr>
-        <p:cNvPr id="1" name=""/>
-        <p:cNvGrpSpPr/>
-        <p:nvPr/>
-      </p:nvGrpSpPr>
-      <p:grpSpPr>
-        <a:xfrm>
-          <a:off x="0" y="0"/>
-          <a:ext cx="0" cy="0"/>
-          <a:chOff x="0" y="0"/>
-          <a:chExt cx="0" cy="0"/>
-        </a:xfrm>
-      </p:grpSpPr>
-      <p:sp>
-        <p:nvSpPr>
-          <p:cNvPr id="2" name="幻灯片图像占位符 1"/>
-          <p:cNvSpPr>
-            <a:spLocks noGrp="1" noRot="1" noChangeAspect="1"/>
-          </p:cNvSpPr>
-          <p:nvPr>
-            <p:ph type="sldImg"/>
-          </p:nvPr>
-        </p:nvSpPr>
-        <p:spPr/>
-      </p:sp>
-      <p:sp>
-        <p:nvSpPr>
-          <p:cNvPr id="3" name="备注占位符 2"/>
-          <p:cNvSpPr>
-            <a:spLocks noGrp="1"/>
-          </p:cNvSpPr>
-          <p:nvPr>
-            <p:ph type="body" idx="1"/>
-          </p:nvPr>
-        </p:nvSpPr>
-        <p:spPr/>
-        <p:txBody>
-          <a:bodyPr/>
-          <a:lstStyle/>
-          <a:p>
-            <a:endParaRPr lang="zh-CN" altLang="en-US"/>
-          </a:p>
-        </p:txBody>
-      </p:sp>
-      <p:sp>
-        <p:nvSpPr>
-          <p:cNvPr id="4" name="灯片编号占位符 3"/>
-          <p:cNvSpPr>
-            <a:spLocks noGrp="1"/>
-          </p:cNvSpPr>
-          <p:nvPr>
-            <p:ph type="sldNum" sz="quarter" idx="10"/>
-          </p:nvPr>
-        </p:nvSpPr>
-        <p:spPr/>
-        <p:txBody>
-          <a:bodyPr/>
-          <a:lstStyle/>
-          <a:p>
-            <a:fld id="{2D5025FE-99A5-44F1-A9DE-1B3C4FA360BA}" type="slidenum">
-              <a:rPr lang="zh-CN" altLang="en-US" smtClean="0"/>
-              <a:t>17</a:t>
-            </a:fld>
-            <a:endParaRPr lang="zh-CN" altLang="en-US"/>
           </a:p>
         </p:txBody>
       </p:sp>
@@ -1292,9 +1294,167 @@
           <a:bodyPr/>
           <a:lstStyle/>
           <a:p>
+            <a:fld id="{F98589CD-A935-4D1C-B053-63800F7F5732}" type="slidenum">
+              <a:rPr lang="zh-CN" altLang="en-US" smtClean="0"/>
+              <a:t>18</a:t>
+            </a:fld>
+            <a:endParaRPr lang="zh-CN" altLang="en-US"/>
+          </a:p>
+        </p:txBody>
+      </p:sp>
+    </p:spTree>
+  </p:cSld>
+  <p:clrMapOvr>
+    <a:masterClrMapping/>
+  </p:clrMapOvr>
+</p:notes>
+</file>
+
+<file path=ppt/notesSlides/notesSlide18.xml><?xml version="1.0" encoding="utf-8"?>
+<p:notes xmlns:a="http://schemas.openxmlformats.org/drawingml/2006/main" xmlns:r="http://schemas.openxmlformats.org/officeDocument/2006/relationships" xmlns:p="http://schemas.openxmlformats.org/presentationml/2006/main">
+  <p:cSld>
+    <p:spTree>
+      <p:nvGrpSpPr>
+        <p:cNvPr id="1" name=""/>
+        <p:cNvGrpSpPr/>
+        <p:nvPr/>
+      </p:nvGrpSpPr>
+      <p:grpSpPr>
+        <a:xfrm>
+          <a:off x="0" y="0"/>
+          <a:ext cx="0" cy="0"/>
+          <a:chOff x="0" y="0"/>
+          <a:chExt cx="0" cy="0"/>
+        </a:xfrm>
+      </p:grpSpPr>
+      <p:sp>
+        <p:nvSpPr>
+          <p:cNvPr id="2" name="幻灯片图像占位符 1"/>
+          <p:cNvSpPr>
+            <a:spLocks noGrp="1" noRot="1" noChangeAspect="1"/>
+          </p:cNvSpPr>
+          <p:nvPr>
+            <p:ph type="sldImg"/>
+          </p:nvPr>
+        </p:nvSpPr>
+        <p:spPr/>
+      </p:sp>
+      <p:sp>
+        <p:nvSpPr>
+          <p:cNvPr id="3" name="备注占位符 2"/>
+          <p:cNvSpPr>
+            <a:spLocks noGrp="1"/>
+          </p:cNvSpPr>
+          <p:nvPr>
+            <p:ph type="body" idx="1"/>
+          </p:nvPr>
+        </p:nvSpPr>
+        <p:spPr/>
+        <p:txBody>
+          <a:bodyPr/>
+          <a:lstStyle/>
+          <a:p>
+            <a:endParaRPr lang="zh-CN" altLang="en-US"/>
+          </a:p>
+        </p:txBody>
+      </p:sp>
+      <p:sp>
+        <p:nvSpPr>
+          <p:cNvPr id="4" name="灯片编号占位符 3"/>
+          <p:cNvSpPr>
+            <a:spLocks noGrp="1"/>
+          </p:cNvSpPr>
+          <p:nvPr>
+            <p:ph type="sldNum" sz="quarter" idx="10"/>
+          </p:nvPr>
+        </p:nvSpPr>
+        <p:spPr/>
+        <p:txBody>
+          <a:bodyPr/>
+          <a:lstStyle/>
+          <a:p>
             <a:fld id="{2D5025FE-99A5-44F1-A9DE-1B3C4FA360BA}" type="slidenum">
               <a:rPr lang="zh-CN" altLang="en-US" smtClean="0"/>
-              <a:t>18</a:t>
+              <a:t>19</a:t>
+            </a:fld>
+            <a:endParaRPr lang="zh-CN" altLang="en-US"/>
+          </a:p>
+        </p:txBody>
+      </p:sp>
+    </p:spTree>
+  </p:cSld>
+  <p:clrMapOvr>
+    <a:masterClrMapping/>
+  </p:clrMapOvr>
+</p:notes>
+</file>
+
+<file path=ppt/notesSlides/notesSlide19.xml><?xml version="1.0" encoding="utf-8"?>
+<p:notes xmlns:a="http://schemas.openxmlformats.org/drawingml/2006/main" xmlns:r="http://schemas.openxmlformats.org/officeDocument/2006/relationships" xmlns:p="http://schemas.openxmlformats.org/presentationml/2006/main">
+  <p:cSld>
+    <p:spTree>
+      <p:nvGrpSpPr>
+        <p:cNvPr id="1" name=""/>
+        <p:cNvGrpSpPr/>
+        <p:nvPr/>
+      </p:nvGrpSpPr>
+      <p:grpSpPr>
+        <a:xfrm>
+          <a:off x="0" y="0"/>
+          <a:ext cx="0" cy="0"/>
+          <a:chOff x="0" y="0"/>
+          <a:chExt cx="0" cy="0"/>
+        </a:xfrm>
+      </p:grpSpPr>
+      <p:sp>
+        <p:nvSpPr>
+          <p:cNvPr id="2" name="幻灯片图像占位符 1"/>
+          <p:cNvSpPr>
+            <a:spLocks noGrp="1" noRot="1" noChangeAspect="1"/>
+          </p:cNvSpPr>
+          <p:nvPr>
+            <p:ph type="sldImg"/>
+          </p:nvPr>
+        </p:nvSpPr>
+        <p:spPr/>
+      </p:sp>
+      <p:sp>
+        <p:nvSpPr>
+          <p:cNvPr id="3" name="备注占位符 2"/>
+          <p:cNvSpPr>
+            <a:spLocks noGrp="1"/>
+          </p:cNvSpPr>
+          <p:nvPr>
+            <p:ph type="body" idx="1"/>
+          </p:nvPr>
+        </p:nvSpPr>
+        <p:spPr/>
+        <p:txBody>
+          <a:bodyPr/>
+          <a:lstStyle/>
+          <a:p>
+            <a:endParaRPr lang="zh-CN" altLang="en-US"/>
+          </a:p>
+        </p:txBody>
+      </p:sp>
+      <p:sp>
+        <p:nvSpPr>
+          <p:cNvPr id="4" name="灯片编号占位符 3"/>
+          <p:cNvSpPr>
+            <a:spLocks noGrp="1"/>
+          </p:cNvSpPr>
+          <p:nvPr>
+            <p:ph type="sldNum" sz="quarter" idx="10"/>
+          </p:nvPr>
+        </p:nvSpPr>
+        <p:spPr/>
+        <p:txBody>
+          <a:bodyPr/>
+          <a:lstStyle/>
+          <a:p>
+            <a:fld id="{2D5025FE-99A5-44F1-A9DE-1B3C4FA360BA}" type="slidenum">
+              <a:rPr lang="zh-CN" altLang="en-US" smtClean="0"/>
+              <a:t>20</a:t>
             </a:fld>
             <a:endParaRPr lang="zh-CN" altLang="en-US"/>
           </a:p>
@@ -2085,11 +2245,51 @@
           <a:bodyPr/>
           <a:lstStyle/>
           <a:p>
-            <a:fld id="{F98589CD-A935-4D1C-B053-63800F7F5732}" type="slidenum">
-              <a:rPr lang="zh-CN" altLang="en-US" smtClean="0"/>
+            <a:pPr marL="0" marR="0" lvl="0" indent="0" algn="r" defTabSz="914400" eaLnBrk="0" fontAlgn="base" latinLnBrk="0" hangingPunct="0">
+              <a:lnSpc>
+                <a:spcPct val="100000"/>
+              </a:lnSpc>
+              <a:spcBef>
+                <a:spcPct val="0"/>
+              </a:spcBef>
+              <a:spcAft>
+                <a:spcPct val="0"/>
+              </a:spcAft>
+              <a:buClrTx/>
+              <a:buSzTx/>
+              <a:buFontTx/>
+              <a:buNone/>
+              <a:defRPr/>
+            </a:pPr>
+            <a:fld id="{39AD698A-D66C-4FA1-BBD8-F72AE9E6E751}" type="slidenum">
+              <a:rPr kumimoji="0" lang="zh-CN" altLang="en-US" sz="1200" b="0" i="0" u="none" strike="noStrike" kern="1200" cap="none" spc="0" normalizeH="0" baseline="0" noProof="0" smtClean="0">
+                <a:ln>
+                  <a:noFill/>
+                </a:ln>
+                <a:solidFill>
+                  <a:prstClr val="black"/>
+                </a:solidFill>
+                <a:effectLst/>
+                <a:uLnTx/>
+                <a:uFillTx/>
+                <a:latin typeface="Calibri" panose="020F0502020204030204" charset="0"/>
+                <a:ea typeface="微软雅黑" panose="020B0503020204020204" charset="-122"/>
+              </a:rPr>
               <a:t>9</a:t>
             </a:fld>
-            <a:endParaRPr lang="zh-CN" altLang="en-US"/>
+            <a:endParaRPr kumimoji="0" lang="zh-CN" altLang="en-US" sz="1200" b="0" i="0" u="none" strike="noStrike" kern="1200" cap="none" spc="0" normalizeH="0" baseline="0" noProof="0">
+              <a:ln>
+                <a:noFill/>
+              </a:ln>
+              <a:solidFill>
+                <a:prstClr val="black"/>
+              </a:solidFill>
+              <a:effectLst/>
+              <a:uLnTx/>
+              <a:uFillTx/>
+              <a:latin typeface="Calibri" panose="020F0502020204030204" charset="0"/>
+              <a:ea typeface="微软雅黑" panose="020B0503020204020204" charset="-122"/>
+            </a:endParaRPr>
           </a:p>
         </p:txBody>
       </p:sp>
@@ -2164,11 +2364,51 @@
           <a:bodyPr/>
           <a:lstStyle/>
           <a:p>
-            <a:fld id="{F98589CD-A935-4D1C-B053-63800F7F5732}" type="slidenum">
-              <a:rPr lang="zh-CN" altLang="en-US" smtClean="0"/>
+            <a:pPr marL="0" marR="0" lvl="0" indent="0" algn="r" defTabSz="914400" eaLnBrk="0" fontAlgn="base" latinLnBrk="0" hangingPunct="0">
+              <a:lnSpc>
+                <a:spcPct val="100000"/>
+              </a:lnSpc>
+              <a:spcBef>
+                <a:spcPct val="0"/>
+              </a:spcBef>
+              <a:spcAft>
+                <a:spcPct val="0"/>
+              </a:spcAft>
+              <a:buClrTx/>
+              <a:buSzTx/>
+              <a:buFontTx/>
+              <a:buNone/>
+              <a:defRPr/>
+            </a:pPr>
+            <a:fld id="{39AD698A-D66C-4FA1-BBD8-F72AE9E6E751}" type="slidenum">
+              <a:rPr kumimoji="0" lang="zh-CN" altLang="en-US" sz="1200" b="0" i="0" u="none" strike="noStrike" kern="1200" cap="none" spc="0" normalizeH="0" baseline="0" noProof="0" smtClean="0">
+                <a:ln>
+                  <a:noFill/>
+                </a:ln>
+                <a:solidFill>
+                  <a:prstClr val="black"/>
+                </a:solidFill>
+                <a:effectLst/>
+                <a:uLnTx/>
+                <a:uFillTx/>
+                <a:latin typeface="Calibri" panose="020F0502020204030204" charset="0"/>
+                <a:ea typeface="微软雅黑" panose="020B0503020204020204" charset="-122"/>
+              </a:rPr>
               <a:t>10</a:t>
             </a:fld>
-            <a:endParaRPr lang="zh-CN" altLang="en-US"/>
+            <a:endParaRPr kumimoji="0" lang="zh-CN" altLang="en-US" sz="1200" b="0" i="0" u="none" strike="noStrike" kern="1200" cap="none" spc="0" normalizeH="0" baseline="0" noProof="0">
+              <a:ln>
+                <a:noFill/>
+              </a:ln>
+              <a:solidFill>
+                <a:prstClr val="black"/>
+              </a:solidFill>
+              <a:effectLst/>
+              <a:uLnTx/>
+              <a:uFillTx/>
+              <a:latin typeface="Calibri" panose="020F0502020204030204" charset="0"/>
+              <a:ea typeface="微软雅黑" panose="020B0503020204020204" charset="-122"/>
+            </a:endParaRPr>
           </a:p>
         </p:txBody>
       </p:sp>
@@ -2456,7 +2696,7 @@
           <a:p>
             <a:fld id="{D997B5FA-0921-464F-AAE1-844C04324D75}" type="datetimeFigureOut">
               <a:rPr lang="zh-CN" altLang="en-US" smtClean="0"/>
-              <a:t>2018/1/11</a:t>
+              <a:t>2018/1/13</a:t>
             </a:fld>
             <a:endParaRPr lang="zh-CN" altLang="en-US" dirty="0"/>
           </a:p>
@@ -2671,7 +2911,7 @@
           <a:p>
             <a:fld id="{760FBDFE-C587-4B4C-A407-44438C67B59E}" type="datetimeFigureOut">
               <a:rPr lang="zh-CN" altLang="en-US" smtClean="0"/>
-              <a:t>2018/1/11</a:t>
+              <a:t>2018/1/13</a:t>
             </a:fld>
             <a:endParaRPr lang="zh-CN" altLang="en-US"/>
           </a:p>
@@ -2889,7 +3129,7 @@
           <a:p>
             <a:fld id="{760FBDFE-C587-4B4C-A407-44438C67B59E}" type="datetimeFigureOut">
               <a:rPr lang="zh-CN" altLang="en-US" smtClean="0"/>
-              <a:t>2018/1/11</a:t>
+              <a:t>2018/1/13</a:t>
             </a:fld>
             <a:endParaRPr lang="zh-CN" altLang="en-US" dirty="0"/>
           </a:p>
@@ -3383,7 +3623,7 @@
           <a:p>
             <a:fld id="{760FBDFE-C587-4B4C-A407-44438C67B59E}" type="datetimeFigureOut">
               <a:rPr lang="zh-CN" altLang="en-US" smtClean="0"/>
-              <a:t>2018/1/11</a:t>
+              <a:t>2018/1/13</a:t>
             </a:fld>
             <a:endParaRPr lang="zh-CN" altLang="en-US"/>
           </a:p>
@@ -3618,7 +3858,7 @@
           <a:p>
             <a:fld id="{760FBDFE-C587-4B4C-A407-44438C67B59E}" type="datetimeFigureOut">
               <a:rPr lang="zh-CN" altLang="en-US" smtClean="0"/>
-              <a:t>2018/1/11</a:t>
+              <a:t>2018/1/13</a:t>
             </a:fld>
             <a:endParaRPr lang="zh-CN" altLang="en-US"/>
           </a:p>
@@ -4000,7 +4240,7 @@
           <a:p>
             <a:fld id="{760FBDFE-C587-4B4C-A407-44438C67B59E}" type="datetimeFigureOut">
               <a:rPr lang="zh-CN" altLang="en-US" smtClean="0"/>
-              <a:t>2018/1/11</a:t>
+              <a:t>2018/1/13</a:t>
             </a:fld>
             <a:endParaRPr lang="zh-CN" altLang="en-US"/>
           </a:p>
@@ -4345,7 +4585,7 @@
           <a:p>
             <a:fld id="{760FBDFE-C587-4B4C-A407-44438C67B59E}" type="datetimeFigureOut">
               <a:rPr lang="zh-CN" altLang="en-US" smtClean="0"/>
-              <a:t>2018/1/11</a:t>
+              <a:t>2018/1/13</a:t>
             </a:fld>
             <a:endParaRPr lang="zh-CN" altLang="en-US"/>
           </a:p>
@@ -4560,7 +4800,7 @@
           <a:p>
             <a:fld id="{760FBDFE-C587-4B4C-A407-44438C67B59E}" type="datetimeFigureOut">
               <a:rPr lang="zh-CN" altLang="en-US" smtClean="0"/>
-              <a:t>2018/1/11</a:t>
+              <a:t>2018/1/13</a:t>
             </a:fld>
             <a:endParaRPr lang="zh-CN" altLang="en-US"/>
           </a:p>
@@ -4811,7 +5051,7 @@
           <a:p>
             <a:fld id="{9EFD9D74-47D9-4702-A33C-335B63B48DBF}" type="datetimeFigureOut">
               <a:rPr lang="zh-CN" altLang="en-US" smtClean="0"/>
-              <a:t>2018/1/11</a:t>
+              <a:t>2018/1/13</a:t>
             </a:fld>
             <a:endParaRPr lang="zh-CN" altLang="en-US" dirty="0"/>
           </a:p>
@@ -5040,7 +5280,7 @@
           <a:p>
             <a:fld id="{760FBDFE-C587-4B4C-A407-44438C67B59E}" type="datetimeFigureOut">
               <a:rPr lang="zh-CN" altLang="en-US" smtClean="0"/>
-              <a:t>2018/1/11</a:t>
+              <a:t>2018/1/13</a:t>
             </a:fld>
             <a:endParaRPr lang="zh-CN" altLang="en-US"/>
           </a:p>
@@ -5256,7 +5496,7 @@
           <a:p>
             <a:fld id="{D997B5FA-0921-464F-AAE1-844C04324D75}" type="datetimeFigureOut">
               <a:rPr lang="zh-CN" altLang="en-US" smtClean="0"/>
-              <a:t>2018/1/11</a:t>
+              <a:t>2018/1/13</a:t>
             </a:fld>
             <a:endParaRPr lang="zh-CN" altLang="en-US" dirty="0"/>
           </a:p>
@@ -5994,6 +6234,252 @@
       </p:grpSpPr>
       <p:sp>
         <p:nvSpPr>
+          <p:cNvPr id="2" name="标题 1"/>
+          <p:cNvSpPr>
+            <a:spLocks noGrp="1"/>
+          </p:cNvSpPr>
+          <p:nvPr>
+            <p:ph type="title"/>
+            <p:custDataLst>
+              <p:tags r:id="rId2"/>
+            </p:custDataLst>
+          </p:nvPr>
+        </p:nvSpPr>
+        <p:spPr/>
+        <p:txBody>
+          <a:bodyPr vert="horz" wrap="square" lIns="91440" tIns="45720" rIns="91440" bIns="45720" rtlCol="0" anchor="ctr">
+            <a:normAutofit/>
+          </a:bodyPr>
+          <a:lstStyle/>
+          <a:p>
+            <a:r>
+              <a:rPr lang="zh-CN" altLang="en-US" sz="4400" dirty="0">
+                <a:solidFill>
+                  <a:schemeClr val="accent2">
+                    <a:lumMod val="50000"/>
+                  </a:schemeClr>
+                </a:solidFill>
+                <a:sym typeface="+mn-ea"/>
+              </a:rPr>
+              <a:t>可行性分析</a:t>
+            </a:r>
+            <a:r>
+              <a:rPr lang="en-US" altLang="zh-CN" sz="4400" dirty="0">
+                <a:solidFill>
+                  <a:schemeClr val="accent2">
+                    <a:lumMod val="50000"/>
+                  </a:schemeClr>
+                </a:solidFill>
+                <a:sym typeface="+mn-ea"/>
+              </a:rPr>
+              <a:t>-</a:t>
+            </a:r>
+            <a:r>
+              <a:rPr lang="zh-CN" altLang="en-US" sz="4400" dirty="0">
+                <a:solidFill>
+                  <a:schemeClr val="accent2">
+                    <a:lumMod val="50000"/>
+                  </a:schemeClr>
+                </a:solidFill>
+                <a:sym typeface="+mn-ea"/>
+              </a:rPr>
+              <a:t>对项目工时的影响</a:t>
+            </a:r>
+          </a:p>
+        </p:txBody>
+      </p:sp>
+      <p:sp>
+        <p:nvSpPr>
+          <p:cNvPr id="3" name="内容占位符 2"/>
+          <p:cNvSpPr>
+            <a:spLocks noGrp="1"/>
+          </p:cNvSpPr>
+          <p:nvPr>
+            <p:ph sz="half" idx="1"/>
+            <p:custDataLst>
+              <p:tags r:id="rId3"/>
+            </p:custDataLst>
+          </p:nvPr>
+        </p:nvSpPr>
+        <p:spPr/>
+        <p:txBody>
+          <a:bodyPr vert="horz" lIns="91440" tIns="45720" rIns="91440" bIns="45720" rtlCol="0">
+            <a:normAutofit/>
+          </a:bodyPr>
+          <a:lstStyle/>
+          <a:p>
+            <a:pPr>
+              <a:lnSpc>
+                <a:spcPct val="120000"/>
+              </a:lnSpc>
+            </a:pPr>
+            <a:r>
+              <a:rPr lang="zh-CN" altLang="en-US" sz="1800" dirty="0">
+                <a:sym typeface="+mn-ea"/>
+              </a:rPr>
+              <a:t>沟通确认需求变更         ——1d</a:t>
+            </a:r>
+            <a:endParaRPr lang="zh-CN" altLang="en-US" sz="1800" dirty="0"/>
+          </a:p>
+          <a:p>
+            <a:pPr>
+              <a:lnSpc>
+                <a:spcPct val="120000"/>
+              </a:lnSpc>
+            </a:pPr>
+            <a:r>
+              <a:rPr lang="zh-CN" altLang="en-US" sz="1800" dirty="0">
+                <a:sym typeface="+mn-ea"/>
+              </a:rPr>
+              <a:t>修改用例文档             ——0.5d</a:t>
+            </a:r>
+            <a:endParaRPr lang="zh-CN" altLang="en-US" sz="1800" dirty="0"/>
+          </a:p>
+          <a:p>
+            <a:pPr>
+              <a:lnSpc>
+                <a:spcPct val="120000"/>
+              </a:lnSpc>
+            </a:pPr>
+            <a:r>
+              <a:rPr lang="zh-CN" altLang="en-US" sz="1800" dirty="0">
+                <a:sym typeface="+mn-ea"/>
+              </a:rPr>
+              <a:t>修改界面原型             ——0.2d</a:t>
+            </a:r>
+            <a:endParaRPr lang="zh-CN" altLang="en-US" sz="1800" dirty="0"/>
+          </a:p>
+          <a:p>
+            <a:pPr>
+              <a:lnSpc>
+                <a:spcPct val="120000"/>
+              </a:lnSpc>
+            </a:pPr>
+            <a:r>
+              <a:rPr lang="zh-CN" altLang="en-US" sz="1800" dirty="0">
+                <a:sym typeface="+mn-ea"/>
+              </a:rPr>
+              <a:t>修改需求工程计划         ——0.3d</a:t>
+            </a:r>
+            <a:endParaRPr lang="zh-CN" altLang="en-US" sz="1800" dirty="0"/>
+          </a:p>
+          <a:p>
+            <a:pPr>
+              <a:lnSpc>
+                <a:spcPct val="120000"/>
+              </a:lnSpc>
+            </a:pPr>
+            <a:r>
+              <a:rPr lang="zh-CN" altLang="en-US" sz="1800" dirty="0">
+                <a:sym typeface="+mn-ea"/>
+              </a:rPr>
+              <a:t>修改测试用例文档         ——0.5d</a:t>
+            </a:r>
+            <a:endParaRPr lang="zh-CN" altLang="en-US" sz="1800" dirty="0"/>
+          </a:p>
+          <a:p>
+            <a:pPr>
+              <a:lnSpc>
+                <a:spcPct val="120000"/>
+              </a:lnSpc>
+            </a:pPr>
+            <a:r>
+              <a:rPr lang="zh-CN" altLang="en-US" sz="1800" dirty="0">
+                <a:sym typeface="+mn-ea"/>
+              </a:rPr>
+              <a:t>更新软件需求规格说明书   ——0.2d</a:t>
+            </a:r>
+            <a:endParaRPr lang="zh-CN" altLang="en-US" sz="1800" dirty="0"/>
+          </a:p>
+          <a:p>
+            <a:pPr>
+              <a:lnSpc>
+                <a:spcPct val="120000"/>
+              </a:lnSpc>
+            </a:pPr>
+            <a:r>
+              <a:rPr lang="zh-CN" altLang="en-US" sz="1800" dirty="0">
+                <a:sym typeface="+mn-ea"/>
+              </a:rPr>
+              <a:t>维护需求变更空难告知文档 ——0.3d</a:t>
+            </a:r>
+            <a:endParaRPr lang="zh-CN" altLang="en-US" sz="1800" dirty="0"/>
+          </a:p>
+          <a:p>
+            <a:pPr>
+              <a:lnSpc>
+                <a:spcPct val="120000"/>
+              </a:lnSpc>
+            </a:pPr>
+            <a:endParaRPr lang="zh-CN" altLang="en-US" sz="1800" dirty="0"/>
+          </a:p>
+          <a:p>
+            <a:pPr>
+              <a:lnSpc>
+                <a:spcPct val="120000"/>
+              </a:lnSpc>
+            </a:pPr>
+            <a:endParaRPr lang="zh-CN" altLang="en-US" sz="1800" dirty="0"/>
+          </a:p>
+          <a:p>
+            <a:pPr>
+              <a:lnSpc>
+                <a:spcPct val="120000"/>
+              </a:lnSpc>
+            </a:pPr>
+            <a:r>
+              <a:rPr lang="zh-CN" altLang="en-US" sz="1800" dirty="0">
+                <a:sym typeface="+mn-ea"/>
+              </a:rPr>
+              <a:t>合计                    ——3d</a:t>
+            </a:r>
+            <a:endParaRPr lang="zh-CN" altLang="en-US" sz="1800" dirty="0"/>
+          </a:p>
+          <a:p>
+            <a:pPr>
+              <a:lnSpc>
+                <a:spcPct val="120000"/>
+              </a:lnSpc>
+            </a:pPr>
+            <a:endParaRPr lang="en-US" altLang="zh-CN" sz="1800" dirty="0"/>
+          </a:p>
+        </p:txBody>
+      </p:sp>
+    </p:spTree>
+    <p:custDataLst>
+      <p:tags r:id="rId1"/>
+    </p:custDataLst>
+    <p:extLst>
+      <p:ext uri="{BB962C8B-B14F-4D97-AF65-F5344CB8AC3E}">
+        <p14:creationId xmlns:p14="http://schemas.microsoft.com/office/powerpoint/2010/main" val="498338606"/>
+      </p:ext>
+    </p:extLst>
+  </p:cSld>
+  <p:clrMapOvr>
+    <a:masterClrMapping/>
+  </p:clrMapOvr>
+</p:sld>
+</file>
+
+<file path=ppt/slides/slide11.xml><?xml version="1.0" encoding="utf-8"?>
+<p:sld xmlns:a="http://schemas.openxmlformats.org/drawingml/2006/main" xmlns:r="http://schemas.openxmlformats.org/officeDocument/2006/relationships" xmlns:p="http://schemas.openxmlformats.org/presentationml/2006/main">
+  <p:cSld>
+    <p:spTree>
+      <p:nvGrpSpPr>
+        <p:cNvPr id="1" name=""/>
+        <p:cNvGrpSpPr/>
+        <p:nvPr/>
+      </p:nvGrpSpPr>
+      <p:grpSpPr>
+        <a:xfrm>
+          <a:off x="0" y="0"/>
+          <a:ext cx="0" cy="0"/>
+          <a:chOff x="0" y="0"/>
+          <a:chExt cx="0" cy="0"/>
+        </a:xfrm>
+      </p:grpSpPr>
+      <p:sp>
+        <p:nvSpPr>
           <p:cNvPr id="3" name="文本框 2"/>
           <p:cNvSpPr txBox="1"/>
           <p:nvPr>
@@ -6132,6 +6618,571 @@
           <a:p>
             <a:pPr algn="ctr"/>
             <a:r>
+              <a:rPr lang="zh-CN" altLang="en-US" sz="4800" dirty="0">
+                <a:solidFill>
+                  <a:schemeClr val="accent2">
+                    <a:lumMod val="50000"/>
+                  </a:schemeClr>
+                </a:solidFill>
+              </a:rPr>
+              <a:t>可行性分析</a:t>
+            </a:r>
+          </a:p>
+        </p:txBody>
+      </p:sp>
+      <p:sp>
+        <p:nvSpPr>
+          <p:cNvPr id="5" name="文本框 4"/>
+          <p:cNvSpPr txBox="1"/>
+          <p:nvPr>
+            <p:custDataLst>
+              <p:tags r:id="rId3"/>
+            </p:custDataLst>
+          </p:nvPr>
+        </p:nvSpPr>
+        <p:spPr>
+          <a:xfrm>
+            <a:off x="3380582" y="1611310"/>
+            <a:ext cx="533400" cy="702945"/>
+          </a:xfrm>
+          <a:prstGeom prst="rect">
+            <a:avLst/>
+          </a:prstGeom>
+          <a:noFill/>
+        </p:spPr>
+        <p:txBody>
+          <a:bodyPr wrap="square" rtlCol="0" anchor="b" anchorCtr="0">
+            <a:normAutofit/>
+          </a:bodyPr>
+          <a:lstStyle/>
+          <a:p>
+            <a:pPr algn="r"/>
+            <a:r>
+              <a:rPr lang="en-US" altLang="zh-CN" sz="2400" dirty="0">
+                <a:solidFill>
+                  <a:schemeClr val="accent2">
+                    <a:lumMod val="50000"/>
+                  </a:schemeClr>
+                </a:solidFill>
+              </a:rPr>
+              <a:t>1.</a:t>
+            </a:r>
+            <a:endParaRPr lang="zh-CN" altLang="en-US" sz="2400" dirty="0">
+              <a:solidFill>
+                <a:schemeClr val="accent2">
+                  <a:lumMod val="50000"/>
+                </a:schemeClr>
+              </a:solidFill>
+            </a:endParaRPr>
+          </a:p>
+        </p:txBody>
+      </p:sp>
+      <p:sp>
+        <p:nvSpPr>
+          <p:cNvPr id="13" name="文本框 12"/>
+          <p:cNvSpPr txBox="1"/>
+          <p:nvPr>
+            <p:custDataLst>
+              <p:tags r:id="rId4"/>
+            </p:custDataLst>
+          </p:nvPr>
+        </p:nvSpPr>
+        <p:spPr>
+          <a:xfrm>
+            <a:off x="3918425" y="1611310"/>
+            <a:ext cx="4892993" cy="702945"/>
+          </a:xfrm>
+          <a:prstGeom prst="rect">
+            <a:avLst/>
+          </a:prstGeom>
+          <a:noFill/>
+        </p:spPr>
+        <p:txBody>
+          <a:bodyPr wrap="square" rtlCol="0" anchor="b" anchorCtr="0">
+            <a:normAutofit/>
+          </a:bodyPr>
+          <a:lstStyle/>
+          <a:p>
+            <a:r>
+              <a:rPr lang="zh-CN" altLang="en-US" sz="2400" dirty="0">
+                <a:solidFill>
+                  <a:schemeClr val="accent2">
+                    <a:lumMod val="50000"/>
+                  </a:schemeClr>
+                </a:solidFill>
+                <a:latin typeface="+mj-lt"/>
+                <a:ea typeface="+mj-ea"/>
+                <a:cs typeface="+mj-cs"/>
+              </a:rPr>
+              <a:t>对项目成本的影响</a:t>
+            </a:r>
+          </a:p>
+        </p:txBody>
+      </p:sp>
+      <p:sp>
+        <p:nvSpPr>
+          <p:cNvPr id="14" name="文本框 13"/>
+          <p:cNvSpPr txBox="1"/>
+          <p:nvPr>
+            <p:custDataLst>
+              <p:tags r:id="rId5"/>
+            </p:custDataLst>
+          </p:nvPr>
+        </p:nvSpPr>
+        <p:spPr>
+          <a:xfrm>
+            <a:off x="3918425" y="2317816"/>
+            <a:ext cx="4892993" cy="860038"/>
+          </a:xfrm>
+          <a:prstGeom prst="rect">
+            <a:avLst/>
+          </a:prstGeom>
+          <a:noFill/>
+        </p:spPr>
+        <p:txBody>
+          <a:bodyPr wrap="square" rtlCol="0" anchor="t" anchorCtr="0">
+            <a:normAutofit/>
+          </a:bodyPr>
+          <a:lstStyle/>
+          <a:p>
+            <a:r>
+              <a:rPr lang="zh-CN" altLang="en-US" sz="2400" dirty="0"/>
+              <a:t>项目成本的增加成本主要是人员工时增加。</a:t>
+            </a:r>
+            <a:endParaRPr lang="en-US" altLang="zh-CN" sz="2400" dirty="0"/>
+          </a:p>
+        </p:txBody>
+      </p:sp>
+      <p:sp>
+        <p:nvSpPr>
+          <p:cNvPr id="26" name="文本框 25"/>
+          <p:cNvSpPr txBox="1"/>
+          <p:nvPr>
+            <p:custDataLst>
+              <p:tags r:id="rId6"/>
+            </p:custDataLst>
+          </p:nvPr>
+        </p:nvSpPr>
+        <p:spPr>
+          <a:xfrm>
+            <a:off x="3380582" y="3236910"/>
+            <a:ext cx="533400" cy="702945"/>
+          </a:xfrm>
+          <a:prstGeom prst="rect">
+            <a:avLst/>
+          </a:prstGeom>
+          <a:noFill/>
+        </p:spPr>
+        <p:txBody>
+          <a:bodyPr wrap="square" rtlCol="0" anchor="b" anchorCtr="0">
+            <a:normAutofit/>
+          </a:bodyPr>
+          <a:lstStyle/>
+          <a:p>
+            <a:pPr algn="r"/>
+            <a:r>
+              <a:rPr lang="en-US" altLang="zh-CN" sz="2400" dirty="0">
+                <a:solidFill>
+                  <a:schemeClr val="accent2">
+                    <a:lumMod val="50000"/>
+                  </a:schemeClr>
+                </a:solidFill>
+              </a:rPr>
+              <a:t>2.</a:t>
+            </a:r>
+            <a:endParaRPr lang="zh-CN" altLang="en-US" sz="2400" dirty="0">
+              <a:solidFill>
+                <a:schemeClr val="accent2">
+                  <a:lumMod val="50000"/>
+                </a:schemeClr>
+              </a:solidFill>
+            </a:endParaRPr>
+          </a:p>
+        </p:txBody>
+      </p:sp>
+      <p:sp>
+        <p:nvSpPr>
+          <p:cNvPr id="27" name="文本框 26"/>
+          <p:cNvSpPr txBox="1"/>
+          <p:nvPr>
+            <p:custDataLst>
+              <p:tags r:id="rId7"/>
+            </p:custDataLst>
+          </p:nvPr>
+        </p:nvSpPr>
+        <p:spPr>
+          <a:xfrm>
+            <a:off x="3918425" y="3236910"/>
+            <a:ext cx="4892993" cy="702945"/>
+          </a:xfrm>
+          <a:prstGeom prst="rect">
+            <a:avLst/>
+          </a:prstGeom>
+          <a:noFill/>
+        </p:spPr>
+        <p:txBody>
+          <a:bodyPr wrap="square" rtlCol="0" anchor="b" anchorCtr="0">
+            <a:normAutofit/>
+          </a:bodyPr>
+          <a:lstStyle/>
+          <a:p>
+            <a:r>
+              <a:rPr lang="zh-CN" altLang="en-US" sz="2400" dirty="0">
+                <a:solidFill>
+                  <a:schemeClr val="accent2">
+                    <a:lumMod val="50000"/>
+                  </a:schemeClr>
+                </a:solidFill>
+                <a:latin typeface="+mj-lt"/>
+                <a:ea typeface="+mj-ea"/>
+                <a:cs typeface="+mj-cs"/>
+              </a:rPr>
+              <a:t>对其他需求的影响</a:t>
+            </a:r>
+          </a:p>
+        </p:txBody>
+      </p:sp>
+      <p:sp>
+        <p:nvSpPr>
+          <p:cNvPr id="28" name="文本框 27"/>
+          <p:cNvSpPr txBox="1"/>
+          <p:nvPr>
+            <p:custDataLst>
+              <p:tags r:id="rId8"/>
+            </p:custDataLst>
+          </p:nvPr>
+        </p:nvSpPr>
+        <p:spPr>
+          <a:xfrm>
+            <a:off x="3918425" y="3943416"/>
+            <a:ext cx="4892993" cy="860038"/>
+          </a:xfrm>
+          <a:prstGeom prst="rect">
+            <a:avLst/>
+          </a:prstGeom>
+          <a:noFill/>
+        </p:spPr>
+        <p:txBody>
+          <a:bodyPr wrap="square" rtlCol="0" anchor="t" anchorCtr="0">
+            <a:noAutofit/>
+          </a:bodyPr>
+          <a:lstStyle/>
+          <a:p>
+            <a:r>
+              <a:rPr lang="zh-CN" altLang="en-US" sz="2000" dirty="0"/>
+              <a:t>直接影响：Teb-37 教师用户编辑课程个人信息</a:t>
+            </a:r>
+          </a:p>
+          <a:p>
+            <a:r>
+              <a:rPr lang="zh-CN" altLang="en-US" sz="2000" dirty="0"/>
+              <a:t>其他影响的需求：管理员课程管理</a:t>
+            </a:r>
+          </a:p>
+        </p:txBody>
+      </p:sp>
+      <p:sp>
+        <p:nvSpPr>
+          <p:cNvPr id="18" name="文本框 17"/>
+          <p:cNvSpPr txBox="1"/>
+          <p:nvPr>
+            <p:custDataLst>
+              <p:tags r:id="rId9"/>
+            </p:custDataLst>
+          </p:nvPr>
+        </p:nvSpPr>
+        <p:spPr>
+          <a:xfrm>
+            <a:off x="3380582" y="4862510"/>
+            <a:ext cx="533400" cy="702945"/>
+          </a:xfrm>
+          <a:prstGeom prst="rect">
+            <a:avLst/>
+          </a:prstGeom>
+          <a:noFill/>
+        </p:spPr>
+        <p:txBody>
+          <a:bodyPr wrap="square" rtlCol="0" anchor="b" anchorCtr="0">
+            <a:normAutofit/>
+          </a:bodyPr>
+          <a:lstStyle/>
+          <a:p>
+            <a:pPr algn="r"/>
+            <a:r>
+              <a:rPr lang="en-US" altLang="zh-CN" sz="2400" dirty="0">
+                <a:solidFill>
+                  <a:schemeClr val="accent2">
+                    <a:lumMod val="50000"/>
+                  </a:schemeClr>
+                </a:solidFill>
+              </a:rPr>
+              <a:t>3.</a:t>
+            </a:r>
+            <a:endParaRPr lang="zh-CN" altLang="en-US" sz="2400" dirty="0">
+              <a:solidFill>
+                <a:schemeClr val="accent2">
+                  <a:lumMod val="50000"/>
+                </a:schemeClr>
+              </a:solidFill>
+            </a:endParaRPr>
+          </a:p>
+        </p:txBody>
+      </p:sp>
+      <p:sp>
+        <p:nvSpPr>
+          <p:cNvPr id="19" name="文本框 18"/>
+          <p:cNvSpPr txBox="1"/>
+          <p:nvPr>
+            <p:custDataLst>
+              <p:tags r:id="rId10"/>
+            </p:custDataLst>
+          </p:nvPr>
+        </p:nvSpPr>
+        <p:spPr>
+          <a:xfrm>
+            <a:off x="3918425" y="4862510"/>
+            <a:ext cx="4892993" cy="702945"/>
+          </a:xfrm>
+          <a:prstGeom prst="rect">
+            <a:avLst/>
+          </a:prstGeom>
+          <a:noFill/>
+        </p:spPr>
+        <p:txBody>
+          <a:bodyPr wrap="square" rtlCol="0" anchor="b" anchorCtr="0">
+            <a:normAutofit/>
+          </a:bodyPr>
+          <a:lstStyle/>
+          <a:p>
+            <a:r>
+              <a:rPr lang="zh-CN" altLang="en-US" sz="2400" dirty="0">
+                <a:solidFill>
+                  <a:schemeClr val="accent2">
+                    <a:lumMod val="50000"/>
+                  </a:schemeClr>
+                </a:solidFill>
+                <a:latin typeface="+mj-lt"/>
+                <a:ea typeface="+mj-ea"/>
+                <a:cs typeface="+mj-cs"/>
+              </a:rPr>
+              <a:t>可能变更的组建</a:t>
+            </a:r>
+          </a:p>
+        </p:txBody>
+      </p:sp>
+      <p:sp>
+        <p:nvSpPr>
+          <p:cNvPr id="20" name="文本框 19"/>
+          <p:cNvSpPr txBox="1"/>
+          <p:nvPr>
+            <p:custDataLst>
+              <p:tags r:id="rId11"/>
+            </p:custDataLst>
+          </p:nvPr>
+        </p:nvSpPr>
+        <p:spPr>
+          <a:xfrm>
+            <a:off x="3918425" y="5565206"/>
+            <a:ext cx="4892993" cy="860038"/>
+          </a:xfrm>
+          <a:prstGeom prst="rect">
+            <a:avLst/>
+          </a:prstGeom>
+          <a:noFill/>
+        </p:spPr>
+        <p:txBody>
+          <a:bodyPr wrap="square" rtlCol="0" anchor="t" anchorCtr="0">
+            <a:normAutofit/>
+          </a:bodyPr>
+          <a:lstStyle/>
+          <a:p>
+            <a:r>
+              <a:rPr lang="zh-CN" altLang="en-US" sz="2400" dirty="0"/>
+              <a:t>无</a:t>
+            </a:r>
+          </a:p>
+        </p:txBody>
+      </p:sp>
+    </p:spTree>
+    <p:custDataLst>
+      <p:tags r:id="rId1"/>
+    </p:custDataLst>
+    <p:extLst>
+      <p:ext uri="{BB962C8B-B14F-4D97-AF65-F5344CB8AC3E}">
+        <p14:creationId xmlns:p14="http://schemas.microsoft.com/office/powerpoint/2010/main" val="2300452729"/>
+      </p:ext>
+    </p:extLst>
+  </p:cSld>
+  <p:clrMapOvr>
+    <a:masterClrMapping/>
+  </p:clrMapOvr>
+  <p:timing>
+    <p:tnLst>
+      <p:par>
+        <p:cTn id="1" dur="indefinite" restart="never" nodeType="tmRoot"/>
+      </p:par>
+    </p:tnLst>
+  </p:timing>
+</p:sld>
+</file>
+
+<file path=ppt/slides/slide12.xml><?xml version="1.0" encoding="utf-8"?>
+<p:sld xmlns:a="http://schemas.openxmlformats.org/drawingml/2006/main" xmlns:r="http://schemas.openxmlformats.org/officeDocument/2006/relationships" xmlns:p="http://schemas.openxmlformats.org/presentationml/2006/main">
+  <p:cSld>
+    <p:spTree>
+      <p:nvGrpSpPr>
+        <p:cNvPr id="1" name=""/>
+        <p:cNvGrpSpPr/>
+        <p:nvPr/>
+      </p:nvGrpSpPr>
+      <p:grpSpPr>
+        <a:xfrm>
+          <a:off x="0" y="0"/>
+          <a:ext cx="0" cy="0"/>
+          <a:chOff x="0" y="0"/>
+          <a:chExt cx="0" cy="0"/>
+        </a:xfrm>
+      </p:grpSpPr>
+      <p:sp>
+        <p:nvSpPr>
+          <p:cNvPr id="3" name="文本框 2"/>
+          <p:cNvSpPr txBox="1"/>
+          <p:nvPr>
+            <p:custDataLst>
+              <p:tags r:id="rId2"/>
+            </p:custDataLst>
+          </p:nvPr>
+        </p:nvSpPr>
+        <p:spPr>
+          <a:xfrm>
+            <a:off x="2628900" y="120761"/>
+            <a:ext cx="6934200" cy="755540"/>
+          </a:xfrm>
+          <a:prstGeom prst="rect">
+            <a:avLst/>
+          </a:prstGeom>
+          <a:noFill/>
+          <a:ln>
+            <a:noFill/>
+          </a:ln>
+          <a:extLst>
+            <a:ext uri="{909E8E84-426E-40DD-AFC4-6F175D3DCCD1}">
+              <a14:hiddenFill xmlns:a14="http://schemas.microsoft.com/office/drawing/2010/main">
+                <a:solidFill>
+                  <a:srgbClr val="FFFFFF"/>
+                </a:solidFill>
+              </a14:hiddenFill>
+            </a:ext>
+            <a:ext uri="{91240B29-F687-4F45-9708-019B960494DF}">
+              <a14:hiddenLine xmlns:a14="http://schemas.microsoft.com/office/drawing/2010/main" w="9525">
+                <a:solidFill>
+                  <a:srgbClr val="000000"/>
+                </a:solidFill>
+                <a:miter lim="800000"/>
+                <a:headEnd/>
+                <a:tailEnd/>
+              </a14:hiddenLine>
+            </a:ext>
+          </a:extLst>
+        </p:spPr>
+        <p:txBody>
+          <a:bodyPr vert="horz" wrap="square" lIns="91440" tIns="45720" rIns="91440" bIns="45720" numCol="1" anchor="ctr" anchorCtr="0" compatLnSpc="1">
+            <a:normAutofit fontScale="97500"/>
+          </a:bodyPr>
+          <a:lstStyle>
+            <a:defPPr>
+              <a:defRPr lang="zh-CN"/>
+            </a:defPPr>
+            <a:lvl1pPr eaLnBrk="1" hangingPunct="1">
+              <a:lnSpc>
+                <a:spcPct val="90000"/>
+              </a:lnSpc>
+              <a:buFontTx/>
+              <a:defRPr sz="5400">
+                <a:solidFill>
+                  <a:schemeClr val="accent1"/>
+                </a:solidFill>
+                <a:latin typeface="+mj-lt"/>
+                <a:ea typeface="+mj-ea"/>
+                <a:cs typeface="+mj-cs"/>
+              </a:defRPr>
+            </a:lvl1pPr>
+            <a:lvl2pPr>
+              <a:lnSpc>
+                <a:spcPct val="90000"/>
+              </a:lnSpc>
+              <a:defRPr sz="4400"/>
+            </a:lvl2pPr>
+            <a:lvl3pPr>
+              <a:lnSpc>
+                <a:spcPct val="90000"/>
+              </a:lnSpc>
+              <a:defRPr sz="4400"/>
+            </a:lvl3pPr>
+            <a:lvl4pPr>
+              <a:lnSpc>
+                <a:spcPct val="90000"/>
+              </a:lnSpc>
+              <a:defRPr sz="4400"/>
+            </a:lvl4pPr>
+            <a:lvl5pPr>
+              <a:lnSpc>
+                <a:spcPct val="90000"/>
+              </a:lnSpc>
+              <a:defRPr sz="4400"/>
+            </a:lvl5pPr>
+            <a:lvl6pPr marL="457200" fontAlgn="base">
+              <a:lnSpc>
+                <a:spcPct val="90000"/>
+              </a:lnSpc>
+              <a:spcBef>
+                <a:spcPct val="0"/>
+              </a:spcBef>
+              <a:spcAft>
+                <a:spcPct val="0"/>
+              </a:spcAft>
+              <a:defRPr sz="4400"/>
+            </a:lvl6pPr>
+            <a:lvl7pPr marL="914400" fontAlgn="base">
+              <a:lnSpc>
+                <a:spcPct val="90000"/>
+              </a:lnSpc>
+              <a:spcBef>
+                <a:spcPct val="0"/>
+              </a:spcBef>
+              <a:spcAft>
+                <a:spcPct val="0"/>
+              </a:spcAft>
+              <a:defRPr sz="4400"/>
+            </a:lvl7pPr>
+            <a:lvl8pPr marL="1371600" fontAlgn="base">
+              <a:lnSpc>
+                <a:spcPct val="90000"/>
+              </a:lnSpc>
+              <a:spcBef>
+                <a:spcPct val="0"/>
+              </a:spcBef>
+              <a:spcAft>
+                <a:spcPct val="0"/>
+              </a:spcAft>
+              <a:defRPr sz="4400"/>
+            </a:lvl8pPr>
+            <a:lvl9pPr marL="1828800" fontAlgn="base">
+              <a:lnSpc>
+                <a:spcPct val="90000"/>
+              </a:lnSpc>
+              <a:spcBef>
+                <a:spcPct val="0"/>
+              </a:spcBef>
+              <a:spcAft>
+                <a:spcPct val="0"/>
+              </a:spcAft>
+              <a:defRPr sz="4400"/>
+            </a:lvl9pPr>
+          </a:lstStyle>
+          <a:p>
+            <a:pPr algn="ctr"/>
+            <a:r>
               <a:rPr lang="zh-CN" altLang="en-US" sz="4800">
                 <a:solidFill>
                   <a:schemeClr val="accent2">
@@ -6383,8 +7434,13 @@
           <a:p>
             <a:r>
               <a:rPr lang="zh-CN" altLang="en-US" dirty="0"/>
-              <a:t>我们已经修改了优先级打分表和相应的排序。</a:t>
-            </a:r>
+              <a:t>我们已经修改了优先级打分表和相应的排序</a:t>
+            </a:r>
+            <a:r>
+              <a:rPr lang="zh-CN" altLang="en-US" dirty="0" smtClean="0"/>
+              <a:t>。并发邮件向杨枨老师确认。</a:t>
+            </a:r>
+            <a:endParaRPr lang="zh-CN" altLang="en-US" dirty="0"/>
           </a:p>
         </p:txBody>
       </p:sp>
@@ -6842,6 +7898,70 @@
           </a:extLst>
         </p:spPr>
       </p:pic>
+      <p:pic>
+        <p:nvPicPr>
+          <p:cNvPr id="2" name="Picture 2"/>
+          <p:cNvPicPr>
+            <a:picLocks noChangeAspect="1" noChangeArrowheads="1"/>
+          </p:cNvPicPr>
+          <p:nvPr/>
+        </p:nvPicPr>
+        <p:blipFill>
+          <a:blip r:embed="rId21">
+            <a:extLst>
+              <a:ext uri="{28A0092B-C50C-407E-A947-70E740481C1C}">
+                <a14:useLocalDpi xmlns:a14="http://schemas.microsoft.com/office/drawing/2010/main" val="0"/>
+              </a:ext>
+            </a:extLst>
+          </a:blip>
+          <a:srcRect/>
+          <a:stretch>
+            <a:fillRect/>
+          </a:stretch>
+        </p:blipFill>
+        <p:spPr bwMode="auto">
+          <a:xfrm>
+            <a:off x="5379456" y="898934"/>
+            <a:ext cx="6580172" cy="1238698"/>
+          </a:xfrm>
+          <a:prstGeom prst="rect">
+            <a:avLst/>
+          </a:prstGeom>
+          <a:noFill/>
+          <a:ln>
+            <a:noFill/>
+          </a:ln>
+          <a:effectLst/>
+          <a:extLst>
+            <a:ext uri="{909E8E84-426E-40DD-AFC4-6F175D3DCCD1}">
+              <a14:hiddenFill xmlns:a14="http://schemas.microsoft.com/office/drawing/2010/main">
+                <a:solidFill>
+                  <a:schemeClr val="accent1"/>
+                </a:solidFill>
+              </a14:hiddenFill>
+            </a:ext>
+            <a:ext uri="{91240B29-F687-4F45-9708-019B960494DF}">
+              <a14:hiddenLine xmlns:a14="http://schemas.microsoft.com/office/drawing/2010/main" w="9525">
+                <a:solidFill>
+                  <a:schemeClr val="tx1"/>
+                </a:solidFill>
+                <a:miter lim="800000"/>
+                <a:headEnd/>
+                <a:tailEnd/>
+              </a14:hiddenLine>
+            </a:ext>
+            <a:ext uri="{AF507438-7753-43E0-B8FC-AC1667EBCBE1}">
+              <a14:hiddenEffects xmlns:a14="http://schemas.microsoft.com/office/drawing/2010/main">
+                <a:effectLst>
+                  <a:outerShdw dist="35921" dir="2700000" algn="ctr" rotWithShape="0">
+                    <a:schemeClr val="bg2"/>
+                  </a:outerShdw>
+                </a:effectLst>
+              </a14:hiddenEffects>
+            </a:ext>
+          </a:extLst>
+        </p:spPr>
+      </p:pic>
     </p:spTree>
     <p:custDataLst>
       <p:tags r:id="rId1"/>
@@ -6860,7 +7980,7 @@
 </p:sld>
 </file>
 
-<file path=ppt/slides/slide11.xml><?xml version="1.0" encoding="utf-8"?>
+<file path=ppt/slides/slide13.xml><?xml version="1.0" encoding="utf-8"?>
 <p:sld xmlns:a="http://schemas.openxmlformats.org/drawingml/2006/main" xmlns:r="http://schemas.openxmlformats.org/officeDocument/2006/relationships" xmlns:p="http://schemas.openxmlformats.org/presentationml/2006/main">
   <p:cSld>
     <p:spTree>
@@ -6968,7 +8088,7 @@
 </p:sld>
 </file>
 
-<file path=ppt/slides/slide12.xml><?xml version="1.0" encoding="utf-8"?>
+<file path=ppt/slides/slide14.xml><?xml version="1.0" encoding="utf-8"?>
 <p:sld xmlns:a="http://schemas.openxmlformats.org/drawingml/2006/main" xmlns:r="http://schemas.openxmlformats.org/officeDocument/2006/relationships" xmlns:p="http://schemas.openxmlformats.org/presentationml/2006/main">
   <p:cSld>
     <p:spTree>
@@ -7515,638 +8635,7 @@
 </p:sld>
 </file>
 
-<file path=ppt/slides/slide13.xml><?xml version="1.0" encoding="utf-8"?>
-<p:sld xmlns:a="http://schemas.openxmlformats.org/drawingml/2006/main" xmlns:r="http://schemas.openxmlformats.org/officeDocument/2006/relationships" xmlns:p="http://schemas.openxmlformats.org/presentationml/2006/main">
-  <p:cSld>
-    <p:spTree>
-      <p:nvGrpSpPr>
-        <p:cNvPr id="1" name=""/>
-        <p:cNvGrpSpPr/>
-        <p:nvPr/>
-      </p:nvGrpSpPr>
-      <p:grpSpPr>
-        <a:xfrm>
-          <a:off x="0" y="0"/>
-          <a:ext cx="0" cy="0"/>
-          <a:chOff x="0" y="0"/>
-          <a:chExt cx="0" cy="0"/>
-        </a:xfrm>
-      </p:grpSpPr>
-      <p:sp>
-        <p:nvSpPr>
-          <p:cNvPr id="3" name="文本框 2"/>
-          <p:cNvSpPr txBox="1"/>
-          <p:nvPr>
-            <p:custDataLst>
-              <p:tags r:id="rId2"/>
-            </p:custDataLst>
-          </p:nvPr>
-        </p:nvSpPr>
-        <p:spPr>
-          <a:xfrm>
-            <a:off x="2628900" y="120761"/>
-            <a:ext cx="6934200" cy="755540"/>
-          </a:xfrm>
-          <a:prstGeom prst="rect">
-            <a:avLst/>
-          </a:prstGeom>
-          <a:noFill/>
-          <a:ln>
-            <a:noFill/>
-          </a:ln>
-          <a:extLst>
-            <a:ext uri="{909E8E84-426E-40DD-AFC4-6F175D3DCCD1}">
-              <a14:hiddenFill xmlns:a14="http://schemas.microsoft.com/office/drawing/2010/main">
-                <a:solidFill>
-                  <a:srgbClr val="FFFFFF"/>
-                </a:solidFill>
-              </a14:hiddenFill>
-            </a:ext>
-            <a:ext uri="{91240B29-F687-4F45-9708-019B960494DF}">
-              <a14:hiddenLine xmlns:a14="http://schemas.microsoft.com/office/drawing/2010/main" w="9525">
-                <a:solidFill>
-                  <a:srgbClr val="000000"/>
-                </a:solidFill>
-                <a:miter lim="800000"/>
-                <a:headEnd/>
-                <a:tailEnd/>
-              </a14:hiddenLine>
-            </a:ext>
-          </a:extLst>
-        </p:spPr>
-        <p:txBody>
-          <a:bodyPr vert="horz" wrap="square" lIns="91440" tIns="45720" rIns="91440" bIns="45720" numCol="1" anchor="ctr" anchorCtr="0" compatLnSpc="1">
-            <a:normAutofit fontScale="97500"/>
-          </a:bodyPr>
-          <a:lstStyle>
-            <a:defPPr>
-              <a:defRPr lang="zh-CN"/>
-            </a:defPPr>
-            <a:lvl1pPr eaLnBrk="1" hangingPunct="1">
-              <a:lnSpc>
-                <a:spcPct val="90000"/>
-              </a:lnSpc>
-              <a:buFontTx/>
-              <a:defRPr sz="5400">
-                <a:solidFill>
-                  <a:schemeClr val="accent1"/>
-                </a:solidFill>
-                <a:latin typeface="+mj-lt"/>
-                <a:ea typeface="+mj-ea"/>
-                <a:cs typeface="+mj-cs"/>
-              </a:defRPr>
-            </a:lvl1pPr>
-            <a:lvl2pPr>
-              <a:lnSpc>
-                <a:spcPct val="90000"/>
-              </a:lnSpc>
-              <a:defRPr sz="4400"/>
-            </a:lvl2pPr>
-            <a:lvl3pPr>
-              <a:lnSpc>
-                <a:spcPct val="90000"/>
-              </a:lnSpc>
-              <a:defRPr sz="4400"/>
-            </a:lvl3pPr>
-            <a:lvl4pPr>
-              <a:lnSpc>
-                <a:spcPct val="90000"/>
-              </a:lnSpc>
-              <a:defRPr sz="4400"/>
-            </a:lvl4pPr>
-            <a:lvl5pPr>
-              <a:lnSpc>
-                <a:spcPct val="90000"/>
-              </a:lnSpc>
-              <a:defRPr sz="4400"/>
-            </a:lvl5pPr>
-            <a:lvl6pPr marL="457200" fontAlgn="base">
-              <a:lnSpc>
-                <a:spcPct val="90000"/>
-              </a:lnSpc>
-              <a:spcBef>
-                <a:spcPct val="0"/>
-              </a:spcBef>
-              <a:spcAft>
-                <a:spcPct val="0"/>
-              </a:spcAft>
-              <a:defRPr sz="4400"/>
-            </a:lvl6pPr>
-            <a:lvl7pPr marL="914400" fontAlgn="base">
-              <a:lnSpc>
-                <a:spcPct val="90000"/>
-              </a:lnSpc>
-              <a:spcBef>
-                <a:spcPct val="0"/>
-              </a:spcBef>
-              <a:spcAft>
-                <a:spcPct val="0"/>
-              </a:spcAft>
-              <a:defRPr sz="4400"/>
-            </a:lvl7pPr>
-            <a:lvl8pPr marL="1371600" fontAlgn="base">
-              <a:lnSpc>
-                <a:spcPct val="90000"/>
-              </a:lnSpc>
-              <a:spcBef>
-                <a:spcPct val="0"/>
-              </a:spcBef>
-              <a:spcAft>
-                <a:spcPct val="0"/>
-              </a:spcAft>
-              <a:defRPr sz="4400"/>
-            </a:lvl8pPr>
-            <a:lvl9pPr marL="1828800" fontAlgn="base">
-              <a:lnSpc>
-                <a:spcPct val="90000"/>
-              </a:lnSpc>
-              <a:spcBef>
-                <a:spcPct val="0"/>
-              </a:spcBef>
-              <a:spcAft>
-                <a:spcPct val="0"/>
-              </a:spcAft>
-              <a:defRPr sz="4400"/>
-            </a:lvl9pPr>
-          </a:lstStyle>
-          <a:p>
-            <a:pPr algn="ctr"/>
-            <a:r>
-              <a:rPr lang="zh-CN" altLang="en-US" sz="4800" dirty="0" smtClean="0">
-                <a:solidFill>
-                  <a:schemeClr val="accent2">
-                    <a:lumMod val="50000"/>
-                  </a:schemeClr>
-                </a:solidFill>
-              </a:rPr>
-              <a:t>需求变更申请</a:t>
-            </a:r>
-            <a:endParaRPr lang="zh-CN" altLang="en-US" sz="4800" dirty="0">
-              <a:solidFill>
-                <a:schemeClr val="accent2">
-                  <a:lumMod val="50000"/>
-                </a:schemeClr>
-              </a:solidFill>
-            </a:endParaRPr>
-          </a:p>
-        </p:txBody>
-      </p:sp>
-      <p:sp>
-        <p:nvSpPr>
-          <p:cNvPr id="5" name="文本框 4"/>
-          <p:cNvSpPr txBox="1"/>
-          <p:nvPr>
-            <p:custDataLst>
-              <p:tags r:id="rId3"/>
-            </p:custDataLst>
-          </p:nvPr>
-        </p:nvSpPr>
-        <p:spPr>
-          <a:xfrm>
-            <a:off x="1532575" y="1552292"/>
-            <a:ext cx="533400" cy="702945"/>
-          </a:xfrm>
-          <a:prstGeom prst="rect">
-            <a:avLst/>
-          </a:prstGeom>
-          <a:noFill/>
-        </p:spPr>
-        <p:txBody>
-          <a:bodyPr wrap="square" rtlCol="0" anchor="b" anchorCtr="0">
-            <a:normAutofit/>
-          </a:bodyPr>
-          <a:lstStyle/>
-          <a:p>
-            <a:pPr algn="r"/>
-            <a:r>
-              <a:rPr lang="en-US" altLang="zh-CN" sz="2400" dirty="0">
-                <a:solidFill>
-                  <a:schemeClr val="accent2">
-                    <a:lumMod val="50000"/>
-                  </a:schemeClr>
-                </a:solidFill>
-              </a:rPr>
-              <a:t>1.</a:t>
-            </a:r>
-            <a:endParaRPr lang="zh-CN" altLang="en-US" sz="2400" dirty="0">
-              <a:solidFill>
-                <a:schemeClr val="accent2">
-                  <a:lumMod val="50000"/>
-                </a:schemeClr>
-              </a:solidFill>
-            </a:endParaRPr>
-          </a:p>
-        </p:txBody>
-      </p:sp>
-      <p:sp>
-        <p:nvSpPr>
-          <p:cNvPr id="13" name="文本框 12"/>
-          <p:cNvSpPr txBox="1"/>
-          <p:nvPr>
-            <p:custDataLst>
-              <p:tags r:id="rId4"/>
-            </p:custDataLst>
-          </p:nvPr>
-        </p:nvSpPr>
-        <p:spPr>
-          <a:xfrm>
-            <a:off x="2070419" y="1552292"/>
-            <a:ext cx="3846830" cy="702945"/>
-          </a:xfrm>
-          <a:prstGeom prst="rect">
-            <a:avLst/>
-          </a:prstGeom>
-          <a:noFill/>
-        </p:spPr>
-        <p:txBody>
-          <a:bodyPr wrap="square" rtlCol="0" anchor="b" anchorCtr="0">
-            <a:normAutofit/>
-          </a:bodyPr>
-          <a:lstStyle/>
-          <a:p>
-            <a:r>
-              <a:rPr lang="zh-CN" altLang="en-US" sz="2400" dirty="0" smtClean="0">
-                <a:solidFill>
-                  <a:schemeClr val="accent2">
-                    <a:lumMod val="50000"/>
-                  </a:schemeClr>
-                </a:solidFill>
-                <a:latin typeface="+mj-lt"/>
-                <a:ea typeface="+mj-ea"/>
-                <a:cs typeface="+mj-cs"/>
-              </a:rPr>
-              <a:t>需求变更</a:t>
-            </a:r>
-            <a:r>
-              <a:rPr lang="zh-CN" altLang="en-US" sz="2400" dirty="0">
-                <a:solidFill>
-                  <a:schemeClr val="accent2">
-                    <a:lumMod val="50000"/>
-                  </a:schemeClr>
-                </a:solidFill>
-                <a:latin typeface="+mj-lt"/>
-                <a:ea typeface="+mj-ea"/>
-                <a:cs typeface="+mj-cs"/>
-              </a:rPr>
-              <a:t>申请报告</a:t>
-            </a:r>
-          </a:p>
-        </p:txBody>
-      </p:sp>
-      <p:sp>
-        <p:nvSpPr>
-          <p:cNvPr id="14" name="文本框 13"/>
-          <p:cNvSpPr txBox="1"/>
-          <p:nvPr>
-            <p:custDataLst>
-              <p:tags r:id="rId5"/>
-            </p:custDataLst>
-          </p:nvPr>
-        </p:nvSpPr>
-        <p:spPr>
-          <a:xfrm>
-            <a:off x="2070419" y="2258797"/>
-            <a:ext cx="4016693" cy="1389749"/>
-          </a:xfrm>
-          <a:prstGeom prst="rect">
-            <a:avLst/>
-          </a:prstGeom>
-          <a:noFill/>
-        </p:spPr>
-        <p:txBody>
-          <a:bodyPr wrap="square" rtlCol="0" anchor="t" anchorCtr="0">
-            <a:normAutofit fontScale="92500" lnSpcReduction="10000"/>
-          </a:bodyPr>
-          <a:lstStyle/>
-          <a:p>
-            <a:r>
-              <a:rPr lang="zh-CN" altLang="en-US" sz="2400" dirty="0" smtClean="0"/>
-              <a:t>针对本次需求变化，我们于</a:t>
-            </a:r>
-            <a:r>
-              <a:rPr lang="en-US" altLang="zh-CN" sz="2400" dirty="0" smtClean="0"/>
-              <a:t>1</a:t>
-            </a:r>
-            <a:r>
-              <a:rPr lang="zh-CN" altLang="en-US" sz="2400" dirty="0" smtClean="0"/>
-              <a:t>月</a:t>
-            </a:r>
-            <a:r>
-              <a:rPr lang="en-US" altLang="zh-CN" sz="2400" dirty="0" smtClean="0"/>
-              <a:t>4</a:t>
-            </a:r>
-            <a:r>
-              <a:rPr lang="zh-CN" altLang="en-US" sz="2400" dirty="0" smtClean="0"/>
-              <a:t>日向</a:t>
-            </a:r>
-            <a:r>
-              <a:rPr lang="en-US" altLang="zh-CN" sz="2400" dirty="0" smtClean="0"/>
-              <a:t>CCB</a:t>
-            </a:r>
-            <a:r>
-              <a:rPr lang="zh-CN" altLang="en-US" sz="2400" dirty="0" smtClean="0"/>
-              <a:t>组织提交了需求变更申请报告。得到</a:t>
-            </a:r>
-            <a:r>
-              <a:rPr lang="en-US" altLang="zh-CN" sz="2400" dirty="0" smtClean="0"/>
-              <a:t>CCB</a:t>
-            </a:r>
-            <a:r>
-              <a:rPr lang="zh-CN" altLang="en-US" sz="2400" dirty="0" smtClean="0"/>
-              <a:t>组织的回复并且同意我们的变更申请</a:t>
-            </a:r>
-            <a:endParaRPr lang="zh-CN" altLang="en-US" sz="2400" dirty="0"/>
-          </a:p>
-        </p:txBody>
-      </p:sp>
-      <p:sp>
-        <p:nvSpPr>
-          <p:cNvPr id="26" name="文本框 25"/>
-          <p:cNvSpPr txBox="1"/>
-          <p:nvPr>
-            <p:custDataLst>
-              <p:tags r:id="rId6"/>
-            </p:custDataLst>
-          </p:nvPr>
-        </p:nvSpPr>
-        <p:spPr>
-          <a:xfrm>
-            <a:off x="6278563" y="1552293"/>
-            <a:ext cx="533400" cy="702945"/>
-          </a:xfrm>
-          <a:prstGeom prst="rect">
-            <a:avLst/>
-          </a:prstGeom>
-          <a:noFill/>
-        </p:spPr>
-        <p:txBody>
-          <a:bodyPr wrap="square" rtlCol="0" anchor="b" anchorCtr="0">
-            <a:normAutofit/>
-          </a:bodyPr>
-          <a:lstStyle/>
-          <a:p>
-            <a:pPr algn="r"/>
-            <a:r>
-              <a:rPr lang="en-US" altLang="zh-CN" sz="2400" dirty="0">
-                <a:solidFill>
-                  <a:schemeClr val="accent2">
-                    <a:lumMod val="50000"/>
-                  </a:schemeClr>
-                </a:solidFill>
-              </a:rPr>
-              <a:t>3</a:t>
-            </a:r>
-            <a:r>
-              <a:rPr lang="en-US" altLang="zh-CN" sz="2400" dirty="0" smtClean="0">
-                <a:solidFill>
-                  <a:schemeClr val="accent2">
-                    <a:lumMod val="50000"/>
-                  </a:schemeClr>
-                </a:solidFill>
-              </a:rPr>
-              <a:t>.</a:t>
-            </a:r>
-            <a:endParaRPr lang="zh-CN" altLang="en-US" sz="2400" dirty="0">
-              <a:solidFill>
-                <a:schemeClr val="accent2">
-                  <a:lumMod val="50000"/>
-                </a:schemeClr>
-              </a:solidFill>
-            </a:endParaRPr>
-          </a:p>
-        </p:txBody>
-      </p:sp>
-      <p:sp>
-        <p:nvSpPr>
-          <p:cNvPr id="27" name="文本框 26"/>
-          <p:cNvSpPr txBox="1"/>
-          <p:nvPr>
-            <p:custDataLst>
-              <p:tags r:id="rId7"/>
-            </p:custDataLst>
-          </p:nvPr>
-        </p:nvSpPr>
-        <p:spPr>
-          <a:xfrm>
-            <a:off x="6816407" y="1552293"/>
-            <a:ext cx="3846830" cy="702945"/>
-          </a:xfrm>
-          <a:prstGeom prst="rect">
-            <a:avLst/>
-          </a:prstGeom>
-          <a:noFill/>
-        </p:spPr>
-        <p:txBody>
-          <a:bodyPr wrap="square" rtlCol="0" anchor="b" anchorCtr="0">
-            <a:normAutofit/>
-          </a:bodyPr>
-          <a:lstStyle/>
-          <a:p>
-            <a:r>
-              <a:rPr lang="zh-CN" altLang="en-US" sz="2400" dirty="0">
-                <a:solidFill>
-                  <a:schemeClr val="accent2">
-                    <a:lumMod val="50000"/>
-                  </a:schemeClr>
-                </a:solidFill>
-                <a:latin typeface="+mj-lt"/>
-                <a:ea typeface="+mj-ea"/>
-                <a:cs typeface="+mj-cs"/>
-              </a:rPr>
-              <a:t>变更影响</a:t>
-            </a:r>
-          </a:p>
-        </p:txBody>
-      </p:sp>
-      <p:sp>
-        <p:nvSpPr>
-          <p:cNvPr id="28" name="文本框 27"/>
-          <p:cNvSpPr txBox="1"/>
-          <p:nvPr>
-            <p:custDataLst>
-              <p:tags r:id="rId8"/>
-            </p:custDataLst>
-          </p:nvPr>
-        </p:nvSpPr>
-        <p:spPr>
-          <a:xfrm>
-            <a:off x="6816407" y="2258799"/>
-            <a:ext cx="3846830" cy="1012438"/>
-          </a:xfrm>
-          <a:prstGeom prst="rect">
-            <a:avLst/>
-          </a:prstGeom>
-          <a:noFill/>
-        </p:spPr>
-        <p:txBody>
-          <a:bodyPr wrap="square" rtlCol="0" anchor="t" anchorCtr="0">
-            <a:noAutofit/>
-          </a:bodyPr>
-          <a:lstStyle/>
-          <a:p>
-            <a:r>
-              <a:rPr lang="zh-CN" altLang="en-US" sz="2400" dirty="0" smtClean="0"/>
-              <a:t>在采用需求变更工具导出需求变更影响分析报告后发现，变更</a:t>
-            </a:r>
-            <a:r>
-              <a:rPr lang="zh-CN" altLang="en-US" sz="2400" dirty="0"/>
-              <a:t>影响微乎其微，不</a:t>
-            </a:r>
-            <a:r>
-              <a:rPr lang="zh-CN" altLang="en-US" sz="2400" dirty="0">
-                <a:sym typeface="+mn-ea"/>
-              </a:rPr>
-              <a:t>影响任务的执行顺序、依赖性、工作量或进度。</a:t>
-            </a:r>
-            <a:endParaRPr lang="zh-CN" altLang="en-US" sz="2400" dirty="0"/>
-          </a:p>
-        </p:txBody>
-      </p:sp>
-      <p:sp>
-        <p:nvSpPr>
-          <p:cNvPr id="18" name="文本框 17"/>
-          <p:cNvSpPr txBox="1"/>
-          <p:nvPr>
-            <p:custDataLst>
-              <p:tags r:id="rId9"/>
-            </p:custDataLst>
-          </p:nvPr>
-        </p:nvSpPr>
-        <p:spPr>
-          <a:xfrm>
-            <a:off x="1541463" y="4114800"/>
-            <a:ext cx="533400" cy="702945"/>
-          </a:xfrm>
-          <a:prstGeom prst="rect">
-            <a:avLst/>
-          </a:prstGeom>
-          <a:noFill/>
-        </p:spPr>
-        <p:txBody>
-          <a:bodyPr wrap="square" rtlCol="0" anchor="b" anchorCtr="0">
-            <a:normAutofit/>
-          </a:bodyPr>
-          <a:lstStyle/>
-          <a:p>
-            <a:pPr algn="r"/>
-            <a:r>
-              <a:rPr lang="en-US" altLang="zh-CN" sz="2400" dirty="0">
-                <a:solidFill>
-                  <a:schemeClr val="accent2">
-                    <a:lumMod val="50000"/>
-                  </a:schemeClr>
-                </a:solidFill>
-              </a:rPr>
-              <a:t>3.</a:t>
-            </a:r>
-            <a:endParaRPr lang="zh-CN" altLang="en-US" sz="2400" dirty="0">
-              <a:solidFill>
-                <a:schemeClr val="accent2">
-                  <a:lumMod val="50000"/>
-                </a:schemeClr>
-              </a:solidFill>
-            </a:endParaRPr>
-          </a:p>
-        </p:txBody>
-      </p:sp>
-      <p:sp>
-        <p:nvSpPr>
-          <p:cNvPr id="19" name="文本框 18"/>
-          <p:cNvSpPr txBox="1"/>
-          <p:nvPr>
-            <p:custDataLst>
-              <p:tags r:id="rId10"/>
-            </p:custDataLst>
-          </p:nvPr>
-        </p:nvSpPr>
-        <p:spPr>
-          <a:xfrm>
-            <a:off x="2079307" y="4114800"/>
-            <a:ext cx="3846830" cy="702945"/>
-          </a:xfrm>
-          <a:prstGeom prst="rect">
-            <a:avLst/>
-          </a:prstGeom>
-          <a:noFill/>
-        </p:spPr>
-        <p:txBody>
-          <a:bodyPr wrap="square" rtlCol="0" anchor="b" anchorCtr="0">
-            <a:normAutofit/>
-          </a:bodyPr>
-          <a:lstStyle/>
-          <a:p>
-            <a:r>
-              <a:rPr lang="zh-CN" altLang="en-US" sz="2400" dirty="0" smtClean="0">
-                <a:solidFill>
-                  <a:schemeClr val="accent2">
-                    <a:lumMod val="50000"/>
-                  </a:schemeClr>
-                </a:solidFill>
-                <a:latin typeface="+mj-lt"/>
-                <a:ea typeface="+mj-ea"/>
-                <a:cs typeface="+mj-cs"/>
-              </a:rPr>
-              <a:t>使用需求变更工具</a:t>
-            </a:r>
-            <a:endParaRPr lang="zh-CN" altLang="en-US" sz="2400" dirty="0">
-              <a:solidFill>
-                <a:schemeClr val="accent2">
-                  <a:lumMod val="50000"/>
-                </a:schemeClr>
-              </a:solidFill>
-              <a:latin typeface="+mj-lt"/>
-              <a:ea typeface="+mj-ea"/>
-              <a:cs typeface="+mj-cs"/>
-            </a:endParaRPr>
-          </a:p>
-        </p:txBody>
-      </p:sp>
-      <p:sp>
-        <p:nvSpPr>
-          <p:cNvPr id="20" name="文本框 19"/>
-          <p:cNvSpPr txBox="1"/>
-          <p:nvPr>
-            <p:custDataLst>
-              <p:tags r:id="rId11"/>
-            </p:custDataLst>
-          </p:nvPr>
-        </p:nvSpPr>
-        <p:spPr>
-          <a:xfrm>
-            <a:off x="2079307" y="4821306"/>
-            <a:ext cx="3846830" cy="1012438"/>
-          </a:xfrm>
-          <a:prstGeom prst="rect">
-            <a:avLst/>
-          </a:prstGeom>
-          <a:noFill/>
-        </p:spPr>
-        <p:txBody>
-          <a:bodyPr wrap="square" rtlCol="0" anchor="t" anchorCtr="0">
-            <a:noAutofit/>
-          </a:bodyPr>
-          <a:lstStyle/>
-          <a:p>
-            <a:r>
-              <a:rPr lang="zh-CN" altLang="en-US" sz="2200" dirty="0" smtClean="0"/>
-              <a:t>在使用需求变更工具导出影响分析报告后，发现其可以全面的对相关联的需求变更进行分析，比自己拍脑袋想的效率要高的多</a:t>
-            </a:r>
-            <a:endParaRPr lang="zh-CN" altLang="en-US" sz="2200" dirty="0"/>
-          </a:p>
-        </p:txBody>
-      </p:sp>
-    </p:spTree>
-    <p:custDataLst>
-      <p:tags r:id="rId1"/>
-    </p:custDataLst>
-  </p:cSld>
-  <p:clrMapOvr>
-    <a:masterClrMapping/>
-  </p:clrMapOvr>
-</p:sld>
-</file>
-
-<file path=ppt/slides/slide14.xml><?xml version="1.0" encoding="utf-8"?>
+<file path=ppt/slides/slide15.xml><?xml version="1.0" encoding="utf-8"?>
 <p:sld xmlns:a="http://schemas.openxmlformats.org/drawingml/2006/main" xmlns:r="http://schemas.openxmlformats.org/officeDocument/2006/relationships" xmlns:p="http://schemas.openxmlformats.org/presentationml/2006/main">
   <p:cSld>
     <p:spTree>
@@ -8530,7 +9019,638 @@
 </p:sld>
 </file>
 
-<file path=ppt/slides/slide15.xml><?xml version="1.0" encoding="utf-8"?>
+<file path=ppt/slides/slide16.xml><?xml version="1.0" encoding="utf-8"?>
+<p:sld xmlns:a="http://schemas.openxmlformats.org/drawingml/2006/main" xmlns:r="http://schemas.openxmlformats.org/officeDocument/2006/relationships" xmlns:p="http://schemas.openxmlformats.org/presentationml/2006/main">
+  <p:cSld>
+    <p:spTree>
+      <p:nvGrpSpPr>
+        <p:cNvPr id="1" name=""/>
+        <p:cNvGrpSpPr/>
+        <p:nvPr/>
+      </p:nvGrpSpPr>
+      <p:grpSpPr>
+        <a:xfrm>
+          <a:off x="0" y="0"/>
+          <a:ext cx="0" cy="0"/>
+          <a:chOff x="0" y="0"/>
+          <a:chExt cx="0" cy="0"/>
+        </a:xfrm>
+      </p:grpSpPr>
+      <p:sp>
+        <p:nvSpPr>
+          <p:cNvPr id="3" name="文本框 2"/>
+          <p:cNvSpPr txBox="1"/>
+          <p:nvPr>
+            <p:custDataLst>
+              <p:tags r:id="rId2"/>
+            </p:custDataLst>
+          </p:nvPr>
+        </p:nvSpPr>
+        <p:spPr>
+          <a:xfrm>
+            <a:off x="2628900" y="120761"/>
+            <a:ext cx="6934200" cy="755540"/>
+          </a:xfrm>
+          <a:prstGeom prst="rect">
+            <a:avLst/>
+          </a:prstGeom>
+          <a:noFill/>
+          <a:ln>
+            <a:noFill/>
+          </a:ln>
+          <a:extLst>
+            <a:ext uri="{909E8E84-426E-40DD-AFC4-6F175D3DCCD1}">
+              <a14:hiddenFill xmlns:a14="http://schemas.microsoft.com/office/drawing/2010/main">
+                <a:solidFill>
+                  <a:srgbClr val="FFFFFF"/>
+                </a:solidFill>
+              </a14:hiddenFill>
+            </a:ext>
+            <a:ext uri="{91240B29-F687-4F45-9708-019B960494DF}">
+              <a14:hiddenLine xmlns:a14="http://schemas.microsoft.com/office/drawing/2010/main" w="9525">
+                <a:solidFill>
+                  <a:srgbClr val="000000"/>
+                </a:solidFill>
+                <a:miter lim="800000"/>
+                <a:headEnd/>
+                <a:tailEnd/>
+              </a14:hiddenLine>
+            </a:ext>
+          </a:extLst>
+        </p:spPr>
+        <p:txBody>
+          <a:bodyPr vert="horz" wrap="square" lIns="91440" tIns="45720" rIns="91440" bIns="45720" numCol="1" anchor="ctr" anchorCtr="0" compatLnSpc="1">
+            <a:normAutofit fontScale="97500"/>
+          </a:bodyPr>
+          <a:lstStyle>
+            <a:defPPr>
+              <a:defRPr lang="zh-CN"/>
+            </a:defPPr>
+            <a:lvl1pPr eaLnBrk="1" hangingPunct="1">
+              <a:lnSpc>
+                <a:spcPct val="90000"/>
+              </a:lnSpc>
+              <a:buFontTx/>
+              <a:defRPr sz="5400">
+                <a:solidFill>
+                  <a:schemeClr val="accent1"/>
+                </a:solidFill>
+                <a:latin typeface="+mj-lt"/>
+                <a:ea typeface="+mj-ea"/>
+                <a:cs typeface="+mj-cs"/>
+              </a:defRPr>
+            </a:lvl1pPr>
+            <a:lvl2pPr>
+              <a:lnSpc>
+                <a:spcPct val="90000"/>
+              </a:lnSpc>
+              <a:defRPr sz="4400"/>
+            </a:lvl2pPr>
+            <a:lvl3pPr>
+              <a:lnSpc>
+                <a:spcPct val="90000"/>
+              </a:lnSpc>
+              <a:defRPr sz="4400"/>
+            </a:lvl3pPr>
+            <a:lvl4pPr>
+              <a:lnSpc>
+                <a:spcPct val="90000"/>
+              </a:lnSpc>
+              <a:defRPr sz="4400"/>
+            </a:lvl4pPr>
+            <a:lvl5pPr>
+              <a:lnSpc>
+                <a:spcPct val="90000"/>
+              </a:lnSpc>
+              <a:defRPr sz="4400"/>
+            </a:lvl5pPr>
+            <a:lvl6pPr marL="457200" fontAlgn="base">
+              <a:lnSpc>
+                <a:spcPct val="90000"/>
+              </a:lnSpc>
+              <a:spcBef>
+                <a:spcPct val="0"/>
+              </a:spcBef>
+              <a:spcAft>
+                <a:spcPct val="0"/>
+              </a:spcAft>
+              <a:defRPr sz="4400"/>
+            </a:lvl6pPr>
+            <a:lvl7pPr marL="914400" fontAlgn="base">
+              <a:lnSpc>
+                <a:spcPct val="90000"/>
+              </a:lnSpc>
+              <a:spcBef>
+                <a:spcPct val="0"/>
+              </a:spcBef>
+              <a:spcAft>
+                <a:spcPct val="0"/>
+              </a:spcAft>
+              <a:defRPr sz="4400"/>
+            </a:lvl7pPr>
+            <a:lvl8pPr marL="1371600" fontAlgn="base">
+              <a:lnSpc>
+                <a:spcPct val="90000"/>
+              </a:lnSpc>
+              <a:spcBef>
+                <a:spcPct val="0"/>
+              </a:spcBef>
+              <a:spcAft>
+                <a:spcPct val="0"/>
+              </a:spcAft>
+              <a:defRPr sz="4400"/>
+            </a:lvl8pPr>
+            <a:lvl9pPr marL="1828800" fontAlgn="base">
+              <a:lnSpc>
+                <a:spcPct val="90000"/>
+              </a:lnSpc>
+              <a:spcBef>
+                <a:spcPct val="0"/>
+              </a:spcBef>
+              <a:spcAft>
+                <a:spcPct val="0"/>
+              </a:spcAft>
+              <a:defRPr sz="4400"/>
+            </a:lvl9pPr>
+          </a:lstStyle>
+          <a:p>
+            <a:pPr algn="ctr"/>
+            <a:r>
+              <a:rPr lang="zh-CN" altLang="en-US" sz="4800" dirty="0" smtClean="0">
+                <a:solidFill>
+                  <a:schemeClr val="accent2">
+                    <a:lumMod val="50000"/>
+                  </a:schemeClr>
+                </a:solidFill>
+              </a:rPr>
+              <a:t>需求变更申请</a:t>
+            </a:r>
+            <a:endParaRPr lang="zh-CN" altLang="en-US" sz="4800" dirty="0">
+              <a:solidFill>
+                <a:schemeClr val="accent2">
+                  <a:lumMod val="50000"/>
+                </a:schemeClr>
+              </a:solidFill>
+            </a:endParaRPr>
+          </a:p>
+        </p:txBody>
+      </p:sp>
+      <p:sp>
+        <p:nvSpPr>
+          <p:cNvPr id="5" name="文本框 4"/>
+          <p:cNvSpPr txBox="1"/>
+          <p:nvPr>
+            <p:custDataLst>
+              <p:tags r:id="rId3"/>
+            </p:custDataLst>
+          </p:nvPr>
+        </p:nvSpPr>
+        <p:spPr>
+          <a:xfrm>
+            <a:off x="1532575" y="1552292"/>
+            <a:ext cx="533400" cy="702945"/>
+          </a:xfrm>
+          <a:prstGeom prst="rect">
+            <a:avLst/>
+          </a:prstGeom>
+          <a:noFill/>
+        </p:spPr>
+        <p:txBody>
+          <a:bodyPr wrap="square" rtlCol="0" anchor="b" anchorCtr="0">
+            <a:normAutofit/>
+          </a:bodyPr>
+          <a:lstStyle/>
+          <a:p>
+            <a:pPr algn="r"/>
+            <a:r>
+              <a:rPr lang="en-US" altLang="zh-CN" sz="2400" dirty="0">
+                <a:solidFill>
+                  <a:schemeClr val="accent2">
+                    <a:lumMod val="50000"/>
+                  </a:schemeClr>
+                </a:solidFill>
+              </a:rPr>
+              <a:t>1.</a:t>
+            </a:r>
+            <a:endParaRPr lang="zh-CN" altLang="en-US" sz="2400" dirty="0">
+              <a:solidFill>
+                <a:schemeClr val="accent2">
+                  <a:lumMod val="50000"/>
+                </a:schemeClr>
+              </a:solidFill>
+            </a:endParaRPr>
+          </a:p>
+        </p:txBody>
+      </p:sp>
+      <p:sp>
+        <p:nvSpPr>
+          <p:cNvPr id="13" name="文本框 12"/>
+          <p:cNvSpPr txBox="1"/>
+          <p:nvPr>
+            <p:custDataLst>
+              <p:tags r:id="rId4"/>
+            </p:custDataLst>
+          </p:nvPr>
+        </p:nvSpPr>
+        <p:spPr>
+          <a:xfrm>
+            <a:off x="2070419" y="1552292"/>
+            <a:ext cx="3846830" cy="702945"/>
+          </a:xfrm>
+          <a:prstGeom prst="rect">
+            <a:avLst/>
+          </a:prstGeom>
+          <a:noFill/>
+        </p:spPr>
+        <p:txBody>
+          <a:bodyPr wrap="square" rtlCol="0" anchor="b" anchorCtr="0">
+            <a:normAutofit/>
+          </a:bodyPr>
+          <a:lstStyle/>
+          <a:p>
+            <a:r>
+              <a:rPr lang="zh-CN" altLang="en-US" sz="2400" dirty="0" smtClean="0">
+                <a:solidFill>
+                  <a:schemeClr val="accent2">
+                    <a:lumMod val="50000"/>
+                  </a:schemeClr>
+                </a:solidFill>
+                <a:latin typeface="+mj-lt"/>
+                <a:ea typeface="+mj-ea"/>
+                <a:cs typeface="+mj-cs"/>
+              </a:rPr>
+              <a:t>需求变更</a:t>
+            </a:r>
+            <a:r>
+              <a:rPr lang="zh-CN" altLang="en-US" sz="2400" dirty="0">
+                <a:solidFill>
+                  <a:schemeClr val="accent2">
+                    <a:lumMod val="50000"/>
+                  </a:schemeClr>
+                </a:solidFill>
+                <a:latin typeface="+mj-lt"/>
+                <a:ea typeface="+mj-ea"/>
+                <a:cs typeface="+mj-cs"/>
+              </a:rPr>
+              <a:t>申请报告</a:t>
+            </a:r>
+          </a:p>
+        </p:txBody>
+      </p:sp>
+      <p:sp>
+        <p:nvSpPr>
+          <p:cNvPr id="14" name="文本框 13"/>
+          <p:cNvSpPr txBox="1"/>
+          <p:nvPr>
+            <p:custDataLst>
+              <p:tags r:id="rId5"/>
+            </p:custDataLst>
+          </p:nvPr>
+        </p:nvSpPr>
+        <p:spPr>
+          <a:xfrm>
+            <a:off x="2070419" y="2258797"/>
+            <a:ext cx="4016693" cy="1389749"/>
+          </a:xfrm>
+          <a:prstGeom prst="rect">
+            <a:avLst/>
+          </a:prstGeom>
+          <a:noFill/>
+        </p:spPr>
+        <p:txBody>
+          <a:bodyPr wrap="square" rtlCol="0" anchor="t" anchorCtr="0">
+            <a:normAutofit fontScale="92500" lnSpcReduction="10000"/>
+          </a:bodyPr>
+          <a:lstStyle/>
+          <a:p>
+            <a:r>
+              <a:rPr lang="zh-CN" altLang="en-US" sz="2400" dirty="0" smtClean="0"/>
+              <a:t>针对本次需求变化，我们于</a:t>
+            </a:r>
+            <a:r>
+              <a:rPr lang="en-US" altLang="zh-CN" sz="2400" dirty="0" smtClean="0"/>
+              <a:t>1</a:t>
+            </a:r>
+            <a:r>
+              <a:rPr lang="zh-CN" altLang="en-US" sz="2400" dirty="0" smtClean="0"/>
+              <a:t>月</a:t>
+            </a:r>
+            <a:r>
+              <a:rPr lang="en-US" altLang="zh-CN" sz="2400" dirty="0" smtClean="0"/>
+              <a:t>4</a:t>
+            </a:r>
+            <a:r>
+              <a:rPr lang="zh-CN" altLang="en-US" sz="2400" dirty="0" smtClean="0"/>
+              <a:t>日向</a:t>
+            </a:r>
+            <a:r>
+              <a:rPr lang="en-US" altLang="zh-CN" sz="2400" dirty="0" smtClean="0"/>
+              <a:t>CCB</a:t>
+            </a:r>
+            <a:r>
+              <a:rPr lang="zh-CN" altLang="en-US" sz="2400" dirty="0" smtClean="0"/>
+              <a:t>组织提交了需求变更申请报告。得到</a:t>
+            </a:r>
+            <a:r>
+              <a:rPr lang="en-US" altLang="zh-CN" sz="2400" dirty="0" smtClean="0"/>
+              <a:t>CCB</a:t>
+            </a:r>
+            <a:r>
+              <a:rPr lang="zh-CN" altLang="en-US" sz="2400" dirty="0" smtClean="0"/>
+              <a:t>组织的回复并且同意我们的变更申请</a:t>
+            </a:r>
+            <a:endParaRPr lang="zh-CN" altLang="en-US" sz="2400" dirty="0"/>
+          </a:p>
+        </p:txBody>
+      </p:sp>
+      <p:sp>
+        <p:nvSpPr>
+          <p:cNvPr id="26" name="文本框 25"/>
+          <p:cNvSpPr txBox="1"/>
+          <p:nvPr>
+            <p:custDataLst>
+              <p:tags r:id="rId6"/>
+            </p:custDataLst>
+          </p:nvPr>
+        </p:nvSpPr>
+        <p:spPr>
+          <a:xfrm>
+            <a:off x="6278563" y="1552293"/>
+            <a:ext cx="533400" cy="702945"/>
+          </a:xfrm>
+          <a:prstGeom prst="rect">
+            <a:avLst/>
+          </a:prstGeom>
+          <a:noFill/>
+        </p:spPr>
+        <p:txBody>
+          <a:bodyPr wrap="square" rtlCol="0" anchor="b" anchorCtr="0">
+            <a:normAutofit/>
+          </a:bodyPr>
+          <a:lstStyle/>
+          <a:p>
+            <a:pPr algn="r"/>
+            <a:r>
+              <a:rPr lang="en-US" altLang="zh-CN" sz="2400" dirty="0">
+                <a:solidFill>
+                  <a:schemeClr val="accent2">
+                    <a:lumMod val="50000"/>
+                  </a:schemeClr>
+                </a:solidFill>
+              </a:rPr>
+              <a:t>3</a:t>
+            </a:r>
+            <a:r>
+              <a:rPr lang="en-US" altLang="zh-CN" sz="2400" dirty="0" smtClean="0">
+                <a:solidFill>
+                  <a:schemeClr val="accent2">
+                    <a:lumMod val="50000"/>
+                  </a:schemeClr>
+                </a:solidFill>
+              </a:rPr>
+              <a:t>.</a:t>
+            </a:r>
+            <a:endParaRPr lang="zh-CN" altLang="en-US" sz="2400" dirty="0">
+              <a:solidFill>
+                <a:schemeClr val="accent2">
+                  <a:lumMod val="50000"/>
+                </a:schemeClr>
+              </a:solidFill>
+            </a:endParaRPr>
+          </a:p>
+        </p:txBody>
+      </p:sp>
+      <p:sp>
+        <p:nvSpPr>
+          <p:cNvPr id="27" name="文本框 26"/>
+          <p:cNvSpPr txBox="1"/>
+          <p:nvPr>
+            <p:custDataLst>
+              <p:tags r:id="rId7"/>
+            </p:custDataLst>
+          </p:nvPr>
+        </p:nvSpPr>
+        <p:spPr>
+          <a:xfrm>
+            <a:off x="6816407" y="1552293"/>
+            <a:ext cx="3846830" cy="702945"/>
+          </a:xfrm>
+          <a:prstGeom prst="rect">
+            <a:avLst/>
+          </a:prstGeom>
+          <a:noFill/>
+        </p:spPr>
+        <p:txBody>
+          <a:bodyPr wrap="square" rtlCol="0" anchor="b" anchorCtr="0">
+            <a:normAutofit/>
+          </a:bodyPr>
+          <a:lstStyle/>
+          <a:p>
+            <a:r>
+              <a:rPr lang="zh-CN" altLang="en-US" sz="2400" dirty="0">
+                <a:solidFill>
+                  <a:schemeClr val="accent2">
+                    <a:lumMod val="50000"/>
+                  </a:schemeClr>
+                </a:solidFill>
+                <a:latin typeface="+mj-lt"/>
+                <a:ea typeface="+mj-ea"/>
+                <a:cs typeface="+mj-cs"/>
+              </a:rPr>
+              <a:t>变更影响</a:t>
+            </a:r>
+          </a:p>
+        </p:txBody>
+      </p:sp>
+      <p:sp>
+        <p:nvSpPr>
+          <p:cNvPr id="28" name="文本框 27"/>
+          <p:cNvSpPr txBox="1"/>
+          <p:nvPr>
+            <p:custDataLst>
+              <p:tags r:id="rId8"/>
+            </p:custDataLst>
+          </p:nvPr>
+        </p:nvSpPr>
+        <p:spPr>
+          <a:xfrm>
+            <a:off x="6816407" y="2258799"/>
+            <a:ext cx="3846830" cy="1012438"/>
+          </a:xfrm>
+          <a:prstGeom prst="rect">
+            <a:avLst/>
+          </a:prstGeom>
+          <a:noFill/>
+        </p:spPr>
+        <p:txBody>
+          <a:bodyPr wrap="square" rtlCol="0" anchor="t" anchorCtr="0">
+            <a:noAutofit/>
+          </a:bodyPr>
+          <a:lstStyle/>
+          <a:p>
+            <a:r>
+              <a:rPr lang="zh-CN" altLang="en-US" sz="2400" dirty="0" smtClean="0"/>
+              <a:t>在采用需求变更工具导出需求变更影响分析报告后发现，变更</a:t>
+            </a:r>
+            <a:r>
+              <a:rPr lang="zh-CN" altLang="en-US" sz="2400" dirty="0"/>
+              <a:t>影响微乎其微，不</a:t>
+            </a:r>
+            <a:r>
+              <a:rPr lang="zh-CN" altLang="en-US" sz="2400" dirty="0">
+                <a:sym typeface="+mn-ea"/>
+              </a:rPr>
+              <a:t>影响任务的执行顺序、依赖性、工作量或进度。</a:t>
+            </a:r>
+            <a:endParaRPr lang="zh-CN" altLang="en-US" sz="2400" dirty="0"/>
+          </a:p>
+        </p:txBody>
+      </p:sp>
+      <p:sp>
+        <p:nvSpPr>
+          <p:cNvPr id="18" name="文本框 17"/>
+          <p:cNvSpPr txBox="1"/>
+          <p:nvPr>
+            <p:custDataLst>
+              <p:tags r:id="rId9"/>
+            </p:custDataLst>
+          </p:nvPr>
+        </p:nvSpPr>
+        <p:spPr>
+          <a:xfrm>
+            <a:off x="1541463" y="4114800"/>
+            <a:ext cx="533400" cy="702945"/>
+          </a:xfrm>
+          <a:prstGeom prst="rect">
+            <a:avLst/>
+          </a:prstGeom>
+          <a:noFill/>
+        </p:spPr>
+        <p:txBody>
+          <a:bodyPr wrap="square" rtlCol="0" anchor="b" anchorCtr="0">
+            <a:normAutofit/>
+          </a:bodyPr>
+          <a:lstStyle/>
+          <a:p>
+            <a:pPr algn="r"/>
+            <a:r>
+              <a:rPr lang="en-US" altLang="zh-CN" sz="2400" dirty="0">
+                <a:solidFill>
+                  <a:schemeClr val="accent2">
+                    <a:lumMod val="50000"/>
+                  </a:schemeClr>
+                </a:solidFill>
+              </a:rPr>
+              <a:t>3.</a:t>
+            </a:r>
+            <a:endParaRPr lang="zh-CN" altLang="en-US" sz="2400" dirty="0">
+              <a:solidFill>
+                <a:schemeClr val="accent2">
+                  <a:lumMod val="50000"/>
+                </a:schemeClr>
+              </a:solidFill>
+            </a:endParaRPr>
+          </a:p>
+        </p:txBody>
+      </p:sp>
+      <p:sp>
+        <p:nvSpPr>
+          <p:cNvPr id="19" name="文本框 18"/>
+          <p:cNvSpPr txBox="1"/>
+          <p:nvPr>
+            <p:custDataLst>
+              <p:tags r:id="rId10"/>
+            </p:custDataLst>
+          </p:nvPr>
+        </p:nvSpPr>
+        <p:spPr>
+          <a:xfrm>
+            <a:off x="2079307" y="4114800"/>
+            <a:ext cx="3846830" cy="702945"/>
+          </a:xfrm>
+          <a:prstGeom prst="rect">
+            <a:avLst/>
+          </a:prstGeom>
+          <a:noFill/>
+        </p:spPr>
+        <p:txBody>
+          <a:bodyPr wrap="square" rtlCol="0" anchor="b" anchorCtr="0">
+            <a:normAutofit/>
+          </a:bodyPr>
+          <a:lstStyle/>
+          <a:p>
+            <a:r>
+              <a:rPr lang="zh-CN" altLang="en-US" sz="2400" dirty="0" smtClean="0">
+                <a:solidFill>
+                  <a:schemeClr val="accent2">
+                    <a:lumMod val="50000"/>
+                  </a:schemeClr>
+                </a:solidFill>
+                <a:latin typeface="+mj-lt"/>
+                <a:ea typeface="+mj-ea"/>
+                <a:cs typeface="+mj-cs"/>
+              </a:rPr>
+              <a:t>使用需求变更工具</a:t>
+            </a:r>
+            <a:endParaRPr lang="zh-CN" altLang="en-US" sz="2400" dirty="0">
+              <a:solidFill>
+                <a:schemeClr val="accent2">
+                  <a:lumMod val="50000"/>
+                </a:schemeClr>
+              </a:solidFill>
+              <a:latin typeface="+mj-lt"/>
+              <a:ea typeface="+mj-ea"/>
+              <a:cs typeface="+mj-cs"/>
+            </a:endParaRPr>
+          </a:p>
+        </p:txBody>
+      </p:sp>
+      <p:sp>
+        <p:nvSpPr>
+          <p:cNvPr id="20" name="文本框 19"/>
+          <p:cNvSpPr txBox="1"/>
+          <p:nvPr>
+            <p:custDataLst>
+              <p:tags r:id="rId11"/>
+            </p:custDataLst>
+          </p:nvPr>
+        </p:nvSpPr>
+        <p:spPr>
+          <a:xfrm>
+            <a:off x="2079307" y="4821306"/>
+            <a:ext cx="3846830" cy="1012438"/>
+          </a:xfrm>
+          <a:prstGeom prst="rect">
+            <a:avLst/>
+          </a:prstGeom>
+          <a:noFill/>
+        </p:spPr>
+        <p:txBody>
+          <a:bodyPr wrap="square" rtlCol="0" anchor="t" anchorCtr="0">
+            <a:noAutofit/>
+          </a:bodyPr>
+          <a:lstStyle/>
+          <a:p>
+            <a:r>
+              <a:rPr lang="zh-CN" altLang="en-US" sz="2200" dirty="0" smtClean="0"/>
+              <a:t>在使用需求变更工具导出影响分析报告后，发现其可以全面的对相关联的需求变更进行分析，比自己拍脑袋想的效率要高的多</a:t>
+            </a:r>
+            <a:endParaRPr lang="zh-CN" altLang="en-US" sz="2200" dirty="0"/>
+          </a:p>
+        </p:txBody>
+      </p:sp>
+    </p:spTree>
+    <p:custDataLst>
+      <p:tags r:id="rId1"/>
+    </p:custDataLst>
+  </p:cSld>
+  <p:clrMapOvr>
+    <a:masterClrMapping/>
+  </p:clrMapOvr>
+</p:sld>
+</file>
+
+<file path=ppt/slides/slide17.xml><?xml version="1.0" encoding="utf-8"?>
 <p:sld xmlns:a="http://schemas.openxmlformats.org/drawingml/2006/main" xmlns:r="http://schemas.openxmlformats.org/officeDocument/2006/relationships" xmlns:p="http://schemas.openxmlformats.org/presentationml/2006/main">
   <p:cSld>
     <p:spTree>
@@ -8642,7 +9762,7 @@
 </p:sld>
 </file>
 
-<file path=ppt/slides/slide16.xml><?xml version="1.0" encoding="utf-8"?>
+<file path=ppt/slides/slide18.xml><?xml version="1.0" encoding="utf-8"?>
 <p:sld xmlns:a="http://schemas.openxmlformats.org/drawingml/2006/main" xmlns:r="http://schemas.openxmlformats.org/officeDocument/2006/relationships" xmlns:p="http://schemas.openxmlformats.org/presentationml/2006/main">
   <p:cSld>
     <p:spTree>
@@ -9673,7 +10793,7 @@
 </p:sld>
 </file>
 
-<file path=ppt/slides/slide17.xml><?xml version="1.0" encoding="utf-8"?>
+<file path=ppt/slides/slide19.xml><?xml version="1.0" encoding="utf-8"?>
 <p:sld xmlns:a="http://schemas.openxmlformats.org/drawingml/2006/main" xmlns:r="http://schemas.openxmlformats.org/officeDocument/2006/relationships" xmlns:p="http://schemas.openxmlformats.org/presentationml/2006/main">
   <p:cSld>
     <p:spTree>
@@ -9999,7 +11119,153 @@
 </p:sld>
 </file>
 
-<file path=ppt/slides/slide18.xml><?xml version="1.0" encoding="utf-8"?>
+<file path=ppt/slides/slide2.xml><?xml version="1.0" encoding="utf-8"?>
+<p:sld xmlns:a="http://schemas.openxmlformats.org/drawingml/2006/main" xmlns:r="http://schemas.openxmlformats.org/officeDocument/2006/relationships" xmlns:p="http://schemas.openxmlformats.org/presentationml/2006/main">
+  <p:cSld>
+    <p:spTree>
+      <p:nvGrpSpPr>
+        <p:cNvPr id="1" name=""/>
+        <p:cNvGrpSpPr/>
+        <p:nvPr/>
+      </p:nvGrpSpPr>
+      <p:grpSpPr>
+        <a:xfrm>
+          <a:off x="0" y="0"/>
+          <a:ext cx="0" cy="0"/>
+          <a:chOff x="0" y="0"/>
+          <a:chExt cx="0" cy="0"/>
+        </a:xfrm>
+      </p:grpSpPr>
+      <p:sp>
+        <p:nvSpPr>
+          <p:cNvPr id="3" name="内容占位符 2"/>
+          <p:cNvSpPr>
+            <a:spLocks noGrp="1"/>
+          </p:cNvSpPr>
+          <p:nvPr>
+            <p:ph idx="1"/>
+            <p:custDataLst>
+              <p:tags r:id="rId2"/>
+            </p:custDataLst>
+          </p:nvPr>
+        </p:nvSpPr>
+        <p:spPr/>
+        <p:txBody>
+          <a:bodyPr>
+            <a:normAutofit/>
+          </a:bodyPr>
+          <a:lstStyle/>
+          <a:p>
+            <a:pPr algn="just">
+              <a:lnSpc>
+                <a:spcPct val="120000"/>
+              </a:lnSpc>
+            </a:pPr>
+            <a:r>
+              <a:rPr lang="en-US" altLang="zh-CN" sz="3200" dirty="0" smtClean="0"/>
+              <a:t>1 </a:t>
+            </a:r>
+            <a:r>
+              <a:rPr lang="zh-CN" altLang="en-US" sz="3200" dirty="0" smtClean="0"/>
+              <a:t>组内评审</a:t>
+            </a:r>
+            <a:endParaRPr lang="en-US" altLang="zh-CN" sz="3200" dirty="0" smtClean="0"/>
+          </a:p>
+          <a:p>
+            <a:pPr algn="just">
+              <a:lnSpc>
+                <a:spcPct val="120000"/>
+              </a:lnSpc>
+            </a:pPr>
+            <a:r>
+              <a:rPr lang="en-US" altLang="zh-CN" sz="3200" dirty="0" smtClean="0"/>
+              <a:t>2 </a:t>
+            </a:r>
+            <a:r>
+              <a:rPr lang="zh-CN" altLang="en-US" sz="3200" dirty="0" smtClean="0"/>
+              <a:t>需求变更过程</a:t>
+            </a:r>
+            <a:endParaRPr lang="en-US" altLang="zh-CN" sz="3200" dirty="0" smtClean="0"/>
+          </a:p>
+          <a:p>
+            <a:pPr algn="just">
+              <a:lnSpc>
+                <a:spcPct val="120000"/>
+              </a:lnSpc>
+            </a:pPr>
+            <a:r>
+              <a:rPr lang="en-US" altLang="zh-CN" sz="3200" dirty="0" smtClean="0"/>
+              <a:t>3 CCB</a:t>
+            </a:r>
+            <a:r>
+              <a:rPr lang="zh-CN" altLang="en-US" sz="3200" dirty="0" smtClean="0"/>
+              <a:t>组织</a:t>
+            </a:r>
+            <a:endParaRPr lang="en-US" altLang="zh-CN" sz="3200" dirty="0" smtClean="0"/>
+          </a:p>
+          <a:p>
+            <a:pPr algn="just">
+              <a:lnSpc>
+                <a:spcPct val="120000"/>
+              </a:lnSpc>
+            </a:pPr>
+            <a:r>
+              <a:rPr lang="en-US" altLang="zh-CN" sz="3200" dirty="0" smtClean="0"/>
+              <a:t>4 </a:t>
+            </a:r>
+            <a:r>
+              <a:rPr lang="zh-CN" altLang="en-US" sz="3200" dirty="0" smtClean="0"/>
+              <a:t>总结</a:t>
+            </a:r>
+            <a:endParaRPr lang="zh-CN" altLang="en-US" sz="3200" dirty="0"/>
+          </a:p>
+        </p:txBody>
+      </p:sp>
+      <p:sp>
+        <p:nvSpPr>
+          <p:cNvPr id="5" name="标题 4"/>
+          <p:cNvSpPr>
+            <a:spLocks noGrp="1"/>
+          </p:cNvSpPr>
+          <p:nvPr>
+            <p:ph type="title"/>
+            <p:custDataLst>
+              <p:tags r:id="rId3"/>
+            </p:custDataLst>
+          </p:nvPr>
+        </p:nvSpPr>
+        <p:spPr/>
+        <p:txBody>
+          <a:bodyPr/>
+          <a:lstStyle/>
+          <a:p>
+            <a:r>
+              <a:rPr lang="zh-CN" altLang="en-US" dirty="0" smtClean="0"/>
+              <a:t>目录</a:t>
+            </a:r>
+            <a:endParaRPr lang="zh-CN" altLang="en-US" dirty="0"/>
+          </a:p>
+        </p:txBody>
+      </p:sp>
+    </p:spTree>
+    <p:custDataLst>
+      <p:tags r:id="rId1"/>
+    </p:custDataLst>
+  </p:cSld>
+  <p:clrMapOvr>
+    <a:masterClrMapping/>
+  </p:clrMapOvr>
+  <p:timing>
+    <p:tnLst>
+      <p:par>
+        <p:cTn id="1" dur="indefinite" restart="never" nodeType="tmRoot"/>
+      </p:par>
+    </p:tnLst>
+  </p:timing>
+</p:sld>
+</file>
+
+<file path=ppt/slides/slide20.xml><?xml version="1.0" encoding="utf-8"?>
 <p:sld xmlns:a="http://schemas.openxmlformats.org/drawingml/2006/main" xmlns:r="http://schemas.openxmlformats.org/officeDocument/2006/relationships" xmlns:p="http://schemas.openxmlformats.org/presentationml/2006/main">
   <p:cSld>
     <p:spTree>
@@ -10373,152 +11639,6 @@
 </p:sld>
 </file>
 
-<file path=ppt/slides/slide2.xml><?xml version="1.0" encoding="utf-8"?>
-<p:sld xmlns:a="http://schemas.openxmlformats.org/drawingml/2006/main" xmlns:r="http://schemas.openxmlformats.org/officeDocument/2006/relationships" xmlns:p="http://schemas.openxmlformats.org/presentationml/2006/main">
-  <p:cSld>
-    <p:spTree>
-      <p:nvGrpSpPr>
-        <p:cNvPr id="1" name=""/>
-        <p:cNvGrpSpPr/>
-        <p:nvPr/>
-      </p:nvGrpSpPr>
-      <p:grpSpPr>
-        <a:xfrm>
-          <a:off x="0" y="0"/>
-          <a:ext cx="0" cy="0"/>
-          <a:chOff x="0" y="0"/>
-          <a:chExt cx="0" cy="0"/>
-        </a:xfrm>
-      </p:grpSpPr>
-      <p:sp>
-        <p:nvSpPr>
-          <p:cNvPr id="3" name="内容占位符 2"/>
-          <p:cNvSpPr>
-            <a:spLocks noGrp="1"/>
-          </p:cNvSpPr>
-          <p:nvPr>
-            <p:ph idx="1"/>
-            <p:custDataLst>
-              <p:tags r:id="rId2"/>
-            </p:custDataLst>
-          </p:nvPr>
-        </p:nvSpPr>
-        <p:spPr/>
-        <p:txBody>
-          <a:bodyPr>
-            <a:normAutofit/>
-          </a:bodyPr>
-          <a:lstStyle/>
-          <a:p>
-            <a:pPr algn="just">
-              <a:lnSpc>
-                <a:spcPct val="120000"/>
-              </a:lnSpc>
-            </a:pPr>
-            <a:r>
-              <a:rPr lang="en-US" altLang="zh-CN" sz="3200" dirty="0" smtClean="0"/>
-              <a:t>1 </a:t>
-            </a:r>
-            <a:r>
-              <a:rPr lang="zh-CN" altLang="en-US" sz="3200" dirty="0" smtClean="0"/>
-              <a:t>组内评审</a:t>
-            </a:r>
-            <a:endParaRPr lang="en-US" altLang="zh-CN" sz="3200" dirty="0" smtClean="0"/>
-          </a:p>
-          <a:p>
-            <a:pPr algn="just">
-              <a:lnSpc>
-                <a:spcPct val="120000"/>
-              </a:lnSpc>
-            </a:pPr>
-            <a:r>
-              <a:rPr lang="en-US" altLang="zh-CN" sz="3200" dirty="0" smtClean="0"/>
-              <a:t>2 </a:t>
-            </a:r>
-            <a:r>
-              <a:rPr lang="zh-CN" altLang="en-US" sz="3200" dirty="0" smtClean="0"/>
-              <a:t>需求变更过程</a:t>
-            </a:r>
-            <a:endParaRPr lang="en-US" altLang="zh-CN" sz="3200" dirty="0" smtClean="0"/>
-          </a:p>
-          <a:p>
-            <a:pPr algn="just">
-              <a:lnSpc>
-                <a:spcPct val="120000"/>
-              </a:lnSpc>
-            </a:pPr>
-            <a:r>
-              <a:rPr lang="en-US" altLang="zh-CN" sz="3200" dirty="0" smtClean="0"/>
-              <a:t>3 CCB</a:t>
-            </a:r>
-            <a:r>
-              <a:rPr lang="zh-CN" altLang="en-US" sz="3200" dirty="0" smtClean="0"/>
-              <a:t>组织</a:t>
-            </a:r>
-            <a:endParaRPr lang="en-US" altLang="zh-CN" sz="3200" dirty="0" smtClean="0"/>
-          </a:p>
-          <a:p>
-            <a:pPr algn="just">
-              <a:lnSpc>
-                <a:spcPct val="120000"/>
-              </a:lnSpc>
-            </a:pPr>
-            <a:r>
-              <a:rPr lang="en-US" altLang="zh-CN" sz="3200" dirty="0" smtClean="0"/>
-              <a:t>4 </a:t>
-            </a:r>
-            <a:r>
-              <a:rPr lang="zh-CN" altLang="en-US" sz="3200" dirty="0" smtClean="0"/>
-              <a:t>总结</a:t>
-            </a:r>
-            <a:endParaRPr lang="zh-CN" altLang="en-US" sz="3200" dirty="0"/>
-          </a:p>
-        </p:txBody>
-      </p:sp>
-      <p:sp>
-        <p:nvSpPr>
-          <p:cNvPr id="5" name="标题 4"/>
-          <p:cNvSpPr>
-            <a:spLocks noGrp="1"/>
-          </p:cNvSpPr>
-          <p:nvPr>
-            <p:ph type="title"/>
-            <p:custDataLst>
-              <p:tags r:id="rId3"/>
-            </p:custDataLst>
-          </p:nvPr>
-        </p:nvSpPr>
-        <p:spPr/>
-        <p:txBody>
-          <a:bodyPr/>
-          <a:lstStyle/>
-          <a:p>
-            <a:r>
-              <a:rPr lang="zh-CN" altLang="en-US" dirty="0" smtClean="0"/>
-              <a:t>目录</a:t>
-            </a:r>
-            <a:endParaRPr lang="zh-CN" altLang="en-US" dirty="0"/>
-          </a:p>
-        </p:txBody>
-      </p:sp>
-    </p:spTree>
-    <p:custDataLst>
-      <p:tags r:id="rId1"/>
-    </p:custDataLst>
-  </p:cSld>
-  <p:clrMapOvr>
-    <a:masterClrMapping/>
-  </p:clrMapOvr>
-  <p:timing>
-    <p:tnLst>
-      <p:par>
-        <p:cTn id="1" dur="indefinite" restart="never" nodeType="tmRoot"/>
-      </p:par>
-    </p:tnLst>
-  </p:timing>
-</p:sld>
-</file>
-
 <file path=ppt/slides/slide3.xml><?xml version="1.0" encoding="utf-8"?>
 <p:sld xmlns:a="http://schemas.openxmlformats.org/drawingml/2006/main" xmlns:r="http://schemas.openxmlformats.org/officeDocument/2006/relationships" xmlns:p="http://schemas.openxmlformats.org/presentationml/2006/main">
   <p:cSld>
@@ -11038,6 +12158,1413 @@
       </p:grpSpPr>
       <p:sp>
         <p:nvSpPr>
+          <p:cNvPr id="5" name="标题 4"/>
+          <p:cNvSpPr>
+            <a:spLocks noGrp="1"/>
+          </p:cNvSpPr>
+          <p:nvPr>
+            <p:ph type="title"/>
+            <p:custDataLst>
+              <p:tags r:id="rId2"/>
+            </p:custDataLst>
+          </p:nvPr>
+        </p:nvSpPr>
+        <p:spPr/>
+        <p:txBody>
+          <a:bodyPr/>
+          <a:lstStyle/>
+          <a:p>
+            <a:r>
+              <a:rPr lang="zh-CN" altLang="en-US" dirty="0" smtClean="0">
+                <a:solidFill>
+                  <a:schemeClr val="tx1"/>
+                </a:solidFill>
+              </a:rPr>
+              <a:t>组内评审记录</a:t>
+            </a:r>
+            <a:endParaRPr lang="zh-CN" altLang="en-US" dirty="0">
+              <a:solidFill>
+                <a:schemeClr val="tx1"/>
+              </a:solidFill>
+            </a:endParaRPr>
+          </a:p>
+        </p:txBody>
+      </p:sp>
+      <p:graphicFrame>
+        <p:nvGraphicFramePr>
+          <p:cNvPr id="8" name="表格 7"/>
+          <p:cNvGraphicFramePr>
+            <a:graphicFrameLocks noGrp="1"/>
+          </p:cNvGraphicFramePr>
+          <p:nvPr>
+            <p:extLst>
+              <p:ext uri="{D42A27DB-BD31-4B8C-83A1-F6EECF244321}">
+                <p14:modId xmlns:p14="http://schemas.microsoft.com/office/powerpoint/2010/main" val="4248779190"/>
+              </p:ext>
+            </p:extLst>
+          </p:nvPr>
+        </p:nvGraphicFramePr>
+        <p:xfrm>
+          <a:off x="5151612" y="74641"/>
+          <a:ext cx="6325042" cy="6479622"/>
+        </p:xfrm>
+        <a:graphic>
+          <a:graphicData uri="http://schemas.openxmlformats.org/drawingml/2006/table">
+            <a:tbl>
+              <a:tblPr firstRow="1" firstCol="1" bandRow="1">
+                <a:tableStyleId>{5C22544A-7EE6-4342-B048-85BDC9FD1C3A}</a:tableStyleId>
+              </a:tblPr>
+              <a:tblGrid>
+                <a:gridCol w="3471959"/>
+                <a:gridCol w="2853083"/>
+              </a:tblGrid>
+              <a:tr h="320696">
+                <a:tc>
+                  <a:txBody>
+                    <a:bodyPr/>
+                    <a:lstStyle/>
+                    <a:p>
+                      <a:pPr marL="342900" lvl="0" indent="-342900" algn="ctr">
+                        <a:spcAft>
+                          <a:spcPts val="0"/>
+                        </a:spcAft>
+                        <a:buFont typeface="+mj-lt"/>
+                        <a:buAutoNum type="arabicPeriod"/>
+                        <a:tabLst>
+                          <a:tab pos="266700" algn="l"/>
+                        </a:tabLst>
+                      </a:pPr>
+                      <a:r>
+                        <a:rPr lang="zh-CN" sz="1100" kern="100" dirty="0">
+                          <a:effectLst/>
+                        </a:rPr>
+                        <a:t>是否在为里程碑阶段准备了相关的演示材料？格式是否符合要求？整体效果如何？</a:t>
+                      </a:r>
+                      <a:endParaRPr lang="zh-CN" sz="1100" kern="100" dirty="0">
+                        <a:effectLst/>
+                        <a:latin typeface="等线"/>
+                        <a:ea typeface="等线"/>
+                        <a:cs typeface="Times New Roman"/>
+                      </a:endParaRPr>
+                    </a:p>
+                  </a:txBody>
+                  <a:tcPr marL="37120" marR="37120" marT="0" marB="0"/>
+                </a:tc>
+                <a:tc>
+                  <a:txBody>
+                    <a:bodyPr/>
+                    <a:lstStyle/>
+                    <a:p>
+                      <a:pPr marL="266700" algn="ctr">
+                        <a:spcAft>
+                          <a:spcPts val="0"/>
+                        </a:spcAft>
+                      </a:pPr>
+                      <a:r>
+                        <a:rPr lang="zh-CN" sz="1100" kern="100">
+                          <a:effectLst/>
+                        </a:rPr>
+                        <a:t>完成</a:t>
+                      </a:r>
+                      <a:endParaRPr lang="zh-CN" sz="1100" kern="100">
+                        <a:effectLst/>
+                        <a:latin typeface="等线"/>
+                        <a:ea typeface="等线"/>
+                        <a:cs typeface="Times New Roman"/>
+                      </a:endParaRPr>
+                    </a:p>
+                  </a:txBody>
+                  <a:tcPr marL="37120" marR="37120" marT="0" marB="0"/>
+                </a:tc>
+              </a:tr>
+              <a:tr h="213797">
+                <a:tc>
+                  <a:txBody>
+                    <a:bodyPr/>
+                    <a:lstStyle/>
+                    <a:p>
+                      <a:pPr marL="342900" lvl="0" indent="-342900" algn="ctr">
+                        <a:spcAft>
+                          <a:spcPts val="0"/>
+                        </a:spcAft>
+                        <a:buFont typeface="+mj-lt"/>
+                        <a:buAutoNum type="arabicPeriod"/>
+                        <a:tabLst>
+                          <a:tab pos="266700" algn="l"/>
+                        </a:tabLst>
+                      </a:pPr>
+                      <a:r>
+                        <a:rPr lang="zh-CN" sz="1100" kern="100" dirty="0">
+                          <a:effectLst/>
+                        </a:rPr>
+                        <a:t>是否完成了里程碑要求的相关任务？是否按时提交？</a:t>
+                      </a:r>
+                      <a:endParaRPr lang="zh-CN" sz="1100" kern="100" dirty="0">
+                        <a:effectLst/>
+                        <a:latin typeface="等线"/>
+                        <a:ea typeface="等线"/>
+                        <a:cs typeface="Times New Roman"/>
+                      </a:endParaRPr>
+                    </a:p>
+                  </a:txBody>
+                  <a:tcPr marL="37120" marR="37120" marT="0" marB="0"/>
+                </a:tc>
+                <a:tc>
+                  <a:txBody>
+                    <a:bodyPr/>
+                    <a:lstStyle/>
+                    <a:p>
+                      <a:pPr marL="266700" algn="ctr">
+                        <a:spcAft>
+                          <a:spcPts val="0"/>
+                        </a:spcAft>
+                      </a:pPr>
+                      <a:r>
+                        <a:rPr lang="zh-CN" sz="1100" kern="100">
+                          <a:effectLst/>
+                        </a:rPr>
+                        <a:t>完成</a:t>
+                      </a:r>
+                      <a:endParaRPr lang="zh-CN" sz="1100" kern="100">
+                        <a:effectLst/>
+                        <a:latin typeface="等线"/>
+                        <a:ea typeface="等线"/>
+                        <a:cs typeface="Times New Roman"/>
+                      </a:endParaRPr>
+                    </a:p>
+                  </a:txBody>
+                  <a:tcPr marL="37120" marR="37120" marT="0" marB="0"/>
+                </a:tc>
+              </a:tr>
+              <a:tr h="320696">
+                <a:tc>
+                  <a:txBody>
+                    <a:bodyPr/>
+                    <a:lstStyle/>
+                    <a:p>
+                      <a:pPr marL="342900" lvl="0" indent="-342900" algn="ctr">
+                        <a:spcAft>
+                          <a:spcPts val="0"/>
+                        </a:spcAft>
+                        <a:buFont typeface="+mj-lt"/>
+                        <a:buAutoNum type="arabicPeriod"/>
+                        <a:tabLst>
+                          <a:tab pos="266700" algn="l"/>
+                        </a:tabLst>
+                      </a:pPr>
+                      <a:r>
+                        <a:rPr lang="zh-CN" sz="1100" kern="100" dirty="0">
+                          <a:effectLst/>
+                        </a:rPr>
+                        <a:t>是否召开了阶段项目会议，并有会议记录？ 记录内容是否合理、有效、及时？</a:t>
+                      </a:r>
+                      <a:endParaRPr lang="zh-CN" sz="1100" kern="100" dirty="0">
+                        <a:effectLst/>
+                        <a:latin typeface="Times New Roman"/>
+                        <a:ea typeface="宋体"/>
+                      </a:endParaRPr>
+                    </a:p>
+                  </a:txBody>
+                  <a:tcPr marL="37120" marR="37120" marT="0" marB="0"/>
+                </a:tc>
+                <a:tc>
+                  <a:txBody>
+                    <a:bodyPr/>
+                    <a:lstStyle/>
+                    <a:p>
+                      <a:pPr marL="266700" indent="266700" algn="ctr">
+                        <a:spcAft>
+                          <a:spcPts val="0"/>
+                        </a:spcAft>
+                      </a:pPr>
+                      <a:r>
+                        <a:rPr lang="zh-CN" sz="1100" kern="100">
+                          <a:effectLst/>
+                        </a:rPr>
+                        <a:t>完成</a:t>
+                      </a:r>
+                      <a:endParaRPr lang="zh-CN" sz="1100" kern="100">
+                        <a:effectLst/>
+                        <a:latin typeface="Times New Roman"/>
+                        <a:ea typeface="宋体"/>
+                      </a:endParaRPr>
+                    </a:p>
+                  </a:txBody>
+                  <a:tcPr marL="37120" marR="37120" marT="0" marB="0"/>
+                </a:tc>
+              </a:tr>
+              <a:tr h="320696">
+                <a:tc>
+                  <a:txBody>
+                    <a:bodyPr/>
+                    <a:lstStyle/>
+                    <a:p>
+                      <a:pPr marL="342900" lvl="0" indent="-342900" algn="ctr">
+                        <a:spcAft>
+                          <a:spcPts val="0"/>
+                        </a:spcAft>
+                        <a:buFont typeface="+mj-lt"/>
+                        <a:buAutoNum type="arabicPeriod"/>
+                        <a:tabLst>
+                          <a:tab pos="266700" algn="l"/>
+                        </a:tabLst>
+                      </a:pPr>
+                      <a:r>
+                        <a:rPr lang="zh-CN" sz="1100" kern="100" dirty="0">
+                          <a:effectLst/>
+                        </a:rPr>
+                        <a:t>是否有针对里程碑的内部的评审记录？是否有针对评审后的修改和完善？</a:t>
+                      </a:r>
+                      <a:endParaRPr lang="zh-CN" sz="1100" kern="100" dirty="0">
+                        <a:effectLst/>
+                        <a:latin typeface="Times New Roman"/>
+                        <a:ea typeface="宋体"/>
+                      </a:endParaRPr>
+                    </a:p>
+                  </a:txBody>
+                  <a:tcPr marL="37120" marR="37120" marT="0" marB="0"/>
+                </a:tc>
+                <a:tc>
+                  <a:txBody>
+                    <a:bodyPr/>
+                    <a:lstStyle/>
+                    <a:p>
+                      <a:pPr marL="266700" indent="266700" algn="ctr">
+                        <a:spcAft>
+                          <a:spcPts val="0"/>
+                        </a:spcAft>
+                      </a:pPr>
+                      <a:r>
+                        <a:rPr lang="zh-CN" sz="1100" kern="100">
+                          <a:effectLst/>
+                        </a:rPr>
+                        <a:t>完成</a:t>
+                      </a:r>
+                      <a:endParaRPr lang="zh-CN" sz="1100" kern="100">
+                        <a:effectLst/>
+                        <a:latin typeface="Times New Roman"/>
+                        <a:ea typeface="宋体"/>
+                      </a:endParaRPr>
+                    </a:p>
+                  </a:txBody>
+                  <a:tcPr marL="37120" marR="37120" marT="0" marB="0"/>
+                </a:tc>
+              </a:tr>
+              <a:tr h="320696">
+                <a:tc>
+                  <a:txBody>
+                    <a:bodyPr/>
+                    <a:lstStyle/>
+                    <a:p>
+                      <a:pPr marL="342900" lvl="0" indent="-342900" algn="ctr">
+                        <a:spcAft>
+                          <a:spcPts val="0"/>
+                        </a:spcAft>
+                        <a:buFont typeface="+mj-lt"/>
+                        <a:buAutoNum type="arabicPeriod"/>
+                        <a:tabLst>
+                          <a:tab pos="266700" algn="l"/>
+                        </a:tabLst>
+                      </a:pPr>
+                      <a:r>
+                        <a:rPr lang="zh-CN" sz="1100" kern="100" dirty="0">
+                          <a:effectLst/>
+                        </a:rPr>
+                        <a:t>是否采用了配置管理工具进行文档的版本管理？效果如何？</a:t>
+                      </a:r>
+                      <a:endParaRPr lang="zh-CN" sz="1100" kern="100" dirty="0">
+                        <a:effectLst/>
+                        <a:latin typeface="Times New Roman"/>
+                        <a:ea typeface="宋体"/>
+                      </a:endParaRPr>
+                    </a:p>
+                  </a:txBody>
+                  <a:tcPr marL="37120" marR="37120" marT="0" marB="0"/>
+                </a:tc>
+                <a:tc>
+                  <a:txBody>
+                    <a:bodyPr/>
+                    <a:lstStyle/>
+                    <a:p>
+                      <a:pPr marL="266700" indent="266700" algn="ctr">
+                        <a:spcAft>
+                          <a:spcPts val="0"/>
+                        </a:spcAft>
+                      </a:pPr>
+                      <a:r>
+                        <a:rPr lang="zh-CN" sz="1100" kern="100">
+                          <a:effectLst/>
+                        </a:rPr>
+                        <a:t>完成</a:t>
+                      </a:r>
+                      <a:endParaRPr lang="zh-CN" sz="1100" kern="100">
+                        <a:effectLst/>
+                        <a:latin typeface="Times New Roman"/>
+                        <a:ea typeface="宋体"/>
+                      </a:endParaRPr>
+                    </a:p>
+                  </a:txBody>
+                  <a:tcPr marL="37120" marR="37120" marT="0" marB="0"/>
+                </a:tc>
+              </a:tr>
+              <a:tr h="320696">
+                <a:tc>
+                  <a:txBody>
+                    <a:bodyPr/>
+                    <a:lstStyle/>
+                    <a:p>
+                      <a:pPr marL="342900" lvl="0" indent="-342900" algn="ctr">
+                        <a:spcAft>
+                          <a:spcPts val="0"/>
+                        </a:spcAft>
+                        <a:buFont typeface="+mj-lt"/>
+                        <a:buAutoNum type="arabicPeriod"/>
+                        <a:tabLst>
+                          <a:tab pos="266700" algn="l"/>
+                        </a:tabLst>
+                      </a:pPr>
+                      <a:r>
+                        <a:rPr lang="zh-CN" sz="1100" kern="100" dirty="0">
+                          <a:effectLst/>
+                        </a:rPr>
+                        <a:t>是否及时根据项目的进展情况，进行相关文档的更新？并能追溯相关历史信息？</a:t>
+                      </a:r>
+                      <a:endParaRPr lang="zh-CN" sz="1100" kern="100" dirty="0">
+                        <a:effectLst/>
+                        <a:latin typeface="Times New Roman"/>
+                        <a:ea typeface="宋体"/>
+                      </a:endParaRPr>
+                    </a:p>
+                  </a:txBody>
+                  <a:tcPr marL="37120" marR="37120" marT="0" marB="0"/>
+                </a:tc>
+                <a:tc>
+                  <a:txBody>
+                    <a:bodyPr/>
+                    <a:lstStyle/>
+                    <a:p>
+                      <a:pPr marL="266700" indent="266700" algn="ctr">
+                        <a:spcAft>
+                          <a:spcPts val="0"/>
+                        </a:spcAft>
+                      </a:pPr>
+                      <a:r>
+                        <a:rPr lang="zh-CN" sz="1100" kern="100" dirty="0">
+                          <a:effectLst/>
+                        </a:rPr>
+                        <a:t>完成</a:t>
+                      </a:r>
+                      <a:endParaRPr lang="zh-CN" sz="1100" kern="100" dirty="0">
+                        <a:effectLst/>
+                        <a:latin typeface="Times New Roman"/>
+                        <a:ea typeface="宋体"/>
+                      </a:endParaRPr>
+                    </a:p>
+                  </a:txBody>
+                  <a:tcPr marL="37120" marR="37120" marT="0" marB="0"/>
+                </a:tc>
+              </a:tr>
+              <a:tr h="427594">
+                <a:tc>
+                  <a:txBody>
+                    <a:bodyPr/>
+                    <a:lstStyle/>
+                    <a:p>
+                      <a:pPr marL="342900" lvl="0" indent="-342900" algn="ctr">
+                        <a:spcAft>
+                          <a:spcPts val="0"/>
+                        </a:spcAft>
+                        <a:buFont typeface="+mj-lt"/>
+                        <a:buAutoNum type="arabicPeriod"/>
+                        <a:tabLst>
+                          <a:tab pos="266700" algn="l"/>
+                        </a:tabLst>
+                      </a:pPr>
+                      <a:r>
+                        <a:rPr lang="zh-CN" sz="1100" kern="100" dirty="0">
+                          <a:effectLst/>
+                        </a:rPr>
+                        <a:t>针对需求的管理，是否采用了需求管理工具？是否把全部需求录入工具？是否建立了跟踪链接矩阵？</a:t>
+                      </a:r>
+                      <a:endParaRPr lang="zh-CN" sz="1100" kern="100" dirty="0">
+                        <a:effectLst/>
+                        <a:latin typeface="等线"/>
+                        <a:ea typeface="等线"/>
+                        <a:cs typeface="Times New Roman"/>
+                      </a:endParaRPr>
+                    </a:p>
+                  </a:txBody>
+                  <a:tcPr marL="37120" marR="37120" marT="0" marB="0"/>
+                </a:tc>
+                <a:tc>
+                  <a:txBody>
+                    <a:bodyPr/>
+                    <a:lstStyle/>
+                    <a:p>
+                      <a:pPr marL="266700" algn="ctr">
+                        <a:spcAft>
+                          <a:spcPts val="0"/>
+                        </a:spcAft>
+                      </a:pPr>
+                      <a:r>
+                        <a:rPr lang="zh-CN" sz="1100" kern="100">
+                          <a:effectLst/>
+                        </a:rPr>
+                        <a:t>一般</a:t>
+                      </a:r>
+                      <a:endParaRPr lang="zh-CN" sz="1100" kern="100">
+                        <a:effectLst/>
+                        <a:latin typeface="等线"/>
+                        <a:ea typeface="等线"/>
+                        <a:cs typeface="Times New Roman"/>
+                      </a:endParaRPr>
+                    </a:p>
+                  </a:txBody>
+                  <a:tcPr marL="37120" marR="37120" marT="0" marB="0"/>
+                </a:tc>
+              </a:tr>
+              <a:tr h="320696">
+                <a:tc>
+                  <a:txBody>
+                    <a:bodyPr/>
+                    <a:lstStyle/>
+                    <a:p>
+                      <a:pPr marL="342900" lvl="0" indent="-342900" algn="ctr">
+                        <a:spcAft>
+                          <a:spcPts val="0"/>
+                        </a:spcAft>
+                        <a:buFont typeface="+mj-lt"/>
+                        <a:buAutoNum type="arabicPeriod"/>
+                        <a:tabLst>
+                          <a:tab pos="266700" algn="l"/>
+                        </a:tabLst>
+                      </a:pPr>
+                      <a:r>
+                        <a:rPr lang="zh-CN" sz="1100" kern="100" dirty="0">
+                          <a:effectLst/>
+                        </a:rPr>
+                        <a:t>针对用户的需求变化，建议的变更与需求基线是否相冲突？</a:t>
+                      </a:r>
+                      <a:endParaRPr lang="zh-CN" sz="1100" kern="100" dirty="0">
+                        <a:effectLst/>
+                        <a:latin typeface="Times New Roman"/>
+                        <a:ea typeface="宋体"/>
+                      </a:endParaRPr>
+                    </a:p>
+                  </a:txBody>
+                  <a:tcPr marL="37120" marR="37120" marT="0" marB="0"/>
+                </a:tc>
+                <a:tc>
+                  <a:txBody>
+                    <a:bodyPr/>
+                    <a:lstStyle/>
+                    <a:p>
+                      <a:pPr marL="266700" indent="266700" algn="ctr">
+                        <a:spcAft>
+                          <a:spcPts val="0"/>
+                        </a:spcAft>
+                      </a:pPr>
+                      <a:r>
+                        <a:rPr lang="zh-CN" sz="1100" kern="100">
+                          <a:effectLst/>
+                        </a:rPr>
+                        <a:t>完成</a:t>
+                      </a:r>
+                      <a:endParaRPr lang="zh-CN" sz="1100" kern="100">
+                        <a:effectLst/>
+                        <a:latin typeface="Times New Roman"/>
+                        <a:ea typeface="宋体"/>
+                      </a:endParaRPr>
+                    </a:p>
+                  </a:txBody>
+                  <a:tcPr marL="37120" marR="37120" marT="0" marB="0"/>
+                </a:tc>
+              </a:tr>
+              <a:tr h="320696">
+                <a:tc>
+                  <a:txBody>
+                    <a:bodyPr/>
+                    <a:lstStyle/>
+                    <a:p>
+                      <a:pPr marL="342900" lvl="0" indent="-342900" algn="ctr">
+                        <a:spcAft>
+                          <a:spcPts val="0"/>
+                        </a:spcAft>
+                        <a:buFont typeface="+mj-lt"/>
+                        <a:buAutoNum type="arabicPeriod"/>
+                        <a:tabLst>
+                          <a:tab pos="266700" algn="l"/>
+                        </a:tabLst>
+                      </a:pPr>
+                      <a:r>
+                        <a:rPr lang="zh-CN" sz="1100" kern="100" dirty="0">
+                          <a:effectLst/>
+                        </a:rPr>
+                        <a:t>针对用户的需求变化，是否要求完善或重新制作相关原型？</a:t>
+                      </a:r>
+                      <a:endParaRPr lang="zh-CN" sz="1100" kern="100" dirty="0">
+                        <a:effectLst/>
+                        <a:latin typeface="等线"/>
+                        <a:ea typeface="等线"/>
+                        <a:cs typeface="Times New Roman"/>
+                      </a:endParaRPr>
+                    </a:p>
+                  </a:txBody>
+                  <a:tcPr marL="37120" marR="37120" marT="0" marB="0"/>
+                </a:tc>
+                <a:tc>
+                  <a:txBody>
+                    <a:bodyPr/>
+                    <a:lstStyle/>
+                    <a:p>
+                      <a:pPr marL="266700" algn="ctr">
+                        <a:spcAft>
+                          <a:spcPts val="0"/>
+                        </a:spcAft>
+                      </a:pPr>
+                      <a:r>
+                        <a:rPr lang="zh-CN" sz="1100" kern="100">
+                          <a:effectLst/>
+                        </a:rPr>
+                        <a:t>完成</a:t>
+                      </a:r>
+                      <a:endParaRPr lang="zh-CN" sz="1100" kern="100">
+                        <a:effectLst/>
+                        <a:latin typeface="等线"/>
+                        <a:ea typeface="等线"/>
+                        <a:cs typeface="Times New Roman"/>
+                      </a:endParaRPr>
+                    </a:p>
+                  </a:txBody>
+                  <a:tcPr marL="37120" marR="37120" marT="0" marB="0"/>
+                </a:tc>
+              </a:tr>
+              <a:tr h="427594">
+                <a:tc>
+                  <a:txBody>
+                    <a:bodyPr/>
+                    <a:lstStyle/>
+                    <a:p>
+                      <a:pPr marL="342900" lvl="0" indent="-342900" algn="ctr">
+                        <a:spcAft>
+                          <a:spcPts val="0"/>
+                        </a:spcAft>
+                        <a:buFont typeface="+mj-lt"/>
+                        <a:buAutoNum type="arabicPeriod"/>
+                        <a:tabLst>
+                          <a:tab pos="266700" algn="l"/>
+                        </a:tabLst>
+                      </a:pPr>
+                      <a:r>
+                        <a:rPr lang="zh-CN" sz="1100" kern="100">
+                          <a:effectLst/>
+                        </a:rPr>
+                        <a:t>针对用户的需求变化，是否要需要重新制作相关的测试用例及用户手册？工作量如何？</a:t>
+                      </a:r>
+                      <a:endParaRPr lang="zh-CN" sz="1100" kern="100">
+                        <a:effectLst/>
+                        <a:latin typeface="等线"/>
+                        <a:ea typeface="等线"/>
+                        <a:cs typeface="Times New Roman"/>
+                      </a:endParaRPr>
+                    </a:p>
+                  </a:txBody>
+                  <a:tcPr marL="37120" marR="37120" marT="0" marB="0"/>
+                </a:tc>
+                <a:tc>
+                  <a:txBody>
+                    <a:bodyPr/>
+                    <a:lstStyle/>
+                    <a:p>
+                      <a:pPr marL="266700" algn="ctr">
+                        <a:spcAft>
+                          <a:spcPts val="0"/>
+                        </a:spcAft>
+                      </a:pPr>
+                      <a:r>
+                        <a:rPr lang="zh-CN" sz="1100" kern="100" dirty="0">
+                          <a:effectLst/>
+                        </a:rPr>
+                        <a:t>完成</a:t>
+                      </a:r>
+                      <a:endParaRPr lang="zh-CN" sz="1100" kern="100" dirty="0">
+                        <a:effectLst/>
+                        <a:latin typeface="等线"/>
+                        <a:ea typeface="等线"/>
+                        <a:cs typeface="Times New Roman"/>
+                      </a:endParaRPr>
+                    </a:p>
+                  </a:txBody>
+                  <a:tcPr marL="37120" marR="37120" marT="0" marB="0"/>
+                </a:tc>
+              </a:tr>
+              <a:tr h="320696">
+                <a:tc>
+                  <a:txBody>
+                    <a:bodyPr/>
+                    <a:lstStyle/>
+                    <a:p>
+                      <a:pPr marL="342900" lvl="0" indent="-342900" algn="ctr">
+                        <a:spcAft>
+                          <a:spcPts val="0"/>
+                        </a:spcAft>
+                        <a:buFont typeface="+mj-lt"/>
+                        <a:buAutoNum type="arabicPeriod"/>
+                        <a:tabLst>
+                          <a:tab pos="266700" algn="l"/>
+                        </a:tabLst>
+                      </a:pPr>
+                      <a:r>
+                        <a:rPr lang="zh-CN" sz="1100" kern="100">
+                          <a:effectLst/>
+                        </a:rPr>
+                        <a:t>针对用户的需求变化，是否对新的需求进行了优先级打分和排序？</a:t>
+                      </a:r>
+                      <a:endParaRPr lang="zh-CN" sz="1100" kern="100">
+                        <a:effectLst/>
+                        <a:latin typeface="等线"/>
+                        <a:ea typeface="等线"/>
+                        <a:cs typeface="Times New Roman"/>
+                      </a:endParaRPr>
+                    </a:p>
+                  </a:txBody>
+                  <a:tcPr marL="37120" marR="37120" marT="0" marB="0"/>
+                </a:tc>
+                <a:tc>
+                  <a:txBody>
+                    <a:bodyPr/>
+                    <a:lstStyle/>
+                    <a:p>
+                      <a:pPr marL="266700" algn="ctr">
+                        <a:spcAft>
+                          <a:spcPts val="0"/>
+                        </a:spcAft>
+                      </a:pPr>
+                      <a:r>
+                        <a:rPr lang="zh-CN" sz="1100" kern="100" dirty="0">
+                          <a:effectLst/>
+                        </a:rPr>
+                        <a:t>完成</a:t>
+                      </a:r>
+                      <a:endParaRPr lang="zh-CN" sz="1100" kern="100" dirty="0">
+                        <a:effectLst/>
+                        <a:latin typeface="等线"/>
+                        <a:ea typeface="等线"/>
+                        <a:cs typeface="Times New Roman"/>
+                      </a:endParaRPr>
+                    </a:p>
+                  </a:txBody>
+                  <a:tcPr marL="37120" marR="37120" marT="0" marB="0"/>
+                </a:tc>
+              </a:tr>
+              <a:tr h="320696">
+                <a:tc>
+                  <a:txBody>
+                    <a:bodyPr/>
+                    <a:lstStyle/>
+                    <a:p>
+                      <a:pPr marL="342900" lvl="0" indent="-342900" algn="ctr">
+                        <a:spcAft>
+                          <a:spcPts val="0"/>
+                        </a:spcAft>
+                        <a:buFont typeface="+mj-lt"/>
+                        <a:buAutoNum type="arabicPeriod"/>
+                        <a:tabLst>
+                          <a:tab pos="266700" algn="l"/>
+                        </a:tabLst>
+                      </a:pPr>
+                      <a:r>
+                        <a:rPr lang="zh-CN" sz="1100" kern="100">
+                          <a:effectLst/>
+                        </a:rPr>
+                        <a:t>针对用户的需求变化，是否对新的需求进行了可行性分析？</a:t>
+                      </a:r>
+                      <a:endParaRPr lang="zh-CN" sz="1100" kern="100">
+                        <a:effectLst/>
+                        <a:latin typeface="等线"/>
+                        <a:ea typeface="等线"/>
+                        <a:cs typeface="Times New Roman"/>
+                      </a:endParaRPr>
+                    </a:p>
+                  </a:txBody>
+                  <a:tcPr marL="37120" marR="37120" marT="0" marB="0"/>
+                </a:tc>
+                <a:tc>
+                  <a:txBody>
+                    <a:bodyPr/>
+                    <a:lstStyle/>
+                    <a:p>
+                      <a:pPr marL="266700" algn="ctr">
+                        <a:spcAft>
+                          <a:spcPts val="0"/>
+                        </a:spcAft>
+                      </a:pPr>
+                      <a:r>
+                        <a:rPr lang="zh-CN" sz="1100" kern="100" dirty="0">
+                          <a:effectLst/>
+                        </a:rPr>
+                        <a:t>完成</a:t>
+                      </a:r>
+                      <a:endParaRPr lang="zh-CN" sz="1100" kern="100" dirty="0">
+                        <a:effectLst/>
+                        <a:latin typeface="等线"/>
+                        <a:ea typeface="等线"/>
+                        <a:cs typeface="Times New Roman"/>
+                      </a:endParaRPr>
+                    </a:p>
+                  </a:txBody>
+                  <a:tcPr marL="37120" marR="37120" marT="0" marB="0"/>
+                </a:tc>
+              </a:tr>
+              <a:tr h="320696">
+                <a:tc>
+                  <a:txBody>
+                    <a:bodyPr/>
+                    <a:lstStyle/>
+                    <a:p>
+                      <a:pPr marL="342900" lvl="0" indent="-342900" algn="ctr">
+                        <a:spcAft>
+                          <a:spcPts val="0"/>
+                        </a:spcAft>
+                        <a:buFont typeface="+mj-lt"/>
+                        <a:buAutoNum type="arabicPeriod"/>
+                        <a:tabLst>
+                          <a:tab pos="266700" algn="l"/>
+                        </a:tabLst>
+                      </a:pPr>
+                      <a:r>
+                        <a:rPr lang="zh-CN" sz="1100" kern="100">
+                          <a:effectLst/>
+                        </a:rPr>
+                        <a:t>针对项目的需求变化，是否建议了</a:t>
+                      </a:r>
+                      <a:r>
+                        <a:rPr lang="en-US" sz="1100" kern="100">
+                          <a:effectLst/>
+                        </a:rPr>
+                        <a:t>CCB</a:t>
+                      </a:r>
+                      <a:r>
+                        <a:rPr lang="zh-CN" sz="1100" kern="100">
+                          <a:effectLst/>
+                        </a:rPr>
+                        <a:t>组织和人选？为什么？</a:t>
+                      </a:r>
+                      <a:endParaRPr lang="zh-CN" sz="1100" kern="100">
+                        <a:effectLst/>
+                        <a:latin typeface="等线"/>
+                        <a:ea typeface="等线"/>
+                        <a:cs typeface="Times New Roman"/>
+                      </a:endParaRPr>
+                    </a:p>
+                  </a:txBody>
+                  <a:tcPr marL="37120" marR="37120" marT="0" marB="0"/>
+                </a:tc>
+                <a:tc>
+                  <a:txBody>
+                    <a:bodyPr/>
+                    <a:lstStyle/>
+                    <a:p>
+                      <a:pPr marL="266700" algn="ctr">
+                        <a:spcAft>
+                          <a:spcPts val="0"/>
+                        </a:spcAft>
+                      </a:pPr>
+                      <a:r>
+                        <a:rPr lang="zh-CN" sz="1100" kern="100" dirty="0">
+                          <a:effectLst/>
+                        </a:rPr>
+                        <a:t>完成</a:t>
+                      </a:r>
+                      <a:endParaRPr lang="zh-CN" sz="1100" kern="100" dirty="0">
+                        <a:effectLst/>
+                        <a:latin typeface="等线"/>
+                        <a:ea typeface="等线"/>
+                        <a:cs typeface="Times New Roman"/>
+                      </a:endParaRPr>
+                    </a:p>
+                  </a:txBody>
+                  <a:tcPr marL="37120" marR="37120" marT="0" marB="0"/>
+                </a:tc>
+              </a:tr>
+              <a:tr h="320696">
+                <a:tc>
+                  <a:txBody>
+                    <a:bodyPr/>
+                    <a:lstStyle/>
+                    <a:p>
+                      <a:pPr marL="342900" lvl="0" indent="-342900" algn="ctr">
+                        <a:spcAft>
+                          <a:spcPts val="0"/>
+                        </a:spcAft>
+                        <a:buFont typeface="+mj-lt"/>
+                        <a:buAutoNum type="arabicPeriod"/>
+                        <a:tabLst>
+                          <a:tab pos="266700" algn="l"/>
+                        </a:tabLst>
+                      </a:pPr>
+                      <a:r>
+                        <a:rPr lang="zh-CN" sz="1100" kern="100">
+                          <a:effectLst/>
+                        </a:rPr>
+                        <a:t>针对用户的需求变化，是否提交了需求变更申请报告？内容是否完整？</a:t>
+                      </a:r>
+                      <a:endParaRPr lang="zh-CN" sz="1100" kern="100">
+                        <a:effectLst/>
+                        <a:latin typeface="等线"/>
+                        <a:ea typeface="等线"/>
+                        <a:cs typeface="Times New Roman"/>
+                      </a:endParaRPr>
+                    </a:p>
+                  </a:txBody>
+                  <a:tcPr marL="37120" marR="37120" marT="0" marB="0"/>
+                </a:tc>
+                <a:tc>
+                  <a:txBody>
+                    <a:bodyPr/>
+                    <a:lstStyle/>
+                    <a:p>
+                      <a:pPr marL="266700" algn="ctr">
+                        <a:spcAft>
+                          <a:spcPts val="0"/>
+                        </a:spcAft>
+                      </a:pPr>
+                      <a:r>
+                        <a:rPr lang="zh-CN" sz="1100" kern="100" dirty="0">
+                          <a:effectLst/>
+                        </a:rPr>
+                        <a:t>完成</a:t>
+                      </a:r>
+                      <a:endParaRPr lang="zh-CN" sz="1100" kern="100" dirty="0">
+                        <a:effectLst/>
+                        <a:latin typeface="等线"/>
+                        <a:ea typeface="等线"/>
+                        <a:cs typeface="Times New Roman"/>
+                      </a:endParaRPr>
+                    </a:p>
+                  </a:txBody>
+                  <a:tcPr marL="37120" marR="37120" marT="0" marB="0"/>
+                </a:tc>
+              </a:tr>
+              <a:tr h="320696">
+                <a:tc>
+                  <a:txBody>
+                    <a:bodyPr/>
+                    <a:lstStyle/>
+                    <a:p>
+                      <a:pPr marL="342900" lvl="0" indent="-342900" algn="ctr">
+                        <a:spcAft>
+                          <a:spcPts val="0"/>
+                        </a:spcAft>
+                        <a:buFont typeface="+mj-lt"/>
+                        <a:buAutoNum type="arabicPeriod"/>
+                        <a:tabLst>
+                          <a:tab pos="266700" algn="l"/>
+                        </a:tabLst>
+                      </a:pPr>
+                      <a:r>
+                        <a:rPr lang="zh-CN" sz="1100" kern="100">
+                          <a:effectLst/>
+                        </a:rPr>
+                        <a:t>是否采用了需求管理工具对用户的需求变化进行了需求变更影响分析？效果如何？</a:t>
+                      </a:r>
+                      <a:endParaRPr lang="zh-CN" sz="1100" kern="100">
+                        <a:effectLst/>
+                        <a:latin typeface="等线"/>
+                        <a:ea typeface="等线"/>
+                        <a:cs typeface="Times New Roman"/>
+                      </a:endParaRPr>
+                    </a:p>
+                  </a:txBody>
+                  <a:tcPr marL="37120" marR="37120" marT="0" marB="0"/>
+                </a:tc>
+                <a:tc>
+                  <a:txBody>
+                    <a:bodyPr/>
+                    <a:lstStyle/>
+                    <a:p>
+                      <a:pPr marL="266700" algn="ctr">
+                        <a:spcAft>
+                          <a:spcPts val="0"/>
+                        </a:spcAft>
+                      </a:pPr>
+                      <a:r>
+                        <a:rPr lang="zh-CN" sz="1100" kern="100" dirty="0">
+                          <a:effectLst/>
+                        </a:rPr>
+                        <a:t>完成</a:t>
+                      </a:r>
+                      <a:endParaRPr lang="zh-CN" sz="1100" kern="100" dirty="0">
+                        <a:effectLst/>
+                        <a:latin typeface="等线"/>
+                        <a:ea typeface="等线"/>
+                        <a:cs typeface="Times New Roman"/>
+                      </a:endParaRPr>
+                    </a:p>
+                  </a:txBody>
+                  <a:tcPr marL="37120" marR="37120" marT="0" marB="0"/>
+                </a:tc>
+              </a:tr>
+              <a:tr h="427594">
+                <a:tc>
+                  <a:txBody>
+                    <a:bodyPr/>
+                    <a:lstStyle/>
+                    <a:p>
+                      <a:pPr marL="342900" lvl="0" indent="-342900" algn="ctr">
+                        <a:spcAft>
+                          <a:spcPts val="0"/>
+                        </a:spcAft>
+                        <a:buFont typeface="+mj-lt"/>
+                        <a:buAutoNum type="arabicPeriod"/>
+                        <a:tabLst>
+                          <a:tab pos="266700" algn="l"/>
+                        </a:tabLst>
+                      </a:pPr>
+                      <a:r>
+                        <a:rPr lang="zh-CN" sz="1100" kern="100">
+                          <a:effectLst/>
+                        </a:rPr>
+                        <a:t>针对变更的影响，在项目计划中，建议的变更如何影响任务的执行顺序、依赖性、工作量或进度？</a:t>
+                      </a:r>
+                      <a:endParaRPr lang="zh-CN" sz="1100" kern="100">
+                        <a:effectLst/>
+                        <a:latin typeface="等线"/>
+                        <a:ea typeface="等线"/>
+                        <a:cs typeface="Times New Roman"/>
+                      </a:endParaRPr>
+                    </a:p>
+                  </a:txBody>
+                  <a:tcPr marL="37120" marR="37120" marT="0" marB="0"/>
+                </a:tc>
+                <a:tc>
+                  <a:txBody>
+                    <a:bodyPr/>
+                    <a:lstStyle/>
+                    <a:p>
+                      <a:pPr marL="266700" algn="ctr">
+                        <a:spcAft>
+                          <a:spcPts val="0"/>
+                        </a:spcAft>
+                      </a:pPr>
+                      <a:r>
+                        <a:rPr lang="zh-CN" sz="1100" kern="100" dirty="0">
+                          <a:effectLst/>
+                        </a:rPr>
+                        <a:t>完成</a:t>
+                      </a:r>
+                      <a:endParaRPr lang="zh-CN" sz="1100" kern="100" dirty="0">
+                        <a:effectLst/>
+                        <a:latin typeface="等线"/>
+                        <a:ea typeface="等线"/>
+                        <a:cs typeface="Times New Roman"/>
+                      </a:endParaRPr>
+                    </a:p>
+                  </a:txBody>
+                  <a:tcPr marL="37120" marR="37120" marT="0" marB="0"/>
+                </a:tc>
+              </a:tr>
+              <a:tr h="427594">
+                <a:tc>
+                  <a:txBody>
+                    <a:bodyPr/>
+                    <a:lstStyle/>
+                    <a:p>
+                      <a:pPr marL="342900" lvl="0" indent="-342900" algn="ctr">
+                        <a:spcAft>
+                          <a:spcPts val="0"/>
+                        </a:spcAft>
+                        <a:buFont typeface="+mj-lt"/>
+                        <a:buAutoNum type="arabicPeriod"/>
+                        <a:tabLst>
+                          <a:tab pos="266700" algn="l"/>
+                        </a:tabLst>
+                      </a:pPr>
+                      <a:r>
+                        <a:rPr lang="zh-CN" sz="1100" kern="100">
+                          <a:effectLst/>
+                        </a:rPr>
+                        <a:t>项目阶段过程中，是否进行了</a:t>
+                      </a:r>
+                      <a:r>
+                        <a:rPr lang="en-US" sz="1100" kern="100">
+                          <a:effectLst/>
+                        </a:rPr>
+                        <a:t>Team Building</a:t>
+                      </a:r>
+                      <a:r>
+                        <a:rPr lang="zh-CN" sz="1100" kern="100">
+                          <a:effectLst/>
+                        </a:rPr>
+                        <a:t>？目的是什么？方式是什么？是否有效？</a:t>
+                      </a:r>
+                      <a:endParaRPr lang="zh-CN" sz="1100" kern="100">
+                        <a:effectLst/>
+                        <a:latin typeface="等线"/>
+                        <a:ea typeface="等线"/>
+                        <a:cs typeface="Times New Roman"/>
+                      </a:endParaRPr>
+                    </a:p>
+                  </a:txBody>
+                  <a:tcPr marL="37120" marR="37120" marT="0" marB="0"/>
+                </a:tc>
+                <a:tc>
+                  <a:txBody>
+                    <a:bodyPr/>
+                    <a:lstStyle/>
+                    <a:p>
+                      <a:pPr marL="266700" algn="ctr">
+                        <a:spcAft>
+                          <a:spcPts val="0"/>
+                        </a:spcAft>
+                      </a:pPr>
+                      <a:r>
+                        <a:rPr lang="zh-CN" sz="1100" kern="100" dirty="0">
+                          <a:effectLst/>
+                        </a:rPr>
+                        <a:t>完成</a:t>
+                      </a:r>
+                      <a:endParaRPr lang="zh-CN" sz="1100" kern="100" dirty="0">
+                        <a:effectLst/>
+                        <a:latin typeface="等线"/>
+                        <a:ea typeface="等线"/>
+                        <a:cs typeface="Times New Roman"/>
+                      </a:endParaRPr>
+                    </a:p>
+                  </a:txBody>
+                  <a:tcPr marL="37120" marR="37120" marT="0" marB="0"/>
+                </a:tc>
+              </a:tr>
+              <a:tr h="320696">
+                <a:tc>
+                  <a:txBody>
+                    <a:bodyPr/>
+                    <a:lstStyle/>
+                    <a:p>
+                      <a:pPr marL="342900" lvl="0" indent="-342900" algn="ctr">
+                        <a:spcAft>
+                          <a:spcPts val="0"/>
+                        </a:spcAft>
+                        <a:buFont typeface="+mj-lt"/>
+                        <a:buAutoNum type="arabicPeriod"/>
+                        <a:tabLst>
+                          <a:tab pos="266700" algn="l"/>
+                        </a:tabLst>
+                      </a:pPr>
+                      <a:r>
+                        <a:rPr lang="zh-CN" sz="1100" kern="100">
+                          <a:effectLst/>
+                        </a:rPr>
+                        <a:t>是否给出了每个项目成员的合适评价？是否进行了成员的绩效排序和打分？</a:t>
+                      </a:r>
+                      <a:endParaRPr lang="zh-CN" sz="1100" kern="100">
+                        <a:effectLst/>
+                        <a:latin typeface="等线"/>
+                        <a:ea typeface="等线"/>
+                        <a:cs typeface="Times New Roman"/>
+                      </a:endParaRPr>
+                    </a:p>
+                  </a:txBody>
+                  <a:tcPr marL="37120" marR="37120" marT="0" marB="0"/>
+                </a:tc>
+                <a:tc>
+                  <a:txBody>
+                    <a:bodyPr/>
+                    <a:lstStyle/>
+                    <a:p>
+                      <a:pPr marL="266700" algn="ctr">
+                        <a:spcAft>
+                          <a:spcPts val="0"/>
+                        </a:spcAft>
+                      </a:pPr>
+                      <a:r>
+                        <a:rPr lang="zh-CN" sz="1100" kern="100" dirty="0">
+                          <a:effectLst/>
+                        </a:rPr>
+                        <a:t>完成</a:t>
+                      </a:r>
+                      <a:endParaRPr lang="zh-CN" sz="1100" kern="100" dirty="0">
+                        <a:effectLst/>
+                        <a:latin typeface="等线"/>
+                        <a:ea typeface="等线"/>
+                        <a:cs typeface="Times New Roman"/>
+                      </a:endParaRPr>
+                    </a:p>
+                  </a:txBody>
+                  <a:tcPr marL="37120" marR="37120" marT="0" marB="0"/>
+                </a:tc>
+              </a:tr>
+            </a:tbl>
+          </a:graphicData>
+        </a:graphic>
+      </p:graphicFrame>
+      <p:sp>
+        <p:nvSpPr>
+          <p:cNvPr id="9" name="Rectangle 1"/>
+          <p:cNvSpPr>
+            <a:spLocks noChangeArrowheads="1"/>
+          </p:cNvSpPr>
+          <p:nvPr/>
+        </p:nvSpPr>
+        <p:spPr bwMode="auto">
+          <a:xfrm>
+            <a:off x="187487" y="1436986"/>
+            <a:ext cx="4610850" cy="923330"/>
+          </a:xfrm>
+          <a:prstGeom prst="rect">
+            <a:avLst/>
+          </a:prstGeom>
+          <a:noFill/>
+          <a:ln>
+            <a:noFill/>
+          </a:ln>
+          <a:effectLst/>
+          <a:extLst>
+            <a:ext uri="{909E8E84-426E-40DD-AFC4-6F175D3DCCD1}">
+              <a14:hiddenFill xmlns:a14="http://schemas.microsoft.com/office/drawing/2010/main">
+                <a:solidFill>
+                  <a:schemeClr val="accent1"/>
+                </a:solidFill>
+              </a14:hiddenFill>
+            </a:ext>
+            <a:ext uri="{91240B29-F687-4F45-9708-019B960494DF}">
+              <a14:hiddenLine xmlns:a14="http://schemas.microsoft.com/office/drawing/2010/main" w="9525">
+                <a:solidFill>
+                  <a:schemeClr val="tx1"/>
+                </a:solidFill>
+                <a:miter lim="800000"/>
+                <a:headEnd/>
+                <a:tailEnd/>
+              </a14:hiddenLine>
+            </a:ext>
+            <a:ext uri="{AF507438-7753-43E0-B8FC-AC1667EBCBE1}">
+              <a14:hiddenEffects xmlns:a14="http://schemas.microsoft.com/office/drawing/2010/main">
+                <a:effectLst>
+                  <a:outerShdw dist="35921" dir="2700000" algn="ctr" rotWithShape="0">
+                    <a:schemeClr val="bg2"/>
+                  </a:outerShdw>
+                </a:effectLst>
+              </a14:hiddenEffects>
+            </a:ext>
+          </a:extLst>
+        </p:spPr>
+        <p:txBody>
+          <a:bodyPr vert="horz" wrap="square" lIns="91440" tIns="45720" rIns="91440" bIns="45720" numCol="1" anchor="ctr" anchorCtr="0" compatLnSpc="1">
+            <a:prstTxWarp prst="textNoShape">
+              <a:avLst/>
+            </a:prstTxWarp>
+            <a:spAutoFit/>
+          </a:bodyPr>
+          <a:lstStyle/>
+          <a:p>
+            <a:pPr marL="0" marR="0" lvl="0" indent="304800" algn="l" defTabSz="914400" rtl="0" eaLnBrk="1" fontAlgn="base" latinLnBrk="0" hangingPunct="1">
+              <a:lnSpc>
+                <a:spcPct val="100000"/>
+              </a:lnSpc>
+              <a:spcBef>
+                <a:spcPct val="0"/>
+              </a:spcBef>
+              <a:spcAft>
+                <a:spcPct val="0"/>
+              </a:spcAft>
+              <a:buClrTx/>
+              <a:buSzTx/>
+              <a:buFontTx/>
+              <a:buNone/>
+              <a:tabLst/>
+            </a:pPr>
+            <a:r>
+              <a:rPr kumimoji="0" lang="zh-CN" b="0" i="0" u="none" strike="noStrike" cap="none" normalizeH="0" baseline="0" dirty="0" smtClean="0">
+                <a:ln>
+                  <a:noFill/>
+                </a:ln>
+                <a:solidFill>
+                  <a:srgbClr val="000000"/>
+                </a:solidFill>
+                <a:effectLst/>
+                <a:latin typeface="宋体" pitchFamily="2" charset="-122"/>
+                <a:ea typeface="等线" pitchFamily="2" charset="-122"/>
+                <a:cs typeface="Calibri" pitchFamily="34" charset="0"/>
+              </a:rPr>
+              <a:t>通过评审项目的比对，小组提出需要修改</a:t>
+            </a:r>
+            <a:r>
+              <a:rPr kumimoji="0" lang="en-US" altLang="zh-CN" b="0" i="0" u="none" strike="noStrike" cap="none" normalizeH="0" baseline="0" dirty="0" smtClean="0">
+                <a:ln>
+                  <a:noFill/>
+                </a:ln>
+                <a:solidFill>
+                  <a:srgbClr val="000000"/>
+                </a:solidFill>
+                <a:effectLst/>
+                <a:latin typeface="宋体" pitchFamily="2" charset="-122"/>
+                <a:ea typeface="等线" pitchFamily="2" charset="-122"/>
+                <a:cs typeface="Calibri" pitchFamily="34" charset="0"/>
+              </a:rPr>
+              <a:t>     </a:t>
+            </a:r>
+            <a:r>
+              <a:rPr kumimoji="0" lang="zh-CN" b="0" i="0" u="none" strike="noStrike" cap="none" normalizeH="0" baseline="0" dirty="0" smtClean="0">
+                <a:ln>
+                  <a:noFill/>
+                </a:ln>
+                <a:solidFill>
+                  <a:srgbClr val="000000"/>
+                </a:solidFill>
+                <a:effectLst/>
+                <a:latin typeface="宋体" pitchFamily="2" charset="-122"/>
+                <a:ea typeface="等线" pitchFamily="2" charset="-122"/>
+                <a:cs typeface="Calibri" pitchFamily="34" charset="0"/>
+              </a:rPr>
+              <a:t>的地方有如下几点：</a:t>
+            </a:r>
+            <a:endParaRPr kumimoji="0" lang="zh-CN" sz="1050" b="0" i="0" u="none" strike="noStrike" cap="none" normalizeH="0" baseline="0" dirty="0" smtClean="0">
+              <a:ln>
+                <a:noFill/>
+              </a:ln>
+              <a:solidFill>
+                <a:schemeClr val="tx1"/>
+              </a:solidFill>
+              <a:effectLst/>
+              <a:latin typeface="Arial" pitchFamily="34" charset="0"/>
+              <a:ea typeface="宋体" pitchFamily="2" charset="-122"/>
+              <a:cs typeface="宋体" pitchFamily="2" charset="-122"/>
+            </a:endParaRPr>
+          </a:p>
+          <a:p>
+            <a:pPr marL="0" marR="0" lvl="0" indent="304800" algn="l" defTabSz="914400" rtl="0" eaLnBrk="0" fontAlgn="base" latinLnBrk="0" hangingPunct="0">
+              <a:lnSpc>
+                <a:spcPct val="100000"/>
+              </a:lnSpc>
+              <a:spcBef>
+                <a:spcPct val="0"/>
+              </a:spcBef>
+              <a:spcAft>
+                <a:spcPct val="0"/>
+              </a:spcAft>
+              <a:buClrTx/>
+              <a:buSzTx/>
+              <a:buFontTx/>
+              <a:buNone/>
+              <a:tabLst/>
+            </a:pPr>
+            <a:r>
+              <a:rPr kumimoji="0" lang="zh-CN" altLang="zh-CN" b="0" i="0" u="none" strike="noStrike" cap="none" normalizeH="0" baseline="0" dirty="0" smtClean="0">
+                <a:ln>
+                  <a:noFill/>
+                </a:ln>
+                <a:solidFill>
+                  <a:srgbClr val="000000"/>
+                </a:solidFill>
+                <a:effectLst/>
+                <a:latin typeface="宋体" pitchFamily="2" charset="-122"/>
+                <a:ea typeface="等线" pitchFamily="2" charset="-122"/>
+                <a:cs typeface="Calibri" pitchFamily="34" charset="0"/>
+              </a:rPr>
+              <a:t>·</a:t>
+            </a:r>
+            <a:r>
+              <a:rPr kumimoji="0" lang="zh-CN" b="0" i="0" u="none" strike="noStrike" cap="none" normalizeH="0" baseline="0" dirty="0" smtClean="0">
+                <a:ln>
+                  <a:noFill/>
+                </a:ln>
+                <a:solidFill>
+                  <a:srgbClr val="000000"/>
+                </a:solidFill>
+                <a:effectLst/>
+                <a:latin typeface="宋体" pitchFamily="2" charset="-122"/>
+                <a:ea typeface="等线" pitchFamily="2" charset="-122"/>
+                <a:cs typeface="Calibri" pitchFamily="34" charset="0"/>
+              </a:rPr>
+              <a:t>第七条</a:t>
+            </a:r>
+            <a:r>
+              <a:rPr kumimoji="0" lang="zh-CN" b="0" i="0" u="none" strike="noStrike" cap="none" normalizeH="0" baseline="0" dirty="0" smtClean="0">
+                <a:ln>
+                  <a:noFill/>
+                </a:ln>
+                <a:solidFill>
+                  <a:srgbClr val="000000"/>
+                </a:solidFill>
+                <a:effectLst/>
+                <a:latin typeface="宋体" pitchFamily="2" charset="-122"/>
+                <a:ea typeface="宋体" pitchFamily="2" charset="-122"/>
+                <a:cs typeface="Calibri" pitchFamily="34" charset="0"/>
+              </a:rPr>
+              <a:t> </a:t>
+            </a:r>
+            <a:r>
+              <a:rPr kumimoji="0" lang="zh-CN" b="0" i="0" u="none" strike="noStrike" cap="none" normalizeH="0" baseline="0" dirty="0" smtClean="0">
+                <a:ln>
+                  <a:noFill/>
+                </a:ln>
+                <a:solidFill>
+                  <a:srgbClr val="000000"/>
+                </a:solidFill>
+                <a:effectLst/>
+                <a:latin typeface="宋体" pitchFamily="2" charset="-122"/>
+                <a:ea typeface="等线" pitchFamily="2" charset="-122"/>
+                <a:cs typeface="Calibri" pitchFamily="34" charset="0"/>
+              </a:rPr>
+              <a:t>建立跟踪矩阵需要完善</a:t>
+            </a:r>
+            <a:endParaRPr kumimoji="0" lang="zh-CN" sz="2800" b="0" i="0" u="none" strike="noStrike" cap="none" normalizeH="0" baseline="0" dirty="0" smtClean="0">
+              <a:ln>
+                <a:noFill/>
+              </a:ln>
+              <a:solidFill>
+                <a:schemeClr val="tx1"/>
+              </a:solidFill>
+              <a:effectLst/>
+              <a:latin typeface="Arial" pitchFamily="34" charset="0"/>
+              <a:ea typeface="宋体" pitchFamily="2" charset="-122"/>
+              <a:cs typeface="宋体" pitchFamily="2" charset="-122"/>
+            </a:endParaRPr>
+          </a:p>
+        </p:txBody>
+      </p:sp>
+    </p:spTree>
+    <p:custDataLst>
+      <p:tags r:id="rId1"/>
+    </p:custDataLst>
+    <p:extLst>
+      <p:ext uri="{BB962C8B-B14F-4D97-AF65-F5344CB8AC3E}">
+        <p14:creationId xmlns:p14="http://schemas.microsoft.com/office/powerpoint/2010/main" val="3131351195"/>
+      </p:ext>
+    </p:extLst>
+  </p:cSld>
+  <p:clrMapOvr>
+    <a:masterClrMapping/>
+  </p:clrMapOvr>
+  <p:timing>
+    <p:tnLst>
+      <p:par>
+        <p:cTn id="1" dur="indefinite" restart="never" nodeType="tmRoot"/>
+      </p:par>
+    </p:tnLst>
+  </p:timing>
+</p:sld>
+</file>
+
+<file path=ppt/slides/slide7.xml><?xml version="1.0" encoding="utf-8"?>
+<p:sld xmlns:a="http://schemas.openxmlformats.org/drawingml/2006/main" xmlns:r="http://schemas.openxmlformats.org/officeDocument/2006/relationships" xmlns:p="http://schemas.openxmlformats.org/presentationml/2006/main">
+  <p:cSld>
+    <p:spTree>
+      <p:nvGrpSpPr>
+        <p:cNvPr id="1" name=""/>
+        <p:cNvGrpSpPr/>
+        <p:nvPr/>
+      </p:nvGrpSpPr>
+      <p:grpSpPr>
+        <a:xfrm>
+          <a:off x="0" y="0"/>
+          <a:ext cx="0" cy="0"/>
+          <a:chOff x="0" y="0"/>
+          <a:chExt cx="0" cy="0"/>
+        </a:xfrm>
+      </p:grpSpPr>
+      <p:sp>
+        <p:nvSpPr>
           <p:cNvPr id="3" name="内容占位符 2"/>
           <p:cNvSpPr>
             <a:spLocks noGrp="1"/>
@@ -11131,7 +13658,7 @@
 </p:sld>
 </file>
 
-<file path=ppt/slides/slide7.xml><?xml version="1.0" encoding="utf-8"?>
+<file path=ppt/slides/slide8.xml><?xml version="1.0" encoding="utf-8"?>
 <p:sld xmlns:a="http://schemas.openxmlformats.org/drawingml/2006/main" xmlns:r="http://schemas.openxmlformats.org/officeDocument/2006/relationships" xmlns:p="http://schemas.openxmlformats.org/presentationml/2006/main">
   <p:cSld>
     <p:spTree>
@@ -11475,152 +14002,6 @@
 </p:sld>
 </file>
 
-<file path=ppt/slides/slide8.xml><?xml version="1.0" encoding="utf-8"?>
-<p:sld xmlns:a="http://schemas.openxmlformats.org/drawingml/2006/main" xmlns:r="http://schemas.openxmlformats.org/officeDocument/2006/relationships" xmlns:p="http://schemas.openxmlformats.org/presentationml/2006/main">
-  <p:cSld>
-    <p:spTree>
-      <p:nvGrpSpPr>
-        <p:cNvPr id="1" name=""/>
-        <p:cNvGrpSpPr/>
-        <p:nvPr/>
-      </p:nvGrpSpPr>
-      <p:grpSpPr>
-        <a:xfrm>
-          <a:off x="0" y="0"/>
-          <a:ext cx="0" cy="0"/>
-          <a:chOff x="0" y="0"/>
-          <a:chExt cx="0" cy="0"/>
-        </a:xfrm>
-      </p:grpSpPr>
-      <p:sp>
-        <p:nvSpPr>
-          <p:cNvPr id="3" name="内容占位符 2"/>
-          <p:cNvSpPr>
-            <a:spLocks noGrp="1"/>
-          </p:cNvSpPr>
-          <p:nvPr>
-            <p:ph idx="1"/>
-            <p:custDataLst>
-              <p:tags r:id="rId2"/>
-            </p:custDataLst>
-          </p:nvPr>
-        </p:nvSpPr>
-        <p:spPr/>
-        <p:txBody>
-          <a:bodyPr>
-            <a:normAutofit/>
-          </a:bodyPr>
-          <a:lstStyle/>
-          <a:p>
-            <a:pPr algn="just">
-              <a:lnSpc>
-                <a:spcPct val="120000"/>
-              </a:lnSpc>
-            </a:pPr>
-            <a:r>
-              <a:rPr lang="zh-CN" altLang="en-US" dirty="0">
-                <a:sym typeface="+mn-ea"/>
-              </a:rPr>
-              <a:t>该</a:t>
-            </a:r>
-            <a:r>
-              <a:rPr lang="zh-CN" altLang="en-US" dirty="0" smtClean="0">
-                <a:sym typeface="+mn-ea"/>
-              </a:rPr>
-              <a:t>需求变更用例属于教师</a:t>
-            </a:r>
-            <a:r>
-              <a:rPr lang="zh-CN" altLang="en-US" dirty="0">
-                <a:sym typeface="+mn-ea"/>
-              </a:rPr>
-              <a:t>用例，只涉及到教课程信息中的教师简介内容。而教师信息的设置在其个人中心中已经有了体现，并不需要去增加额外的功能来满足此次变更。如果该需求变更通过，增加的工作内容主要是用例文档中的需求用例的删除、修改，界面原型中的相关界面的修改，用户手册中相应操作介绍的修改，最后是测试用例文档中相应测试用例的修改</a:t>
-            </a:r>
-            <a:r>
-              <a:rPr lang="zh-CN" altLang="en-US" dirty="0" smtClean="0">
-                <a:sym typeface="+mn-ea"/>
-              </a:rPr>
-              <a:t>。但都只影响到其中非常小的一部分，工作量并不大。无论在人力还是物力上都可行</a:t>
-            </a:r>
-            <a:endParaRPr lang="zh-CN" altLang="en-US" dirty="0">
-              <a:sym typeface="+mn-ea"/>
-            </a:endParaRPr>
-          </a:p>
-          <a:p>
-            <a:pPr algn="just">
-              <a:lnSpc>
-                <a:spcPct val="120000"/>
-              </a:lnSpc>
-            </a:pPr>
-            <a:r>
-              <a:rPr lang="zh-CN" altLang="en-US" dirty="0"/>
-              <a:t>详见《</a:t>
-            </a:r>
-            <a:r>
-              <a:rPr lang="zh-CN" altLang="en-US" dirty="0">
-                <a:sym typeface="+mn-ea"/>
-              </a:rPr>
-              <a:t>需求变更影响分析报告</a:t>
-            </a:r>
-            <a:r>
-              <a:rPr lang="zh-CN" altLang="en-US" dirty="0"/>
-              <a:t>》。</a:t>
-            </a:r>
-          </a:p>
-        </p:txBody>
-      </p:sp>
-      <p:sp>
-        <p:nvSpPr>
-          <p:cNvPr id="5" name="标题 4"/>
-          <p:cNvSpPr>
-            <a:spLocks noGrp="1"/>
-          </p:cNvSpPr>
-          <p:nvPr>
-            <p:ph type="title"/>
-            <p:custDataLst>
-              <p:tags r:id="rId3"/>
-            </p:custDataLst>
-          </p:nvPr>
-        </p:nvSpPr>
-        <p:spPr/>
-        <p:txBody>
-          <a:bodyPr>
-            <a:normAutofit/>
-          </a:bodyPr>
-          <a:lstStyle/>
-          <a:p>
-            <a:pPr algn="l"/>
-            <a:r>
-              <a:rPr lang="zh-CN" altLang="en-US" sz="4400" dirty="0">
-                <a:solidFill>
-                  <a:schemeClr val="accent2">
-                    <a:lumMod val="50000"/>
-                  </a:schemeClr>
-                </a:solidFill>
-                <a:sym typeface="+mn-ea"/>
-              </a:rPr>
-              <a:t>可行性分析-对当前项目的影响</a:t>
-            </a:r>
-          </a:p>
-        </p:txBody>
-      </p:sp>
-    </p:spTree>
-    <p:custDataLst>
-      <p:tags r:id="rId1"/>
-    </p:custDataLst>
-  </p:cSld>
-  <p:clrMapOvr>
-    <a:masterClrMapping/>
-  </p:clrMapOvr>
-  <p:timing>
-    <p:tnLst>
-      <p:par>
-        <p:cTn id="1" dur="indefinite" restart="never" nodeType="tmRoot"/>
-      </p:par>
-    </p:tnLst>
-  </p:timing>
-</p:sld>
-</file>
-
 <file path=ppt/slides/slide9.xml><?xml version="1.0" encoding="utf-8"?>
 <p:sld xmlns:a="http://schemas.openxmlformats.org/drawingml/2006/main" xmlns:r="http://schemas.openxmlformats.org/officeDocument/2006/relationships" xmlns:p="http://schemas.openxmlformats.org/presentationml/2006/main">
   <p:cSld>
@@ -11640,525 +14021,122 @@
       </p:grpSpPr>
       <p:sp>
         <p:nvSpPr>
-          <p:cNvPr id="3" name="文本框 2"/>
-          <p:cNvSpPr txBox="1"/>
-          <p:nvPr>
+          <p:cNvPr id="3" name="内容占位符 2"/>
+          <p:cNvSpPr>
+            <a:spLocks noGrp="1"/>
+          </p:cNvSpPr>
+          <p:nvPr>
+            <p:ph idx="1"/>
             <p:custDataLst>
               <p:tags r:id="rId2"/>
             </p:custDataLst>
           </p:nvPr>
         </p:nvSpPr>
-        <p:spPr>
-          <a:xfrm>
-            <a:off x="2628900" y="120761"/>
-            <a:ext cx="6934200" cy="755540"/>
-          </a:xfrm>
-          <a:prstGeom prst="rect">
-            <a:avLst/>
-          </a:prstGeom>
-          <a:noFill/>
-          <a:ln>
-            <a:noFill/>
-          </a:ln>
-          <a:extLst>
-            <a:ext uri="{909E8E84-426E-40DD-AFC4-6F175D3DCCD1}">
-              <a14:hiddenFill xmlns:a14="http://schemas.microsoft.com/office/drawing/2010/main">
-                <a:solidFill>
-                  <a:srgbClr val="FFFFFF"/>
-                </a:solidFill>
-              </a14:hiddenFill>
-            </a:ext>
-            <a:ext uri="{91240B29-F687-4F45-9708-019B960494DF}">
-              <a14:hiddenLine xmlns:a14="http://schemas.microsoft.com/office/drawing/2010/main" w="9525">
-                <a:solidFill>
-                  <a:srgbClr val="000000"/>
-                </a:solidFill>
-                <a:miter lim="800000"/>
-                <a:headEnd/>
-                <a:tailEnd/>
-              </a14:hiddenLine>
-            </a:ext>
-          </a:extLst>
-        </p:spPr>
-        <p:txBody>
-          <a:bodyPr vert="horz" wrap="square" lIns="91440" tIns="45720" rIns="91440" bIns="45720" numCol="1" anchor="ctr" anchorCtr="0" compatLnSpc="1">
-            <a:normAutofit fontScale="97500"/>
+        <p:spPr/>
+        <p:txBody>
+          <a:bodyPr>
+            <a:normAutofit/>
           </a:bodyPr>
-          <a:lstStyle>
-            <a:defPPr>
-              <a:defRPr lang="zh-CN"/>
-            </a:defPPr>
-            <a:lvl1pPr eaLnBrk="1" hangingPunct="1">
+          <a:lstStyle/>
+          <a:p>
+            <a:pPr algn="just">
               <a:lnSpc>
-                <a:spcPct val="90000"/>
+                <a:spcPct val="120000"/>
               </a:lnSpc>
-              <a:buFontTx/>
-              <a:defRPr sz="5400">
-                <a:solidFill>
-                  <a:schemeClr val="accent1"/>
-                </a:solidFill>
-                <a:latin typeface="+mj-lt"/>
-                <a:ea typeface="+mj-ea"/>
-                <a:cs typeface="+mj-cs"/>
-              </a:defRPr>
-            </a:lvl1pPr>
-            <a:lvl2pPr>
+            </a:pPr>
+            <a:r>
+              <a:rPr lang="zh-CN" altLang="en-US" dirty="0">
+                <a:sym typeface="+mn-ea"/>
+              </a:rPr>
+              <a:t>该</a:t>
+            </a:r>
+            <a:r>
+              <a:rPr lang="zh-CN" altLang="en-US" dirty="0" smtClean="0">
+                <a:sym typeface="+mn-ea"/>
+              </a:rPr>
+              <a:t>需求变更用例属于教师</a:t>
+            </a:r>
+            <a:r>
+              <a:rPr lang="zh-CN" altLang="en-US" dirty="0">
+                <a:sym typeface="+mn-ea"/>
+              </a:rPr>
+              <a:t>用例，只涉及到教课程信息中的教师简介内容。而教师信息的设置在其个人中心中已经有了体现，并不需要去增加额外的功能来满足此次变更。如果该需求变更通过，增加的工作内容主要是用例文档中的需求用例的删除、修改，界面原型中的相关界面的修改，用户手册中相应操作介绍的修改，最后是测试用例文档中相应测试用例的修改</a:t>
+            </a:r>
+            <a:r>
+              <a:rPr lang="zh-CN" altLang="en-US" dirty="0" smtClean="0">
+                <a:sym typeface="+mn-ea"/>
+              </a:rPr>
+              <a:t>。但都只影响到其中非常小的一部分，工作量并不大。无论在人力还是物力上都可行</a:t>
+            </a:r>
+            <a:endParaRPr lang="zh-CN" altLang="en-US" dirty="0">
+              <a:sym typeface="+mn-ea"/>
+            </a:endParaRPr>
+          </a:p>
+          <a:p>
+            <a:pPr algn="just">
               <a:lnSpc>
-                <a:spcPct val="90000"/>
+                <a:spcPct val="120000"/>
               </a:lnSpc>
-              <a:defRPr sz="4400"/>
-            </a:lvl2pPr>
-            <a:lvl3pPr>
-              <a:lnSpc>
-                <a:spcPct val="90000"/>
-              </a:lnSpc>
-              <a:defRPr sz="4400"/>
-            </a:lvl3pPr>
-            <a:lvl4pPr>
-              <a:lnSpc>
-                <a:spcPct val="90000"/>
-              </a:lnSpc>
-              <a:defRPr sz="4400"/>
-            </a:lvl4pPr>
-            <a:lvl5pPr>
-              <a:lnSpc>
-                <a:spcPct val="90000"/>
-              </a:lnSpc>
-              <a:defRPr sz="4400"/>
-            </a:lvl5pPr>
-            <a:lvl6pPr marL="457200" fontAlgn="base">
-              <a:lnSpc>
-                <a:spcPct val="90000"/>
-              </a:lnSpc>
-              <a:spcBef>
-                <a:spcPct val="0"/>
-              </a:spcBef>
-              <a:spcAft>
-                <a:spcPct val="0"/>
-              </a:spcAft>
-              <a:defRPr sz="4400"/>
-            </a:lvl6pPr>
-            <a:lvl7pPr marL="914400" fontAlgn="base">
-              <a:lnSpc>
-                <a:spcPct val="90000"/>
-              </a:lnSpc>
-              <a:spcBef>
-                <a:spcPct val="0"/>
-              </a:spcBef>
-              <a:spcAft>
-                <a:spcPct val="0"/>
-              </a:spcAft>
-              <a:defRPr sz="4400"/>
-            </a:lvl7pPr>
-            <a:lvl8pPr marL="1371600" fontAlgn="base">
-              <a:lnSpc>
-                <a:spcPct val="90000"/>
-              </a:lnSpc>
-              <a:spcBef>
-                <a:spcPct val="0"/>
-              </a:spcBef>
-              <a:spcAft>
-                <a:spcPct val="0"/>
-              </a:spcAft>
-              <a:defRPr sz="4400"/>
-            </a:lvl8pPr>
-            <a:lvl9pPr marL="1828800" fontAlgn="base">
-              <a:lnSpc>
-                <a:spcPct val="90000"/>
-              </a:lnSpc>
-              <a:spcBef>
-                <a:spcPct val="0"/>
-              </a:spcBef>
-              <a:spcAft>
-                <a:spcPct val="0"/>
-              </a:spcAft>
-              <a:defRPr sz="4400"/>
-            </a:lvl9pPr>
-          </a:lstStyle>
-          <a:p>
-            <a:pPr algn="ctr"/>
-            <a:r>
-              <a:rPr lang="zh-CN" altLang="en-US" sz="4800">
+            </a:pPr>
+            <a:r>
+              <a:rPr lang="zh-CN" altLang="en-US" dirty="0"/>
+              <a:t>详见《</a:t>
+            </a:r>
+            <a:r>
+              <a:rPr lang="zh-CN" altLang="en-US" dirty="0">
+                <a:sym typeface="+mn-ea"/>
+              </a:rPr>
+              <a:t>需求变更影响分析报告</a:t>
+            </a:r>
+            <a:r>
+              <a:rPr lang="zh-CN" altLang="en-US" dirty="0"/>
+              <a:t>》。</a:t>
+            </a:r>
+          </a:p>
+        </p:txBody>
+      </p:sp>
+      <p:sp>
+        <p:nvSpPr>
+          <p:cNvPr id="5" name="标题 4"/>
+          <p:cNvSpPr>
+            <a:spLocks noGrp="1"/>
+          </p:cNvSpPr>
+          <p:nvPr>
+            <p:ph type="title"/>
+            <p:custDataLst>
+              <p:tags r:id="rId3"/>
+            </p:custDataLst>
+          </p:nvPr>
+        </p:nvSpPr>
+        <p:spPr/>
+        <p:txBody>
+          <a:bodyPr>
+            <a:normAutofit/>
+          </a:bodyPr>
+          <a:lstStyle/>
+          <a:p>
+            <a:pPr algn="l"/>
+            <a:r>
+              <a:rPr lang="zh-CN" altLang="en-US" sz="4400" dirty="0" smtClean="0">
                 <a:solidFill>
                   <a:schemeClr val="accent2">
                     <a:lumMod val="50000"/>
                   </a:schemeClr>
                 </a:solidFill>
+                <a:sym typeface="+mn-ea"/>
               </a:rPr>
-              <a:t>可行性分析</a:t>
-            </a:r>
-          </a:p>
-        </p:txBody>
-      </p:sp>
-      <p:sp>
-        <p:nvSpPr>
-          <p:cNvPr id="5" name="文本框 4"/>
-          <p:cNvSpPr txBox="1"/>
-          <p:nvPr>
-            <p:custDataLst>
-              <p:tags r:id="rId3"/>
-            </p:custDataLst>
-          </p:nvPr>
-        </p:nvSpPr>
-        <p:spPr>
-          <a:xfrm>
-            <a:off x="3380582" y="1611310"/>
-            <a:ext cx="533400" cy="702945"/>
-          </a:xfrm>
-          <a:prstGeom prst="rect">
-            <a:avLst/>
-          </a:prstGeom>
-          <a:noFill/>
-        </p:spPr>
-        <p:txBody>
-          <a:bodyPr wrap="square" rtlCol="0" anchor="b" anchorCtr="0">
-            <a:normAutofit/>
-          </a:bodyPr>
-          <a:lstStyle/>
-          <a:p>
-            <a:pPr algn="r"/>
-            <a:r>
-              <a:rPr lang="en-US" altLang="zh-CN" sz="2400" dirty="0">
+              <a:t>对</a:t>
+            </a:r>
+            <a:r>
+              <a:rPr lang="zh-CN" altLang="en-US" sz="4400" dirty="0">
                 <a:solidFill>
                   <a:schemeClr val="accent2">
                     <a:lumMod val="50000"/>
                   </a:schemeClr>
                 </a:solidFill>
+                <a:sym typeface="+mn-ea"/>
               </a:rPr>
-              <a:t>1.</a:t>
-            </a:r>
-            <a:endParaRPr lang="zh-CN" altLang="en-US" sz="2400" dirty="0">
-              <a:solidFill>
-                <a:schemeClr val="accent2">
-                  <a:lumMod val="50000"/>
-                </a:schemeClr>
-              </a:solidFill>
-            </a:endParaRPr>
-          </a:p>
-        </p:txBody>
-      </p:sp>
-      <p:sp>
-        <p:nvSpPr>
-          <p:cNvPr id="13" name="文本框 12"/>
-          <p:cNvSpPr txBox="1"/>
-          <p:nvPr>
-            <p:custDataLst>
-              <p:tags r:id="rId4"/>
-            </p:custDataLst>
-          </p:nvPr>
-        </p:nvSpPr>
-        <p:spPr>
-          <a:xfrm>
-            <a:off x="3918425" y="1611310"/>
-            <a:ext cx="4892993" cy="702945"/>
-          </a:xfrm>
-          <a:prstGeom prst="rect">
-            <a:avLst/>
-          </a:prstGeom>
-          <a:noFill/>
-        </p:spPr>
-        <p:txBody>
-          <a:bodyPr wrap="square" rtlCol="0" anchor="b" anchorCtr="0">
-            <a:normAutofit/>
-          </a:bodyPr>
-          <a:lstStyle/>
-          <a:p>
-            <a:r>
-              <a:rPr lang="zh-CN" altLang="en-US" sz="2400" dirty="0">
-                <a:solidFill>
-                  <a:schemeClr val="accent2">
-                    <a:lumMod val="50000"/>
-                  </a:schemeClr>
-                </a:solidFill>
-                <a:latin typeface="+mj-lt"/>
-                <a:ea typeface="+mj-ea"/>
-                <a:cs typeface="+mj-cs"/>
-              </a:rPr>
-              <a:t>对项目成本的影响</a:t>
-            </a:r>
-          </a:p>
-        </p:txBody>
-      </p:sp>
-      <p:sp>
-        <p:nvSpPr>
-          <p:cNvPr id="14" name="文本框 13"/>
-          <p:cNvSpPr txBox="1"/>
-          <p:nvPr>
-            <p:custDataLst>
-              <p:tags r:id="rId5"/>
-            </p:custDataLst>
-          </p:nvPr>
-        </p:nvSpPr>
-        <p:spPr>
-          <a:xfrm>
-            <a:off x="3918425" y="2317816"/>
-            <a:ext cx="4892993" cy="860038"/>
-          </a:xfrm>
-          <a:prstGeom prst="rect">
-            <a:avLst/>
-          </a:prstGeom>
-          <a:noFill/>
-        </p:spPr>
-        <p:txBody>
-          <a:bodyPr wrap="square" rtlCol="0" anchor="t" anchorCtr="0">
-            <a:normAutofit/>
-          </a:bodyPr>
-          <a:lstStyle/>
-          <a:p>
-            <a:r>
-              <a:rPr lang="zh-CN" altLang="en-US" sz="2400" dirty="0"/>
-              <a:t>项目成本的增加成本主要是人员工时增加。</a:t>
-            </a:r>
-            <a:endParaRPr lang="en-US" altLang="zh-CN" sz="2400" dirty="0"/>
-          </a:p>
-        </p:txBody>
-      </p:sp>
-      <p:sp>
-        <p:nvSpPr>
-          <p:cNvPr id="26" name="文本框 25"/>
-          <p:cNvSpPr txBox="1"/>
-          <p:nvPr>
-            <p:custDataLst>
-              <p:tags r:id="rId6"/>
-            </p:custDataLst>
-          </p:nvPr>
-        </p:nvSpPr>
-        <p:spPr>
-          <a:xfrm>
-            <a:off x="3380582" y="3236910"/>
-            <a:ext cx="533400" cy="702945"/>
-          </a:xfrm>
-          <a:prstGeom prst="rect">
-            <a:avLst/>
-          </a:prstGeom>
-          <a:noFill/>
-        </p:spPr>
-        <p:txBody>
-          <a:bodyPr wrap="square" rtlCol="0" anchor="b" anchorCtr="0">
-            <a:normAutofit/>
-          </a:bodyPr>
-          <a:lstStyle/>
-          <a:p>
-            <a:pPr algn="r"/>
-            <a:r>
-              <a:rPr lang="en-US" altLang="zh-CN" sz="2400" dirty="0">
-                <a:solidFill>
-                  <a:schemeClr val="accent2">
-                    <a:lumMod val="50000"/>
-                  </a:schemeClr>
-                </a:solidFill>
-              </a:rPr>
-              <a:t>2.</a:t>
-            </a:r>
-            <a:endParaRPr lang="zh-CN" altLang="en-US" sz="2400" dirty="0">
-              <a:solidFill>
-                <a:schemeClr val="accent2">
-                  <a:lumMod val="50000"/>
-                </a:schemeClr>
-              </a:solidFill>
-            </a:endParaRPr>
-          </a:p>
-        </p:txBody>
-      </p:sp>
-      <p:sp>
-        <p:nvSpPr>
-          <p:cNvPr id="27" name="文本框 26"/>
-          <p:cNvSpPr txBox="1"/>
-          <p:nvPr>
-            <p:custDataLst>
-              <p:tags r:id="rId7"/>
-            </p:custDataLst>
-          </p:nvPr>
-        </p:nvSpPr>
-        <p:spPr>
-          <a:xfrm>
-            <a:off x="3918425" y="3236910"/>
-            <a:ext cx="4892993" cy="702945"/>
-          </a:xfrm>
-          <a:prstGeom prst="rect">
-            <a:avLst/>
-          </a:prstGeom>
-          <a:noFill/>
-        </p:spPr>
-        <p:txBody>
-          <a:bodyPr wrap="square" rtlCol="0" anchor="b" anchorCtr="0">
-            <a:normAutofit/>
-          </a:bodyPr>
-          <a:lstStyle/>
-          <a:p>
-            <a:r>
-              <a:rPr lang="zh-CN" altLang="en-US" sz="2400" dirty="0">
-                <a:solidFill>
-                  <a:schemeClr val="accent2">
-                    <a:lumMod val="50000"/>
-                  </a:schemeClr>
-                </a:solidFill>
-                <a:latin typeface="+mj-lt"/>
-                <a:ea typeface="+mj-ea"/>
-                <a:cs typeface="+mj-cs"/>
-              </a:rPr>
-              <a:t>对其他需求的影响</a:t>
-            </a:r>
-          </a:p>
-        </p:txBody>
-      </p:sp>
-      <p:sp>
-        <p:nvSpPr>
-          <p:cNvPr id="28" name="文本框 27"/>
-          <p:cNvSpPr txBox="1"/>
-          <p:nvPr>
-            <p:custDataLst>
-              <p:tags r:id="rId8"/>
-            </p:custDataLst>
-          </p:nvPr>
-        </p:nvSpPr>
-        <p:spPr>
-          <a:xfrm>
-            <a:off x="3918425" y="3943416"/>
-            <a:ext cx="4892993" cy="860038"/>
-          </a:xfrm>
-          <a:prstGeom prst="rect">
-            <a:avLst/>
-          </a:prstGeom>
-          <a:noFill/>
-        </p:spPr>
-        <p:txBody>
-          <a:bodyPr wrap="square" rtlCol="0" anchor="t" anchorCtr="0">
-            <a:noAutofit/>
-          </a:bodyPr>
-          <a:lstStyle/>
-          <a:p>
-            <a:r>
-              <a:rPr lang="zh-CN" altLang="en-US" sz="2000" dirty="0"/>
-              <a:t>直接影响：Teb-37 教师用户编辑课程个人信息</a:t>
-            </a:r>
-          </a:p>
-          <a:p>
-            <a:r>
-              <a:rPr lang="zh-CN" altLang="en-US" sz="2000" dirty="0"/>
-              <a:t>其他影响的需求：管理员课程管理</a:t>
-            </a:r>
-          </a:p>
-        </p:txBody>
-      </p:sp>
-      <p:sp>
-        <p:nvSpPr>
-          <p:cNvPr id="18" name="文本框 17"/>
-          <p:cNvSpPr txBox="1"/>
-          <p:nvPr>
-            <p:custDataLst>
-              <p:tags r:id="rId9"/>
-            </p:custDataLst>
-          </p:nvPr>
-        </p:nvSpPr>
-        <p:spPr>
-          <a:xfrm>
-            <a:off x="3380582" y="4862510"/>
-            <a:ext cx="533400" cy="702945"/>
-          </a:xfrm>
-          <a:prstGeom prst="rect">
-            <a:avLst/>
-          </a:prstGeom>
-          <a:noFill/>
-        </p:spPr>
-        <p:txBody>
-          <a:bodyPr wrap="square" rtlCol="0" anchor="b" anchorCtr="0">
-            <a:normAutofit/>
-          </a:bodyPr>
-          <a:lstStyle/>
-          <a:p>
-            <a:pPr algn="r"/>
-            <a:r>
-              <a:rPr lang="en-US" altLang="zh-CN" sz="2400" dirty="0">
-                <a:solidFill>
-                  <a:schemeClr val="accent2">
-                    <a:lumMod val="50000"/>
-                  </a:schemeClr>
-                </a:solidFill>
-              </a:rPr>
-              <a:t>3.</a:t>
-            </a:r>
-            <a:endParaRPr lang="zh-CN" altLang="en-US" sz="2400" dirty="0">
-              <a:solidFill>
-                <a:schemeClr val="accent2">
-                  <a:lumMod val="50000"/>
-                </a:schemeClr>
-              </a:solidFill>
-            </a:endParaRPr>
-          </a:p>
-        </p:txBody>
-      </p:sp>
-      <p:sp>
-        <p:nvSpPr>
-          <p:cNvPr id="19" name="文本框 18"/>
-          <p:cNvSpPr txBox="1"/>
-          <p:nvPr>
-            <p:custDataLst>
-              <p:tags r:id="rId10"/>
-            </p:custDataLst>
-          </p:nvPr>
-        </p:nvSpPr>
-        <p:spPr>
-          <a:xfrm>
-            <a:off x="3918425" y="4862510"/>
-            <a:ext cx="4892993" cy="702945"/>
-          </a:xfrm>
-          <a:prstGeom prst="rect">
-            <a:avLst/>
-          </a:prstGeom>
-          <a:noFill/>
-        </p:spPr>
-        <p:txBody>
-          <a:bodyPr wrap="square" rtlCol="0" anchor="b" anchorCtr="0">
-            <a:normAutofit/>
-          </a:bodyPr>
-          <a:lstStyle/>
-          <a:p>
-            <a:r>
-              <a:rPr lang="zh-CN" altLang="en-US" sz="2400" dirty="0">
-                <a:solidFill>
-                  <a:schemeClr val="accent2">
-                    <a:lumMod val="50000"/>
-                  </a:schemeClr>
-                </a:solidFill>
-                <a:latin typeface="+mj-lt"/>
-                <a:ea typeface="+mj-ea"/>
-                <a:cs typeface="+mj-cs"/>
-              </a:rPr>
-              <a:t>可能变更的组建</a:t>
-            </a:r>
-          </a:p>
-        </p:txBody>
-      </p:sp>
-      <p:sp>
-        <p:nvSpPr>
-          <p:cNvPr id="20" name="文本框 19"/>
-          <p:cNvSpPr txBox="1"/>
-          <p:nvPr>
-            <p:custDataLst>
-              <p:tags r:id="rId11"/>
-            </p:custDataLst>
-          </p:nvPr>
-        </p:nvSpPr>
-        <p:spPr>
-          <a:xfrm>
-            <a:off x="3918425" y="5565206"/>
-            <a:ext cx="4892993" cy="860038"/>
-          </a:xfrm>
-          <a:prstGeom prst="rect">
-            <a:avLst/>
-          </a:prstGeom>
-          <a:noFill/>
-        </p:spPr>
-        <p:txBody>
-          <a:bodyPr wrap="square" rtlCol="0" anchor="t" anchorCtr="0">
-            <a:normAutofit/>
-          </a:bodyPr>
-          <a:lstStyle/>
-          <a:p>
-            <a:r>
-              <a:rPr lang="zh-CN" altLang="en-US" sz="2400" dirty="0"/>
-              <a:t>无</a:t>
+              <a:t>当前项目的影响</a:t>
             </a:r>
           </a:p>
         </p:txBody>
@@ -12470,6 +14448,45 @@
 
 <file path=ppt/tags/tag24.xml><?xml version="1.0" encoding="utf-8"?>
 <p:tagLst xmlns:a="http://schemas.openxmlformats.org/drawingml/2006/main" xmlns:r="http://schemas.openxmlformats.org/officeDocument/2006/relationships" xmlns:p="http://schemas.openxmlformats.org/presentationml/2006/main">
+  <p:tag name="KSO_WM_SLIDE_SIZE" val="816*455"/>
+  <p:tag name="KSO_WM_SLIDE_POSITION" val="77*42"/>
+  <p:tag name="KSO_WM_SLIDE_LAYOUT_CNT" val="1_1_1"/>
+  <p:tag name="KSO_WM_SLIDE_LAYOUT" val="a_f_d"/>
+  <p:tag name="KSO_WM_BEAUTIFY_FLAG" val="#wm#"/>
+  <p:tag name="KSO_WM_SLIDE_TYPE" val="text"/>
+  <p:tag name="KSO_WM_SLIDE_ITEM_CNT" val="2"/>
+  <p:tag name="KSO_WM_TAG_VERSION" val="1.0"/>
+  <p:tag name="KSO_WM_COMBINE_RELATE_SLIDE_ID" val="background20180943_4"/>
+  <p:tag name="KSO_WM_TEMPLATE_CATEGORY" val="custom"/>
+  <p:tag name="KSO_WM_TEMPLATE_INDEX" val="20181595"/>
+  <p:tag name="KSO_WM_SLIDE_ID" val="custom20181595_4"/>
+  <p:tag name="KSO_WM_SLIDE_INDEX" val="4"/>
+  <p:tag name="KSO_WM_TEMPLATE_SUBCATEGORY" val="combine"/>
+</p:tagLst>
+</file>
+
+<file path=ppt/tags/tag25.xml><?xml version="1.0" encoding="utf-8"?>
+<p:tagLst xmlns:a="http://schemas.openxmlformats.org/drawingml/2006/main" xmlns:r="http://schemas.openxmlformats.org/officeDocument/2006/relationships" xmlns:p="http://schemas.openxmlformats.org/presentationml/2006/main">
+  <p:tag name="KSO_WM_TEMPLATE_CATEGORY" val="custom"/>
+  <p:tag name="KSO_WM_TEMPLATE_INDEX" val="20181595"/>
+  <p:tag name="KSO_WM_TAG_VERSION" val="1.0"/>
+  <p:tag name="KSO_WM_BEAUTIFY_FLAG" val="#wm#"/>
+  <p:tag name="KSO_WM_UNIT_PRESET_TEXT_LEN" val="17"/>
+  <p:tag name="KSO_WM_UNIT_PRESET_TEXT_INDEX" val="3"/>
+  <p:tag name="KSO_WM_UNIT_CLEAR" val="0"/>
+  <p:tag name="KSO_WM_UNIT_COMPATIBLE" val="0"/>
+  <p:tag name="KSO_WM_UNIT_HIGHLIGHT" val="0"/>
+  <p:tag name="KSO_WM_UNIT_ISCONTENTSTITLE" val="0"/>
+  <p:tag name="KSO_WM_UNIT_VALUE" val="20"/>
+  <p:tag name="KSO_WM_UNIT_LAYERLEVEL" val="1"/>
+  <p:tag name="KSO_WM_UNIT_INDEX" val="1"/>
+  <p:tag name="KSO_WM_UNIT_TYPE" val="a"/>
+  <p:tag name="KSO_WM_UNIT_ID" val="custom20181595_4*a*1"/>
+</p:tagLst>
+</file>
+
+<file path=ppt/tags/tag26.xml><?xml version="1.0" encoding="utf-8"?>
+<p:tagLst xmlns:a="http://schemas.openxmlformats.org/drawingml/2006/main" xmlns:r="http://schemas.openxmlformats.org/officeDocument/2006/relationships" xmlns:p="http://schemas.openxmlformats.org/presentationml/2006/main">
   <p:tag name="KSO_WM_SLIDE_SIZE" val="817*369"/>
   <p:tag name="KSO_WM_SLIDE_POSITION" val="77*122"/>
   <p:tag name="KSO_WM_SLIDE_LAYOUT_CNT" val="1_1"/>
@@ -12487,7 +14504,7 @@
 </p:tagLst>
 </file>
 
-<file path=ppt/tags/tag25.xml><?xml version="1.0" encoding="utf-8"?>
+<file path=ppt/tags/tag27.xml><?xml version="1.0" encoding="utf-8"?>
 <p:tagLst xmlns:a="http://schemas.openxmlformats.org/drawingml/2006/main" xmlns:r="http://schemas.openxmlformats.org/officeDocument/2006/relationships" xmlns:p="http://schemas.openxmlformats.org/presentationml/2006/main">
   <p:tag name="KSO_WM_TEMPLATE_CATEGORY" val="custom"/>
   <p:tag name="KSO_WM_TEMPLATE_INDEX" val="20181595"/>
@@ -12506,7 +14523,7 @@
 </p:tagLst>
 </file>
 
-<file path=ppt/tags/tag26.xml><?xml version="1.0" encoding="utf-8"?>
+<file path=ppt/tags/tag28.xml><?xml version="1.0" encoding="utf-8"?>
 <p:tagLst xmlns:a="http://schemas.openxmlformats.org/drawingml/2006/main" xmlns:r="http://schemas.openxmlformats.org/officeDocument/2006/relationships" xmlns:p="http://schemas.openxmlformats.org/presentationml/2006/main">
   <p:tag name="KSO_WM_TEMPLATE_CATEGORY" val="custom"/>
   <p:tag name="KSO_WM_TEMPLATE_INDEX" val="20181595"/>
@@ -12526,7 +14543,7 @@
 </p:tagLst>
 </file>
 
-<file path=ppt/tags/tag27.xml><?xml version="1.0" encoding="utf-8"?>
+<file path=ppt/tags/tag29.xml><?xml version="1.0" encoding="utf-8"?>
 <p:tagLst xmlns:a="http://schemas.openxmlformats.org/drawingml/2006/main" xmlns:r="http://schemas.openxmlformats.org/officeDocument/2006/relationships" xmlns:p="http://schemas.openxmlformats.org/presentationml/2006/main">
   <p:tag name="KSO_WM_SLIDE_SIZE" val="790*401"/>
   <p:tag name="KSO_WM_SLIDE_POSITION" val="77*113"/>
@@ -12542,37 +14559,6 @@
   <p:tag name="KSO_WM_SLIDE_ID" val="custom20181595_5"/>
   <p:tag name="KSO_WM_SLIDE_INDEX" val="5"/>
   <p:tag name="KSO_WM_TEMPLATE_SUBCATEGORY" val="combine"/>
-</p:tagLst>
-</file>
-
-<file path=ppt/tags/tag28.xml><?xml version="1.0" encoding="utf-8"?>
-<p:tagLst xmlns:a="http://schemas.openxmlformats.org/drawingml/2006/main" xmlns:r="http://schemas.openxmlformats.org/officeDocument/2006/relationships" xmlns:p="http://schemas.openxmlformats.org/presentationml/2006/main">
-  <p:tag name="KSO_WM_TEMPLATE_CATEGORY" val="custom"/>
-  <p:tag name="KSO_WM_TEMPLATE_INDEX" val="20181595"/>
-  <p:tag name="KSO_WM_TAG_VERSION" val="1.0"/>
-  <p:tag name="KSO_WM_BEAUTIFY_FLAG" val="#wm#"/>
-  <p:tag name="KSO_WM_UNIT_PRESET_TEXT_LEN" val="57"/>
-  <p:tag name="KSO_WM_UNIT_PRESET_TEXT_INDEX" val="4"/>
-  <p:tag name="KSO_WM_UNIT_CLEAR" val="0"/>
-  <p:tag name="KSO_WM_UNIT_COMPATIBLE" val="0"/>
-  <p:tag name="KSO_WM_UNIT_HIGHLIGHT" val="0"/>
-  <p:tag name="KSO_WM_UNIT_VALUE" val="86"/>
-  <p:tag name="KSO_WM_UNIT_LAYERLEVEL" val="1"/>
-  <p:tag name="KSO_WM_UNIT_INDEX" val="1"/>
-  <p:tag name="KSO_WM_UNIT_TYPE" val="f"/>
-  <p:tag name="KSO_WM_UNIT_ID" val="custom20181595_5*f*1"/>
-</p:tagLst>
-</file>
-
-<file path=ppt/tags/tag29.xml><?xml version="1.0" encoding="utf-8"?>
-<p:tagLst xmlns:a="http://schemas.openxmlformats.org/drawingml/2006/main" xmlns:r="http://schemas.openxmlformats.org/officeDocument/2006/relationships" xmlns:p="http://schemas.openxmlformats.org/presentationml/2006/main">
-  <p:tag name="KSO_WM_TAG_VERSION" val="1.0"/>
-  <p:tag name="KSO_WM_BEAUTIFY_FLAG" val="#wm#"/>
-  <p:tag name="KSO_WM_UNIT_TYPE" val="i"/>
-  <p:tag name="KSO_WM_UNIT_ID" val="custom20181595_5*i*2"/>
-  <p:tag name="KSO_WM_TEMPLATE_CATEGORY" val="custom"/>
-  <p:tag name="KSO_WM_TEMPLATE_INDEX" val="20181595"/>
-  <p:tag name="KSO_WM_UNIT_INDEX" val="2"/>
 </p:tagLst>
 </file>
 
@@ -12594,6 +14580,37 @@
   <p:tag name="KSO_WM_TEMPLATE_INDEX" val="20181595"/>
   <p:tag name="KSO_WM_TAG_VERSION" val="1.0"/>
   <p:tag name="KSO_WM_BEAUTIFY_FLAG" val="#wm#"/>
+  <p:tag name="KSO_WM_UNIT_PRESET_TEXT_LEN" val="57"/>
+  <p:tag name="KSO_WM_UNIT_PRESET_TEXT_INDEX" val="4"/>
+  <p:tag name="KSO_WM_UNIT_CLEAR" val="0"/>
+  <p:tag name="KSO_WM_UNIT_COMPATIBLE" val="0"/>
+  <p:tag name="KSO_WM_UNIT_HIGHLIGHT" val="0"/>
+  <p:tag name="KSO_WM_UNIT_VALUE" val="86"/>
+  <p:tag name="KSO_WM_UNIT_LAYERLEVEL" val="1"/>
+  <p:tag name="KSO_WM_UNIT_INDEX" val="1"/>
+  <p:tag name="KSO_WM_UNIT_TYPE" val="f"/>
+  <p:tag name="KSO_WM_UNIT_ID" val="custom20181595_5*f*1"/>
+</p:tagLst>
+</file>
+
+<file path=ppt/tags/tag31.xml><?xml version="1.0" encoding="utf-8"?>
+<p:tagLst xmlns:a="http://schemas.openxmlformats.org/drawingml/2006/main" xmlns:r="http://schemas.openxmlformats.org/officeDocument/2006/relationships" xmlns:p="http://schemas.openxmlformats.org/presentationml/2006/main">
+  <p:tag name="KSO_WM_TAG_VERSION" val="1.0"/>
+  <p:tag name="KSO_WM_BEAUTIFY_FLAG" val="#wm#"/>
+  <p:tag name="KSO_WM_UNIT_TYPE" val="i"/>
+  <p:tag name="KSO_WM_UNIT_ID" val="custom20181595_5*i*2"/>
+  <p:tag name="KSO_WM_TEMPLATE_CATEGORY" val="custom"/>
+  <p:tag name="KSO_WM_TEMPLATE_INDEX" val="20181595"/>
+  <p:tag name="KSO_WM_UNIT_INDEX" val="2"/>
+</p:tagLst>
+</file>
+
+<file path=ppt/tags/tag32.xml><?xml version="1.0" encoding="utf-8"?>
+<p:tagLst xmlns:a="http://schemas.openxmlformats.org/drawingml/2006/main" xmlns:r="http://schemas.openxmlformats.org/officeDocument/2006/relationships" xmlns:p="http://schemas.openxmlformats.org/presentationml/2006/main">
+  <p:tag name="KSO_WM_TEMPLATE_CATEGORY" val="custom"/>
+  <p:tag name="KSO_WM_TEMPLATE_INDEX" val="20181595"/>
+  <p:tag name="KSO_WM_TAG_VERSION" val="1.0"/>
+  <p:tag name="KSO_WM_BEAUTIFY_FLAG" val="#wm#"/>
   <p:tag name="KSO_WM_UNIT_PRESET_TEXT_LEN" val="17"/>
   <p:tag name="KSO_WM_UNIT_PRESET_TEXT_INDEX" val="3"/>
   <p:tag name="KSO_WM_UNIT_CLEAR" val="0"/>
@@ -12608,7 +14625,7 @@
 </p:tagLst>
 </file>
 
-<file path=ppt/tags/tag31.xml><?xml version="1.0" encoding="utf-8"?>
+<file path=ppt/tags/tag33.xml><?xml version="1.0" encoding="utf-8"?>
 <p:tagLst xmlns:a="http://schemas.openxmlformats.org/drawingml/2006/main" xmlns:r="http://schemas.openxmlformats.org/officeDocument/2006/relationships" xmlns:p="http://schemas.openxmlformats.org/presentationml/2006/main">
   <p:tag name="KSO_WM_SLIDE_SIZE" val="817*369"/>
   <p:tag name="KSO_WM_SLIDE_POSITION" val="77*122"/>
@@ -12627,7 +14644,7 @@
 </p:tagLst>
 </file>
 
-<file path=ppt/tags/tag32.xml><?xml version="1.0" encoding="utf-8"?>
+<file path=ppt/tags/tag34.xml><?xml version="1.0" encoding="utf-8"?>
 <p:tagLst xmlns:a="http://schemas.openxmlformats.org/drawingml/2006/main" xmlns:r="http://schemas.openxmlformats.org/officeDocument/2006/relationships" xmlns:p="http://schemas.openxmlformats.org/presentationml/2006/main">
   <p:tag name="KSO_WM_TEMPLATE_CATEGORY" val="custom"/>
   <p:tag name="KSO_WM_TEMPLATE_INDEX" val="20181595"/>
@@ -12646,7 +14663,7 @@
 </p:tagLst>
 </file>
 
-<file path=ppt/tags/tag33.xml><?xml version="1.0" encoding="utf-8"?>
+<file path=ppt/tags/tag35.xml><?xml version="1.0" encoding="utf-8"?>
 <p:tagLst xmlns:a="http://schemas.openxmlformats.org/drawingml/2006/main" xmlns:r="http://schemas.openxmlformats.org/officeDocument/2006/relationships" xmlns:p="http://schemas.openxmlformats.org/presentationml/2006/main">
   <p:tag name="KSO_WM_TEMPLATE_CATEGORY" val="custom"/>
   <p:tag name="KSO_WM_TEMPLATE_INDEX" val="20181595"/>
@@ -12666,7 +14683,65 @@
 </p:tagLst>
 </file>
 
-<file path=ppt/tags/tag34.xml><?xml version="1.0" encoding="utf-8"?>
+<file path=ppt/tags/tag36.xml><?xml version="1.0" encoding="utf-8"?>
+<p:tagLst xmlns:a="http://schemas.openxmlformats.org/drawingml/2006/main" xmlns:r="http://schemas.openxmlformats.org/officeDocument/2006/relationships" xmlns:p="http://schemas.openxmlformats.org/presentationml/2006/main">
+  <p:tag name="KSO_WM_SLIDE_SIZE" val="816*364"/>
+  <p:tag name="KSO_WM_SLIDE_POSITION" val="77*122"/>
+  <p:tag name="KSO_WM_SLIDE_LAYOUT_CNT" val="1_2"/>
+  <p:tag name="KSO_WM_SLIDE_LAYOUT" val="a_f"/>
+  <p:tag name="KSO_WM_BEAUTIFY_FLAG" val="#wm#"/>
+  <p:tag name="KSO_WM_SLIDE_TYPE" val="text"/>
+  <p:tag name="KSO_WM_SLIDE_ITEM_CNT" val="2"/>
+  <p:tag name="KSO_WM_TAG_VERSION" val="1.0"/>
+  <p:tag name="KSO_WM_COMBINE_RELATE_SLIDE_ID" val="background20180943_3"/>
+  <p:tag name="KSO_WM_TEMPLATE_CATEGORY" val="custom"/>
+  <p:tag name="KSO_WM_TEMPLATE_INDEX" val="20181595"/>
+  <p:tag name="KSO_WM_SLIDE_ID" val="custom20181595_3"/>
+  <p:tag name="KSO_WM_SLIDE_INDEX" val="3"/>
+  <p:tag name="KSO_WM_TEMPLATE_SUBCATEGORY" val="combine"/>
+</p:tagLst>
+</file>
+
+<file path=ppt/tags/tag37.xml><?xml version="1.0" encoding="utf-8"?>
+<p:tagLst xmlns:a="http://schemas.openxmlformats.org/drawingml/2006/main" xmlns:r="http://schemas.openxmlformats.org/officeDocument/2006/relationships" xmlns:p="http://schemas.openxmlformats.org/presentationml/2006/main">
+  <p:tag name="KSO_WM_TEMPLATE_CATEGORY" val="custom"/>
+  <p:tag name="KSO_WM_TEMPLATE_INDEX" val="20181595"/>
+  <p:tag name="KSO_WM_TAG_VERSION" val="1.0"/>
+  <p:tag name="KSO_WM_BEAUTIFY_FLAG" val="#wm#"/>
+  <p:tag name="KSO_WM_UNIT_PRESET_TEXT_LEN" val="17"/>
+  <p:tag name="KSO_WM_UNIT_PRESET_TEXT_INDEX" val="3"/>
+  <p:tag name="KSO_WM_UNIT_CLEAR" val="0"/>
+  <p:tag name="KSO_WM_UNIT_COMPATIBLE" val="0"/>
+  <p:tag name="KSO_WM_UNIT_HIGHLIGHT" val="0"/>
+  <p:tag name="KSO_WM_UNIT_ISCONTENTSTITLE" val="0"/>
+  <p:tag name="KSO_WM_UNIT_VALUE" val="20"/>
+  <p:tag name="KSO_WM_UNIT_LAYERLEVEL" val="1"/>
+  <p:tag name="KSO_WM_UNIT_INDEX" val="1"/>
+  <p:tag name="KSO_WM_UNIT_TYPE" val="a"/>
+  <p:tag name="KSO_WM_UNIT_ID" val="custom20181595_3*a*1"/>
+</p:tagLst>
+</file>
+
+<file path=ppt/tags/tag38.xml><?xml version="1.0" encoding="utf-8"?>
+<p:tagLst xmlns:a="http://schemas.openxmlformats.org/drawingml/2006/main" xmlns:r="http://schemas.openxmlformats.org/officeDocument/2006/relationships" xmlns:p="http://schemas.openxmlformats.org/presentationml/2006/main">
+  <p:tag name="KSO_WM_TEMPLATE_CATEGORY" val="custom"/>
+  <p:tag name="KSO_WM_TEMPLATE_INDEX" val="20181595"/>
+  <p:tag name="KSO_WM_TAG_VERSION" val="1.0"/>
+  <p:tag name="KSO_WM_BEAUTIFY_FLAG" val="#wm#"/>
+  <p:tag name="KSO_WM_UNIT_PRESET_TEXT_LEN" val="232"/>
+  <p:tag name="KSO_WM_UNIT_PRESET_TEXT_INDEX" val="5"/>
+  <p:tag name="KSO_WM_UNIT_CLEAR" val="0"/>
+  <p:tag name="KSO_WM_UNIT_COMPATIBLE" val="0"/>
+  <p:tag name="KSO_WM_UNIT_HIGHLIGHT" val="0"/>
+  <p:tag name="KSO_WM_UNIT_VALUE" val="273"/>
+  <p:tag name="KSO_WM_UNIT_LAYERLEVEL" val="1"/>
+  <p:tag name="KSO_WM_UNIT_INDEX" val="1"/>
+  <p:tag name="KSO_WM_UNIT_TYPE" val="f"/>
+  <p:tag name="KSO_WM_UNIT_ID" val="custom20181595_3*f*1"/>
+</p:tagLst>
+</file>
+
+<file path=ppt/tags/tag39.xml><?xml version="1.0" encoding="utf-8"?>
 <p:tagLst xmlns:a="http://schemas.openxmlformats.org/drawingml/2006/main" xmlns:r="http://schemas.openxmlformats.org/officeDocument/2006/relationships" xmlns:p="http://schemas.openxmlformats.org/presentationml/2006/main">
   <p:tag name="KSO_WM_TAG_VERSION" val="1.0"/>
   <p:tag name="KSO_WM_SLIDE_ITEM_CNT" val="3"/>
@@ -12686,7 +14761,19 @@
 </p:tagLst>
 </file>
 
-<file path=ppt/tags/tag35.xml><?xml version="1.0" encoding="utf-8"?>
+<file path=ppt/tags/tag4.xml><?xml version="1.0" encoding="utf-8"?>
+<p:tagLst xmlns:a="http://schemas.openxmlformats.org/drawingml/2006/main" xmlns:r="http://schemas.openxmlformats.org/officeDocument/2006/relationships" xmlns:p="http://schemas.openxmlformats.org/presentationml/2006/main">
+  <p:tag name="KSO_WM_TAG_VERSION" val="1.0"/>
+  <p:tag name="KSO_WM_BEAUTIFY_FLAG" val="#wm#"/>
+  <p:tag name="KSO_WM_UNIT_TYPE" val="i"/>
+  <p:tag name="KSO_WM_UNIT_ID" val="custom222_7*i*0"/>
+  <p:tag name="KSO_WM_TEMPLATE_CATEGORY" val="custom"/>
+  <p:tag name="KSO_WM_TEMPLATE_INDEX" val="222"/>
+  <p:tag name="KSO_WM_UNIT_INDEX" val="0"/>
+</p:tagLst>
+</file>
+
+<file path=ppt/tags/tag40.xml><?xml version="1.0" encoding="utf-8"?>
 <p:tagLst xmlns:a="http://schemas.openxmlformats.org/drawingml/2006/main" xmlns:r="http://schemas.openxmlformats.org/officeDocument/2006/relationships" xmlns:p="http://schemas.openxmlformats.org/presentationml/2006/main">
   <p:tag name="KSO_WM_TEMPLATE_CATEGORY" val="custom"/>
   <p:tag name="KSO_WM_TEMPLATE_INDEX" val="20181595"/>
@@ -12709,7 +14796,7 @@
 </p:tagLst>
 </file>
 
-<file path=ppt/tags/tag36.xml><?xml version="1.0" encoding="utf-8"?>
+<file path=ppt/tags/tag41.xml><?xml version="1.0" encoding="utf-8"?>
 <p:tagLst xmlns:a="http://schemas.openxmlformats.org/drawingml/2006/main" xmlns:r="http://schemas.openxmlformats.org/officeDocument/2006/relationships" xmlns:p="http://schemas.openxmlformats.org/presentationml/2006/main">
   <p:tag name="KSO_WM_TEMPLATE_CATEGORY" val="custom"/>
   <p:tag name="KSO_WM_TEMPLATE_INDEX" val="20181595"/>
@@ -12726,7 +14813,7 @@
 </p:tagLst>
 </file>
 
-<file path=ppt/tags/tag37.xml><?xml version="1.0" encoding="utf-8"?>
+<file path=ppt/tags/tag42.xml><?xml version="1.0" encoding="utf-8"?>
 <p:tagLst xmlns:a="http://schemas.openxmlformats.org/drawingml/2006/main" xmlns:r="http://schemas.openxmlformats.org/officeDocument/2006/relationships" xmlns:p="http://schemas.openxmlformats.org/presentationml/2006/main">
   <p:tag name="KSO_WM_TEMPLATE_CATEGORY" val="custom"/>
   <p:tag name="KSO_WM_TEMPLATE_INDEX" val="20181595"/>
@@ -12749,7 +14836,7 @@
 </p:tagLst>
 </file>
 
-<file path=ppt/tags/tag38.xml><?xml version="1.0" encoding="utf-8"?>
+<file path=ppt/tags/tag43.xml><?xml version="1.0" encoding="utf-8"?>
 <p:tagLst xmlns:a="http://schemas.openxmlformats.org/drawingml/2006/main" xmlns:r="http://schemas.openxmlformats.org/officeDocument/2006/relationships" xmlns:p="http://schemas.openxmlformats.org/presentationml/2006/main">
   <p:tag name="KSO_WM_TEMPLATE_CATEGORY" val="custom"/>
   <p:tag name="KSO_WM_TEMPLATE_INDEX" val="20181595"/>
@@ -12772,7 +14859,7 @@
 </p:tagLst>
 </file>
 
-<file path=ppt/tags/tag39.xml><?xml version="1.0" encoding="utf-8"?>
+<file path=ppt/tags/tag44.xml><?xml version="1.0" encoding="utf-8"?>
 <p:tagLst xmlns:a="http://schemas.openxmlformats.org/drawingml/2006/main" xmlns:r="http://schemas.openxmlformats.org/officeDocument/2006/relationships" xmlns:p="http://schemas.openxmlformats.org/presentationml/2006/main">
   <p:tag name="KSO_WM_TEMPLATE_CATEGORY" val="custom"/>
   <p:tag name="KSO_WM_TEMPLATE_INDEX" val="20181595"/>
@@ -12789,19 +14876,7 @@
 </p:tagLst>
 </file>
 
-<file path=ppt/tags/tag4.xml><?xml version="1.0" encoding="utf-8"?>
-<p:tagLst xmlns:a="http://schemas.openxmlformats.org/drawingml/2006/main" xmlns:r="http://schemas.openxmlformats.org/officeDocument/2006/relationships" xmlns:p="http://schemas.openxmlformats.org/presentationml/2006/main">
-  <p:tag name="KSO_WM_TAG_VERSION" val="1.0"/>
-  <p:tag name="KSO_WM_BEAUTIFY_FLAG" val="#wm#"/>
-  <p:tag name="KSO_WM_UNIT_TYPE" val="i"/>
-  <p:tag name="KSO_WM_UNIT_ID" val="custom222_7*i*0"/>
-  <p:tag name="KSO_WM_TEMPLATE_CATEGORY" val="custom"/>
-  <p:tag name="KSO_WM_TEMPLATE_INDEX" val="222"/>
-  <p:tag name="KSO_WM_UNIT_INDEX" val="0"/>
-</p:tagLst>
-</file>
-
-<file path=ppt/tags/tag40.xml><?xml version="1.0" encoding="utf-8"?>
+<file path=ppt/tags/tag45.xml><?xml version="1.0" encoding="utf-8"?>
 <p:tagLst xmlns:a="http://schemas.openxmlformats.org/drawingml/2006/main" xmlns:r="http://schemas.openxmlformats.org/officeDocument/2006/relationships" xmlns:p="http://schemas.openxmlformats.org/presentationml/2006/main">
   <p:tag name="KSO_WM_TEMPLATE_CATEGORY" val="custom"/>
   <p:tag name="KSO_WM_TEMPLATE_INDEX" val="20181595"/>
@@ -12824,7 +14899,7 @@
 </p:tagLst>
 </file>
 
-<file path=ppt/tags/tag41.xml><?xml version="1.0" encoding="utf-8"?>
+<file path=ppt/tags/tag46.xml><?xml version="1.0" encoding="utf-8"?>
 <p:tagLst xmlns:a="http://schemas.openxmlformats.org/drawingml/2006/main" xmlns:r="http://schemas.openxmlformats.org/officeDocument/2006/relationships" xmlns:p="http://schemas.openxmlformats.org/presentationml/2006/main">
   <p:tag name="KSO_WM_TEMPLATE_CATEGORY" val="custom"/>
   <p:tag name="KSO_WM_TEMPLATE_INDEX" val="20181595"/>
@@ -12847,7 +14922,7 @@
 </p:tagLst>
 </file>
 
-<file path=ppt/tags/tag42.xml><?xml version="1.0" encoding="utf-8"?>
+<file path=ppt/tags/tag47.xml><?xml version="1.0" encoding="utf-8"?>
 <p:tagLst xmlns:a="http://schemas.openxmlformats.org/drawingml/2006/main" xmlns:r="http://schemas.openxmlformats.org/officeDocument/2006/relationships" xmlns:p="http://schemas.openxmlformats.org/presentationml/2006/main">
   <p:tag name="KSO_WM_TEMPLATE_CATEGORY" val="custom"/>
   <p:tag name="KSO_WM_TEMPLATE_INDEX" val="20181595"/>
@@ -12864,7 +14939,7 @@
 </p:tagLst>
 </file>
 
-<file path=ppt/tags/tag43.xml><?xml version="1.0" encoding="utf-8"?>
+<file path=ppt/tags/tag48.xml><?xml version="1.0" encoding="utf-8"?>
 <p:tagLst xmlns:a="http://schemas.openxmlformats.org/drawingml/2006/main" xmlns:r="http://schemas.openxmlformats.org/officeDocument/2006/relationships" xmlns:p="http://schemas.openxmlformats.org/presentationml/2006/main">
   <p:tag name="KSO_WM_TEMPLATE_CATEGORY" val="custom"/>
   <p:tag name="KSO_WM_TEMPLATE_INDEX" val="20181595"/>
@@ -12887,7 +14962,7 @@
 </p:tagLst>
 </file>
 
-<file path=ppt/tags/tag44.xml><?xml version="1.0" encoding="utf-8"?>
+<file path=ppt/tags/tag49.xml><?xml version="1.0" encoding="utf-8"?>
 <p:tagLst xmlns:a="http://schemas.openxmlformats.org/drawingml/2006/main" xmlns:r="http://schemas.openxmlformats.org/officeDocument/2006/relationships" xmlns:p="http://schemas.openxmlformats.org/presentationml/2006/main">
   <p:tag name="KSO_WM_TEMPLATE_CATEGORY" val="custom"/>
   <p:tag name="KSO_WM_TEMPLATE_INDEX" val="20181595"/>
@@ -12910,7 +14985,19 @@
 </p:tagLst>
 </file>
 
-<file path=ppt/tags/tag45.xml><?xml version="1.0" encoding="utf-8"?>
+<file path=ppt/tags/tag5.xml><?xml version="1.0" encoding="utf-8"?>
+<p:tagLst xmlns:a="http://schemas.openxmlformats.org/drawingml/2006/main" xmlns:r="http://schemas.openxmlformats.org/officeDocument/2006/relationships" xmlns:p="http://schemas.openxmlformats.org/presentationml/2006/main">
+  <p:tag name="KSO_WM_TAG_VERSION" val="1.0"/>
+  <p:tag name="KSO_WM_BEAUTIFY_FLAG" val="#wm#"/>
+  <p:tag name="KSO_WM_UNIT_TYPE" val="i"/>
+  <p:tag name="KSO_WM_UNIT_ID" val="custom222_7*i*0"/>
+  <p:tag name="KSO_WM_TEMPLATE_CATEGORY" val="custom"/>
+  <p:tag name="KSO_WM_TEMPLATE_INDEX" val="222"/>
+  <p:tag name="KSO_WM_UNIT_INDEX" val="0"/>
+</p:tagLst>
+</file>
+
+<file path=ppt/tags/tag50.xml><?xml version="1.0" encoding="utf-8"?>
 <p:tagLst xmlns:a="http://schemas.openxmlformats.org/drawingml/2006/main" xmlns:r="http://schemas.openxmlformats.org/officeDocument/2006/relationships" xmlns:p="http://schemas.openxmlformats.org/presentationml/2006/main">
   <p:tag name="KSO_WM_TAG_VERSION" val="1.0"/>
   <p:tag name="KSO_WM_SLIDE_ITEM_CNT" val="6"/>
@@ -12930,7 +15017,7 @@
 </p:tagLst>
 </file>
 
-<file path=ppt/tags/tag46.xml><?xml version="1.0" encoding="utf-8"?>
+<file path=ppt/tags/tag51.xml><?xml version="1.0" encoding="utf-8"?>
 <p:tagLst xmlns:a="http://schemas.openxmlformats.org/drawingml/2006/main" xmlns:r="http://schemas.openxmlformats.org/officeDocument/2006/relationships" xmlns:p="http://schemas.openxmlformats.org/presentationml/2006/main">
   <p:tag name="KSO_WM_TEMPLATE_CATEGORY" val="custom"/>
   <p:tag name="KSO_WM_TEMPLATE_INDEX" val="20181595"/>
@@ -12953,7 +15040,7 @@
 </p:tagLst>
 </file>
 
-<file path=ppt/tags/tag47.xml><?xml version="1.0" encoding="utf-8"?>
+<file path=ppt/tags/tag52.xml><?xml version="1.0" encoding="utf-8"?>
 <p:tagLst xmlns:a="http://schemas.openxmlformats.org/drawingml/2006/main" xmlns:r="http://schemas.openxmlformats.org/officeDocument/2006/relationships" xmlns:p="http://schemas.openxmlformats.org/presentationml/2006/main">
   <p:tag name="KSO_WM_TEMPLATE_CATEGORY" val="custom"/>
   <p:tag name="KSO_WM_TEMPLATE_INDEX" val="20181595"/>
@@ -12970,7 +15057,7 @@
 </p:tagLst>
 </file>
 
-<file path=ppt/tags/tag48.xml><?xml version="1.0" encoding="utf-8"?>
+<file path=ppt/tags/tag53.xml><?xml version="1.0" encoding="utf-8"?>
 <p:tagLst xmlns:a="http://schemas.openxmlformats.org/drawingml/2006/main" xmlns:r="http://schemas.openxmlformats.org/officeDocument/2006/relationships" xmlns:p="http://schemas.openxmlformats.org/presentationml/2006/main">
   <p:tag name="KSO_WM_TEMPLATE_CATEGORY" val="custom"/>
   <p:tag name="KSO_WM_TEMPLATE_INDEX" val="20181595"/>
@@ -12993,7 +15080,7 @@
 </p:tagLst>
 </file>
 
-<file path=ppt/tags/tag49.xml><?xml version="1.0" encoding="utf-8"?>
+<file path=ppt/tags/tag54.xml><?xml version="1.0" encoding="utf-8"?>
 <p:tagLst xmlns:a="http://schemas.openxmlformats.org/drawingml/2006/main" xmlns:r="http://schemas.openxmlformats.org/officeDocument/2006/relationships" xmlns:p="http://schemas.openxmlformats.org/presentationml/2006/main">
   <p:tag name="KSO_WM_TEMPLATE_CATEGORY" val="custom"/>
   <p:tag name="KSO_WM_TEMPLATE_INDEX" val="20181595"/>
@@ -13016,19 +15103,7 @@
 </p:tagLst>
 </file>
 
-<file path=ppt/tags/tag5.xml><?xml version="1.0" encoding="utf-8"?>
-<p:tagLst xmlns:a="http://schemas.openxmlformats.org/drawingml/2006/main" xmlns:r="http://schemas.openxmlformats.org/officeDocument/2006/relationships" xmlns:p="http://schemas.openxmlformats.org/presentationml/2006/main">
-  <p:tag name="KSO_WM_TAG_VERSION" val="1.0"/>
-  <p:tag name="KSO_WM_BEAUTIFY_FLAG" val="#wm#"/>
-  <p:tag name="KSO_WM_UNIT_TYPE" val="i"/>
-  <p:tag name="KSO_WM_UNIT_ID" val="custom222_7*i*0"/>
-  <p:tag name="KSO_WM_TEMPLATE_CATEGORY" val="custom"/>
-  <p:tag name="KSO_WM_TEMPLATE_INDEX" val="222"/>
-  <p:tag name="KSO_WM_UNIT_INDEX" val="0"/>
-</p:tagLst>
-</file>
-
-<file path=ppt/tags/tag50.xml><?xml version="1.0" encoding="utf-8"?>
+<file path=ppt/tags/tag55.xml><?xml version="1.0" encoding="utf-8"?>
 <p:tagLst xmlns:a="http://schemas.openxmlformats.org/drawingml/2006/main" xmlns:r="http://schemas.openxmlformats.org/officeDocument/2006/relationships" xmlns:p="http://schemas.openxmlformats.org/presentationml/2006/main">
   <p:tag name="KSO_WM_TEMPLATE_CATEGORY" val="custom"/>
   <p:tag name="KSO_WM_TEMPLATE_INDEX" val="20181595"/>
@@ -13045,7 +15120,7 @@
 </p:tagLst>
 </file>
 
-<file path=ppt/tags/tag51.xml><?xml version="1.0" encoding="utf-8"?>
+<file path=ppt/tags/tag56.xml><?xml version="1.0" encoding="utf-8"?>
 <p:tagLst xmlns:a="http://schemas.openxmlformats.org/drawingml/2006/main" xmlns:r="http://schemas.openxmlformats.org/officeDocument/2006/relationships" xmlns:p="http://schemas.openxmlformats.org/presentationml/2006/main">
   <p:tag name="KSO_WM_TEMPLATE_CATEGORY" val="custom"/>
   <p:tag name="KSO_WM_TEMPLATE_INDEX" val="20181595"/>
@@ -13068,7 +15143,7 @@
 </p:tagLst>
 </file>
 
-<file path=ppt/tags/tag52.xml><?xml version="1.0" encoding="utf-8"?>
+<file path=ppt/tags/tag57.xml><?xml version="1.0" encoding="utf-8"?>
 <p:tagLst xmlns:a="http://schemas.openxmlformats.org/drawingml/2006/main" xmlns:r="http://schemas.openxmlformats.org/officeDocument/2006/relationships" xmlns:p="http://schemas.openxmlformats.org/presentationml/2006/main">
   <p:tag name="KSO_WM_TEMPLATE_CATEGORY" val="custom"/>
   <p:tag name="KSO_WM_TEMPLATE_INDEX" val="20181595"/>
@@ -13091,7 +15166,7 @@
 </p:tagLst>
 </file>
 
-<file path=ppt/tags/tag53.xml><?xml version="1.0" encoding="utf-8"?>
+<file path=ppt/tags/tag58.xml><?xml version="1.0" encoding="utf-8"?>
 <p:tagLst xmlns:a="http://schemas.openxmlformats.org/drawingml/2006/main" xmlns:r="http://schemas.openxmlformats.org/officeDocument/2006/relationships" xmlns:p="http://schemas.openxmlformats.org/presentationml/2006/main">
   <p:tag name="KSO_WM_TEMPLATE_CATEGORY" val="custom"/>
   <p:tag name="KSO_WM_TEMPLATE_INDEX" val="20181595"/>
@@ -13108,7 +15183,7 @@
 </p:tagLst>
 </file>
 
-<file path=ppt/tags/tag54.xml><?xml version="1.0" encoding="utf-8"?>
+<file path=ppt/tags/tag59.xml><?xml version="1.0" encoding="utf-8"?>
 <p:tagLst xmlns:a="http://schemas.openxmlformats.org/drawingml/2006/main" xmlns:r="http://schemas.openxmlformats.org/officeDocument/2006/relationships" xmlns:p="http://schemas.openxmlformats.org/presentationml/2006/main">
   <p:tag name="KSO_WM_TEMPLATE_CATEGORY" val="custom"/>
   <p:tag name="KSO_WM_TEMPLATE_INDEX" val="20181595"/>
@@ -13125,109 +15200,6 @@
   <p:tag name="KSO_WM_UNIT_PRESET_TEXT_LEN" val="17"/>
   <p:tag name="KSO_WM_DIAGRAM_GROUP_CODE" val="l1-1"/>
   <p:tag name="KSO_WM_UNIT_ID" val="custom20181595_11*l_h_a*1_3_1"/>
-  <p:tag name="KSO_WM_UNIT_TEXT_FILL_FORE_SCHEMECOLOR_INDEX" val="6"/>
-  <p:tag name="KSO_WM_UNIT_TEXT_FILL_TYPE" val="1"/>
-  <p:tag name="KSO_WM_UNIT_USESOURCEFORMAT_APPLY" val="1"/>
-</p:tagLst>
-</file>
-
-<file path=ppt/tags/tag55.xml><?xml version="1.0" encoding="utf-8"?>
-<p:tagLst xmlns:a="http://schemas.openxmlformats.org/drawingml/2006/main" xmlns:r="http://schemas.openxmlformats.org/officeDocument/2006/relationships" xmlns:p="http://schemas.openxmlformats.org/presentationml/2006/main">
-  <p:tag name="KSO_WM_TEMPLATE_CATEGORY" val="custom"/>
-  <p:tag name="KSO_WM_TEMPLATE_INDEX" val="20181595"/>
-  <p:tag name="KSO_WM_TAG_VERSION" val="1.0"/>
-  <p:tag name="KSO_WM_BEAUTIFY_FLAG" val="#wm#"/>
-  <p:tag name="KSO_WM_UNIT_TYPE" val="l_h_f"/>
-  <p:tag name="KSO_WM_UNIT_INDEX" val="1_3_1"/>
-  <p:tag name="KSO_WM_UNIT_LAYERLEVEL" val="1_1_1"/>
-  <p:tag name="KSO_WM_UNIT_VALUE" val="13"/>
-  <p:tag name="KSO_WM_UNIT_HIGHLIGHT" val="0"/>
-  <p:tag name="KSO_WM_UNIT_COMPATIBLE" val="0"/>
-  <p:tag name="KSO_WM_UNIT_CLEAR" val="0"/>
-  <p:tag name="KSO_WM_UNIT_PRESET_TEXT_INDEX" val="4"/>
-  <p:tag name="KSO_WM_UNIT_PRESET_TEXT_LEN" val="26"/>
-  <p:tag name="KSO_WM_DIAGRAM_GROUP_CODE" val="l1-1"/>
-  <p:tag name="KSO_WM_UNIT_ID" val="custom20181595_11*l_h_f*1_3_1"/>
-  <p:tag name="KSO_WM_UNIT_TEXT_FILL_FORE_SCHEMECOLOR_INDEX" val="13"/>
-  <p:tag name="KSO_WM_UNIT_TEXT_FILL_TYPE" val="1"/>
-  <p:tag name="KSO_WM_UNIT_USESOURCEFORMAT_APPLY" val="1"/>
-</p:tagLst>
-</file>
-
-<file path=ppt/tags/tag56.xml><?xml version="1.0" encoding="utf-8"?>
-<p:tagLst xmlns:a="http://schemas.openxmlformats.org/drawingml/2006/main" xmlns:r="http://schemas.openxmlformats.org/officeDocument/2006/relationships" xmlns:p="http://schemas.openxmlformats.org/presentationml/2006/main">
-  <p:tag name="KSO_WM_TEMPLATE_CATEGORY" val="custom"/>
-  <p:tag name="KSO_WM_TEMPLATE_INDEX" val="20181595"/>
-  <p:tag name="KSO_WM_TAG_VERSION" val="1.0"/>
-  <p:tag name="KSO_WM_BEAUTIFY_FLAG" val="#wm#"/>
-  <p:tag name="KSO_WM_UNIT_TYPE" val="l_h_i"/>
-  <p:tag name="KSO_WM_UNIT_INDEX" val="1_4_1"/>
-  <p:tag name="KSO_WM_UNIT_LAYERLEVEL" val="1_1_1"/>
-  <p:tag name="KSO_WM_DIAGRAM_GROUP_CODE" val="l1-1"/>
-  <p:tag name="KSO_WM_UNIT_ID" val="custom20181595_11*l_h_i*1_4_1"/>
-  <p:tag name="KSO_WM_UNIT_TEXT_FILL_FORE_SCHEMECOLOR_INDEX" val="6"/>
-  <p:tag name="KSO_WM_UNIT_TEXT_FILL_TYPE" val="1"/>
-  <p:tag name="KSO_WM_UNIT_USESOURCEFORMAT_APPLY" val="1"/>
-</p:tagLst>
-</file>
-
-<file path=ppt/tags/tag57.xml><?xml version="1.0" encoding="utf-8"?>
-<p:tagLst xmlns:a="http://schemas.openxmlformats.org/drawingml/2006/main" xmlns:r="http://schemas.openxmlformats.org/officeDocument/2006/relationships" xmlns:p="http://schemas.openxmlformats.org/presentationml/2006/main">
-  <p:tag name="KSO_WM_TEMPLATE_CATEGORY" val="custom"/>
-  <p:tag name="KSO_WM_TEMPLATE_INDEX" val="20181595"/>
-  <p:tag name="KSO_WM_TAG_VERSION" val="1.0"/>
-  <p:tag name="KSO_WM_BEAUTIFY_FLAG" val="#wm#"/>
-  <p:tag name="KSO_WM_UNIT_TYPE" val="l_h_f"/>
-  <p:tag name="KSO_WM_UNIT_INDEX" val="1_4_1"/>
-  <p:tag name="KSO_WM_UNIT_LAYERLEVEL" val="1_1_1"/>
-  <p:tag name="KSO_WM_UNIT_VALUE" val="13"/>
-  <p:tag name="KSO_WM_UNIT_HIGHLIGHT" val="0"/>
-  <p:tag name="KSO_WM_UNIT_COMPATIBLE" val="0"/>
-  <p:tag name="KSO_WM_UNIT_CLEAR" val="0"/>
-  <p:tag name="KSO_WM_UNIT_PRESET_TEXT_INDEX" val="4"/>
-  <p:tag name="KSO_WM_UNIT_PRESET_TEXT_LEN" val="26"/>
-  <p:tag name="KSO_WM_DIAGRAM_GROUP_CODE" val="l1-1"/>
-  <p:tag name="KSO_WM_UNIT_ID" val="custom20181595_11*l_h_f*1_4_1"/>
-  <p:tag name="KSO_WM_UNIT_TEXT_FILL_FORE_SCHEMECOLOR_INDEX" val="13"/>
-  <p:tag name="KSO_WM_UNIT_TEXT_FILL_TYPE" val="1"/>
-  <p:tag name="KSO_WM_UNIT_USESOURCEFORMAT_APPLY" val="1"/>
-</p:tagLst>
-</file>
-
-<file path=ppt/tags/tag58.xml><?xml version="1.0" encoding="utf-8"?>
-<p:tagLst xmlns:a="http://schemas.openxmlformats.org/drawingml/2006/main" xmlns:r="http://schemas.openxmlformats.org/officeDocument/2006/relationships" xmlns:p="http://schemas.openxmlformats.org/presentationml/2006/main">
-  <p:tag name="KSO_WM_TEMPLATE_CATEGORY" val="custom"/>
-  <p:tag name="KSO_WM_TEMPLATE_INDEX" val="20181595"/>
-  <p:tag name="KSO_WM_TAG_VERSION" val="1.0"/>
-  <p:tag name="KSO_WM_BEAUTIFY_FLAG" val="#wm#"/>
-  <p:tag name="KSO_WM_UNIT_TYPE" val="l_h_i"/>
-  <p:tag name="KSO_WM_UNIT_INDEX" val="1_5_1"/>
-  <p:tag name="KSO_WM_UNIT_LAYERLEVEL" val="1_1_1"/>
-  <p:tag name="KSO_WM_DIAGRAM_GROUP_CODE" val="l1-1"/>
-  <p:tag name="KSO_WM_UNIT_ID" val="custom20181595_11*l_h_i*1_5_1"/>
-  <p:tag name="KSO_WM_UNIT_TEXT_FILL_FORE_SCHEMECOLOR_INDEX" val="6"/>
-  <p:tag name="KSO_WM_UNIT_TEXT_FILL_TYPE" val="1"/>
-  <p:tag name="KSO_WM_UNIT_USESOURCEFORMAT_APPLY" val="1"/>
-</p:tagLst>
-</file>
-
-<file path=ppt/tags/tag59.xml><?xml version="1.0" encoding="utf-8"?>
-<p:tagLst xmlns:a="http://schemas.openxmlformats.org/drawingml/2006/main" xmlns:r="http://schemas.openxmlformats.org/officeDocument/2006/relationships" xmlns:p="http://schemas.openxmlformats.org/presentationml/2006/main">
-  <p:tag name="KSO_WM_TEMPLATE_CATEGORY" val="custom"/>
-  <p:tag name="KSO_WM_TEMPLATE_INDEX" val="20181595"/>
-  <p:tag name="KSO_WM_TAG_VERSION" val="1.0"/>
-  <p:tag name="KSO_WM_BEAUTIFY_FLAG" val="#wm#"/>
-  <p:tag name="KSO_WM_UNIT_TYPE" val="l_h_a"/>
-  <p:tag name="KSO_WM_UNIT_INDEX" val="1_5_1"/>
-  <p:tag name="KSO_WM_UNIT_LAYERLEVEL" val="1_1_1"/>
-  <p:tag name="KSO_WM_UNIT_VALUE" val="14"/>
-  <p:tag name="KSO_WM_UNIT_HIGHLIGHT" val="0"/>
-  <p:tag name="KSO_WM_UNIT_COMPATIBLE" val="0"/>
-  <p:tag name="KSO_WM_UNIT_CLEAR" val="0"/>
-  <p:tag name="KSO_WM_UNIT_PRESET_TEXT_INDEX" val="3"/>
-  <p:tag name="KSO_WM_UNIT_PRESET_TEXT_LEN" val="17"/>
-  <p:tag name="KSO_WM_DIAGRAM_GROUP_CODE" val="l1-1"/>
-  <p:tag name="KSO_WM_UNIT_ID" val="custom20181595_11*l_h_a*1_5_1"/>
   <p:tag name="KSO_WM_UNIT_TEXT_FILL_FORE_SCHEMECOLOR_INDEX" val="6"/>
   <p:tag name="KSO_WM_UNIT_TEXT_FILL_TYPE" val="1"/>
   <p:tag name="KSO_WM_UNIT_USESOURCEFORMAT_APPLY" val="1"/>
@@ -13253,6 +15225,109 @@
   <p:tag name="KSO_WM_TAG_VERSION" val="1.0"/>
   <p:tag name="KSO_WM_BEAUTIFY_FLAG" val="#wm#"/>
   <p:tag name="KSO_WM_UNIT_TYPE" val="l_h_f"/>
+  <p:tag name="KSO_WM_UNIT_INDEX" val="1_3_1"/>
+  <p:tag name="KSO_WM_UNIT_LAYERLEVEL" val="1_1_1"/>
+  <p:tag name="KSO_WM_UNIT_VALUE" val="13"/>
+  <p:tag name="KSO_WM_UNIT_HIGHLIGHT" val="0"/>
+  <p:tag name="KSO_WM_UNIT_COMPATIBLE" val="0"/>
+  <p:tag name="KSO_WM_UNIT_CLEAR" val="0"/>
+  <p:tag name="KSO_WM_UNIT_PRESET_TEXT_INDEX" val="4"/>
+  <p:tag name="KSO_WM_UNIT_PRESET_TEXT_LEN" val="26"/>
+  <p:tag name="KSO_WM_DIAGRAM_GROUP_CODE" val="l1-1"/>
+  <p:tag name="KSO_WM_UNIT_ID" val="custom20181595_11*l_h_f*1_3_1"/>
+  <p:tag name="KSO_WM_UNIT_TEXT_FILL_FORE_SCHEMECOLOR_INDEX" val="13"/>
+  <p:tag name="KSO_WM_UNIT_TEXT_FILL_TYPE" val="1"/>
+  <p:tag name="KSO_WM_UNIT_USESOURCEFORMAT_APPLY" val="1"/>
+</p:tagLst>
+</file>
+
+<file path=ppt/tags/tag61.xml><?xml version="1.0" encoding="utf-8"?>
+<p:tagLst xmlns:a="http://schemas.openxmlformats.org/drawingml/2006/main" xmlns:r="http://schemas.openxmlformats.org/officeDocument/2006/relationships" xmlns:p="http://schemas.openxmlformats.org/presentationml/2006/main">
+  <p:tag name="KSO_WM_TEMPLATE_CATEGORY" val="custom"/>
+  <p:tag name="KSO_WM_TEMPLATE_INDEX" val="20181595"/>
+  <p:tag name="KSO_WM_TAG_VERSION" val="1.0"/>
+  <p:tag name="KSO_WM_BEAUTIFY_FLAG" val="#wm#"/>
+  <p:tag name="KSO_WM_UNIT_TYPE" val="l_h_i"/>
+  <p:tag name="KSO_WM_UNIT_INDEX" val="1_4_1"/>
+  <p:tag name="KSO_WM_UNIT_LAYERLEVEL" val="1_1_1"/>
+  <p:tag name="KSO_WM_DIAGRAM_GROUP_CODE" val="l1-1"/>
+  <p:tag name="KSO_WM_UNIT_ID" val="custom20181595_11*l_h_i*1_4_1"/>
+  <p:tag name="KSO_WM_UNIT_TEXT_FILL_FORE_SCHEMECOLOR_INDEX" val="6"/>
+  <p:tag name="KSO_WM_UNIT_TEXT_FILL_TYPE" val="1"/>
+  <p:tag name="KSO_WM_UNIT_USESOURCEFORMAT_APPLY" val="1"/>
+</p:tagLst>
+</file>
+
+<file path=ppt/tags/tag62.xml><?xml version="1.0" encoding="utf-8"?>
+<p:tagLst xmlns:a="http://schemas.openxmlformats.org/drawingml/2006/main" xmlns:r="http://schemas.openxmlformats.org/officeDocument/2006/relationships" xmlns:p="http://schemas.openxmlformats.org/presentationml/2006/main">
+  <p:tag name="KSO_WM_TEMPLATE_CATEGORY" val="custom"/>
+  <p:tag name="KSO_WM_TEMPLATE_INDEX" val="20181595"/>
+  <p:tag name="KSO_WM_TAG_VERSION" val="1.0"/>
+  <p:tag name="KSO_WM_BEAUTIFY_FLAG" val="#wm#"/>
+  <p:tag name="KSO_WM_UNIT_TYPE" val="l_h_f"/>
+  <p:tag name="KSO_WM_UNIT_INDEX" val="1_4_1"/>
+  <p:tag name="KSO_WM_UNIT_LAYERLEVEL" val="1_1_1"/>
+  <p:tag name="KSO_WM_UNIT_VALUE" val="13"/>
+  <p:tag name="KSO_WM_UNIT_HIGHLIGHT" val="0"/>
+  <p:tag name="KSO_WM_UNIT_COMPATIBLE" val="0"/>
+  <p:tag name="KSO_WM_UNIT_CLEAR" val="0"/>
+  <p:tag name="KSO_WM_UNIT_PRESET_TEXT_INDEX" val="4"/>
+  <p:tag name="KSO_WM_UNIT_PRESET_TEXT_LEN" val="26"/>
+  <p:tag name="KSO_WM_DIAGRAM_GROUP_CODE" val="l1-1"/>
+  <p:tag name="KSO_WM_UNIT_ID" val="custom20181595_11*l_h_f*1_4_1"/>
+  <p:tag name="KSO_WM_UNIT_TEXT_FILL_FORE_SCHEMECOLOR_INDEX" val="13"/>
+  <p:tag name="KSO_WM_UNIT_TEXT_FILL_TYPE" val="1"/>
+  <p:tag name="KSO_WM_UNIT_USESOURCEFORMAT_APPLY" val="1"/>
+</p:tagLst>
+</file>
+
+<file path=ppt/tags/tag63.xml><?xml version="1.0" encoding="utf-8"?>
+<p:tagLst xmlns:a="http://schemas.openxmlformats.org/drawingml/2006/main" xmlns:r="http://schemas.openxmlformats.org/officeDocument/2006/relationships" xmlns:p="http://schemas.openxmlformats.org/presentationml/2006/main">
+  <p:tag name="KSO_WM_TEMPLATE_CATEGORY" val="custom"/>
+  <p:tag name="KSO_WM_TEMPLATE_INDEX" val="20181595"/>
+  <p:tag name="KSO_WM_TAG_VERSION" val="1.0"/>
+  <p:tag name="KSO_WM_BEAUTIFY_FLAG" val="#wm#"/>
+  <p:tag name="KSO_WM_UNIT_TYPE" val="l_h_i"/>
+  <p:tag name="KSO_WM_UNIT_INDEX" val="1_5_1"/>
+  <p:tag name="KSO_WM_UNIT_LAYERLEVEL" val="1_1_1"/>
+  <p:tag name="KSO_WM_DIAGRAM_GROUP_CODE" val="l1-1"/>
+  <p:tag name="KSO_WM_UNIT_ID" val="custom20181595_11*l_h_i*1_5_1"/>
+  <p:tag name="KSO_WM_UNIT_TEXT_FILL_FORE_SCHEMECOLOR_INDEX" val="6"/>
+  <p:tag name="KSO_WM_UNIT_TEXT_FILL_TYPE" val="1"/>
+  <p:tag name="KSO_WM_UNIT_USESOURCEFORMAT_APPLY" val="1"/>
+</p:tagLst>
+</file>
+
+<file path=ppt/tags/tag64.xml><?xml version="1.0" encoding="utf-8"?>
+<p:tagLst xmlns:a="http://schemas.openxmlformats.org/drawingml/2006/main" xmlns:r="http://schemas.openxmlformats.org/officeDocument/2006/relationships" xmlns:p="http://schemas.openxmlformats.org/presentationml/2006/main">
+  <p:tag name="KSO_WM_TEMPLATE_CATEGORY" val="custom"/>
+  <p:tag name="KSO_WM_TEMPLATE_INDEX" val="20181595"/>
+  <p:tag name="KSO_WM_TAG_VERSION" val="1.0"/>
+  <p:tag name="KSO_WM_BEAUTIFY_FLAG" val="#wm#"/>
+  <p:tag name="KSO_WM_UNIT_TYPE" val="l_h_a"/>
+  <p:tag name="KSO_WM_UNIT_INDEX" val="1_5_1"/>
+  <p:tag name="KSO_WM_UNIT_LAYERLEVEL" val="1_1_1"/>
+  <p:tag name="KSO_WM_UNIT_VALUE" val="14"/>
+  <p:tag name="KSO_WM_UNIT_HIGHLIGHT" val="0"/>
+  <p:tag name="KSO_WM_UNIT_COMPATIBLE" val="0"/>
+  <p:tag name="KSO_WM_UNIT_CLEAR" val="0"/>
+  <p:tag name="KSO_WM_UNIT_PRESET_TEXT_INDEX" val="3"/>
+  <p:tag name="KSO_WM_UNIT_PRESET_TEXT_LEN" val="17"/>
+  <p:tag name="KSO_WM_DIAGRAM_GROUP_CODE" val="l1-1"/>
+  <p:tag name="KSO_WM_UNIT_ID" val="custom20181595_11*l_h_a*1_5_1"/>
+  <p:tag name="KSO_WM_UNIT_TEXT_FILL_FORE_SCHEMECOLOR_INDEX" val="6"/>
+  <p:tag name="KSO_WM_UNIT_TEXT_FILL_TYPE" val="1"/>
+  <p:tag name="KSO_WM_UNIT_USESOURCEFORMAT_APPLY" val="1"/>
+</p:tagLst>
+</file>
+
+<file path=ppt/tags/tag65.xml><?xml version="1.0" encoding="utf-8"?>
+<p:tagLst xmlns:a="http://schemas.openxmlformats.org/drawingml/2006/main" xmlns:r="http://schemas.openxmlformats.org/officeDocument/2006/relationships" xmlns:p="http://schemas.openxmlformats.org/presentationml/2006/main">
+  <p:tag name="KSO_WM_TEMPLATE_CATEGORY" val="custom"/>
+  <p:tag name="KSO_WM_TEMPLATE_INDEX" val="20181595"/>
+  <p:tag name="KSO_WM_TAG_VERSION" val="1.0"/>
+  <p:tag name="KSO_WM_BEAUTIFY_FLAG" val="#wm#"/>
+  <p:tag name="KSO_WM_UNIT_TYPE" val="l_h_f"/>
   <p:tag name="KSO_WM_UNIT_INDEX" val="1_5_1"/>
   <p:tag name="KSO_WM_UNIT_LAYERLEVEL" val="1_1_1"/>
   <p:tag name="KSO_WM_UNIT_VALUE" val="13"/>
@@ -13269,7 +15344,7 @@
 </p:tagLst>
 </file>
 
-<file path=ppt/tags/tag61.xml><?xml version="1.0" encoding="utf-8"?>
+<file path=ppt/tags/tag66.xml><?xml version="1.0" encoding="utf-8"?>
 <p:tagLst xmlns:a="http://schemas.openxmlformats.org/drawingml/2006/main" xmlns:r="http://schemas.openxmlformats.org/officeDocument/2006/relationships" xmlns:p="http://schemas.openxmlformats.org/presentationml/2006/main">
   <p:tag name="KSO_WM_SLIDE_SIZE" val="817*369"/>
   <p:tag name="KSO_WM_SLIDE_POSITION" val="77*122"/>
@@ -13288,7 +15363,7 @@
 </p:tagLst>
 </file>
 
-<file path=ppt/tags/tag62.xml><?xml version="1.0" encoding="utf-8"?>
+<file path=ppt/tags/tag67.xml><?xml version="1.0" encoding="utf-8"?>
 <p:tagLst xmlns:a="http://schemas.openxmlformats.org/drawingml/2006/main" xmlns:r="http://schemas.openxmlformats.org/officeDocument/2006/relationships" xmlns:p="http://schemas.openxmlformats.org/presentationml/2006/main">
   <p:tag name="KSO_WM_TEMPLATE_CATEGORY" val="custom"/>
   <p:tag name="KSO_WM_TEMPLATE_INDEX" val="20181595"/>
@@ -13307,7 +15382,7 @@
 </p:tagLst>
 </file>
 
-<file path=ppt/tags/tag63.xml><?xml version="1.0" encoding="utf-8"?>
+<file path=ppt/tags/tag68.xml><?xml version="1.0" encoding="utf-8"?>
 <p:tagLst xmlns:a="http://schemas.openxmlformats.org/drawingml/2006/main" xmlns:r="http://schemas.openxmlformats.org/officeDocument/2006/relationships" xmlns:p="http://schemas.openxmlformats.org/presentationml/2006/main">
   <p:tag name="KSO_WM_TEMPLATE_CATEGORY" val="custom"/>
   <p:tag name="KSO_WM_TEMPLATE_INDEX" val="20181595"/>
@@ -13327,7 +15402,7 @@
 </p:tagLst>
 </file>
 
-<file path=ppt/tags/tag64.xml><?xml version="1.0" encoding="utf-8"?>
+<file path=ppt/tags/tag69.xml><?xml version="1.0" encoding="utf-8"?>
 <p:tagLst xmlns:a="http://schemas.openxmlformats.org/drawingml/2006/main" xmlns:r="http://schemas.openxmlformats.org/officeDocument/2006/relationships" xmlns:p="http://schemas.openxmlformats.org/presentationml/2006/main">
   <p:tag name="KSO_WM_TAG_VERSION" val="1.0"/>
   <p:tag name="KSO_WM_SLIDE_ITEM_CNT" val="6"/>
@@ -13347,7 +15422,19 @@
 </p:tagLst>
 </file>
 
-<file path=ppt/tags/tag65.xml><?xml version="1.0" encoding="utf-8"?>
+<file path=ppt/tags/tag7.xml><?xml version="1.0" encoding="utf-8"?>
+<p:tagLst xmlns:a="http://schemas.openxmlformats.org/drawingml/2006/main" xmlns:r="http://schemas.openxmlformats.org/officeDocument/2006/relationships" xmlns:p="http://schemas.openxmlformats.org/presentationml/2006/main">
+  <p:tag name="KSO_WM_TAG_VERSION" val="1.0"/>
+  <p:tag name="KSO_WM_BEAUTIFY_FLAG" val="#wm#"/>
+  <p:tag name="KSO_WM_UNIT_TYPE" val="i"/>
+  <p:tag name="KSO_WM_UNIT_ID" val="custom222_7*i*0"/>
+  <p:tag name="KSO_WM_TEMPLATE_CATEGORY" val="custom"/>
+  <p:tag name="KSO_WM_TEMPLATE_INDEX" val="222"/>
+  <p:tag name="KSO_WM_UNIT_INDEX" val="0"/>
+</p:tagLst>
+</file>
+
+<file path=ppt/tags/tag70.xml><?xml version="1.0" encoding="utf-8"?>
 <p:tagLst xmlns:a="http://schemas.openxmlformats.org/drawingml/2006/main" xmlns:r="http://schemas.openxmlformats.org/officeDocument/2006/relationships" xmlns:p="http://schemas.openxmlformats.org/presentationml/2006/main">
   <p:tag name="KSO_WM_TEMPLATE_CATEGORY" val="custom"/>
   <p:tag name="KSO_WM_TEMPLATE_INDEX" val="20181595"/>
@@ -13370,7 +15457,7 @@
 </p:tagLst>
 </file>
 
-<file path=ppt/tags/tag66.xml><?xml version="1.0" encoding="utf-8"?>
+<file path=ppt/tags/tag71.xml><?xml version="1.0" encoding="utf-8"?>
 <p:tagLst xmlns:a="http://schemas.openxmlformats.org/drawingml/2006/main" xmlns:r="http://schemas.openxmlformats.org/officeDocument/2006/relationships" xmlns:p="http://schemas.openxmlformats.org/presentationml/2006/main">
   <p:tag name="KSO_WM_TEMPLATE_CATEGORY" val="custom"/>
   <p:tag name="KSO_WM_TEMPLATE_INDEX" val="20181595"/>
@@ -13389,7 +15476,7 @@
 </p:tagLst>
 </file>
 
-<file path=ppt/tags/tag67.xml><?xml version="1.0" encoding="utf-8"?>
+<file path=ppt/tags/tag72.xml><?xml version="1.0" encoding="utf-8"?>
 <p:tagLst xmlns:a="http://schemas.openxmlformats.org/drawingml/2006/main" xmlns:r="http://schemas.openxmlformats.org/officeDocument/2006/relationships" xmlns:p="http://schemas.openxmlformats.org/presentationml/2006/main">
   <p:tag name="KSO_WM_TAG_VERSION" val="1.0"/>
   <p:tag name="KSO_WM_SLIDE_ITEM_CNT" val="4"/>
@@ -13409,7 +15496,7 @@
 </p:tagLst>
 </file>
 
-<file path=ppt/tags/tag68.xml><?xml version="1.0" encoding="utf-8"?>
+<file path=ppt/tags/tag73.xml><?xml version="1.0" encoding="utf-8"?>
 <p:tagLst xmlns:a="http://schemas.openxmlformats.org/drawingml/2006/main" xmlns:r="http://schemas.openxmlformats.org/officeDocument/2006/relationships" xmlns:p="http://schemas.openxmlformats.org/presentationml/2006/main">
   <p:tag name="KSO_WM_TEMPLATE_CATEGORY" val="custom"/>
   <p:tag name="KSO_WM_TEMPLATE_INDEX" val="20181595"/>
@@ -13432,7 +15519,50 @@
 </p:tagLst>
 </file>
 
-<file path=ppt/tags/tag69.xml><?xml version="1.0" encoding="utf-8"?>
+<file path=ppt/tags/tag74.xml><?xml version="1.0" encoding="utf-8"?>
+<p:tagLst xmlns:a="http://schemas.openxmlformats.org/drawingml/2006/main" xmlns:r="http://schemas.openxmlformats.org/officeDocument/2006/relationships" xmlns:p="http://schemas.openxmlformats.org/presentationml/2006/main">
+  <p:tag name="KSO_WM_TAG_VERSION" val="1.0"/>
+  <p:tag name="KSO_WM_SLIDE_ITEM_CNT" val="4"/>
+  <p:tag name="KSO_WM_SLIDE_LAYOUT" val="a_l"/>
+  <p:tag name="KSO_WM_SLIDE_LAYOUT_CNT" val="1_1"/>
+  <p:tag name="KSO_WM_SLIDE_TYPE" val="contents"/>
+  <p:tag name="KSO_WM_BEAUTIFY_FLAG" val="#wm#"/>
+  <p:tag name="KSO_WM_SLIDE_POSITION" val="66*136"/>
+  <p:tag name="KSO_WM_SLIDE_SIZE" val="828*350"/>
+  <p:tag name="KSO_WM_COMBINE_RELATE_SLIDE_ID" val="custom20180888_9"/>
+  <p:tag name="KSO_WM_TEMPLATE_CATEGORY" val="custom"/>
+  <p:tag name="KSO_WM_TEMPLATE_INDEX" val="20181595"/>
+  <p:tag name="KSO_WM_SLIDE_ID" val="custom20181595_9"/>
+  <p:tag name="KSO_WM_SLIDE_INDEX" val="9"/>
+  <p:tag name="KSO_WM_DIAGRAM_GROUP_CODE" val="l1-1"/>
+  <p:tag name="KSO_WM_TEMPLATE_SUBCATEGORY" val="combine"/>
+</p:tagLst>
+</file>
+
+<file path=ppt/tags/tag75.xml><?xml version="1.0" encoding="utf-8"?>
+<p:tagLst xmlns:a="http://schemas.openxmlformats.org/drawingml/2006/main" xmlns:r="http://schemas.openxmlformats.org/officeDocument/2006/relationships" xmlns:p="http://schemas.openxmlformats.org/presentationml/2006/main">
+  <p:tag name="KSO_WM_TEMPLATE_CATEGORY" val="custom"/>
+  <p:tag name="KSO_WM_TEMPLATE_INDEX" val="20181595"/>
+  <p:tag name="KSO_WM_TAG_VERSION" val="1.0"/>
+  <p:tag name="KSO_WM_BEAUTIFY_FLAG" val="#wm#"/>
+  <p:tag name="KSO_WM_UNIT_TYPE" val="a"/>
+  <p:tag name="KSO_WM_UNIT_INDEX" val="1"/>
+  <p:tag name="KSO_WM_UNIT_LAYERLEVEL" val="1"/>
+  <p:tag name="KSO_WM_UNIT_ISCONTENTSTITLE" val="1"/>
+  <p:tag name="KSO_WM_UNIT_VALUE" val="12"/>
+  <p:tag name="KSO_WM_UNIT_HIGHLIGHT" val="0"/>
+  <p:tag name="KSO_WM_UNIT_COMPATIBLE" val="0"/>
+  <p:tag name="KSO_WM_UNIT_CLEAR" val="0"/>
+  <p:tag name="KSO_WM_DIAGRAM_GROUP_CODE" val="l1_1"/>
+  <p:tag name="KSO_WM_UNIT_ID" val="custom20181595_9*a*1"/>
+  <p:tag name="KSO_WM_UNIT_PRESET_TEXT" val="CONTENTS"/>
+  <p:tag name="KSO_WM_UNIT_TEXT_FILL_FORE_SCHEMECOLOR_INDEX" val="6"/>
+  <p:tag name="KSO_WM_UNIT_TEXT_FILL_TYPE" val="1"/>
+  <p:tag name="KSO_WM_UNIT_USESOURCEFORMAT_APPLY" val="1"/>
+</p:tagLst>
+</file>
+
+<file path=ppt/tags/tag76.xml><?xml version="1.0" encoding="utf-8"?>
 <p:tagLst xmlns:a="http://schemas.openxmlformats.org/drawingml/2006/main" xmlns:r="http://schemas.openxmlformats.org/officeDocument/2006/relationships" xmlns:p="http://schemas.openxmlformats.org/presentationml/2006/main">
   <p:tag name="KSO_WM_TEMPLATE_CATEGORY" val="custom"/>
   <p:tag name="KSO_WM_TEMPLATE_INDEX" val="20181595"/>
@@ -13449,19 +15579,7 @@
 </p:tagLst>
 </file>
 
-<file path=ppt/tags/tag7.xml><?xml version="1.0" encoding="utf-8"?>
-<p:tagLst xmlns:a="http://schemas.openxmlformats.org/drawingml/2006/main" xmlns:r="http://schemas.openxmlformats.org/officeDocument/2006/relationships" xmlns:p="http://schemas.openxmlformats.org/presentationml/2006/main">
-  <p:tag name="KSO_WM_TAG_VERSION" val="1.0"/>
-  <p:tag name="KSO_WM_BEAUTIFY_FLAG" val="#wm#"/>
-  <p:tag name="KSO_WM_UNIT_TYPE" val="i"/>
-  <p:tag name="KSO_WM_UNIT_ID" val="custom222_7*i*0"/>
-  <p:tag name="KSO_WM_TEMPLATE_CATEGORY" val="custom"/>
-  <p:tag name="KSO_WM_TEMPLATE_INDEX" val="222"/>
-  <p:tag name="KSO_WM_UNIT_INDEX" val="0"/>
-</p:tagLst>
-</file>
-
-<file path=ppt/tags/tag70.xml><?xml version="1.0" encoding="utf-8"?>
+<file path=ppt/tags/tag77.xml><?xml version="1.0" encoding="utf-8"?>
 <p:tagLst xmlns:a="http://schemas.openxmlformats.org/drawingml/2006/main" xmlns:r="http://schemas.openxmlformats.org/officeDocument/2006/relationships" xmlns:p="http://schemas.openxmlformats.org/presentationml/2006/main">
   <p:tag name="KSO_WM_TEMPLATE_CATEGORY" val="custom"/>
   <p:tag name="KSO_WM_TEMPLATE_INDEX" val="20181595"/>
@@ -13484,7 +15602,7 @@
 </p:tagLst>
 </file>
 
-<file path=ppt/tags/tag71.xml><?xml version="1.0" encoding="utf-8"?>
+<file path=ppt/tags/tag78.xml><?xml version="1.0" encoding="utf-8"?>
 <p:tagLst xmlns:a="http://schemas.openxmlformats.org/drawingml/2006/main" xmlns:r="http://schemas.openxmlformats.org/officeDocument/2006/relationships" xmlns:p="http://schemas.openxmlformats.org/presentationml/2006/main">
   <p:tag name="KSO_WM_TEMPLATE_CATEGORY" val="custom"/>
   <p:tag name="KSO_WM_TEMPLATE_INDEX" val="20181595"/>
@@ -13507,7 +15625,7 @@
 </p:tagLst>
 </file>
 
-<file path=ppt/tags/tag72.xml><?xml version="1.0" encoding="utf-8"?>
+<file path=ppt/tags/tag79.xml><?xml version="1.0" encoding="utf-8"?>
 <p:tagLst xmlns:a="http://schemas.openxmlformats.org/drawingml/2006/main" xmlns:r="http://schemas.openxmlformats.org/officeDocument/2006/relationships" xmlns:p="http://schemas.openxmlformats.org/presentationml/2006/main">
   <p:tag name="KSO_WM_TEMPLATE_CATEGORY" val="custom"/>
   <p:tag name="KSO_WM_TEMPLATE_INDEX" val="20181595"/>
@@ -13518,158 +15636,6 @@
   <p:tag name="KSO_WM_UNIT_LAYERLEVEL" val="1_1_1"/>
   <p:tag name="KSO_WM_DIAGRAM_GROUP_CODE" val="l1-1"/>
   <p:tag name="KSO_WM_UNIT_ID" val="custom20181595_9*l_h_i*1_2_1"/>
-  <p:tag name="KSO_WM_UNIT_TEXT_FILL_FORE_SCHEMECOLOR_INDEX" val="6"/>
-  <p:tag name="KSO_WM_UNIT_TEXT_FILL_TYPE" val="1"/>
-  <p:tag name="KSO_WM_UNIT_USESOURCEFORMAT_APPLY" val="1"/>
-</p:tagLst>
-</file>
-
-<file path=ppt/tags/tag73.xml><?xml version="1.0" encoding="utf-8"?>
-<p:tagLst xmlns:a="http://schemas.openxmlformats.org/drawingml/2006/main" xmlns:r="http://schemas.openxmlformats.org/officeDocument/2006/relationships" xmlns:p="http://schemas.openxmlformats.org/presentationml/2006/main">
-  <p:tag name="KSO_WM_TEMPLATE_CATEGORY" val="custom"/>
-  <p:tag name="KSO_WM_TEMPLATE_INDEX" val="20181595"/>
-  <p:tag name="KSO_WM_TAG_VERSION" val="1.0"/>
-  <p:tag name="KSO_WM_BEAUTIFY_FLAG" val="#wm#"/>
-  <p:tag name="KSO_WM_UNIT_TYPE" val="l_h_a"/>
-  <p:tag name="KSO_WM_UNIT_INDEX" val="1_2_1"/>
-  <p:tag name="KSO_WM_UNIT_LAYERLEVEL" val="1_1_1"/>
-  <p:tag name="KSO_WM_UNIT_VALUE" val="14"/>
-  <p:tag name="KSO_WM_UNIT_HIGHLIGHT" val="0"/>
-  <p:tag name="KSO_WM_UNIT_COMPATIBLE" val="0"/>
-  <p:tag name="KSO_WM_UNIT_CLEAR" val="0"/>
-  <p:tag name="KSO_WM_UNIT_PRESET_TEXT_INDEX" val="3"/>
-  <p:tag name="KSO_WM_UNIT_PRESET_TEXT_LEN" val="17"/>
-  <p:tag name="KSO_WM_DIAGRAM_GROUP_CODE" val="l1-1"/>
-  <p:tag name="KSO_WM_UNIT_ID" val="custom20181595_9*l_h_a*1_2_1"/>
-  <p:tag name="KSO_WM_UNIT_TEXT_FILL_FORE_SCHEMECOLOR_INDEX" val="6"/>
-  <p:tag name="KSO_WM_UNIT_TEXT_FILL_TYPE" val="1"/>
-  <p:tag name="KSO_WM_UNIT_USESOURCEFORMAT_APPLY" val="1"/>
-</p:tagLst>
-</file>
-
-<file path=ppt/tags/tag74.xml><?xml version="1.0" encoding="utf-8"?>
-<p:tagLst xmlns:a="http://schemas.openxmlformats.org/drawingml/2006/main" xmlns:r="http://schemas.openxmlformats.org/officeDocument/2006/relationships" xmlns:p="http://schemas.openxmlformats.org/presentationml/2006/main">
-  <p:tag name="KSO_WM_TEMPLATE_CATEGORY" val="custom"/>
-  <p:tag name="KSO_WM_TEMPLATE_INDEX" val="20181595"/>
-  <p:tag name="KSO_WM_TAG_VERSION" val="1.0"/>
-  <p:tag name="KSO_WM_BEAUTIFY_FLAG" val="#wm#"/>
-  <p:tag name="KSO_WM_UNIT_TYPE" val="l_h_f"/>
-  <p:tag name="KSO_WM_UNIT_INDEX" val="1_2_1"/>
-  <p:tag name="KSO_WM_UNIT_LAYERLEVEL" val="1_1_1"/>
-  <p:tag name="KSO_WM_UNIT_VALUE" val="26"/>
-  <p:tag name="KSO_WM_UNIT_HIGHLIGHT" val="0"/>
-  <p:tag name="KSO_WM_UNIT_COMPATIBLE" val="0"/>
-  <p:tag name="KSO_WM_UNIT_CLEAR" val="0"/>
-  <p:tag name="KSO_WM_UNIT_PRESET_TEXT_INDEX" val="4"/>
-  <p:tag name="KSO_WM_UNIT_PRESET_TEXT_LEN" val="57"/>
-  <p:tag name="KSO_WM_DIAGRAM_GROUP_CODE" val="l1-1"/>
-  <p:tag name="KSO_WM_UNIT_ID" val="custom20181595_9*l_h_f*1_2_1"/>
-  <p:tag name="KSO_WM_UNIT_TEXT_FILL_FORE_SCHEMECOLOR_INDEX" val="13"/>
-  <p:tag name="KSO_WM_UNIT_TEXT_FILL_TYPE" val="1"/>
-  <p:tag name="KSO_WM_UNIT_USESOURCEFORMAT_APPLY" val="1"/>
-</p:tagLst>
-</file>
-
-<file path=ppt/tags/tag75.xml><?xml version="1.0" encoding="utf-8"?>
-<p:tagLst xmlns:a="http://schemas.openxmlformats.org/drawingml/2006/main" xmlns:r="http://schemas.openxmlformats.org/officeDocument/2006/relationships" xmlns:p="http://schemas.openxmlformats.org/presentationml/2006/main">
-  <p:tag name="KSO_WM_TEMPLATE_CATEGORY" val="custom"/>
-  <p:tag name="KSO_WM_TEMPLATE_INDEX" val="20181595"/>
-  <p:tag name="KSO_WM_TAG_VERSION" val="1.0"/>
-  <p:tag name="KSO_WM_BEAUTIFY_FLAG" val="#wm#"/>
-  <p:tag name="KSO_WM_UNIT_TYPE" val="l_h_i"/>
-  <p:tag name="KSO_WM_UNIT_INDEX" val="1_3_1"/>
-  <p:tag name="KSO_WM_UNIT_LAYERLEVEL" val="1_1_1"/>
-  <p:tag name="KSO_WM_DIAGRAM_GROUP_CODE" val="l1-1"/>
-  <p:tag name="KSO_WM_UNIT_ID" val="custom20181595_9*l_h_i*1_3_1"/>
-  <p:tag name="KSO_WM_UNIT_TEXT_FILL_FORE_SCHEMECOLOR_INDEX" val="6"/>
-  <p:tag name="KSO_WM_UNIT_TEXT_FILL_TYPE" val="1"/>
-  <p:tag name="KSO_WM_UNIT_USESOURCEFORMAT_APPLY" val="1"/>
-</p:tagLst>
-</file>
-
-<file path=ppt/tags/tag76.xml><?xml version="1.0" encoding="utf-8"?>
-<p:tagLst xmlns:a="http://schemas.openxmlformats.org/drawingml/2006/main" xmlns:r="http://schemas.openxmlformats.org/officeDocument/2006/relationships" xmlns:p="http://schemas.openxmlformats.org/presentationml/2006/main">
-  <p:tag name="KSO_WM_TEMPLATE_CATEGORY" val="custom"/>
-  <p:tag name="KSO_WM_TEMPLATE_INDEX" val="20181595"/>
-  <p:tag name="KSO_WM_TAG_VERSION" val="1.0"/>
-  <p:tag name="KSO_WM_BEAUTIFY_FLAG" val="#wm#"/>
-  <p:tag name="KSO_WM_UNIT_TYPE" val="l_h_a"/>
-  <p:tag name="KSO_WM_UNIT_INDEX" val="1_3_1"/>
-  <p:tag name="KSO_WM_UNIT_LAYERLEVEL" val="1_1_1"/>
-  <p:tag name="KSO_WM_UNIT_VALUE" val="14"/>
-  <p:tag name="KSO_WM_UNIT_HIGHLIGHT" val="0"/>
-  <p:tag name="KSO_WM_UNIT_COMPATIBLE" val="0"/>
-  <p:tag name="KSO_WM_UNIT_CLEAR" val="0"/>
-  <p:tag name="KSO_WM_UNIT_PRESET_TEXT_INDEX" val="3"/>
-  <p:tag name="KSO_WM_UNIT_PRESET_TEXT_LEN" val="17"/>
-  <p:tag name="KSO_WM_DIAGRAM_GROUP_CODE" val="l1-1"/>
-  <p:tag name="KSO_WM_UNIT_ID" val="custom20181595_9*l_h_a*1_3_1"/>
-  <p:tag name="KSO_WM_UNIT_TEXT_FILL_FORE_SCHEMECOLOR_INDEX" val="6"/>
-  <p:tag name="KSO_WM_UNIT_TEXT_FILL_TYPE" val="1"/>
-  <p:tag name="KSO_WM_UNIT_USESOURCEFORMAT_APPLY" val="1"/>
-</p:tagLst>
-</file>
-
-<file path=ppt/tags/tag77.xml><?xml version="1.0" encoding="utf-8"?>
-<p:tagLst xmlns:a="http://schemas.openxmlformats.org/drawingml/2006/main" xmlns:r="http://schemas.openxmlformats.org/officeDocument/2006/relationships" xmlns:p="http://schemas.openxmlformats.org/presentationml/2006/main">
-  <p:tag name="KSO_WM_TEMPLATE_CATEGORY" val="custom"/>
-  <p:tag name="KSO_WM_TEMPLATE_INDEX" val="20181595"/>
-  <p:tag name="KSO_WM_TAG_VERSION" val="1.0"/>
-  <p:tag name="KSO_WM_BEAUTIFY_FLAG" val="#wm#"/>
-  <p:tag name="KSO_WM_UNIT_TYPE" val="l_h_f"/>
-  <p:tag name="KSO_WM_UNIT_INDEX" val="1_3_1"/>
-  <p:tag name="KSO_WM_UNIT_LAYERLEVEL" val="1_1_1"/>
-  <p:tag name="KSO_WM_UNIT_VALUE" val="26"/>
-  <p:tag name="KSO_WM_UNIT_HIGHLIGHT" val="0"/>
-  <p:tag name="KSO_WM_UNIT_COMPATIBLE" val="0"/>
-  <p:tag name="KSO_WM_UNIT_CLEAR" val="0"/>
-  <p:tag name="KSO_WM_UNIT_PRESET_TEXT_INDEX" val="4"/>
-  <p:tag name="KSO_WM_UNIT_PRESET_TEXT_LEN" val="57"/>
-  <p:tag name="KSO_WM_DIAGRAM_GROUP_CODE" val="l1-1"/>
-  <p:tag name="KSO_WM_UNIT_ID" val="custom20181595_9*l_h_f*1_3_1"/>
-  <p:tag name="KSO_WM_UNIT_TEXT_FILL_FORE_SCHEMECOLOR_INDEX" val="13"/>
-  <p:tag name="KSO_WM_UNIT_TEXT_FILL_TYPE" val="1"/>
-  <p:tag name="KSO_WM_UNIT_USESOURCEFORMAT_APPLY" val="1"/>
-</p:tagLst>
-</file>
-
-<file path=ppt/tags/tag78.xml><?xml version="1.0" encoding="utf-8"?>
-<p:tagLst xmlns:a="http://schemas.openxmlformats.org/drawingml/2006/main" xmlns:r="http://schemas.openxmlformats.org/officeDocument/2006/relationships" xmlns:p="http://schemas.openxmlformats.org/presentationml/2006/main">
-  <p:tag name="KSO_WM_TAG_VERSION" val="1.0"/>
-  <p:tag name="KSO_WM_SLIDE_ITEM_CNT" val="4"/>
-  <p:tag name="KSO_WM_SLIDE_LAYOUT" val="a_l"/>
-  <p:tag name="KSO_WM_SLIDE_LAYOUT_CNT" val="1_1"/>
-  <p:tag name="KSO_WM_SLIDE_TYPE" val="contents"/>
-  <p:tag name="KSO_WM_BEAUTIFY_FLAG" val="#wm#"/>
-  <p:tag name="KSO_WM_SLIDE_POSITION" val="66*136"/>
-  <p:tag name="KSO_WM_SLIDE_SIZE" val="828*350"/>
-  <p:tag name="KSO_WM_COMBINE_RELATE_SLIDE_ID" val="custom20180888_9"/>
-  <p:tag name="KSO_WM_TEMPLATE_CATEGORY" val="custom"/>
-  <p:tag name="KSO_WM_TEMPLATE_INDEX" val="20181595"/>
-  <p:tag name="KSO_WM_SLIDE_ID" val="custom20181595_9"/>
-  <p:tag name="KSO_WM_SLIDE_INDEX" val="9"/>
-  <p:tag name="KSO_WM_DIAGRAM_GROUP_CODE" val="l1-1"/>
-  <p:tag name="KSO_WM_TEMPLATE_SUBCATEGORY" val="combine"/>
-</p:tagLst>
-</file>
-
-<file path=ppt/tags/tag79.xml><?xml version="1.0" encoding="utf-8"?>
-<p:tagLst xmlns:a="http://schemas.openxmlformats.org/drawingml/2006/main" xmlns:r="http://schemas.openxmlformats.org/officeDocument/2006/relationships" xmlns:p="http://schemas.openxmlformats.org/presentationml/2006/main">
-  <p:tag name="KSO_WM_TEMPLATE_CATEGORY" val="custom"/>
-  <p:tag name="KSO_WM_TEMPLATE_INDEX" val="20181595"/>
-  <p:tag name="KSO_WM_TAG_VERSION" val="1.0"/>
-  <p:tag name="KSO_WM_BEAUTIFY_FLAG" val="#wm#"/>
-  <p:tag name="KSO_WM_UNIT_TYPE" val="a"/>
-  <p:tag name="KSO_WM_UNIT_INDEX" val="1"/>
-  <p:tag name="KSO_WM_UNIT_LAYERLEVEL" val="1"/>
-  <p:tag name="KSO_WM_UNIT_ISCONTENTSTITLE" val="1"/>
-  <p:tag name="KSO_WM_UNIT_VALUE" val="12"/>
-  <p:tag name="KSO_WM_UNIT_HIGHLIGHT" val="0"/>
-  <p:tag name="KSO_WM_UNIT_COMPATIBLE" val="0"/>
-  <p:tag name="KSO_WM_UNIT_CLEAR" val="0"/>
-  <p:tag name="KSO_WM_DIAGRAM_GROUP_CODE" val="l1_1"/>
-  <p:tag name="KSO_WM_UNIT_ID" val="custom20181595_9*a*1"/>
-  <p:tag name="KSO_WM_UNIT_PRESET_TEXT" val="CONTENTS"/>
   <p:tag name="KSO_WM_UNIT_TEXT_FILL_FORE_SCHEMECOLOR_INDEX" val="6"/>
   <p:tag name="KSO_WM_UNIT_TEXT_FILL_TYPE" val="1"/>
   <p:tag name="KSO_WM_UNIT_USESOURCEFORMAT_APPLY" val="1"/>
@@ -13696,20 +15662,24 @@
 
 <file path=ppt/tags/tag80.xml><?xml version="1.0" encoding="utf-8"?>
 <p:tagLst xmlns:a="http://schemas.openxmlformats.org/drawingml/2006/main" xmlns:r="http://schemas.openxmlformats.org/officeDocument/2006/relationships" xmlns:p="http://schemas.openxmlformats.org/presentationml/2006/main">
-  <p:tag name="KSO_WM_SLIDE_SIZE" val="817*369"/>
-  <p:tag name="KSO_WM_SLIDE_POSITION" val="77*122"/>
-  <p:tag name="KSO_WM_SLIDE_LAYOUT_CNT" val="1_1"/>
-  <p:tag name="KSO_WM_SLIDE_LAYOUT" val="a_f"/>
-  <p:tag name="KSO_WM_BEAUTIFY_FLAG" val="#wm#"/>
-  <p:tag name="KSO_WM_SLIDE_TYPE" val="text"/>
-  <p:tag name="KSO_WM_SLIDE_ITEM_CNT" val="1"/>
-  <p:tag name="KSO_WM_TAG_VERSION" val="1.0"/>
-  <p:tag name="KSO_WM_COMBINE_RELATE_SLIDE_ID" val="background20180943_2"/>
   <p:tag name="KSO_WM_TEMPLATE_CATEGORY" val="custom"/>
   <p:tag name="KSO_WM_TEMPLATE_INDEX" val="20181595"/>
-  <p:tag name="KSO_WM_SLIDE_ID" val="custom20181595_2"/>
-  <p:tag name="KSO_WM_SLIDE_INDEX" val="2"/>
-  <p:tag name="KSO_WM_TEMPLATE_SUBCATEGORY" val="combine"/>
+  <p:tag name="KSO_WM_TAG_VERSION" val="1.0"/>
+  <p:tag name="KSO_WM_BEAUTIFY_FLAG" val="#wm#"/>
+  <p:tag name="KSO_WM_UNIT_TYPE" val="l_h_a"/>
+  <p:tag name="KSO_WM_UNIT_INDEX" val="1_2_1"/>
+  <p:tag name="KSO_WM_UNIT_LAYERLEVEL" val="1_1_1"/>
+  <p:tag name="KSO_WM_UNIT_VALUE" val="14"/>
+  <p:tag name="KSO_WM_UNIT_HIGHLIGHT" val="0"/>
+  <p:tag name="KSO_WM_UNIT_COMPATIBLE" val="0"/>
+  <p:tag name="KSO_WM_UNIT_CLEAR" val="0"/>
+  <p:tag name="KSO_WM_UNIT_PRESET_TEXT_INDEX" val="3"/>
+  <p:tag name="KSO_WM_UNIT_PRESET_TEXT_LEN" val="17"/>
+  <p:tag name="KSO_WM_DIAGRAM_GROUP_CODE" val="l1-1"/>
+  <p:tag name="KSO_WM_UNIT_ID" val="custom20181595_9*l_h_a*1_2_1"/>
+  <p:tag name="KSO_WM_UNIT_TEXT_FILL_FORE_SCHEMECOLOR_INDEX" val="6"/>
+  <p:tag name="KSO_WM_UNIT_TEXT_FILL_TYPE" val="1"/>
+  <p:tag name="KSO_WM_UNIT_USESOURCEFORMAT_APPLY" val="1"/>
 </p:tagLst>
 </file>
 
@@ -13719,16 +15689,20 @@
   <p:tag name="KSO_WM_TEMPLATE_INDEX" val="20181595"/>
   <p:tag name="KSO_WM_TAG_VERSION" val="1.0"/>
   <p:tag name="KSO_WM_BEAUTIFY_FLAG" val="#wm#"/>
-  <p:tag name="KSO_WM_UNIT_PRESET_TEXT_LEN" val="465"/>
-  <p:tag name="KSO_WM_UNIT_PRESET_TEXT_INDEX" val="5"/>
+  <p:tag name="KSO_WM_UNIT_TYPE" val="l_h_f"/>
+  <p:tag name="KSO_WM_UNIT_INDEX" val="1_2_1"/>
+  <p:tag name="KSO_WM_UNIT_LAYERLEVEL" val="1_1_1"/>
+  <p:tag name="KSO_WM_UNIT_VALUE" val="26"/>
+  <p:tag name="KSO_WM_UNIT_HIGHLIGHT" val="0"/>
+  <p:tag name="KSO_WM_UNIT_COMPATIBLE" val="0"/>
   <p:tag name="KSO_WM_UNIT_CLEAR" val="0"/>
-  <p:tag name="KSO_WM_UNIT_COMPATIBLE" val="0"/>
-  <p:tag name="KSO_WM_UNIT_HIGHLIGHT" val="0"/>
-  <p:tag name="KSO_WM_UNIT_VALUE" val="616"/>
-  <p:tag name="KSO_WM_UNIT_LAYERLEVEL" val="1"/>
-  <p:tag name="KSO_WM_UNIT_INDEX" val="1"/>
-  <p:tag name="KSO_WM_UNIT_TYPE" val="f"/>
-  <p:tag name="KSO_WM_UNIT_ID" val="custom20181595_2*f*1"/>
+  <p:tag name="KSO_WM_UNIT_PRESET_TEXT_INDEX" val="4"/>
+  <p:tag name="KSO_WM_UNIT_PRESET_TEXT_LEN" val="57"/>
+  <p:tag name="KSO_WM_DIAGRAM_GROUP_CODE" val="l1-1"/>
+  <p:tag name="KSO_WM_UNIT_ID" val="custom20181595_9*l_h_f*1_2_1"/>
+  <p:tag name="KSO_WM_UNIT_TEXT_FILL_FORE_SCHEMECOLOR_INDEX" val="13"/>
+  <p:tag name="KSO_WM_UNIT_TEXT_FILL_TYPE" val="1"/>
+  <p:tag name="KSO_WM_UNIT_USESOURCEFORMAT_APPLY" val="1"/>
 </p:tagLst>
 </file>
 
@@ -13738,64 +15712,41 @@
   <p:tag name="KSO_WM_TEMPLATE_INDEX" val="20181595"/>
   <p:tag name="KSO_WM_TAG_VERSION" val="1.0"/>
   <p:tag name="KSO_WM_BEAUTIFY_FLAG" val="#wm#"/>
-  <p:tag name="KSO_WM_UNIT_TYPE" val="a"/>
-  <p:tag name="KSO_WM_UNIT_INDEX" val="1"/>
-  <p:tag name="KSO_WM_UNIT_LAYERLEVEL" val="1"/>
-  <p:tag name="KSO_WM_UNIT_VALUE" val="50"/>
-  <p:tag name="KSO_WM_UNIT_ISCONTENTSTITLE" val="0"/>
-  <p:tag name="KSO_WM_UNIT_HIGHLIGHT" val="0"/>
-  <p:tag name="KSO_WM_UNIT_COMPATIBLE" val="0"/>
-  <p:tag name="KSO_WM_UNIT_CLEAR" val="0"/>
-  <p:tag name="KSO_WM_UNIT_PRESET_TEXT_INDEX" val="3"/>
-  <p:tag name="KSO_WM_UNIT_PRESET_TEXT_LEN" val="17"/>
-  <p:tag name="KSO_WM_UNIT_ID" val="custom20181595_2*a*1"/>
-</p:tagLst>
-</file>
-
-<file path=ppt/tags/tag83.xml><?xml version="1.0" encoding="utf-8"?>
-<p:tagLst xmlns:a="http://schemas.openxmlformats.org/drawingml/2006/main" xmlns:r="http://schemas.openxmlformats.org/officeDocument/2006/relationships" xmlns:p="http://schemas.openxmlformats.org/presentationml/2006/main">
-  <p:tag name="KSO_WM_TAG_VERSION" val="1.0"/>
-  <p:tag name="KSO_WM_SLIDE_ITEM_CNT" val="4"/>
-  <p:tag name="KSO_WM_SLIDE_LAYOUT" val="a_l"/>
-  <p:tag name="KSO_WM_SLIDE_LAYOUT_CNT" val="1_1"/>
-  <p:tag name="KSO_WM_SLIDE_TYPE" val="contents"/>
-  <p:tag name="KSO_WM_BEAUTIFY_FLAG" val="#wm#"/>
-  <p:tag name="KSO_WM_SLIDE_POSITION" val="66*136"/>
-  <p:tag name="KSO_WM_SLIDE_SIZE" val="828*350"/>
-  <p:tag name="KSO_WM_COMBINE_RELATE_SLIDE_ID" val="custom20180888_9"/>
-  <p:tag name="KSO_WM_TEMPLATE_CATEGORY" val="custom"/>
-  <p:tag name="KSO_WM_TEMPLATE_INDEX" val="20181595"/>
-  <p:tag name="KSO_WM_SLIDE_ID" val="custom20181595_9"/>
-  <p:tag name="KSO_WM_SLIDE_INDEX" val="9"/>
+  <p:tag name="KSO_WM_UNIT_TYPE" val="l_h_i"/>
+  <p:tag name="KSO_WM_UNIT_INDEX" val="1_3_1"/>
+  <p:tag name="KSO_WM_UNIT_LAYERLEVEL" val="1_1_1"/>
   <p:tag name="KSO_WM_DIAGRAM_GROUP_CODE" val="l1-1"/>
-  <p:tag name="KSO_WM_TEMPLATE_SUBCATEGORY" val="combine"/>
-</p:tagLst>
-</file>
-
-<file path=ppt/tags/tag84.xml><?xml version="1.0" encoding="utf-8"?>
-<p:tagLst xmlns:a="http://schemas.openxmlformats.org/drawingml/2006/main" xmlns:r="http://schemas.openxmlformats.org/officeDocument/2006/relationships" xmlns:p="http://schemas.openxmlformats.org/presentationml/2006/main">
-  <p:tag name="KSO_WM_TEMPLATE_CATEGORY" val="custom"/>
-  <p:tag name="KSO_WM_TEMPLATE_INDEX" val="20181595"/>
-  <p:tag name="KSO_WM_TAG_VERSION" val="1.0"/>
-  <p:tag name="KSO_WM_BEAUTIFY_FLAG" val="#wm#"/>
-  <p:tag name="KSO_WM_UNIT_TYPE" val="a"/>
-  <p:tag name="KSO_WM_UNIT_INDEX" val="1"/>
-  <p:tag name="KSO_WM_UNIT_LAYERLEVEL" val="1"/>
-  <p:tag name="KSO_WM_UNIT_ISCONTENTSTITLE" val="1"/>
-  <p:tag name="KSO_WM_UNIT_VALUE" val="12"/>
-  <p:tag name="KSO_WM_UNIT_HIGHLIGHT" val="0"/>
-  <p:tag name="KSO_WM_UNIT_COMPATIBLE" val="0"/>
-  <p:tag name="KSO_WM_UNIT_CLEAR" val="0"/>
-  <p:tag name="KSO_WM_DIAGRAM_GROUP_CODE" val="l1_1"/>
-  <p:tag name="KSO_WM_UNIT_ID" val="custom20181595_9*a*1"/>
-  <p:tag name="KSO_WM_UNIT_PRESET_TEXT" val="CONTENTS"/>
+  <p:tag name="KSO_WM_UNIT_ID" val="custom20181595_9*l_h_i*1_3_1"/>
   <p:tag name="KSO_WM_UNIT_TEXT_FILL_FORE_SCHEMECOLOR_INDEX" val="6"/>
   <p:tag name="KSO_WM_UNIT_TEXT_FILL_TYPE" val="1"/>
   <p:tag name="KSO_WM_UNIT_USESOURCEFORMAT_APPLY" val="1"/>
 </p:tagLst>
 </file>
 
-<file path=ppt/tags/tag85.xml><?xml version="1.0" encoding="utf-8"?>
+<file path=ppt/tags/tag83.xml><?xml version="1.0" encoding="utf-8"?>
+<p:tagLst xmlns:a="http://schemas.openxmlformats.org/drawingml/2006/main" xmlns:r="http://schemas.openxmlformats.org/officeDocument/2006/relationships" xmlns:p="http://schemas.openxmlformats.org/presentationml/2006/main">
+  <p:tag name="KSO_WM_TEMPLATE_CATEGORY" val="custom"/>
+  <p:tag name="KSO_WM_TEMPLATE_INDEX" val="20181595"/>
+  <p:tag name="KSO_WM_TAG_VERSION" val="1.0"/>
+  <p:tag name="KSO_WM_BEAUTIFY_FLAG" val="#wm#"/>
+  <p:tag name="KSO_WM_UNIT_TYPE" val="l_h_a"/>
+  <p:tag name="KSO_WM_UNIT_INDEX" val="1_3_1"/>
+  <p:tag name="KSO_WM_UNIT_LAYERLEVEL" val="1_1_1"/>
+  <p:tag name="KSO_WM_UNIT_VALUE" val="14"/>
+  <p:tag name="KSO_WM_UNIT_HIGHLIGHT" val="0"/>
+  <p:tag name="KSO_WM_UNIT_COMPATIBLE" val="0"/>
+  <p:tag name="KSO_WM_UNIT_CLEAR" val="0"/>
+  <p:tag name="KSO_WM_UNIT_PRESET_TEXT_INDEX" val="3"/>
+  <p:tag name="KSO_WM_UNIT_PRESET_TEXT_LEN" val="17"/>
+  <p:tag name="KSO_WM_DIAGRAM_GROUP_CODE" val="l1-1"/>
+  <p:tag name="KSO_WM_UNIT_ID" val="custom20181595_9*l_h_a*1_3_1"/>
+  <p:tag name="KSO_WM_UNIT_TEXT_FILL_FORE_SCHEMECOLOR_INDEX" val="6"/>
+  <p:tag name="KSO_WM_UNIT_TEXT_FILL_TYPE" val="1"/>
+  <p:tag name="KSO_WM_UNIT_USESOURCEFORMAT_APPLY" val="1"/>
+</p:tagLst>
+</file>
+
+<file path=ppt/tags/tag84.xml><?xml version="1.0" encoding="utf-8"?>
 <p:tagLst xmlns:a="http://schemas.openxmlformats.org/drawingml/2006/main" xmlns:r="http://schemas.openxmlformats.org/officeDocument/2006/relationships" xmlns:p="http://schemas.openxmlformats.org/presentationml/2006/main">
   <p:tag name="KSO_WM_TEMPLATE_CATEGORY" val="custom"/>
   <p:tag name="KSO_WM_TEMPLATE_INDEX" val="20181595"/>
@@ -13815,6 +15766,25 @@
   <p:tag name="KSO_WM_UNIT_TEXT_FILL_FORE_SCHEMECOLOR_INDEX" val="13"/>
   <p:tag name="KSO_WM_UNIT_TEXT_FILL_TYPE" val="1"/>
   <p:tag name="KSO_WM_UNIT_USESOURCEFORMAT_APPLY" val="1"/>
+</p:tagLst>
+</file>
+
+<file path=ppt/tags/tag85.xml><?xml version="1.0" encoding="utf-8"?>
+<p:tagLst xmlns:a="http://schemas.openxmlformats.org/drawingml/2006/main" xmlns:r="http://schemas.openxmlformats.org/officeDocument/2006/relationships" xmlns:p="http://schemas.openxmlformats.org/presentationml/2006/main">
+  <p:tag name="KSO_WM_SLIDE_SIZE" val="817*369"/>
+  <p:tag name="KSO_WM_SLIDE_POSITION" val="77*122"/>
+  <p:tag name="KSO_WM_SLIDE_LAYOUT_CNT" val="1_1"/>
+  <p:tag name="KSO_WM_SLIDE_LAYOUT" val="a_f"/>
+  <p:tag name="KSO_WM_BEAUTIFY_FLAG" val="#wm#"/>
+  <p:tag name="KSO_WM_SLIDE_TYPE" val="text"/>
+  <p:tag name="KSO_WM_SLIDE_ITEM_CNT" val="1"/>
+  <p:tag name="KSO_WM_TAG_VERSION" val="1.0"/>
+  <p:tag name="KSO_WM_COMBINE_RELATE_SLIDE_ID" val="background20180943_2"/>
+  <p:tag name="KSO_WM_TEMPLATE_CATEGORY" val="custom"/>
+  <p:tag name="KSO_WM_TEMPLATE_INDEX" val="20181595"/>
+  <p:tag name="KSO_WM_SLIDE_ID" val="custom20181595_2"/>
+  <p:tag name="KSO_WM_SLIDE_INDEX" val="2"/>
+  <p:tag name="KSO_WM_TEMPLATE_SUBCATEGORY" val="combine"/>
 </p:tagLst>
 </file>
 
@@ -13839,6 +15809,123 @@
 
 <file path=ppt/tags/tag87.xml><?xml version="1.0" encoding="utf-8"?>
 <p:tagLst xmlns:a="http://schemas.openxmlformats.org/drawingml/2006/main" xmlns:r="http://schemas.openxmlformats.org/officeDocument/2006/relationships" xmlns:p="http://schemas.openxmlformats.org/presentationml/2006/main">
+  <p:tag name="KSO_WM_TEMPLATE_CATEGORY" val="custom"/>
+  <p:tag name="KSO_WM_TEMPLATE_INDEX" val="20181595"/>
+  <p:tag name="KSO_WM_TAG_VERSION" val="1.0"/>
+  <p:tag name="KSO_WM_BEAUTIFY_FLAG" val="#wm#"/>
+  <p:tag name="KSO_WM_UNIT_TYPE" val="a"/>
+  <p:tag name="KSO_WM_UNIT_INDEX" val="1"/>
+  <p:tag name="KSO_WM_UNIT_LAYERLEVEL" val="1"/>
+  <p:tag name="KSO_WM_UNIT_VALUE" val="50"/>
+  <p:tag name="KSO_WM_UNIT_ISCONTENTSTITLE" val="0"/>
+  <p:tag name="KSO_WM_UNIT_HIGHLIGHT" val="0"/>
+  <p:tag name="KSO_WM_UNIT_COMPATIBLE" val="0"/>
+  <p:tag name="KSO_WM_UNIT_CLEAR" val="0"/>
+  <p:tag name="KSO_WM_UNIT_PRESET_TEXT_INDEX" val="3"/>
+  <p:tag name="KSO_WM_UNIT_PRESET_TEXT_LEN" val="17"/>
+  <p:tag name="KSO_WM_UNIT_ID" val="custom20181595_2*a*1"/>
+</p:tagLst>
+</file>
+
+<file path=ppt/tags/tag88.xml><?xml version="1.0" encoding="utf-8"?>
+<p:tagLst xmlns:a="http://schemas.openxmlformats.org/drawingml/2006/main" xmlns:r="http://schemas.openxmlformats.org/officeDocument/2006/relationships" xmlns:p="http://schemas.openxmlformats.org/presentationml/2006/main">
+  <p:tag name="KSO_WM_TAG_VERSION" val="1.0"/>
+  <p:tag name="KSO_WM_SLIDE_ITEM_CNT" val="4"/>
+  <p:tag name="KSO_WM_SLIDE_LAYOUT" val="a_l"/>
+  <p:tag name="KSO_WM_SLIDE_LAYOUT_CNT" val="1_1"/>
+  <p:tag name="KSO_WM_SLIDE_TYPE" val="contents"/>
+  <p:tag name="KSO_WM_BEAUTIFY_FLAG" val="#wm#"/>
+  <p:tag name="KSO_WM_SLIDE_POSITION" val="66*136"/>
+  <p:tag name="KSO_WM_SLIDE_SIZE" val="828*350"/>
+  <p:tag name="KSO_WM_COMBINE_RELATE_SLIDE_ID" val="custom20180888_9"/>
+  <p:tag name="KSO_WM_TEMPLATE_CATEGORY" val="custom"/>
+  <p:tag name="KSO_WM_TEMPLATE_INDEX" val="20181595"/>
+  <p:tag name="KSO_WM_SLIDE_ID" val="custom20181595_9"/>
+  <p:tag name="KSO_WM_SLIDE_INDEX" val="9"/>
+  <p:tag name="KSO_WM_DIAGRAM_GROUP_CODE" val="l1-1"/>
+  <p:tag name="KSO_WM_TEMPLATE_SUBCATEGORY" val="combine"/>
+</p:tagLst>
+</file>
+
+<file path=ppt/tags/tag89.xml><?xml version="1.0" encoding="utf-8"?>
+<p:tagLst xmlns:a="http://schemas.openxmlformats.org/drawingml/2006/main" xmlns:r="http://schemas.openxmlformats.org/officeDocument/2006/relationships" xmlns:p="http://schemas.openxmlformats.org/presentationml/2006/main">
+  <p:tag name="KSO_WM_TEMPLATE_CATEGORY" val="custom"/>
+  <p:tag name="KSO_WM_TEMPLATE_INDEX" val="20181595"/>
+  <p:tag name="KSO_WM_TAG_VERSION" val="1.0"/>
+  <p:tag name="KSO_WM_BEAUTIFY_FLAG" val="#wm#"/>
+  <p:tag name="KSO_WM_UNIT_TYPE" val="a"/>
+  <p:tag name="KSO_WM_UNIT_INDEX" val="1"/>
+  <p:tag name="KSO_WM_UNIT_LAYERLEVEL" val="1"/>
+  <p:tag name="KSO_WM_UNIT_ISCONTENTSTITLE" val="1"/>
+  <p:tag name="KSO_WM_UNIT_VALUE" val="12"/>
+  <p:tag name="KSO_WM_UNIT_HIGHLIGHT" val="0"/>
+  <p:tag name="KSO_WM_UNIT_COMPATIBLE" val="0"/>
+  <p:tag name="KSO_WM_UNIT_CLEAR" val="0"/>
+  <p:tag name="KSO_WM_DIAGRAM_GROUP_CODE" val="l1_1"/>
+  <p:tag name="KSO_WM_UNIT_ID" val="custom20181595_9*a*1"/>
+  <p:tag name="KSO_WM_UNIT_PRESET_TEXT" val="CONTENTS"/>
+  <p:tag name="KSO_WM_UNIT_TEXT_FILL_FORE_SCHEMECOLOR_INDEX" val="6"/>
+  <p:tag name="KSO_WM_UNIT_TEXT_FILL_TYPE" val="1"/>
+  <p:tag name="KSO_WM_UNIT_USESOURCEFORMAT_APPLY" val="1"/>
+</p:tagLst>
+</file>
+
+<file path=ppt/tags/tag9.xml><?xml version="1.0" encoding="utf-8"?>
+<p:tagLst xmlns:a="http://schemas.openxmlformats.org/drawingml/2006/main" xmlns:r="http://schemas.openxmlformats.org/officeDocument/2006/relationships" xmlns:p="http://schemas.openxmlformats.org/presentationml/2006/main">
+  <p:tag name="KSO_WM_TAG_VERSION" val="1.0"/>
+  <p:tag name="KSO_WM_BEAUTIFY_FLAG" val="#wm#"/>
+  <p:tag name="KSO_WM_UNIT_TYPE" val="i"/>
+  <p:tag name="KSO_WM_UNIT_ID" val="custom20181595_1*i*2"/>
+  <p:tag name="KSO_WM_TEMPLATE_CATEGORY" val="custom"/>
+  <p:tag name="KSO_WM_TEMPLATE_INDEX" val="20181595"/>
+  <p:tag name="KSO_WM_UNIT_INDEX" val="2"/>
+</p:tagLst>
+</file>
+
+<file path=ppt/tags/tag90.xml><?xml version="1.0" encoding="utf-8"?>
+<p:tagLst xmlns:a="http://schemas.openxmlformats.org/drawingml/2006/main" xmlns:r="http://schemas.openxmlformats.org/officeDocument/2006/relationships" xmlns:p="http://schemas.openxmlformats.org/presentationml/2006/main">
+  <p:tag name="KSO_WM_TEMPLATE_CATEGORY" val="custom"/>
+  <p:tag name="KSO_WM_TEMPLATE_INDEX" val="20181595"/>
+  <p:tag name="KSO_WM_TAG_VERSION" val="1.0"/>
+  <p:tag name="KSO_WM_BEAUTIFY_FLAG" val="#wm#"/>
+  <p:tag name="KSO_WM_UNIT_TYPE" val="l_h_f"/>
+  <p:tag name="KSO_WM_UNIT_INDEX" val="1_3_1"/>
+  <p:tag name="KSO_WM_UNIT_LAYERLEVEL" val="1_1_1"/>
+  <p:tag name="KSO_WM_UNIT_VALUE" val="26"/>
+  <p:tag name="KSO_WM_UNIT_HIGHLIGHT" val="0"/>
+  <p:tag name="KSO_WM_UNIT_COMPATIBLE" val="0"/>
+  <p:tag name="KSO_WM_UNIT_CLEAR" val="0"/>
+  <p:tag name="KSO_WM_UNIT_PRESET_TEXT_INDEX" val="4"/>
+  <p:tag name="KSO_WM_UNIT_PRESET_TEXT_LEN" val="57"/>
+  <p:tag name="KSO_WM_DIAGRAM_GROUP_CODE" val="l1-1"/>
+  <p:tag name="KSO_WM_UNIT_ID" val="custom20181595_9*l_h_f*1_3_1"/>
+  <p:tag name="KSO_WM_UNIT_TEXT_FILL_FORE_SCHEMECOLOR_INDEX" val="13"/>
+  <p:tag name="KSO_WM_UNIT_TEXT_FILL_TYPE" val="1"/>
+  <p:tag name="KSO_WM_UNIT_USESOURCEFORMAT_APPLY" val="1"/>
+</p:tagLst>
+</file>
+
+<file path=ppt/tags/tag91.xml><?xml version="1.0" encoding="utf-8"?>
+<p:tagLst xmlns:a="http://schemas.openxmlformats.org/drawingml/2006/main" xmlns:r="http://schemas.openxmlformats.org/officeDocument/2006/relationships" xmlns:p="http://schemas.openxmlformats.org/presentationml/2006/main">
+  <p:tag name="KSO_WM_TEMPLATE_CATEGORY" val="custom"/>
+  <p:tag name="KSO_WM_TEMPLATE_INDEX" val="20181595"/>
+  <p:tag name="KSO_WM_TAG_VERSION" val="1.0"/>
+  <p:tag name="KSO_WM_BEAUTIFY_FLAG" val="#wm#"/>
+  <p:tag name="KSO_WM_UNIT_PRESET_TEXT_LEN" val="465"/>
+  <p:tag name="KSO_WM_UNIT_PRESET_TEXT_INDEX" val="5"/>
+  <p:tag name="KSO_WM_UNIT_CLEAR" val="0"/>
+  <p:tag name="KSO_WM_UNIT_COMPATIBLE" val="0"/>
+  <p:tag name="KSO_WM_UNIT_HIGHLIGHT" val="0"/>
+  <p:tag name="KSO_WM_UNIT_VALUE" val="616"/>
+  <p:tag name="KSO_WM_UNIT_LAYERLEVEL" val="1"/>
+  <p:tag name="KSO_WM_UNIT_INDEX" val="1"/>
+  <p:tag name="KSO_WM_UNIT_TYPE" val="f"/>
+  <p:tag name="KSO_WM_UNIT_ID" val="custom20181595_2*f*1"/>
+</p:tagLst>
+</file>
+
+<file path=ppt/tags/tag92.xml><?xml version="1.0" encoding="utf-8"?>
+<p:tagLst xmlns:a="http://schemas.openxmlformats.org/drawingml/2006/main" xmlns:r="http://schemas.openxmlformats.org/officeDocument/2006/relationships" xmlns:p="http://schemas.openxmlformats.org/presentationml/2006/main">
   <p:tag name="KSO_WM_TAG_VERSION" val="1.0"/>
   <p:tag name="KSO_WM_SLIDE_ITEM_CNT" val="5"/>
   <p:tag name="KSO_WM_SLIDE_LAYOUT" val="a_q"/>
@@ -13857,7 +15944,7 @@
 </p:tagLst>
 </file>
 
-<file path=ppt/tags/tag88.xml><?xml version="1.0" encoding="utf-8"?>
+<file path=ppt/tags/tag93.xml><?xml version="1.0" encoding="utf-8"?>
 <p:tagLst xmlns:a="http://schemas.openxmlformats.org/drawingml/2006/main" xmlns:r="http://schemas.openxmlformats.org/officeDocument/2006/relationships" xmlns:p="http://schemas.openxmlformats.org/presentationml/2006/main">
   <p:tag name="KSO_WM_TEMPLATE_CATEGORY" val="custom"/>
   <p:tag name="KSO_WM_TEMPLATE_INDEX" val="20181595"/>
@@ -13881,7 +15968,7 @@
 </p:tagLst>
 </file>
 
-<file path=ppt/tags/tag89.xml><?xml version="1.0" encoding="utf-8"?>
+<file path=ppt/tags/tag94.xml><?xml version="1.0" encoding="utf-8"?>
 <p:tagLst xmlns:a="http://schemas.openxmlformats.org/drawingml/2006/main" xmlns:r="http://schemas.openxmlformats.org/officeDocument/2006/relationships" xmlns:p="http://schemas.openxmlformats.org/presentationml/2006/main">
   <p:tag name="KSO_WM_TEMPLATE_CATEGORY" val="custom"/>
   <p:tag name="KSO_WM_TEMPLATE_INDEX" val="20181595"/>
@@ -13900,19 +15987,7 @@
 </p:tagLst>
 </file>
 
-<file path=ppt/tags/tag9.xml><?xml version="1.0" encoding="utf-8"?>
-<p:tagLst xmlns:a="http://schemas.openxmlformats.org/drawingml/2006/main" xmlns:r="http://schemas.openxmlformats.org/officeDocument/2006/relationships" xmlns:p="http://schemas.openxmlformats.org/presentationml/2006/main">
-  <p:tag name="KSO_WM_TAG_VERSION" val="1.0"/>
-  <p:tag name="KSO_WM_BEAUTIFY_FLAG" val="#wm#"/>
-  <p:tag name="KSO_WM_UNIT_TYPE" val="i"/>
-  <p:tag name="KSO_WM_UNIT_ID" val="custom20181595_1*i*2"/>
-  <p:tag name="KSO_WM_TEMPLATE_CATEGORY" val="custom"/>
-  <p:tag name="KSO_WM_TEMPLATE_INDEX" val="20181595"/>
-  <p:tag name="KSO_WM_UNIT_INDEX" val="2"/>
-</p:tagLst>
-</file>
-
-<file path=ppt/tags/tag90.xml><?xml version="1.0" encoding="utf-8"?>
+<file path=ppt/tags/tag95.xml><?xml version="1.0" encoding="utf-8"?>
 <p:tagLst xmlns:a="http://schemas.openxmlformats.org/drawingml/2006/main" xmlns:r="http://schemas.openxmlformats.org/officeDocument/2006/relationships" xmlns:p="http://schemas.openxmlformats.org/presentationml/2006/main">
   <p:tag name="KSO_WM_TAG_VERSION" val="1.0"/>
   <p:tag name="KSO_WM_SLIDE_ITEM_CNT" val="5"/>
@@ -13932,7 +16007,7 @@
 </p:tagLst>
 </file>
 
-<file path=ppt/tags/tag91.xml><?xml version="1.0" encoding="utf-8"?>
+<file path=ppt/tags/tag96.xml><?xml version="1.0" encoding="utf-8"?>
 <p:tagLst xmlns:a="http://schemas.openxmlformats.org/drawingml/2006/main" xmlns:r="http://schemas.openxmlformats.org/officeDocument/2006/relationships" xmlns:p="http://schemas.openxmlformats.org/presentationml/2006/main">
   <p:tag name="KSO_WM_TEMPLATE_CATEGORY" val="custom"/>
   <p:tag name="KSO_WM_TEMPLATE_INDEX" val="20181595"/>
@@ -13956,7 +16031,7 @@
 </p:tagLst>
 </file>
 
-<file path=ppt/tags/tag92.xml><?xml version="1.0" encoding="utf-8"?>
+<file path=ppt/tags/tag97.xml><?xml version="1.0" encoding="utf-8"?>
 <p:tagLst xmlns:a="http://schemas.openxmlformats.org/drawingml/2006/main" xmlns:r="http://schemas.openxmlformats.org/officeDocument/2006/relationships" xmlns:p="http://schemas.openxmlformats.org/presentationml/2006/main">
   <p:tag name="KSO_WM_TEMPLATE_CATEGORY" val="custom"/>
   <p:tag name="KSO_WM_TEMPLATE_INDEX" val="20181595"/>
@@ -14230,7 +16305,7 @@
   <a:extraClrSchemeLst/>
   <a:extLst>
     <a:ext uri="{05A4C25C-085E-4340-85A3-A5531E510DB2}">
-      <thm15:themeFamily xmlns="" xmlns:thm15="http://schemas.microsoft.com/office/thememl/2012/main" name="Office Theme" id="{62F939B6-93AF-4DB8-9C6B-D6C7DFDC589F}" vid="{4A3C46E8-61CC-4603-A589-7422A47A8E4A}"/>
+      <thm15:themeFamily xmlns:thm15="http://schemas.microsoft.com/office/thememl/2012/main" xmlns="" name="Office Theme" id="{62F939B6-93AF-4DB8-9C6B-D6C7DFDC589F}" vid="{4A3C46E8-61CC-4603-A589-7422A47A8E4A}"/>
     </a:ext>
   </a:extLst>
 </a:theme>
@@ -14491,7 +16566,7 @@
   <a:extraClrSchemeLst/>
   <a:extLst>
     <a:ext uri="{05A4C25C-085E-4340-85A3-A5531E510DB2}">
-      <thm15:themeFamily xmlns="" xmlns:thm15="http://schemas.microsoft.com/office/thememl/2012/main" name="Office Theme" id="{62F939B6-93AF-4DB8-9C6B-D6C7DFDC589F}" vid="{4A3C46E8-61CC-4603-A589-7422A47A8E4A}"/>
+      <thm15:themeFamily xmlns:thm15="http://schemas.microsoft.com/office/thememl/2012/main" xmlns="" name="Office Theme" id="{62F939B6-93AF-4DB8-9C6B-D6C7DFDC589F}" vid="{4A3C46E8-61CC-4603-A589-7422A47A8E4A}"/>
     </a:ext>
   </a:extLst>
 </a:theme>
